--- a/pre.pptx
+++ b/pre.pptx
@@ -5,7 +5,7 @@
     <p:sldMasterId id="2147483656" r:id="rId1"/>
   </p:sldMasterIdLst>
   <p:notesMasterIdLst>
-    <p:notesMasterId r:id="rId19"/>
+    <p:notesMasterId r:id="rId21"/>
   </p:notesMasterIdLst>
   <p:sldIdLst>
     <p:sldId id="258" r:id="rId2"/>
@@ -23,8 +23,10 @@
     <p:sldId id="384" r:id="rId14"/>
     <p:sldId id="385" r:id="rId15"/>
     <p:sldId id="386" r:id="rId16"/>
-    <p:sldId id="387" r:id="rId17"/>
-    <p:sldId id="308" r:id="rId18"/>
+    <p:sldId id="388" r:id="rId17"/>
+    <p:sldId id="389" r:id="rId18"/>
+    <p:sldId id="387" r:id="rId19"/>
+    <p:sldId id="308" r:id="rId20"/>
   </p:sldIdLst>
   <p:sldSz cx="9144000" cy="6858000" type="screen4x3"/>
   <p:notesSz cx="6797675" cy="9874250"/>
@@ -6656,7 +6658,7 @@
           <p:cNvPr id="2" name="标题 1">
             <a:extLst>
               <a:ext uri="{FF2B5EF4-FFF2-40B4-BE49-F238E27FC236}">
-                <a16:creationId xmlns:a16="http://schemas.microsoft.com/office/drawing/2014/main" id="{065CCDF7-B880-4C81-9AB0-DD7F6762E6DF}"/>
+                <a16:creationId xmlns:a16="http://schemas.microsoft.com/office/drawing/2014/main" id="{48704691-43A2-4C88-8C16-0B8DDF90C16D}"/>
               </a:ext>
             </a:extLst>
           </p:cNvPr>
@@ -6674,8 +6676,8 @@
           <a:p>
             <a:pPr algn="l"/>
             <a:r>
-              <a:rPr lang="zh-CN" altLang="en-US" dirty="0"/>
-              <a:t>总结</a:t>
+              <a:rPr lang="zh-CN" altLang="en-US" sz="3600" dirty="0"/>
+              <a:t>研究成果</a:t>
             </a:r>
           </a:p>
         </p:txBody>
@@ -6685,7 +6687,7 @@
           <p:cNvPr id="3" name="内容占位符 2">
             <a:extLst>
               <a:ext uri="{FF2B5EF4-FFF2-40B4-BE49-F238E27FC236}">
-                <a16:creationId xmlns:a16="http://schemas.microsoft.com/office/drawing/2014/main" id="{E07842D9-9D7C-4814-932C-6662EAE59080}"/>
+                <a16:creationId xmlns:a16="http://schemas.microsoft.com/office/drawing/2014/main" id="{5AE310BD-E041-48DA-B5F3-0EF63210BFB8}"/>
               </a:ext>
             </a:extLst>
           </p:cNvPr>
@@ -6696,40 +6698,168 @@
             <p:ph idx="1"/>
           </p:nvPr>
         </p:nvSpPr>
-        <p:spPr/>
-        <p:txBody>
-          <a:bodyPr/>
-          <a:lstStyle/>
-          <a:p>
-            <a:r>
-              <a:rPr lang="zh-CN" altLang="en-US" dirty="0"/>
-              <a:t>基于模糊测试的智能合约漏洞检测工具</a:t>
-            </a:r>
+        <p:spPr>
+          <a:xfrm>
+            <a:off x="468313" y="1484313"/>
+            <a:ext cx="5491837" cy="4392612"/>
+          </a:xfrm>
+        </p:spPr>
+        <p:txBody>
+          <a:bodyPr/>
+          <a:lstStyle/>
+          <a:p>
+            <a:r>
+              <a:rPr lang="zh-CN" altLang="zh-CN" dirty="0"/>
+              <a:t>自动化测试调用器</a:t>
+            </a:r>
+          </a:p>
+          <a:p>
+            <a:pPr marL="0" indent="0">
+              <a:buNone/>
+            </a:pPr>
+            <a:r>
+              <a:rPr lang="zh-CN" altLang="zh-CN" sz="2000" kern="100" dirty="0">
+                <a:effectLst/>
+                <a:latin typeface="Calibri" panose="020F0502020204030204" pitchFamily="34" charset="0"/>
+                <a:ea typeface="宋体" panose="02010600030101010101" pitchFamily="2" charset="-122"/>
+                <a:cs typeface="Times New Roman" panose="02020603050405020304" pitchFamily="18" charset="0"/>
+              </a:rPr>
+              <a:t>使用者只需要调整参数使得调用器可以链接到部署着待测试合约的以太坊区块链上，再填写目标合约部署的地址，准备调用必须的</a:t>
+            </a:r>
+            <a:r>
+              <a:rPr lang="en-US" altLang="zh-CN" sz="2000" kern="100" dirty="0" err="1">
+                <a:effectLst/>
+                <a:latin typeface="Calibri" panose="020F0502020204030204" pitchFamily="34" charset="0"/>
+                <a:ea typeface="宋体" panose="02010600030101010101" pitchFamily="2" charset="-122"/>
+                <a:cs typeface="Times New Roman" panose="02020603050405020304" pitchFamily="18" charset="0"/>
+              </a:rPr>
+              <a:t>abi</a:t>
+            </a:r>
+            <a:r>
+              <a:rPr lang="zh-CN" altLang="zh-CN" sz="2000" kern="100" dirty="0">
+                <a:effectLst/>
+                <a:latin typeface="Calibri" panose="020F0502020204030204" pitchFamily="34" charset="0"/>
+                <a:ea typeface="宋体" panose="02010600030101010101" pitchFamily="2" charset="-122"/>
+                <a:cs typeface="Times New Roman" panose="02020603050405020304" pitchFamily="18" charset="0"/>
+              </a:rPr>
+              <a:t>文件，启动工具即可对该合约开始自动化的模糊测试。</a:t>
+            </a:r>
+          </a:p>
+          <a:p>
             <a:endParaRPr lang="en-US" altLang="zh-CN" dirty="0"/>
           </a:p>
           <a:p>
-            <a:pPr lvl="1"/>
-            <a:r>
-              <a:rPr lang="zh-CN" altLang="en-US" dirty="0"/>
-              <a:t>实现了基于</a:t>
+            <a:r>
+              <a:rPr lang="zh-CN" altLang="zh-CN" dirty="0"/>
+              <a:t>修改后的插桩测试</a:t>
             </a:r>
             <a:r>
               <a:rPr lang="en-US" altLang="zh-CN" dirty="0"/>
-              <a:t>ABI</a:t>
-            </a:r>
-            <a:r>
-              <a:rPr lang="zh-CN" altLang="en-US" dirty="0"/>
-              <a:t>的模糊输入生成、运行时的关键信息与指令的插桩、基于测试预言的输出分析。</a:t>
+              <a:t>Geth</a:t>
+            </a:r>
+            <a:r>
+              <a:rPr lang="zh-CN" altLang="zh-CN" dirty="0"/>
+              <a:t>客户端</a:t>
             </a:r>
             <a:endParaRPr lang="en-US" altLang="zh-CN" dirty="0"/>
           </a:p>
           <a:p>
-            <a:pPr lvl="1"/>
-            <a:r>
-              <a:rPr lang="zh-CN" altLang="en-US" dirty="0"/>
-              <a:t>提供了变异算法、指令插桩、测试预言的定制接口，用户可根据需要自行扩展。</a:t>
-            </a:r>
+            <a:pPr marL="0" indent="0">
+              <a:buNone/>
+            </a:pPr>
+            <a:r>
+              <a:rPr lang="zh-CN" altLang="zh-CN" sz="2000" kern="100" dirty="0">
+                <a:effectLst/>
+                <a:latin typeface="Calibri" panose="020F0502020204030204" pitchFamily="34" charset="0"/>
+                <a:ea typeface="宋体" panose="02010600030101010101" pitchFamily="2" charset="-122"/>
+                <a:cs typeface="Times New Roman" panose="02020603050405020304" pitchFamily="18" charset="0"/>
+              </a:rPr>
+              <a:t>为获取插桩输出的数据，使用者应该使用该份基于以太坊官方</a:t>
+            </a:r>
+            <a:r>
+              <a:rPr lang="en-US" altLang="zh-CN" sz="2000" kern="100" dirty="0">
+                <a:effectLst/>
+                <a:latin typeface="Calibri" panose="020F0502020204030204" pitchFamily="34" charset="0"/>
+                <a:ea typeface="宋体" panose="02010600030101010101" pitchFamily="2" charset="-122"/>
+                <a:cs typeface="Times New Roman" panose="02020603050405020304" pitchFamily="18" charset="0"/>
+              </a:rPr>
+              <a:t>Go</a:t>
+            </a:r>
+            <a:r>
+              <a:rPr lang="zh-CN" altLang="zh-CN" sz="2000" kern="100" dirty="0">
+                <a:effectLst/>
+                <a:latin typeface="Calibri" panose="020F0502020204030204" pitchFamily="34" charset="0"/>
+                <a:ea typeface="宋体" panose="02010600030101010101" pitchFamily="2" charset="-122"/>
+                <a:cs typeface="Times New Roman" panose="02020603050405020304" pitchFamily="18" charset="0"/>
+              </a:rPr>
+              <a:t>语言客户端</a:t>
+            </a:r>
+            <a:r>
+              <a:rPr lang="en-US" altLang="zh-CN" sz="2000" kern="100" dirty="0">
+                <a:effectLst/>
+                <a:latin typeface="Calibri" panose="020F0502020204030204" pitchFamily="34" charset="0"/>
+                <a:ea typeface="宋体" panose="02010600030101010101" pitchFamily="2" charset="-122"/>
+                <a:cs typeface="Times New Roman" panose="02020603050405020304" pitchFamily="18" charset="0"/>
+              </a:rPr>
+              <a:t>Go-Ethereum</a:t>
+            </a:r>
+            <a:r>
+              <a:rPr lang="zh-CN" altLang="zh-CN" sz="2000" kern="100" dirty="0">
+                <a:effectLst/>
+                <a:latin typeface="Calibri" panose="020F0502020204030204" pitchFamily="34" charset="0"/>
+                <a:ea typeface="宋体" panose="02010600030101010101" pitchFamily="2" charset="-122"/>
+                <a:cs typeface="Times New Roman" panose="02020603050405020304" pitchFamily="18" charset="0"/>
+              </a:rPr>
+              <a:t>即</a:t>
+            </a:r>
+            <a:r>
+              <a:rPr lang="en-US" altLang="zh-CN" sz="2000" kern="100" dirty="0">
+                <a:effectLst/>
+                <a:latin typeface="Calibri" panose="020F0502020204030204" pitchFamily="34" charset="0"/>
+                <a:ea typeface="宋体" panose="02010600030101010101" pitchFamily="2" charset="-122"/>
+                <a:cs typeface="Times New Roman" panose="02020603050405020304" pitchFamily="18" charset="0"/>
+              </a:rPr>
+              <a:t>Geth</a:t>
+            </a:r>
+            <a:r>
+              <a:rPr lang="zh-CN" altLang="zh-CN" sz="2000" kern="100" dirty="0">
+                <a:effectLst/>
+                <a:latin typeface="Calibri" panose="020F0502020204030204" pitchFamily="34" charset="0"/>
+                <a:ea typeface="宋体" panose="02010600030101010101" pitchFamily="2" charset="-122"/>
+                <a:cs typeface="Times New Roman" panose="02020603050405020304" pitchFamily="18" charset="0"/>
+              </a:rPr>
+              <a:t>修改之后的客户端启动区块链节点，从而此后的每笔运算会经过修改过的</a:t>
+            </a:r>
+            <a:r>
+              <a:rPr lang="en-US" altLang="zh-CN" sz="2000" kern="100" dirty="0">
+                <a:effectLst/>
+                <a:latin typeface="Calibri" panose="020F0502020204030204" pitchFamily="34" charset="0"/>
+                <a:ea typeface="宋体" panose="02010600030101010101" pitchFamily="2" charset="-122"/>
+                <a:cs typeface="Times New Roman" panose="02020603050405020304" pitchFamily="18" charset="0"/>
+              </a:rPr>
+              <a:t>EVM</a:t>
+            </a:r>
+            <a:r>
+              <a:rPr lang="zh-CN" altLang="zh-CN" sz="2000" kern="100" dirty="0">
+                <a:effectLst/>
+                <a:latin typeface="Calibri" panose="020F0502020204030204" pitchFamily="34" charset="0"/>
+                <a:ea typeface="宋体" panose="02010600030101010101" pitchFamily="2" charset="-122"/>
+                <a:cs typeface="Times New Roman" panose="02020603050405020304" pitchFamily="18" charset="0"/>
+              </a:rPr>
+              <a:t>虚拟机，使得插桩代码工作并输出信息。在启动测试后，合约调用的交易信息会反映在控制台输出。</a:t>
+            </a:r>
+          </a:p>
+          <a:p>
+            <a:pPr marL="0" indent="0">
+              <a:buNone/>
+            </a:pPr>
+            <a:endParaRPr lang="zh-CN" altLang="zh-CN" dirty="0"/>
+          </a:p>
+          <a:p>
             <a:endParaRPr lang="en-US" altLang="zh-CN" dirty="0"/>
+          </a:p>
+          <a:p>
+            <a:endParaRPr lang="zh-CN" altLang="en-US" dirty="0"/>
           </a:p>
         </p:txBody>
       </p:sp>
@@ -6738,7 +6868,7 @@
           <p:cNvPr id="4" name="灯片编号占位符 3">
             <a:extLst>
               <a:ext uri="{FF2B5EF4-FFF2-40B4-BE49-F238E27FC236}">
-                <a16:creationId xmlns:a16="http://schemas.microsoft.com/office/drawing/2014/main" id="{8E01067B-7E5D-494C-A1DD-CAF14DDA3DFC}"/>
+                <a16:creationId xmlns:a16="http://schemas.microsoft.com/office/drawing/2014/main" id="{517D72BF-1C73-40DA-8D88-AEA30DE27FC9}"/>
               </a:ext>
             </a:extLst>
           </p:cNvPr>
@@ -6763,10 +6893,136 @@
           </a:p>
         </p:txBody>
       </p:sp>
+      <p:pic>
+        <p:nvPicPr>
+          <p:cNvPr id="5" name="图片 4">
+            <a:extLst>
+              <a:ext uri="{FF2B5EF4-FFF2-40B4-BE49-F238E27FC236}">
+                <a16:creationId xmlns:a16="http://schemas.microsoft.com/office/drawing/2014/main" id="{A7936708-4456-4070-979A-21C2094707A0}"/>
+              </a:ext>
+            </a:extLst>
+          </p:cNvPr>
+          <p:cNvPicPr/>
+          <p:nvPr/>
+        </p:nvPicPr>
+        <p:blipFill>
+          <a:blip r:embed="rId2"/>
+          <a:stretch>
+            <a:fillRect/>
+          </a:stretch>
+        </p:blipFill>
+        <p:spPr>
+          <a:xfrm>
+            <a:off x="6084104" y="1396165"/>
+            <a:ext cx="1591121" cy="2289652"/>
+          </a:xfrm>
+          <a:prstGeom prst="rect">
+            <a:avLst/>
+          </a:prstGeom>
+        </p:spPr>
+      </p:pic>
+      <p:sp>
+        <p:nvSpPr>
+          <p:cNvPr id="6" name="文本框 5">
+            <a:extLst>
+              <a:ext uri="{FF2B5EF4-FFF2-40B4-BE49-F238E27FC236}">
+                <a16:creationId xmlns:a16="http://schemas.microsoft.com/office/drawing/2014/main" id="{AFCDCFD7-1C0E-42C9-9ECA-57B532B1031E}"/>
+              </a:ext>
+            </a:extLst>
+          </p:cNvPr>
+          <p:cNvSpPr txBox="1"/>
+          <p:nvPr/>
+        </p:nvSpPr>
+        <p:spPr>
+          <a:xfrm>
+            <a:off x="5960150" y="3698757"/>
+            <a:ext cx="2031325" cy="369332"/>
+          </a:xfrm>
+          <a:prstGeom prst="rect">
+            <a:avLst/>
+          </a:prstGeom>
+          <a:noFill/>
+        </p:spPr>
+        <p:txBody>
+          <a:bodyPr wrap="none" rtlCol="0">
+            <a:spAutoFit/>
+          </a:bodyPr>
+          <a:lstStyle/>
+          <a:p>
+            <a:r>
+              <a:rPr lang="zh-CN" altLang="en-US" dirty="0"/>
+              <a:t>多轮逐个测试函数</a:t>
+            </a:r>
+          </a:p>
+        </p:txBody>
+      </p:sp>
+      <p:pic>
+        <p:nvPicPr>
+          <p:cNvPr id="8" name="图片 7">
+            <a:extLst>
+              <a:ext uri="{FF2B5EF4-FFF2-40B4-BE49-F238E27FC236}">
+                <a16:creationId xmlns:a16="http://schemas.microsoft.com/office/drawing/2014/main" id="{54A1CD82-C383-434E-A9D2-8BD74631905D}"/>
+              </a:ext>
+            </a:extLst>
+          </p:cNvPr>
+          <p:cNvPicPr/>
+          <p:nvPr/>
+        </p:nvPicPr>
+        <p:blipFill>
+          <a:blip r:embed="rId3"/>
+          <a:stretch>
+            <a:fillRect/>
+          </a:stretch>
+        </p:blipFill>
+        <p:spPr>
+          <a:xfrm>
+            <a:off x="5836236" y="4200922"/>
+            <a:ext cx="5274310" cy="1322705"/>
+          </a:xfrm>
+          <a:prstGeom prst="rect">
+            <a:avLst/>
+          </a:prstGeom>
+        </p:spPr>
+      </p:pic>
+      <p:sp>
+        <p:nvSpPr>
+          <p:cNvPr id="9" name="文本框 8">
+            <a:extLst>
+              <a:ext uri="{FF2B5EF4-FFF2-40B4-BE49-F238E27FC236}">
+                <a16:creationId xmlns:a16="http://schemas.microsoft.com/office/drawing/2014/main" id="{0D9F5B49-6E81-464F-BE99-639DB77A43DB}"/>
+              </a:ext>
+            </a:extLst>
+          </p:cNvPr>
+          <p:cNvSpPr txBox="1"/>
+          <p:nvPr/>
+        </p:nvSpPr>
+        <p:spPr>
+          <a:xfrm>
+            <a:off x="6075565" y="5534938"/>
+            <a:ext cx="1800493" cy="369332"/>
+          </a:xfrm>
+          <a:prstGeom prst="rect">
+            <a:avLst/>
+          </a:prstGeom>
+          <a:noFill/>
+        </p:spPr>
+        <p:txBody>
+          <a:bodyPr wrap="none" rtlCol="0">
+            <a:spAutoFit/>
+          </a:bodyPr>
+          <a:lstStyle/>
+          <a:p>
+            <a:r>
+              <a:rPr lang="zh-CN" altLang="en-US" dirty="0"/>
+              <a:t>成功的测试调用</a:t>
+            </a:r>
+          </a:p>
+        </p:txBody>
+      </p:sp>
     </p:spTree>
     <p:extLst>
       <p:ext uri="{BB962C8B-B14F-4D97-AF65-F5344CB8AC3E}">
-        <p14:creationId xmlns:p14="http://schemas.microsoft.com/office/powerpoint/2010/main" val="1272760094"/>
+        <p14:creationId xmlns:p14="http://schemas.microsoft.com/office/powerpoint/2010/main" val="2357400858"/>
       </p:ext>
     </p:extLst>
   </p:cSld>
@@ -6795,6 +7051,399 @@
       </p:grpSpPr>
       <p:sp>
         <p:nvSpPr>
+          <p:cNvPr id="2" name="标题 1">
+            <a:extLst>
+              <a:ext uri="{FF2B5EF4-FFF2-40B4-BE49-F238E27FC236}">
+                <a16:creationId xmlns:a16="http://schemas.microsoft.com/office/drawing/2014/main" id="{48704691-43A2-4C88-8C16-0B8DDF90C16D}"/>
+              </a:ext>
+            </a:extLst>
+          </p:cNvPr>
+          <p:cNvSpPr>
+            <a:spLocks noGrp="1"/>
+          </p:cNvSpPr>
+          <p:nvPr>
+            <p:ph type="title"/>
+          </p:nvPr>
+        </p:nvSpPr>
+        <p:spPr/>
+        <p:txBody>
+          <a:bodyPr/>
+          <a:lstStyle/>
+          <a:p>
+            <a:pPr algn="l"/>
+            <a:r>
+              <a:rPr lang="zh-CN" altLang="en-US" sz="3600" dirty="0"/>
+              <a:t>研究成果</a:t>
+            </a:r>
+          </a:p>
+        </p:txBody>
+      </p:sp>
+      <p:sp>
+        <p:nvSpPr>
+          <p:cNvPr id="3" name="内容占位符 2">
+            <a:extLst>
+              <a:ext uri="{FF2B5EF4-FFF2-40B4-BE49-F238E27FC236}">
+                <a16:creationId xmlns:a16="http://schemas.microsoft.com/office/drawing/2014/main" id="{5AE310BD-E041-48DA-B5F3-0EF63210BFB8}"/>
+              </a:ext>
+            </a:extLst>
+          </p:cNvPr>
+          <p:cNvSpPr>
+            <a:spLocks noGrp="1"/>
+          </p:cNvSpPr>
+          <p:nvPr>
+            <p:ph idx="1"/>
+          </p:nvPr>
+        </p:nvSpPr>
+        <p:spPr>
+          <a:xfrm>
+            <a:off x="468313" y="1484313"/>
+            <a:ext cx="6046787" cy="4392612"/>
+          </a:xfrm>
+        </p:spPr>
+        <p:txBody>
+          <a:bodyPr/>
+          <a:lstStyle/>
+          <a:p>
+            <a:r>
+              <a:rPr lang="zh-CN" altLang="en-US" dirty="0"/>
+              <a:t>测试分析与用例生成器</a:t>
+            </a:r>
+            <a:endParaRPr lang="en-US" altLang="zh-CN" dirty="0"/>
+          </a:p>
+          <a:p>
+            <a:pPr marL="0" indent="0">
+              <a:buNone/>
+            </a:pPr>
+            <a:r>
+              <a:rPr lang="zh-CN" altLang="zh-CN" sz="2000" kern="100" dirty="0">
+                <a:solidFill>
+                  <a:srgbClr val="404040"/>
+                </a:solidFill>
+                <a:effectLst/>
+                <a:latin typeface="+mn-ea"/>
+                <a:cs typeface="Times New Roman" panose="02020603050405020304" pitchFamily="18" charset="0"/>
+              </a:rPr>
+              <a:t>该部分为了提高模糊测试的测试效率，避免测试沦为随机测试，可以基于</a:t>
+            </a:r>
+            <a:r>
+              <a:rPr lang="en-US" altLang="zh-CN" sz="2000" kern="100" dirty="0">
+                <a:solidFill>
+                  <a:srgbClr val="404040"/>
+                </a:solidFill>
+                <a:effectLst/>
+                <a:latin typeface="+mn-ea"/>
+                <a:cs typeface="Times New Roman" panose="02020603050405020304" pitchFamily="18" charset="0"/>
+              </a:rPr>
+              <a:t>EVM</a:t>
+            </a:r>
+            <a:r>
+              <a:rPr lang="zh-CN" altLang="zh-CN" sz="2000" kern="100" dirty="0">
+                <a:solidFill>
+                  <a:srgbClr val="404040"/>
+                </a:solidFill>
+                <a:effectLst/>
+                <a:latin typeface="+mn-ea"/>
+                <a:cs typeface="Times New Roman" panose="02020603050405020304" pitchFamily="18" charset="0"/>
+              </a:rPr>
+              <a:t>虚拟机内插桩获得的堆栈数据，将可能有用的数字和合约地址提取出来作为输入种子池，并基于种子池产生更多的模糊测试输入，以测试逻辑条件分支以及运算限制的边界状况各侧的智能合约运行情况。</a:t>
+            </a:r>
+            <a:endParaRPr lang="zh-CN" altLang="zh-CN" sz="2000" kern="100" dirty="0">
+              <a:effectLst/>
+              <a:latin typeface="+mn-ea"/>
+              <a:cs typeface="Times New Roman" panose="02020603050405020304" pitchFamily="18" charset="0"/>
+            </a:endParaRPr>
+          </a:p>
+          <a:p>
+            <a:pPr marL="0" indent="0">
+              <a:buNone/>
+            </a:pPr>
+            <a:endParaRPr lang="en-US" altLang="zh-CN" dirty="0"/>
+          </a:p>
+          <a:p>
+            <a:r>
+              <a:rPr lang="zh-CN" altLang="en-US" dirty="0"/>
+              <a:t>报告分析与生成器</a:t>
+            </a:r>
+            <a:endParaRPr lang="en-US" altLang="zh-CN" dirty="0"/>
+          </a:p>
+          <a:p>
+            <a:pPr marL="0" indent="0">
+              <a:buNone/>
+            </a:pPr>
+            <a:r>
+              <a:rPr lang="zh-CN" altLang="en-US" sz="2000" dirty="0"/>
+              <a:t>在模糊测试已经基本完成，插桩信息已经成功输出的情况下，最终借助分析漏洞相关信息并总结测试覆盖率，生成针对目标智能合约的本次模糊测试的最终报告。</a:t>
+            </a:r>
+          </a:p>
+        </p:txBody>
+      </p:sp>
+      <p:sp>
+        <p:nvSpPr>
+          <p:cNvPr id="4" name="灯片编号占位符 3">
+            <a:extLst>
+              <a:ext uri="{FF2B5EF4-FFF2-40B4-BE49-F238E27FC236}">
+                <a16:creationId xmlns:a16="http://schemas.microsoft.com/office/drawing/2014/main" id="{517D72BF-1C73-40DA-8D88-AEA30DE27FC9}"/>
+              </a:ext>
+            </a:extLst>
+          </p:cNvPr>
+          <p:cNvSpPr>
+            <a:spLocks noGrp="1"/>
+          </p:cNvSpPr>
+          <p:nvPr>
+            <p:ph type="sldNum" sz="quarter" idx="12"/>
+          </p:nvPr>
+        </p:nvSpPr>
+        <p:spPr/>
+        <p:txBody>
+          <a:bodyPr/>
+          <a:lstStyle/>
+          <a:p>
+            <a:fld id="{06128CA3-9668-437A-8B46-F616277CD5DC}" type="slidenum">
+              <a:rPr lang="en-US" altLang="zh-CN" smtClean="0"/>
+              <a:pPr/>
+              <a:t>17</a:t>
+            </a:fld>
+            <a:endParaRPr lang="en-US" altLang="zh-CN"/>
+          </a:p>
+        </p:txBody>
+      </p:sp>
+      <p:pic>
+        <p:nvPicPr>
+          <p:cNvPr id="10" name="图片 9">
+            <a:extLst>
+              <a:ext uri="{FF2B5EF4-FFF2-40B4-BE49-F238E27FC236}">
+                <a16:creationId xmlns:a16="http://schemas.microsoft.com/office/drawing/2014/main" id="{1D143D99-E44E-44E4-ADC7-99E91255273C}"/>
+              </a:ext>
+            </a:extLst>
+          </p:cNvPr>
+          <p:cNvPicPr/>
+          <p:nvPr/>
+        </p:nvPicPr>
+        <p:blipFill>
+          <a:blip r:embed="rId2"/>
+          <a:stretch>
+            <a:fillRect/>
+          </a:stretch>
+        </p:blipFill>
+        <p:spPr>
+          <a:xfrm>
+            <a:off x="6661786" y="1851660"/>
+            <a:ext cx="2276474" cy="2884487"/>
+          </a:xfrm>
+          <a:prstGeom prst="rect">
+            <a:avLst/>
+          </a:prstGeom>
+        </p:spPr>
+      </p:pic>
+      <p:sp>
+        <p:nvSpPr>
+          <p:cNvPr id="7" name="文本框 6">
+            <a:extLst>
+              <a:ext uri="{FF2B5EF4-FFF2-40B4-BE49-F238E27FC236}">
+                <a16:creationId xmlns:a16="http://schemas.microsoft.com/office/drawing/2014/main" id="{F99018F8-FBBB-4F69-9041-298768393EC9}"/>
+              </a:ext>
+            </a:extLst>
+          </p:cNvPr>
+          <p:cNvSpPr txBox="1"/>
+          <p:nvPr/>
+        </p:nvSpPr>
+        <p:spPr>
+          <a:xfrm>
+            <a:off x="7015193" y="5002252"/>
+            <a:ext cx="1569660" cy="369332"/>
+          </a:xfrm>
+          <a:prstGeom prst="rect">
+            <a:avLst/>
+          </a:prstGeom>
+          <a:noFill/>
+        </p:spPr>
+        <p:txBody>
+          <a:bodyPr wrap="none" rtlCol="0">
+            <a:spAutoFit/>
+          </a:bodyPr>
+          <a:lstStyle/>
+          <a:p>
+            <a:r>
+              <a:rPr lang="zh-CN" altLang="en-US" dirty="0"/>
+              <a:t>分析报告样例</a:t>
+            </a:r>
+          </a:p>
+        </p:txBody>
+      </p:sp>
+    </p:spTree>
+    <p:extLst>
+      <p:ext uri="{BB962C8B-B14F-4D97-AF65-F5344CB8AC3E}">
+        <p14:creationId xmlns:p14="http://schemas.microsoft.com/office/powerpoint/2010/main" val="1883286882"/>
+      </p:ext>
+    </p:extLst>
+  </p:cSld>
+  <p:clrMapOvr>
+    <a:masterClrMapping/>
+  </p:clrMapOvr>
+</p:sld>
+</file>
+
+<file path=ppt/slides/slide18.xml><?xml version="1.0" encoding="utf-8"?>
+<p:sld xmlns:a="http://schemas.openxmlformats.org/drawingml/2006/main" xmlns:r="http://schemas.openxmlformats.org/officeDocument/2006/relationships" xmlns:p="http://schemas.openxmlformats.org/presentationml/2006/main">
+  <p:cSld>
+    <p:spTree>
+      <p:nvGrpSpPr>
+        <p:cNvPr id="1" name=""/>
+        <p:cNvGrpSpPr/>
+        <p:nvPr/>
+      </p:nvGrpSpPr>
+      <p:grpSpPr>
+        <a:xfrm>
+          <a:off x="0" y="0"/>
+          <a:ext cx="0" cy="0"/>
+          <a:chOff x="0" y="0"/>
+          <a:chExt cx="0" cy="0"/>
+        </a:xfrm>
+      </p:grpSpPr>
+      <p:sp>
+        <p:nvSpPr>
+          <p:cNvPr id="2" name="标题 1">
+            <a:extLst>
+              <a:ext uri="{FF2B5EF4-FFF2-40B4-BE49-F238E27FC236}">
+                <a16:creationId xmlns:a16="http://schemas.microsoft.com/office/drawing/2014/main" id="{065CCDF7-B880-4C81-9AB0-DD7F6762E6DF}"/>
+              </a:ext>
+            </a:extLst>
+          </p:cNvPr>
+          <p:cNvSpPr>
+            <a:spLocks noGrp="1"/>
+          </p:cNvSpPr>
+          <p:nvPr>
+            <p:ph type="title"/>
+          </p:nvPr>
+        </p:nvSpPr>
+        <p:spPr/>
+        <p:txBody>
+          <a:bodyPr/>
+          <a:lstStyle/>
+          <a:p>
+            <a:pPr algn="l"/>
+            <a:r>
+              <a:rPr lang="zh-CN" altLang="en-US" dirty="0"/>
+              <a:t>总结</a:t>
+            </a:r>
+          </a:p>
+        </p:txBody>
+      </p:sp>
+      <p:sp>
+        <p:nvSpPr>
+          <p:cNvPr id="3" name="内容占位符 2">
+            <a:extLst>
+              <a:ext uri="{FF2B5EF4-FFF2-40B4-BE49-F238E27FC236}">
+                <a16:creationId xmlns:a16="http://schemas.microsoft.com/office/drawing/2014/main" id="{E07842D9-9D7C-4814-932C-6662EAE59080}"/>
+              </a:ext>
+            </a:extLst>
+          </p:cNvPr>
+          <p:cNvSpPr>
+            <a:spLocks noGrp="1"/>
+          </p:cNvSpPr>
+          <p:nvPr>
+            <p:ph idx="1"/>
+          </p:nvPr>
+        </p:nvSpPr>
+        <p:spPr/>
+        <p:txBody>
+          <a:bodyPr/>
+          <a:lstStyle/>
+          <a:p>
+            <a:r>
+              <a:rPr lang="zh-CN" altLang="en-US" dirty="0"/>
+              <a:t>基于模糊测试的智能合约漏洞检测工具</a:t>
+            </a:r>
+            <a:endParaRPr lang="en-US" altLang="zh-CN" dirty="0"/>
+          </a:p>
+          <a:p>
+            <a:pPr lvl="1"/>
+            <a:r>
+              <a:rPr lang="zh-CN" altLang="en-US" dirty="0"/>
+              <a:t>实现了基于</a:t>
+            </a:r>
+            <a:r>
+              <a:rPr lang="en-US" altLang="zh-CN" dirty="0"/>
+              <a:t>ABI</a:t>
+            </a:r>
+            <a:r>
+              <a:rPr lang="zh-CN" altLang="en-US" dirty="0"/>
+              <a:t>的模糊输入生成、运行时的关键信息与指令的插桩、基于测试预言的输出分析。</a:t>
+            </a:r>
+            <a:endParaRPr lang="en-US" altLang="zh-CN" dirty="0"/>
+          </a:p>
+          <a:p>
+            <a:pPr lvl="1"/>
+            <a:r>
+              <a:rPr lang="zh-CN" altLang="en-US" dirty="0"/>
+              <a:t>提供了变异算法、指令插桩、测试预言的定制接口，用户可根据需要自行扩展。</a:t>
+            </a:r>
+            <a:endParaRPr lang="en-US" altLang="zh-CN" dirty="0"/>
+          </a:p>
+        </p:txBody>
+      </p:sp>
+      <p:sp>
+        <p:nvSpPr>
+          <p:cNvPr id="4" name="灯片编号占位符 3">
+            <a:extLst>
+              <a:ext uri="{FF2B5EF4-FFF2-40B4-BE49-F238E27FC236}">
+                <a16:creationId xmlns:a16="http://schemas.microsoft.com/office/drawing/2014/main" id="{8E01067B-7E5D-494C-A1DD-CAF14DDA3DFC}"/>
+              </a:ext>
+            </a:extLst>
+          </p:cNvPr>
+          <p:cNvSpPr>
+            <a:spLocks noGrp="1"/>
+          </p:cNvSpPr>
+          <p:nvPr>
+            <p:ph type="sldNum" sz="quarter" idx="12"/>
+          </p:nvPr>
+        </p:nvSpPr>
+        <p:spPr/>
+        <p:txBody>
+          <a:bodyPr/>
+          <a:lstStyle/>
+          <a:p>
+            <a:fld id="{06128CA3-9668-437A-8B46-F616277CD5DC}" type="slidenum">
+              <a:rPr lang="en-US" altLang="zh-CN" smtClean="0"/>
+              <a:pPr/>
+              <a:t>18</a:t>
+            </a:fld>
+            <a:endParaRPr lang="en-US" altLang="zh-CN"/>
+          </a:p>
+        </p:txBody>
+      </p:sp>
+    </p:spTree>
+    <p:extLst>
+      <p:ext uri="{BB962C8B-B14F-4D97-AF65-F5344CB8AC3E}">
+        <p14:creationId xmlns:p14="http://schemas.microsoft.com/office/powerpoint/2010/main" val="1272760094"/>
+      </p:ext>
+    </p:extLst>
+  </p:cSld>
+  <p:clrMapOvr>
+    <a:masterClrMapping/>
+  </p:clrMapOvr>
+</p:sld>
+</file>
+
+<file path=ppt/slides/slide19.xml><?xml version="1.0" encoding="utf-8"?>
+<p:sld xmlns:a="http://schemas.openxmlformats.org/drawingml/2006/main" xmlns:r="http://schemas.openxmlformats.org/officeDocument/2006/relationships" xmlns:p="http://schemas.openxmlformats.org/presentationml/2006/main">
+  <p:cSld>
+    <p:spTree>
+      <p:nvGrpSpPr>
+        <p:cNvPr id="1" name=""/>
+        <p:cNvGrpSpPr/>
+        <p:nvPr/>
+      </p:nvGrpSpPr>
+      <p:grpSpPr>
+        <a:xfrm>
+          <a:off x="0" y="0"/>
+          <a:ext cx="0" cy="0"/>
+          <a:chOff x="0" y="0"/>
+          <a:chExt cx="0" cy="0"/>
+        </a:xfrm>
+      </p:grpSpPr>
+      <p:sp>
+        <p:nvSpPr>
           <p:cNvPr id="6" name="文本占位符 5"/>
           <p:cNvSpPr>
             <a:spLocks noGrp="1"/>
@@ -6846,7 +7495,7 @@
             <a:fld id="{06128CA3-9668-437A-8B46-F616277CD5DC}" type="slidenum">
               <a:rPr lang="en-US" altLang="zh-CN" smtClean="0"/>
               <a:pPr/>
-              <a:t>17</a:t>
+              <a:t>19</a:t>
             </a:fld>
             <a:endParaRPr lang="en-US" altLang="zh-CN"/>
           </a:p>

--- a/pre.pptx
+++ b/pre.pptx
@@ -5,7 +5,7 @@
     <p:sldMasterId id="2147483656" r:id="rId1"/>
   </p:sldMasterIdLst>
   <p:notesMasterIdLst>
-    <p:notesMasterId r:id="rId21"/>
+    <p:notesMasterId r:id="rId36"/>
   </p:notesMasterIdLst>
   <p:sldIdLst>
     <p:sldId id="258" r:id="rId2"/>
@@ -13,20 +13,35 @@
     <p:sldId id="311" r:id="rId4"/>
     <p:sldId id="375" r:id="rId5"/>
     <p:sldId id="376" r:id="rId6"/>
-    <p:sldId id="377" r:id="rId7"/>
-    <p:sldId id="378" r:id="rId8"/>
-    <p:sldId id="379" r:id="rId9"/>
-    <p:sldId id="380" r:id="rId10"/>
-    <p:sldId id="381" r:id="rId11"/>
-    <p:sldId id="382" r:id="rId12"/>
-    <p:sldId id="383" r:id="rId13"/>
-    <p:sldId id="384" r:id="rId14"/>
-    <p:sldId id="385" r:id="rId15"/>
-    <p:sldId id="386" r:id="rId16"/>
-    <p:sldId id="388" r:id="rId17"/>
-    <p:sldId id="389" r:id="rId18"/>
-    <p:sldId id="387" r:id="rId19"/>
-    <p:sldId id="308" r:id="rId20"/>
+    <p:sldId id="390" r:id="rId7"/>
+    <p:sldId id="392" r:id="rId8"/>
+    <p:sldId id="391" r:id="rId9"/>
+    <p:sldId id="377" r:id="rId10"/>
+    <p:sldId id="378" r:id="rId11"/>
+    <p:sldId id="393" r:id="rId12"/>
+    <p:sldId id="382" r:id="rId13"/>
+    <p:sldId id="383" r:id="rId14"/>
+    <p:sldId id="384" r:id="rId15"/>
+    <p:sldId id="379" r:id="rId16"/>
+    <p:sldId id="395" r:id="rId17"/>
+    <p:sldId id="394" r:id="rId18"/>
+    <p:sldId id="396" r:id="rId19"/>
+    <p:sldId id="380" r:id="rId20"/>
+    <p:sldId id="385" r:id="rId21"/>
+    <p:sldId id="386" r:id="rId22"/>
+    <p:sldId id="398" r:id="rId23"/>
+    <p:sldId id="399" r:id="rId24"/>
+    <p:sldId id="408" r:id="rId25"/>
+    <p:sldId id="400" r:id="rId26"/>
+    <p:sldId id="401" r:id="rId27"/>
+    <p:sldId id="402" r:id="rId28"/>
+    <p:sldId id="403" r:id="rId29"/>
+    <p:sldId id="404" r:id="rId30"/>
+    <p:sldId id="405" r:id="rId31"/>
+    <p:sldId id="406" r:id="rId32"/>
+    <p:sldId id="407" r:id="rId33"/>
+    <p:sldId id="387" r:id="rId34"/>
+    <p:sldId id="308" r:id="rId35"/>
   </p:sldIdLst>
   <p:sldSz cx="9144000" cy="6858000" type="screen4x3"/>
   <p:notesSz cx="6797675" cy="9874250"/>
@@ -268,7 +283,7 @@
           <a:p>
             <a:fld id="{7151C8AC-558D-4E5A-B5BE-E9138EEC6E89}" type="datetimeFigureOut">
               <a:rPr lang="zh-CN" altLang="en-US" smtClean="0"/>
-              <a:t>2020/12/14</a:t>
+              <a:t>2020/12/19</a:t>
             </a:fld>
             <a:endParaRPr lang="zh-CN" altLang="en-US"/>
           </a:p>
@@ -739,7 +754,14 @@
           <a:bodyPr/>
           <a:lstStyle/>
           <a:p>
-            <a:endParaRPr lang="zh-CN" altLang="en-US" dirty="0"/>
+            <a:r>
+              <a:rPr lang="en-US" altLang="zh-CN" dirty="0" err="1"/>
+              <a:t>abi</a:t>
+            </a:r>
+            <a:r>
+              <a:rPr lang="zh-CN" altLang="en-US" dirty="0"/>
+              <a:t>的介绍，具体介绍种子变异和选取的策略，「只是算法，需要插桩支持」插桩</a:t>
+            </a:r>
           </a:p>
         </p:txBody>
       </p:sp>
@@ -769,7 +791,7 @@
     </p:spTree>
     <p:extLst>
       <p:ext uri="{BB962C8B-B14F-4D97-AF65-F5344CB8AC3E}">
-        <p14:creationId xmlns:p14="http://schemas.microsoft.com/office/powerpoint/2010/main" val="1402666528"/>
+        <p14:creationId xmlns:p14="http://schemas.microsoft.com/office/powerpoint/2010/main" val="689776118"/>
       </p:ext>
     </p:extLst>
   </p:cSld>
@@ -823,7 +845,10 @@
           <a:bodyPr/>
           <a:lstStyle/>
           <a:p>
-            <a:endParaRPr lang="zh-CN" altLang="en-US" dirty="0"/>
+            <a:r>
+              <a:rPr lang="zh-CN" altLang="en-US" dirty="0"/>
+              <a:t>自动化分析调用树，放到和模糊测试一块的位置，划分理论和实现两个大的模块</a:t>
+            </a:r>
           </a:p>
         </p:txBody>
       </p:sp>
@@ -853,7 +878,7 @@
     </p:spTree>
     <p:extLst>
       <p:ext uri="{BB962C8B-B14F-4D97-AF65-F5344CB8AC3E}">
-        <p14:creationId xmlns:p14="http://schemas.microsoft.com/office/powerpoint/2010/main" val="3841581016"/>
+        <p14:creationId xmlns:p14="http://schemas.microsoft.com/office/powerpoint/2010/main" val="450882011"/>
       </p:ext>
     </p:extLst>
   </p:cSld>
@@ -907,6 +932,13 @@
           <a:bodyPr/>
           <a:lstStyle/>
           <a:p>
+            <a:r>
+              <a:rPr lang="zh-CN" altLang="en-US" dirty="0"/>
+              <a:t>举例可以放到理论，然后具体在实现部分列出</a:t>
+            </a:r>
+            <a:endParaRPr lang="en-US" altLang="zh-CN" dirty="0"/>
+          </a:p>
+          <a:p>
             <a:endParaRPr lang="zh-CN" altLang="en-US" dirty="0"/>
           </a:p>
         </p:txBody>
@@ -937,7 +969,7 @@
     </p:spTree>
     <p:extLst>
       <p:ext uri="{BB962C8B-B14F-4D97-AF65-F5344CB8AC3E}">
-        <p14:creationId xmlns:p14="http://schemas.microsoft.com/office/powerpoint/2010/main" val="2467074444"/>
+        <p14:creationId xmlns:p14="http://schemas.microsoft.com/office/powerpoint/2010/main" val="2796138647"/>
       </p:ext>
     </p:extLst>
   </p:cSld>
@@ -1021,7 +1053,7 @@
     </p:spTree>
     <p:extLst>
       <p:ext uri="{BB962C8B-B14F-4D97-AF65-F5344CB8AC3E}">
-        <p14:creationId xmlns:p14="http://schemas.microsoft.com/office/powerpoint/2010/main" val="1345900076"/>
+        <p14:creationId xmlns:p14="http://schemas.microsoft.com/office/powerpoint/2010/main" val="330874192"/>
       </p:ext>
     </p:extLst>
   </p:cSld>
@@ -1075,7 +1107,10 @@
           <a:bodyPr/>
           <a:lstStyle/>
           <a:p>
-            <a:endParaRPr lang="zh-CN" altLang="en-US" dirty="0"/>
+            <a:r>
+              <a:rPr lang="zh-CN" altLang="en-US" dirty="0"/>
+              <a:t>插桩对模糊测试输入变异的支持，插桩对自动化分析的支持</a:t>
+            </a:r>
           </a:p>
         </p:txBody>
       </p:sp>
@@ -1105,7 +1140,436 @@
     </p:spTree>
     <p:extLst>
       <p:ext uri="{BB962C8B-B14F-4D97-AF65-F5344CB8AC3E}">
-        <p14:creationId xmlns:p14="http://schemas.microsoft.com/office/powerpoint/2010/main" val="635775637"/>
+        <p14:creationId xmlns:p14="http://schemas.microsoft.com/office/powerpoint/2010/main" val="1532521513"/>
+      </p:ext>
+    </p:extLst>
+  </p:cSld>
+  <p:clrMapOvr>
+    <a:masterClrMapping/>
+  </p:clrMapOvr>
+</p:notes>
+</file>
+
+<file path=ppt/notesSlides/notesSlide15.xml><?xml version="1.0" encoding="utf-8"?>
+<p:notes xmlns:a="http://schemas.openxmlformats.org/drawingml/2006/main" xmlns:r="http://schemas.openxmlformats.org/officeDocument/2006/relationships" xmlns:p="http://schemas.openxmlformats.org/presentationml/2006/main">
+  <p:cSld>
+    <p:spTree>
+      <p:nvGrpSpPr>
+        <p:cNvPr id="1" name=""/>
+        <p:cNvGrpSpPr/>
+        <p:nvPr/>
+      </p:nvGrpSpPr>
+      <p:grpSpPr>
+        <a:xfrm>
+          <a:off x="0" y="0"/>
+          <a:ext cx="0" cy="0"/>
+          <a:chOff x="0" y="0"/>
+          <a:chExt cx="0" cy="0"/>
+        </a:xfrm>
+      </p:grpSpPr>
+      <p:sp>
+        <p:nvSpPr>
+          <p:cNvPr id="2" name="幻灯片图像占位符 1"/>
+          <p:cNvSpPr>
+            <a:spLocks noGrp="1" noRot="1" noChangeAspect="1"/>
+          </p:cNvSpPr>
+          <p:nvPr>
+            <p:ph type="sldImg"/>
+          </p:nvPr>
+        </p:nvSpPr>
+        <p:spPr/>
+      </p:sp>
+      <p:sp>
+        <p:nvSpPr>
+          <p:cNvPr id="3" name="备注占位符 2"/>
+          <p:cNvSpPr>
+            <a:spLocks noGrp="1"/>
+          </p:cNvSpPr>
+          <p:nvPr>
+            <p:ph type="body" idx="1"/>
+          </p:nvPr>
+        </p:nvSpPr>
+        <p:spPr/>
+        <p:txBody>
+          <a:bodyPr/>
+          <a:lstStyle/>
+          <a:p>
+            <a:r>
+              <a:rPr lang="zh-CN" altLang="en-US" dirty="0"/>
+              <a:t>插桩对模糊测试输入变异的支持，插桩对自动化分析的支持</a:t>
+            </a:r>
+          </a:p>
+        </p:txBody>
+      </p:sp>
+      <p:sp>
+        <p:nvSpPr>
+          <p:cNvPr id="4" name="灯片编号占位符 3"/>
+          <p:cNvSpPr>
+            <a:spLocks noGrp="1"/>
+          </p:cNvSpPr>
+          <p:nvPr>
+            <p:ph type="sldNum" sz="quarter" idx="5"/>
+          </p:nvPr>
+        </p:nvSpPr>
+        <p:spPr/>
+        <p:txBody>
+          <a:bodyPr/>
+          <a:lstStyle/>
+          <a:p>
+            <a:fld id="{A7E6567D-2380-43D4-8BA0-4C5297F7F98C}" type="slidenum">
+              <a:rPr lang="zh-CN" altLang="en-US" smtClean="0"/>
+              <a:t>16</a:t>
+            </a:fld>
+            <a:endParaRPr lang="zh-CN" altLang="en-US"/>
+          </a:p>
+        </p:txBody>
+      </p:sp>
+    </p:spTree>
+    <p:extLst>
+      <p:ext uri="{BB962C8B-B14F-4D97-AF65-F5344CB8AC3E}">
+        <p14:creationId xmlns:p14="http://schemas.microsoft.com/office/powerpoint/2010/main" val="3251971154"/>
+      </p:ext>
+    </p:extLst>
+  </p:cSld>
+  <p:clrMapOvr>
+    <a:masterClrMapping/>
+  </p:clrMapOvr>
+</p:notes>
+</file>
+
+<file path=ppt/notesSlides/notesSlide16.xml><?xml version="1.0" encoding="utf-8"?>
+<p:notes xmlns:a="http://schemas.openxmlformats.org/drawingml/2006/main" xmlns:r="http://schemas.openxmlformats.org/officeDocument/2006/relationships" xmlns:p="http://schemas.openxmlformats.org/presentationml/2006/main">
+  <p:cSld>
+    <p:spTree>
+      <p:nvGrpSpPr>
+        <p:cNvPr id="1" name=""/>
+        <p:cNvGrpSpPr/>
+        <p:nvPr/>
+      </p:nvGrpSpPr>
+      <p:grpSpPr>
+        <a:xfrm>
+          <a:off x="0" y="0"/>
+          <a:ext cx="0" cy="0"/>
+          <a:chOff x="0" y="0"/>
+          <a:chExt cx="0" cy="0"/>
+        </a:xfrm>
+      </p:grpSpPr>
+      <p:sp>
+        <p:nvSpPr>
+          <p:cNvPr id="2" name="幻灯片图像占位符 1"/>
+          <p:cNvSpPr>
+            <a:spLocks noGrp="1" noRot="1" noChangeAspect="1"/>
+          </p:cNvSpPr>
+          <p:nvPr>
+            <p:ph type="sldImg"/>
+          </p:nvPr>
+        </p:nvSpPr>
+        <p:spPr/>
+      </p:sp>
+      <p:sp>
+        <p:nvSpPr>
+          <p:cNvPr id="3" name="备注占位符 2"/>
+          <p:cNvSpPr>
+            <a:spLocks noGrp="1"/>
+          </p:cNvSpPr>
+          <p:nvPr>
+            <p:ph type="body" idx="1"/>
+          </p:nvPr>
+        </p:nvSpPr>
+        <p:spPr/>
+        <p:txBody>
+          <a:bodyPr/>
+          <a:lstStyle/>
+          <a:p>
+            <a:r>
+              <a:rPr lang="zh-CN" altLang="en-US" dirty="0"/>
+              <a:t>插桩对模糊测试输入变异的支持，插桩对自动化分析的支持</a:t>
+            </a:r>
+          </a:p>
+        </p:txBody>
+      </p:sp>
+      <p:sp>
+        <p:nvSpPr>
+          <p:cNvPr id="4" name="灯片编号占位符 3"/>
+          <p:cNvSpPr>
+            <a:spLocks noGrp="1"/>
+          </p:cNvSpPr>
+          <p:nvPr>
+            <p:ph type="sldNum" sz="quarter" idx="5"/>
+          </p:nvPr>
+        </p:nvSpPr>
+        <p:spPr/>
+        <p:txBody>
+          <a:bodyPr/>
+          <a:lstStyle/>
+          <a:p>
+            <a:fld id="{A7E6567D-2380-43D4-8BA0-4C5297F7F98C}" type="slidenum">
+              <a:rPr lang="zh-CN" altLang="en-US" smtClean="0"/>
+              <a:t>17</a:t>
+            </a:fld>
+            <a:endParaRPr lang="zh-CN" altLang="en-US"/>
+          </a:p>
+        </p:txBody>
+      </p:sp>
+    </p:spTree>
+    <p:extLst>
+      <p:ext uri="{BB962C8B-B14F-4D97-AF65-F5344CB8AC3E}">
+        <p14:creationId xmlns:p14="http://schemas.microsoft.com/office/powerpoint/2010/main" val="3998207480"/>
+      </p:ext>
+    </p:extLst>
+  </p:cSld>
+  <p:clrMapOvr>
+    <a:masterClrMapping/>
+  </p:clrMapOvr>
+</p:notes>
+</file>
+
+<file path=ppt/notesSlides/notesSlide17.xml><?xml version="1.0" encoding="utf-8"?>
+<p:notes xmlns:a="http://schemas.openxmlformats.org/drawingml/2006/main" xmlns:r="http://schemas.openxmlformats.org/officeDocument/2006/relationships" xmlns:p="http://schemas.openxmlformats.org/presentationml/2006/main">
+  <p:cSld>
+    <p:spTree>
+      <p:nvGrpSpPr>
+        <p:cNvPr id="1" name=""/>
+        <p:cNvGrpSpPr/>
+        <p:nvPr/>
+      </p:nvGrpSpPr>
+      <p:grpSpPr>
+        <a:xfrm>
+          <a:off x="0" y="0"/>
+          <a:ext cx="0" cy="0"/>
+          <a:chOff x="0" y="0"/>
+          <a:chExt cx="0" cy="0"/>
+        </a:xfrm>
+      </p:grpSpPr>
+      <p:sp>
+        <p:nvSpPr>
+          <p:cNvPr id="2" name="幻灯片图像占位符 1"/>
+          <p:cNvSpPr>
+            <a:spLocks noGrp="1" noRot="1" noChangeAspect="1"/>
+          </p:cNvSpPr>
+          <p:nvPr>
+            <p:ph type="sldImg"/>
+          </p:nvPr>
+        </p:nvSpPr>
+        <p:spPr/>
+      </p:sp>
+      <p:sp>
+        <p:nvSpPr>
+          <p:cNvPr id="3" name="备注占位符 2"/>
+          <p:cNvSpPr>
+            <a:spLocks noGrp="1"/>
+          </p:cNvSpPr>
+          <p:nvPr>
+            <p:ph type="body" idx="1"/>
+          </p:nvPr>
+        </p:nvSpPr>
+        <p:spPr/>
+        <p:txBody>
+          <a:bodyPr/>
+          <a:lstStyle/>
+          <a:p>
+            <a:r>
+              <a:rPr lang="zh-CN" altLang="en-US" dirty="0"/>
+              <a:t>插桩对模糊测试输入变异的支持，插桩对自动化分析的支持</a:t>
+            </a:r>
+          </a:p>
+        </p:txBody>
+      </p:sp>
+      <p:sp>
+        <p:nvSpPr>
+          <p:cNvPr id="4" name="灯片编号占位符 3"/>
+          <p:cNvSpPr>
+            <a:spLocks noGrp="1"/>
+          </p:cNvSpPr>
+          <p:nvPr>
+            <p:ph type="sldNum" sz="quarter" idx="5"/>
+          </p:nvPr>
+        </p:nvSpPr>
+        <p:spPr/>
+        <p:txBody>
+          <a:bodyPr/>
+          <a:lstStyle/>
+          <a:p>
+            <a:fld id="{A7E6567D-2380-43D4-8BA0-4C5297F7F98C}" type="slidenum">
+              <a:rPr lang="zh-CN" altLang="en-US" smtClean="0"/>
+              <a:t>18</a:t>
+            </a:fld>
+            <a:endParaRPr lang="zh-CN" altLang="en-US"/>
+          </a:p>
+        </p:txBody>
+      </p:sp>
+    </p:spTree>
+    <p:extLst>
+      <p:ext uri="{BB962C8B-B14F-4D97-AF65-F5344CB8AC3E}">
+        <p14:creationId xmlns:p14="http://schemas.microsoft.com/office/powerpoint/2010/main" val="1708171227"/>
+      </p:ext>
+    </p:extLst>
+  </p:cSld>
+  <p:clrMapOvr>
+    <a:masterClrMapping/>
+  </p:clrMapOvr>
+</p:notes>
+</file>
+
+<file path=ppt/notesSlides/notesSlide18.xml><?xml version="1.0" encoding="utf-8"?>
+<p:notes xmlns:a="http://schemas.openxmlformats.org/drawingml/2006/main" xmlns:r="http://schemas.openxmlformats.org/officeDocument/2006/relationships" xmlns:p="http://schemas.openxmlformats.org/presentationml/2006/main">
+  <p:cSld>
+    <p:spTree>
+      <p:nvGrpSpPr>
+        <p:cNvPr id="1" name=""/>
+        <p:cNvGrpSpPr/>
+        <p:nvPr/>
+      </p:nvGrpSpPr>
+      <p:grpSpPr>
+        <a:xfrm>
+          <a:off x="0" y="0"/>
+          <a:ext cx="0" cy="0"/>
+          <a:chOff x="0" y="0"/>
+          <a:chExt cx="0" cy="0"/>
+        </a:xfrm>
+      </p:grpSpPr>
+      <p:sp>
+        <p:nvSpPr>
+          <p:cNvPr id="2" name="幻灯片图像占位符 1"/>
+          <p:cNvSpPr>
+            <a:spLocks noGrp="1" noRot="1" noChangeAspect="1"/>
+          </p:cNvSpPr>
+          <p:nvPr>
+            <p:ph type="sldImg"/>
+          </p:nvPr>
+        </p:nvSpPr>
+        <p:spPr/>
+      </p:sp>
+      <p:sp>
+        <p:nvSpPr>
+          <p:cNvPr id="3" name="备注占位符 2"/>
+          <p:cNvSpPr>
+            <a:spLocks noGrp="1"/>
+          </p:cNvSpPr>
+          <p:nvPr>
+            <p:ph type="body" idx="1"/>
+          </p:nvPr>
+        </p:nvSpPr>
+        <p:spPr/>
+        <p:txBody>
+          <a:bodyPr/>
+          <a:lstStyle/>
+          <a:p>
+            <a:endParaRPr lang="zh-CN" altLang="en-US" dirty="0"/>
+          </a:p>
+        </p:txBody>
+      </p:sp>
+      <p:sp>
+        <p:nvSpPr>
+          <p:cNvPr id="4" name="灯片编号占位符 3"/>
+          <p:cNvSpPr>
+            <a:spLocks noGrp="1"/>
+          </p:cNvSpPr>
+          <p:nvPr>
+            <p:ph type="sldNum" sz="quarter" idx="5"/>
+          </p:nvPr>
+        </p:nvSpPr>
+        <p:spPr/>
+        <p:txBody>
+          <a:bodyPr/>
+          <a:lstStyle/>
+          <a:p>
+            <a:fld id="{A7E6567D-2380-43D4-8BA0-4C5297F7F98C}" type="slidenum">
+              <a:rPr lang="zh-CN" altLang="en-US" smtClean="0"/>
+              <a:t>19</a:t>
+            </a:fld>
+            <a:endParaRPr lang="zh-CN" altLang="en-US"/>
+          </a:p>
+        </p:txBody>
+      </p:sp>
+    </p:spTree>
+    <p:extLst>
+      <p:ext uri="{BB962C8B-B14F-4D97-AF65-F5344CB8AC3E}">
+        <p14:creationId xmlns:p14="http://schemas.microsoft.com/office/powerpoint/2010/main" val="1409650095"/>
+      </p:ext>
+    </p:extLst>
+  </p:cSld>
+  <p:clrMapOvr>
+    <a:masterClrMapping/>
+  </p:clrMapOvr>
+</p:notes>
+</file>
+
+<file path=ppt/notesSlides/notesSlide19.xml><?xml version="1.0" encoding="utf-8"?>
+<p:notes xmlns:a="http://schemas.openxmlformats.org/drawingml/2006/main" xmlns:r="http://schemas.openxmlformats.org/officeDocument/2006/relationships" xmlns:p="http://schemas.openxmlformats.org/presentationml/2006/main">
+  <p:cSld>
+    <p:spTree>
+      <p:nvGrpSpPr>
+        <p:cNvPr id="1" name=""/>
+        <p:cNvGrpSpPr/>
+        <p:nvPr/>
+      </p:nvGrpSpPr>
+      <p:grpSpPr>
+        <a:xfrm>
+          <a:off x="0" y="0"/>
+          <a:ext cx="0" cy="0"/>
+          <a:chOff x="0" y="0"/>
+          <a:chExt cx="0" cy="0"/>
+        </a:xfrm>
+      </p:grpSpPr>
+      <p:sp>
+        <p:nvSpPr>
+          <p:cNvPr id="2" name="幻灯片图像占位符 1"/>
+          <p:cNvSpPr>
+            <a:spLocks noGrp="1" noRot="1" noChangeAspect="1"/>
+          </p:cNvSpPr>
+          <p:nvPr>
+            <p:ph type="sldImg"/>
+          </p:nvPr>
+        </p:nvSpPr>
+        <p:spPr/>
+      </p:sp>
+      <p:sp>
+        <p:nvSpPr>
+          <p:cNvPr id="3" name="备注占位符 2"/>
+          <p:cNvSpPr>
+            <a:spLocks noGrp="1"/>
+          </p:cNvSpPr>
+          <p:nvPr>
+            <p:ph type="body" idx="1"/>
+          </p:nvPr>
+        </p:nvSpPr>
+        <p:spPr/>
+        <p:txBody>
+          <a:bodyPr/>
+          <a:lstStyle/>
+          <a:p>
+            <a:endParaRPr lang="zh-CN" altLang="en-US" dirty="0"/>
+          </a:p>
+        </p:txBody>
+      </p:sp>
+      <p:sp>
+        <p:nvSpPr>
+          <p:cNvPr id="4" name="灯片编号占位符 3"/>
+          <p:cNvSpPr>
+            <a:spLocks noGrp="1"/>
+          </p:cNvSpPr>
+          <p:nvPr>
+            <p:ph type="sldNum" sz="quarter" idx="5"/>
+          </p:nvPr>
+        </p:nvSpPr>
+        <p:spPr/>
+        <p:txBody>
+          <a:bodyPr/>
+          <a:lstStyle/>
+          <a:p>
+            <a:fld id="{A7E6567D-2380-43D4-8BA0-4C5297F7F98C}" type="slidenum">
+              <a:rPr lang="zh-CN" altLang="en-US" smtClean="0"/>
+              <a:t>20</a:t>
+            </a:fld>
+            <a:endParaRPr lang="zh-CN" altLang="en-US"/>
+          </a:p>
+        </p:txBody>
+      </p:sp>
+    </p:spTree>
+    <p:extLst>
+      <p:ext uri="{BB962C8B-B14F-4D97-AF65-F5344CB8AC3E}">
+        <p14:creationId xmlns:p14="http://schemas.microsoft.com/office/powerpoint/2010/main" val="1345900076"/>
       </p:ext>
     </p:extLst>
   </p:cSld>
@@ -1217,6 +1681,846 @@
 </p:notes>
 </file>
 
+<file path=ppt/notesSlides/notesSlide20.xml><?xml version="1.0" encoding="utf-8"?>
+<p:notes xmlns:a="http://schemas.openxmlformats.org/drawingml/2006/main" xmlns:r="http://schemas.openxmlformats.org/officeDocument/2006/relationships" xmlns:p="http://schemas.openxmlformats.org/presentationml/2006/main">
+  <p:cSld>
+    <p:spTree>
+      <p:nvGrpSpPr>
+        <p:cNvPr id="1" name=""/>
+        <p:cNvGrpSpPr/>
+        <p:nvPr/>
+      </p:nvGrpSpPr>
+      <p:grpSpPr>
+        <a:xfrm>
+          <a:off x="0" y="0"/>
+          <a:ext cx="0" cy="0"/>
+          <a:chOff x="0" y="0"/>
+          <a:chExt cx="0" cy="0"/>
+        </a:xfrm>
+      </p:grpSpPr>
+      <p:sp>
+        <p:nvSpPr>
+          <p:cNvPr id="2" name="幻灯片图像占位符 1"/>
+          <p:cNvSpPr>
+            <a:spLocks noGrp="1" noRot="1" noChangeAspect="1"/>
+          </p:cNvSpPr>
+          <p:nvPr>
+            <p:ph type="sldImg"/>
+          </p:nvPr>
+        </p:nvSpPr>
+        <p:spPr/>
+      </p:sp>
+      <p:sp>
+        <p:nvSpPr>
+          <p:cNvPr id="3" name="备注占位符 2"/>
+          <p:cNvSpPr>
+            <a:spLocks noGrp="1"/>
+          </p:cNvSpPr>
+          <p:nvPr>
+            <p:ph type="body" idx="1"/>
+          </p:nvPr>
+        </p:nvSpPr>
+        <p:spPr/>
+        <p:txBody>
+          <a:bodyPr/>
+          <a:lstStyle/>
+          <a:p>
+            <a:endParaRPr lang="zh-CN" altLang="en-US" dirty="0"/>
+          </a:p>
+        </p:txBody>
+      </p:sp>
+      <p:sp>
+        <p:nvSpPr>
+          <p:cNvPr id="4" name="灯片编号占位符 3"/>
+          <p:cNvSpPr>
+            <a:spLocks noGrp="1"/>
+          </p:cNvSpPr>
+          <p:nvPr>
+            <p:ph type="sldNum" sz="quarter" idx="5"/>
+          </p:nvPr>
+        </p:nvSpPr>
+        <p:spPr/>
+        <p:txBody>
+          <a:bodyPr/>
+          <a:lstStyle/>
+          <a:p>
+            <a:fld id="{A7E6567D-2380-43D4-8BA0-4C5297F7F98C}" type="slidenum">
+              <a:rPr lang="zh-CN" altLang="en-US" smtClean="0"/>
+              <a:t>21</a:t>
+            </a:fld>
+            <a:endParaRPr lang="zh-CN" altLang="en-US"/>
+          </a:p>
+        </p:txBody>
+      </p:sp>
+    </p:spTree>
+    <p:extLst>
+      <p:ext uri="{BB962C8B-B14F-4D97-AF65-F5344CB8AC3E}">
+        <p14:creationId xmlns:p14="http://schemas.microsoft.com/office/powerpoint/2010/main" val="635775637"/>
+      </p:ext>
+    </p:extLst>
+  </p:cSld>
+  <p:clrMapOvr>
+    <a:masterClrMapping/>
+  </p:clrMapOvr>
+</p:notes>
+</file>
+
+<file path=ppt/notesSlides/notesSlide21.xml><?xml version="1.0" encoding="utf-8"?>
+<p:notes xmlns:a="http://schemas.openxmlformats.org/drawingml/2006/main" xmlns:r="http://schemas.openxmlformats.org/officeDocument/2006/relationships" xmlns:p="http://schemas.openxmlformats.org/presentationml/2006/main">
+  <p:cSld>
+    <p:spTree>
+      <p:nvGrpSpPr>
+        <p:cNvPr id="1" name=""/>
+        <p:cNvGrpSpPr/>
+        <p:nvPr/>
+      </p:nvGrpSpPr>
+      <p:grpSpPr>
+        <a:xfrm>
+          <a:off x="0" y="0"/>
+          <a:ext cx="0" cy="0"/>
+          <a:chOff x="0" y="0"/>
+          <a:chExt cx="0" cy="0"/>
+        </a:xfrm>
+      </p:grpSpPr>
+      <p:sp>
+        <p:nvSpPr>
+          <p:cNvPr id="2" name="幻灯片图像占位符 1"/>
+          <p:cNvSpPr>
+            <a:spLocks noGrp="1" noRot="1" noChangeAspect="1"/>
+          </p:cNvSpPr>
+          <p:nvPr>
+            <p:ph type="sldImg"/>
+          </p:nvPr>
+        </p:nvSpPr>
+        <p:spPr/>
+      </p:sp>
+      <p:sp>
+        <p:nvSpPr>
+          <p:cNvPr id="3" name="备注占位符 2"/>
+          <p:cNvSpPr>
+            <a:spLocks noGrp="1"/>
+          </p:cNvSpPr>
+          <p:nvPr>
+            <p:ph type="body" idx="1"/>
+          </p:nvPr>
+        </p:nvSpPr>
+        <p:spPr/>
+        <p:txBody>
+          <a:bodyPr/>
+          <a:lstStyle/>
+          <a:p>
+            <a:endParaRPr lang="zh-CN" altLang="en-US" dirty="0"/>
+          </a:p>
+        </p:txBody>
+      </p:sp>
+      <p:sp>
+        <p:nvSpPr>
+          <p:cNvPr id="4" name="灯片编号占位符 3"/>
+          <p:cNvSpPr>
+            <a:spLocks noGrp="1"/>
+          </p:cNvSpPr>
+          <p:nvPr>
+            <p:ph type="sldNum" sz="quarter" idx="5"/>
+          </p:nvPr>
+        </p:nvSpPr>
+        <p:spPr/>
+        <p:txBody>
+          <a:bodyPr/>
+          <a:lstStyle/>
+          <a:p>
+            <a:fld id="{A7E6567D-2380-43D4-8BA0-4C5297F7F98C}" type="slidenum">
+              <a:rPr lang="zh-CN" altLang="en-US" smtClean="0"/>
+              <a:t>22</a:t>
+            </a:fld>
+            <a:endParaRPr lang="zh-CN" altLang="en-US"/>
+          </a:p>
+        </p:txBody>
+      </p:sp>
+    </p:spTree>
+    <p:extLst>
+      <p:ext uri="{BB962C8B-B14F-4D97-AF65-F5344CB8AC3E}">
+        <p14:creationId xmlns:p14="http://schemas.microsoft.com/office/powerpoint/2010/main" val="4164469463"/>
+      </p:ext>
+    </p:extLst>
+  </p:cSld>
+  <p:clrMapOvr>
+    <a:masterClrMapping/>
+  </p:clrMapOvr>
+</p:notes>
+</file>
+
+<file path=ppt/notesSlides/notesSlide22.xml><?xml version="1.0" encoding="utf-8"?>
+<p:notes xmlns:a="http://schemas.openxmlformats.org/drawingml/2006/main" xmlns:r="http://schemas.openxmlformats.org/officeDocument/2006/relationships" xmlns:p="http://schemas.openxmlformats.org/presentationml/2006/main">
+  <p:cSld>
+    <p:spTree>
+      <p:nvGrpSpPr>
+        <p:cNvPr id="1" name=""/>
+        <p:cNvGrpSpPr/>
+        <p:nvPr/>
+      </p:nvGrpSpPr>
+      <p:grpSpPr>
+        <a:xfrm>
+          <a:off x="0" y="0"/>
+          <a:ext cx="0" cy="0"/>
+          <a:chOff x="0" y="0"/>
+          <a:chExt cx="0" cy="0"/>
+        </a:xfrm>
+      </p:grpSpPr>
+      <p:sp>
+        <p:nvSpPr>
+          <p:cNvPr id="2" name="幻灯片图像占位符 1"/>
+          <p:cNvSpPr>
+            <a:spLocks noGrp="1" noRot="1" noChangeAspect="1"/>
+          </p:cNvSpPr>
+          <p:nvPr>
+            <p:ph type="sldImg"/>
+          </p:nvPr>
+        </p:nvSpPr>
+        <p:spPr/>
+      </p:sp>
+      <p:sp>
+        <p:nvSpPr>
+          <p:cNvPr id="3" name="备注占位符 2"/>
+          <p:cNvSpPr>
+            <a:spLocks noGrp="1"/>
+          </p:cNvSpPr>
+          <p:nvPr>
+            <p:ph type="body" idx="1"/>
+          </p:nvPr>
+        </p:nvSpPr>
+        <p:spPr/>
+        <p:txBody>
+          <a:bodyPr/>
+          <a:lstStyle/>
+          <a:p>
+            <a:endParaRPr lang="zh-CN" altLang="en-US" dirty="0"/>
+          </a:p>
+        </p:txBody>
+      </p:sp>
+      <p:sp>
+        <p:nvSpPr>
+          <p:cNvPr id="4" name="灯片编号占位符 3"/>
+          <p:cNvSpPr>
+            <a:spLocks noGrp="1"/>
+          </p:cNvSpPr>
+          <p:nvPr>
+            <p:ph type="sldNum" sz="quarter" idx="5"/>
+          </p:nvPr>
+        </p:nvSpPr>
+        <p:spPr/>
+        <p:txBody>
+          <a:bodyPr/>
+          <a:lstStyle/>
+          <a:p>
+            <a:fld id="{A7E6567D-2380-43D4-8BA0-4C5297F7F98C}" type="slidenum">
+              <a:rPr lang="zh-CN" altLang="en-US" smtClean="0"/>
+              <a:t>23</a:t>
+            </a:fld>
+            <a:endParaRPr lang="zh-CN" altLang="en-US"/>
+          </a:p>
+        </p:txBody>
+      </p:sp>
+    </p:spTree>
+    <p:extLst>
+      <p:ext uri="{BB962C8B-B14F-4D97-AF65-F5344CB8AC3E}">
+        <p14:creationId xmlns:p14="http://schemas.microsoft.com/office/powerpoint/2010/main" val="1847612564"/>
+      </p:ext>
+    </p:extLst>
+  </p:cSld>
+  <p:clrMapOvr>
+    <a:masterClrMapping/>
+  </p:clrMapOvr>
+</p:notes>
+</file>
+
+<file path=ppt/notesSlides/notesSlide23.xml><?xml version="1.0" encoding="utf-8"?>
+<p:notes xmlns:a="http://schemas.openxmlformats.org/drawingml/2006/main" xmlns:r="http://schemas.openxmlformats.org/officeDocument/2006/relationships" xmlns:p="http://schemas.openxmlformats.org/presentationml/2006/main">
+  <p:cSld>
+    <p:spTree>
+      <p:nvGrpSpPr>
+        <p:cNvPr id="1" name=""/>
+        <p:cNvGrpSpPr/>
+        <p:nvPr/>
+      </p:nvGrpSpPr>
+      <p:grpSpPr>
+        <a:xfrm>
+          <a:off x="0" y="0"/>
+          <a:ext cx="0" cy="0"/>
+          <a:chOff x="0" y="0"/>
+          <a:chExt cx="0" cy="0"/>
+        </a:xfrm>
+      </p:grpSpPr>
+      <p:sp>
+        <p:nvSpPr>
+          <p:cNvPr id="2" name="幻灯片图像占位符 1"/>
+          <p:cNvSpPr>
+            <a:spLocks noGrp="1" noRot="1" noChangeAspect="1"/>
+          </p:cNvSpPr>
+          <p:nvPr>
+            <p:ph type="sldImg"/>
+          </p:nvPr>
+        </p:nvSpPr>
+        <p:spPr/>
+      </p:sp>
+      <p:sp>
+        <p:nvSpPr>
+          <p:cNvPr id="3" name="备注占位符 2"/>
+          <p:cNvSpPr>
+            <a:spLocks noGrp="1"/>
+          </p:cNvSpPr>
+          <p:nvPr>
+            <p:ph type="body" idx="1"/>
+          </p:nvPr>
+        </p:nvSpPr>
+        <p:spPr/>
+        <p:txBody>
+          <a:bodyPr/>
+          <a:lstStyle/>
+          <a:p>
+            <a:endParaRPr lang="zh-CN" altLang="en-US" dirty="0"/>
+          </a:p>
+        </p:txBody>
+      </p:sp>
+      <p:sp>
+        <p:nvSpPr>
+          <p:cNvPr id="4" name="灯片编号占位符 3"/>
+          <p:cNvSpPr>
+            <a:spLocks noGrp="1"/>
+          </p:cNvSpPr>
+          <p:nvPr>
+            <p:ph type="sldNum" sz="quarter" idx="5"/>
+          </p:nvPr>
+        </p:nvSpPr>
+        <p:spPr/>
+        <p:txBody>
+          <a:bodyPr/>
+          <a:lstStyle/>
+          <a:p>
+            <a:fld id="{A7E6567D-2380-43D4-8BA0-4C5297F7F98C}" type="slidenum">
+              <a:rPr lang="zh-CN" altLang="en-US" smtClean="0"/>
+              <a:t>24</a:t>
+            </a:fld>
+            <a:endParaRPr lang="zh-CN" altLang="en-US"/>
+          </a:p>
+        </p:txBody>
+      </p:sp>
+    </p:spTree>
+    <p:extLst>
+      <p:ext uri="{BB962C8B-B14F-4D97-AF65-F5344CB8AC3E}">
+        <p14:creationId xmlns:p14="http://schemas.microsoft.com/office/powerpoint/2010/main" val="64222701"/>
+      </p:ext>
+    </p:extLst>
+  </p:cSld>
+  <p:clrMapOvr>
+    <a:masterClrMapping/>
+  </p:clrMapOvr>
+</p:notes>
+</file>
+
+<file path=ppt/notesSlides/notesSlide24.xml><?xml version="1.0" encoding="utf-8"?>
+<p:notes xmlns:a="http://schemas.openxmlformats.org/drawingml/2006/main" xmlns:r="http://schemas.openxmlformats.org/officeDocument/2006/relationships" xmlns:p="http://schemas.openxmlformats.org/presentationml/2006/main">
+  <p:cSld>
+    <p:spTree>
+      <p:nvGrpSpPr>
+        <p:cNvPr id="1" name=""/>
+        <p:cNvGrpSpPr/>
+        <p:nvPr/>
+      </p:nvGrpSpPr>
+      <p:grpSpPr>
+        <a:xfrm>
+          <a:off x="0" y="0"/>
+          <a:ext cx="0" cy="0"/>
+          <a:chOff x="0" y="0"/>
+          <a:chExt cx="0" cy="0"/>
+        </a:xfrm>
+      </p:grpSpPr>
+      <p:sp>
+        <p:nvSpPr>
+          <p:cNvPr id="2" name="幻灯片图像占位符 1"/>
+          <p:cNvSpPr>
+            <a:spLocks noGrp="1" noRot="1" noChangeAspect="1"/>
+          </p:cNvSpPr>
+          <p:nvPr>
+            <p:ph type="sldImg"/>
+          </p:nvPr>
+        </p:nvSpPr>
+        <p:spPr/>
+      </p:sp>
+      <p:sp>
+        <p:nvSpPr>
+          <p:cNvPr id="3" name="备注占位符 2"/>
+          <p:cNvSpPr>
+            <a:spLocks noGrp="1"/>
+          </p:cNvSpPr>
+          <p:nvPr>
+            <p:ph type="body" idx="1"/>
+          </p:nvPr>
+        </p:nvSpPr>
+        <p:spPr/>
+        <p:txBody>
+          <a:bodyPr/>
+          <a:lstStyle/>
+          <a:p>
+            <a:endParaRPr lang="zh-CN" altLang="en-US" dirty="0"/>
+          </a:p>
+        </p:txBody>
+      </p:sp>
+      <p:sp>
+        <p:nvSpPr>
+          <p:cNvPr id="4" name="灯片编号占位符 3"/>
+          <p:cNvSpPr>
+            <a:spLocks noGrp="1"/>
+          </p:cNvSpPr>
+          <p:nvPr>
+            <p:ph type="sldNum" sz="quarter" idx="5"/>
+          </p:nvPr>
+        </p:nvSpPr>
+        <p:spPr/>
+        <p:txBody>
+          <a:bodyPr/>
+          <a:lstStyle/>
+          <a:p>
+            <a:fld id="{A7E6567D-2380-43D4-8BA0-4C5297F7F98C}" type="slidenum">
+              <a:rPr lang="zh-CN" altLang="en-US" smtClean="0"/>
+              <a:t>25</a:t>
+            </a:fld>
+            <a:endParaRPr lang="zh-CN" altLang="en-US"/>
+          </a:p>
+        </p:txBody>
+      </p:sp>
+    </p:spTree>
+    <p:extLst>
+      <p:ext uri="{BB962C8B-B14F-4D97-AF65-F5344CB8AC3E}">
+        <p14:creationId xmlns:p14="http://schemas.microsoft.com/office/powerpoint/2010/main" val="1507523809"/>
+      </p:ext>
+    </p:extLst>
+  </p:cSld>
+  <p:clrMapOvr>
+    <a:masterClrMapping/>
+  </p:clrMapOvr>
+</p:notes>
+</file>
+
+<file path=ppt/notesSlides/notesSlide25.xml><?xml version="1.0" encoding="utf-8"?>
+<p:notes xmlns:a="http://schemas.openxmlformats.org/drawingml/2006/main" xmlns:r="http://schemas.openxmlformats.org/officeDocument/2006/relationships" xmlns:p="http://schemas.openxmlformats.org/presentationml/2006/main">
+  <p:cSld>
+    <p:spTree>
+      <p:nvGrpSpPr>
+        <p:cNvPr id="1" name=""/>
+        <p:cNvGrpSpPr/>
+        <p:nvPr/>
+      </p:nvGrpSpPr>
+      <p:grpSpPr>
+        <a:xfrm>
+          <a:off x="0" y="0"/>
+          <a:ext cx="0" cy="0"/>
+          <a:chOff x="0" y="0"/>
+          <a:chExt cx="0" cy="0"/>
+        </a:xfrm>
+      </p:grpSpPr>
+      <p:sp>
+        <p:nvSpPr>
+          <p:cNvPr id="2" name="幻灯片图像占位符 1"/>
+          <p:cNvSpPr>
+            <a:spLocks noGrp="1" noRot="1" noChangeAspect="1"/>
+          </p:cNvSpPr>
+          <p:nvPr>
+            <p:ph type="sldImg"/>
+          </p:nvPr>
+        </p:nvSpPr>
+        <p:spPr/>
+      </p:sp>
+      <p:sp>
+        <p:nvSpPr>
+          <p:cNvPr id="3" name="备注占位符 2"/>
+          <p:cNvSpPr>
+            <a:spLocks noGrp="1"/>
+          </p:cNvSpPr>
+          <p:nvPr>
+            <p:ph type="body" idx="1"/>
+          </p:nvPr>
+        </p:nvSpPr>
+        <p:spPr/>
+        <p:txBody>
+          <a:bodyPr/>
+          <a:lstStyle/>
+          <a:p>
+            <a:endParaRPr lang="zh-CN" altLang="en-US" dirty="0"/>
+          </a:p>
+        </p:txBody>
+      </p:sp>
+      <p:sp>
+        <p:nvSpPr>
+          <p:cNvPr id="4" name="灯片编号占位符 3"/>
+          <p:cNvSpPr>
+            <a:spLocks noGrp="1"/>
+          </p:cNvSpPr>
+          <p:nvPr>
+            <p:ph type="sldNum" sz="quarter" idx="5"/>
+          </p:nvPr>
+        </p:nvSpPr>
+        <p:spPr/>
+        <p:txBody>
+          <a:bodyPr/>
+          <a:lstStyle/>
+          <a:p>
+            <a:fld id="{A7E6567D-2380-43D4-8BA0-4C5297F7F98C}" type="slidenum">
+              <a:rPr lang="zh-CN" altLang="en-US" smtClean="0"/>
+              <a:t>26</a:t>
+            </a:fld>
+            <a:endParaRPr lang="zh-CN" altLang="en-US"/>
+          </a:p>
+        </p:txBody>
+      </p:sp>
+    </p:spTree>
+    <p:extLst>
+      <p:ext uri="{BB962C8B-B14F-4D97-AF65-F5344CB8AC3E}">
+        <p14:creationId xmlns:p14="http://schemas.microsoft.com/office/powerpoint/2010/main" val="1982564345"/>
+      </p:ext>
+    </p:extLst>
+  </p:cSld>
+  <p:clrMapOvr>
+    <a:masterClrMapping/>
+  </p:clrMapOvr>
+</p:notes>
+</file>
+
+<file path=ppt/notesSlides/notesSlide26.xml><?xml version="1.0" encoding="utf-8"?>
+<p:notes xmlns:a="http://schemas.openxmlformats.org/drawingml/2006/main" xmlns:r="http://schemas.openxmlformats.org/officeDocument/2006/relationships" xmlns:p="http://schemas.openxmlformats.org/presentationml/2006/main">
+  <p:cSld>
+    <p:spTree>
+      <p:nvGrpSpPr>
+        <p:cNvPr id="1" name=""/>
+        <p:cNvGrpSpPr/>
+        <p:nvPr/>
+      </p:nvGrpSpPr>
+      <p:grpSpPr>
+        <a:xfrm>
+          <a:off x="0" y="0"/>
+          <a:ext cx="0" cy="0"/>
+          <a:chOff x="0" y="0"/>
+          <a:chExt cx="0" cy="0"/>
+        </a:xfrm>
+      </p:grpSpPr>
+      <p:sp>
+        <p:nvSpPr>
+          <p:cNvPr id="2" name="幻灯片图像占位符 1"/>
+          <p:cNvSpPr>
+            <a:spLocks noGrp="1" noRot="1" noChangeAspect="1"/>
+          </p:cNvSpPr>
+          <p:nvPr>
+            <p:ph type="sldImg"/>
+          </p:nvPr>
+        </p:nvSpPr>
+        <p:spPr/>
+      </p:sp>
+      <p:sp>
+        <p:nvSpPr>
+          <p:cNvPr id="3" name="备注占位符 2"/>
+          <p:cNvSpPr>
+            <a:spLocks noGrp="1"/>
+          </p:cNvSpPr>
+          <p:nvPr>
+            <p:ph type="body" idx="1"/>
+          </p:nvPr>
+        </p:nvSpPr>
+        <p:spPr/>
+        <p:txBody>
+          <a:bodyPr/>
+          <a:lstStyle/>
+          <a:p>
+            <a:endParaRPr lang="zh-CN" altLang="en-US" dirty="0"/>
+          </a:p>
+        </p:txBody>
+      </p:sp>
+      <p:sp>
+        <p:nvSpPr>
+          <p:cNvPr id="4" name="灯片编号占位符 3"/>
+          <p:cNvSpPr>
+            <a:spLocks noGrp="1"/>
+          </p:cNvSpPr>
+          <p:nvPr>
+            <p:ph type="sldNum" sz="quarter" idx="5"/>
+          </p:nvPr>
+        </p:nvSpPr>
+        <p:spPr/>
+        <p:txBody>
+          <a:bodyPr/>
+          <a:lstStyle/>
+          <a:p>
+            <a:fld id="{A7E6567D-2380-43D4-8BA0-4C5297F7F98C}" type="slidenum">
+              <a:rPr lang="zh-CN" altLang="en-US" smtClean="0"/>
+              <a:t>27</a:t>
+            </a:fld>
+            <a:endParaRPr lang="zh-CN" altLang="en-US"/>
+          </a:p>
+        </p:txBody>
+      </p:sp>
+    </p:spTree>
+    <p:extLst>
+      <p:ext uri="{BB962C8B-B14F-4D97-AF65-F5344CB8AC3E}">
+        <p14:creationId xmlns:p14="http://schemas.microsoft.com/office/powerpoint/2010/main" val="1688943023"/>
+      </p:ext>
+    </p:extLst>
+  </p:cSld>
+  <p:clrMapOvr>
+    <a:masterClrMapping/>
+  </p:clrMapOvr>
+</p:notes>
+</file>
+
+<file path=ppt/notesSlides/notesSlide27.xml><?xml version="1.0" encoding="utf-8"?>
+<p:notes xmlns:a="http://schemas.openxmlformats.org/drawingml/2006/main" xmlns:r="http://schemas.openxmlformats.org/officeDocument/2006/relationships" xmlns:p="http://schemas.openxmlformats.org/presentationml/2006/main">
+  <p:cSld>
+    <p:spTree>
+      <p:nvGrpSpPr>
+        <p:cNvPr id="1" name=""/>
+        <p:cNvGrpSpPr/>
+        <p:nvPr/>
+      </p:nvGrpSpPr>
+      <p:grpSpPr>
+        <a:xfrm>
+          <a:off x="0" y="0"/>
+          <a:ext cx="0" cy="0"/>
+          <a:chOff x="0" y="0"/>
+          <a:chExt cx="0" cy="0"/>
+        </a:xfrm>
+      </p:grpSpPr>
+      <p:sp>
+        <p:nvSpPr>
+          <p:cNvPr id="2" name="幻灯片图像占位符 1"/>
+          <p:cNvSpPr>
+            <a:spLocks noGrp="1" noRot="1" noChangeAspect="1"/>
+          </p:cNvSpPr>
+          <p:nvPr>
+            <p:ph type="sldImg"/>
+          </p:nvPr>
+        </p:nvSpPr>
+        <p:spPr/>
+      </p:sp>
+      <p:sp>
+        <p:nvSpPr>
+          <p:cNvPr id="3" name="备注占位符 2"/>
+          <p:cNvSpPr>
+            <a:spLocks noGrp="1"/>
+          </p:cNvSpPr>
+          <p:nvPr>
+            <p:ph type="body" idx="1"/>
+          </p:nvPr>
+        </p:nvSpPr>
+        <p:spPr/>
+        <p:txBody>
+          <a:bodyPr/>
+          <a:lstStyle/>
+          <a:p>
+            <a:endParaRPr lang="zh-CN" altLang="en-US" dirty="0"/>
+          </a:p>
+        </p:txBody>
+      </p:sp>
+      <p:sp>
+        <p:nvSpPr>
+          <p:cNvPr id="4" name="灯片编号占位符 3"/>
+          <p:cNvSpPr>
+            <a:spLocks noGrp="1"/>
+          </p:cNvSpPr>
+          <p:nvPr>
+            <p:ph type="sldNum" sz="quarter" idx="5"/>
+          </p:nvPr>
+        </p:nvSpPr>
+        <p:spPr/>
+        <p:txBody>
+          <a:bodyPr/>
+          <a:lstStyle/>
+          <a:p>
+            <a:fld id="{A7E6567D-2380-43D4-8BA0-4C5297F7F98C}" type="slidenum">
+              <a:rPr lang="zh-CN" altLang="en-US" smtClean="0"/>
+              <a:t>28</a:t>
+            </a:fld>
+            <a:endParaRPr lang="zh-CN" altLang="en-US"/>
+          </a:p>
+        </p:txBody>
+      </p:sp>
+    </p:spTree>
+    <p:extLst>
+      <p:ext uri="{BB962C8B-B14F-4D97-AF65-F5344CB8AC3E}">
+        <p14:creationId xmlns:p14="http://schemas.microsoft.com/office/powerpoint/2010/main" val="2352129932"/>
+      </p:ext>
+    </p:extLst>
+  </p:cSld>
+  <p:clrMapOvr>
+    <a:masterClrMapping/>
+  </p:clrMapOvr>
+</p:notes>
+</file>
+
+<file path=ppt/notesSlides/notesSlide28.xml><?xml version="1.0" encoding="utf-8"?>
+<p:notes xmlns:a="http://schemas.openxmlformats.org/drawingml/2006/main" xmlns:r="http://schemas.openxmlformats.org/officeDocument/2006/relationships" xmlns:p="http://schemas.openxmlformats.org/presentationml/2006/main">
+  <p:cSld>
+    <p:spTree>
+      <p:nvGrpSpPr>
+        <p:cNvPr id="1" name=""/>
+        <p:cNvGrpSpPr/>
+        <p:nvPr/>
+      </p:nvGrpSpPr>
+      <p:grpSpPr>
+        <a:xfrm>
+          <a:off x="0" y="0"/>
+          <a:ext cx="0" cy="0"/>
+          <a:chOff x="0" y="0"/>
+          <a:chExt cx="0" cy="0"/>
+        </a:xfrm>
+      </p:grpSpPr>
+      <p:sp>
+        <p:nvSpPr>
+          <p:cNvPr id="2" name="幻灯片图像占位符 1"/>
+          <p:cNvSpPr>
+            <a:spLocks noGrp="1" noRot="1" noChangeAspect="1"/>
+          </p:cNvSpPr>
+          <p:nvPr>
+            <p:ph type="sldImg"/>
+          </p:nvPr>
+        </p:nvSpPr>
+        <p:spPr/>
+      </p:sp>
+      <p:sp>
+        <p:nvSpPr>
+          <p:cNvPr id="3" name="备注占位符 2"/>
+          <p:cNvSpPr>
+            <a:spLocks noGrp="1"/>
+          </p:cNvSpPr>
+          <p:nvPr>
+            <p:ph type="body" idx="1"/>
+          </p:nvPr>
+        </p:nvSpPr>
+        <p:spPr/>
+        <p:txBody>
+          <a:bodyPr/>
+          <a:lstStyle/>
+          <a:p>
+            <a:endParaRPr lang="zh-CN" altLang="en-US" dirty="0"/>
+          </a:p>
+        </p:txBody>
+      </p:sp>
+      <p:sp>
+        <p:nvSpPr>
+          <p:cNvPr id="4" name="灯片编号占位符 3"/>
+          <p:cNvSpPr>
+            <a:spLocks noGrp="1"/>
+          </p:cNvSpPr>
+          <p:nvPr>
+            <p:ph type="sldNum" sz="quarter" idx="5"/>
+          </p:nvPr>
+        </p:nvSpPr>
+        <p:spPr/>
+        <p:txBody>
+          <a:bodyPr/>
+          <a:lstStyle/>
+          <a:p>
+            <a:fld id="{A7E6567D-2380-43D4-8BA0-4C5297F7F98C}" type="slidenum">
+              <a:rPr lang="zh-CN" altLang="en-US" smtClean="0"/>
+              <a:t>29</a:t>
+            </a:fld>
+            <a:endParaRPr lang="zh-CN" altLang="en-US"/>
+          </a:p>
+        </p:txBody>
+      </p:sp>
+    </p:spTree>
+    <p:extLst>
+      <p:ext uri="{BB962C8B-B14F-4D97-AF65-F5344CB8AC3E}">
+        <p14:creationId xmlns:p14="http://schemas.microsoft.com/office/powerpoint/2010/main" val="3503650672"/>
+      </p:ext>
+    </p:extLst>
+  </p:cSld>
+  <p:clrMapOvr>
+    <a:masterClrMapping/>
+  </p:clrMapOvr>
+</p:notes>
+</file>
+
+<file path=ppt/notesSlides/notesSlide29.xml><?xml version="1.0" encoding="utf-8"?>
+<p:notes xmlns:a="http://schemas.openxmlformats.org/drawingml/2006/main" xmlns:r="http://schemas.openxmlformats.org/officeDocument/2006/relationships" xmlns:p="http://schemas.openxmlformats.org/presentationml/2006/main">
+  <p:cSld>
+    <p:spTree>
+      <p:nvGrpSpPr>
+        <p:cNvPr id="1" name=""/>
+        <p:cNvGrpSpPr/>
+        <p:nvPr/>
+      </p:nvGrpSpPr>
+      <p:grpSpPr>
+        <a:xfrm>
+          <a:off x="0" y="0"/>
+          <a:ext cx="0" cy="0"/>
+          <a:chOff x="0" y="0"/>
+          <a:chExt cx="0" cy="0"/>
+        </a:xfrm>
+      </p:grpSpPr>
+      <p:sp>
+        <p:nvSpPr>
+          <p:cNvPr id="2" name="幻灯片图像占位符 1"/>
+          <p:cNvSpPr>
+            <a:spLocks noGrp="1" noRot="1" noChangeAspect="1"/>
+          </p:cNvSpPr>
+          <p:nvPr>
+            <p:ph type="sldImg"/>
+          </p:nvPr>
+        </p:nvSpPr>
+        <p:spPr/>
+      </p:sp>
+      <p:sp>
+        <p:nvSpPr>
+          <p:cNvPr id="3" name="备注占位符 2"/>
+          <p:cNvSpPr>
+            <a:spLocks noGrp="1"/>
+          </p:cNvSpPr>
+          <p:nvPr>
+            <p:ph type="body" idx="1"/>
+          </p:nvPr>
+        </p:nvSpPr>
+        <p:spPr/>
+        <p:txBody>
+          <a:bodyPr/>
+          <a:lstStyle/>
+          <a:p>
+            <a:endParaRPr lang="zh-CN" altLang="en-US" dirty="0"/>
+          </a:p>
+        </p:txBody>
+      </p:sp>
+      <p:sp>
+        <p:nvSpPr>
+          <p:cNvPr id="4" name="灯片编号占位符 3"/>
+          <p:cNvSpPr>
+            <a:spLocks noGrp="1"/>
+          </p:cNvSpPr>
+          <p:nvPr>
+            <p:ph type="sldNum" sz="quarter" idx="5"/>
+          </p:nvPr>
+        </p:nvSpPr>
+        <p:spPr/>
+        <p:txBody>
+          <a:bodyPr/>
+          <a:lstStyle/>
+          <a:p>
+            <a:fld id="{A7E6567D-2380-43D4-8BA0-4C5297F7F98C}" type="slidenum">
+              <a:rPr lang="zh-CN" altLang="en-US" smtClean="0"/>
+              <a:t>30</a:t>
+            </a:fld>
+            <a:endParaRPr lang="zh-CN" altLang="en-US"/>
+          </a:p>
+        </p:txBody>
+      </p:sp>
+    </p:spTree>
+    <p:extLst>
+      <p:ext uri="{BB962C8B-B14F-4D97-AF65-F5344CB8AC3E}">
+        <p14:creationId xmlns:p14="http://schemas.microsoft.com/office/powerpoint/2010/main" val="1204814272"/>
+      </p:ext>
+    </p:extLst>
+  </p:cSld>
+  <p:clrMapOvr>
+    <a:masterClrMapping/>
+  </p:clrMapOvr>
+</p:notes>
+</file>
+
 <file path=ppt/notesSlides/notesSlide3.xml><?xml version="1.0" encoding="utf-8"?>
 <p:notes xmlns:a="http://schemas.openxmlformats.org/drawingml/2006/main" xmlns:r="http://schemas.openxmlformats.org/officeDocument/2006/relationships" xmlns:p="http://schemas.openxmlformats.org/presentationml/2006/main">
   <p:cSld>
@@ -1292,6 +2596,174 @@
     <p:extLst>
       <p:ext uri="{BB962C8B-B14F-4D97-AF65-F5344CB8AC3E}">
         <p14:creationId xmlns:p14="http://schemas.microsoft.com/office/powerpoint/2010/main" val="1431377179"/>
+      </p:ext>
+    </p:extLst>
+  </p:cSld>
+  <p:clrMapOvr>
+    <a:masterClrMapping/>
+  </p:clrMapOvr>
+</p:notes>
+</file>
+
+<file path=ppt/notesSlides/notesSlide30.xml><?xml version="1.0" encoding="utf-8"?>
+<p:notes xmlns:a="http://schemas.openxmlformats.org/drawingml/2006/main" xmlns:r="http://schemas.openxmlformats.org/officeDocument/2006/relationships" xmlns:p="http://schemas.openxmlformats.org/presentationml/2006/main">
+  <p:cSld>
+    <p:spTree>
+      <p:nvGrpSpPr>
+        <p:cNvPr id="1" name=""/>
+        <p:cNvGrpSpPr/>
+        <p:nvPr/>
+      </p:nvGrpSpPr>
+      <p:grpSpPr>
+        <a:xfrm>
+          <a:off x="0" y="0"/>
+          <a:ext cx="0" cy="0"/>
+          <a:chOff x="0" y="0"/>
+          <a:chExt cx="0" cy="0"/>
+        </a:xfrm>
+      </p:grpSpPr>
+      <p:sp>
+        <p:nvSpPr>
+          <p:cNvPr id="2" name="幻灯片图像占位符 1"/>
+          <p:cNvSpPr>
+            <a:spLocks noGrp="1" noRot="1" noChangeAspect="1"/>
+          </p:cNvSpPr>
+          <p:nvPr>
+            <p:ph type="sldImg"/>
+          </p:nvPr>
+        </p:nvSpPr>
+        <p:spPr/>
+      </p:sp>
+      <p:sp>
+        <p:nvSpPr>
+          <p:cNvPr id="3" name="备注占位符 2"/>
+          <p:cNvSpPr>
+            <a:spLocks noGrp="1"/>
+          </p:cNvSpPr>
+          <p:nvPr>
+            <p:ph type="body" idx="1"/>
+          </p:nvPr>
+        </p:nvSpPr>
+        <p:spPr/>
+        <p:txBody>
+          <a:bodyPr/>
+          <a:lstStyle/>
+          <a:p>
+            <a:endParaRPr lang="zh-CN" altLang="en-US" dirty="0"/>
+          </a:p>
+        </p:txBody>
+      </p:sp>
+      <p:sp>
+        <p:nvSpPr>
+          <p:cNvPr id="4" name="灯片编号占位符 3"/>
+          <p:cNvSpPr>
+            <a:spLocks noGrp="1"/>
+          </p:cNvSpPr>
+          <p:nvPr>
+            <p:ph type="sldNum" sz="quarter" idx="5"/>
+          </p:nvPr>
+        </p:nvSpPr>
+        <p:spPr/>
+        <p:txBody>
+          <a:bodyPr/>
+          <a:lstStyle/>
+          <a:p>
+            <a:fld id="{A7E6567D-2380-43D4-8BA0-4C5297F7F98C}" type="slidenum">
+              <a:rPr lang="zh-CN" altLang="en-US" smtClean="0"/>
+              <a:t>31</a:t>
+            </a:fld>
+            <a:endParaRPr lang="zh-CN" altLang="en-US"/>
+          </a:p>
+        </p:txBody>
+      </p:sp>
+    </p:spTree>
+    <p:extLst>
+      <p:ext uri="{BB962C8B-B14F-4D97-AF65-F5344CB8AC3E}">
+        <p14:creationId xmlns:p14="http://schemas.microsoft.com/office/powerpoint/2010/main" val="551690160"/>
+      </p:ext>
+    </p:extLst>
+  </p:cSld>
+  <p:clrMapOvr>
+    <a:masterClrMapping/>
+  </p:clrMapOvr>
+</p:notes>
+</file>
+
+<file path=ppt/notesSlides/notesSlide31.xml><?xml version="1.0" encoding="utf-8"?>
+<p:notes xmlns:a="http://schemas.openxmlformats.org/drawingml/2006/main" xmlns:r="http://schemas.openxmlformats.org/officeDocument/2006/relationships" xmlns:p="http://schemas.openxmlformats.org/presentationml/2006/main">
+  <p:cSld>
+    <p:spTree>
+      <p:nvGrpSpPr>
+        <p:cNvPr id="1" name=""/>
+        <p:cNvGrpSpPr/>
+        <p:nvPr/>
+      </p:nvGrpSpPr>
+      <p:grpSpPr>
+        <a:xfrm>
+          <a:off x="0" y="0"/>
+          <a:ext cx="0" cy="0"/>
+          <a:chOff x="0" y="0"/>
+          <a:chExt cx="0" cy="0"/>
+        </a:xfrm>
+      </p:grpSpPr>
+      <p:sp>
+        <p:nvSpPr>
+          <p:cNvPr id="2" name="幻灯片图像占位符 1"/>
+          <p:cNvSpPr>
+            <a:spLocks noGrp="1" noRot="1" noChangeAspect="1"/>
+          </p:cNvSpPr>
+          <p:nvPr>
+            <p:ph type="sldImg"/>
+          </p:nvPr>
+        </p:nvSpPr>
+        <p:spPr/>
+      </p:sp>
+      <p:sp>
+        <p:nvSpPr>
+          <p:cNvPr id="3" name="备注占位符 2"/>
+          <p:cNvSpPr>
+            <a:spLocks noGrp="1"/>
+          </p:cNvSpPr>
+          <p:nvPr>
+            <p:ph type="body" idx="1"/>
+          </p:nvPr>
+        </p:nvSpPr>
+        <p:spPr/>
+        <p:txBody>
+          <a:bodyPr/>
+          <a:lstStyle/>
+          <a:p>
+            <a:endParaRPr lang="zh-CN" altLang="en-US" dirty="0"/>
+          </a:p>
+        </p:txBody>
+      </p:sp>
+      <p:sp>
+        <p:nvSpPr>
+          <p:cNvPr id="4" name="灯片编号占位符 3"/>
+          <p:cNvSpPr>
+            <a:spLocks noGrp="1"/>
+          </p:cNvSpPr>
+          <p:nvPr>
+            <p:ph type="sldNum" sz="quarter" idx="5"/>
+          </p:nvPr>
+        </p:nvSpPr>
+        <p:spPr/>
+        <p:txBody>
+          <a:bodyPr/>
+          <a:lstStyle/>
+          <a:p>
+            <a:fld id="{A7E6567D-2380-43D4-8BA0-4C5297F7F98C}" type="slidenum">
+              <a:rPr lang="zh-CN" altLang="en-US" smtClean="0"/>
+              <a:t>32</a:t>
+            </a:fld>
+            <a:endParaRPr lang="zh-CN" altLang="en-US"/>
+          </a:p>
+        </p:txBody>
+      </p:sp>
+    </p:spTree>
+    <p:extLst>
+      <p:ext uri="{BB962C8B-B14F-4D97-AF65-F5344CB8AC3E}">
+        <p14:creationId xmlns:p14="http://schemas.microsoft.com/office/powerpoint/2010/main" val="2396294154"/>
       </p:ext>
     </p:extLst>
   </p:cSld>
@@ -1459,7 +2931,7 @@
     </p:spTree>
     <p:extLst>
       <p:ext uri="{BB962C8B-B14F-4D97-AF65-F5344CB8AC3E}">
-        <p14:creationId xmlns:p14="http://schemas.microsoft.com/office/powerpoint/2010/main" val="2621536983"/>
+        <p14:creationId xmlns:p14="http://schemas.microsoft.com/office/powerpoint/2010/main" val="3360508745"/>
       </p:ext>
     </p:extLst>
   </p:cSld>
@@ -1543,7 +3015,7 @@
     </p:spTree>
     <p:extLst>
       <p:ext uri="{BB962C8B-B14F-4D97-AF65-F5344CB8AC3E}">
-        <p14:creationId xmlns:p14="http://schemas.microsoft.com/office/powerpoint/2010/main" val="4040688480"/>
+        <p14:creationId xmlns:p14="http://schemas.microsoft.com/office/powerpoint/2010/main" val="574478286"/>
       </p:ext>
     </p:extLst>
   </p:cSld>
@@ -1627,7 +3099,7 @@
     </p:spTree>
     <p:extLst>
       <p:ext uri="{BB962C8B-B14F-4D97-AF65-F5344CB8AC3E}">
-        <p14:creationId xmlns:p14="http://schemas.microsoft.com/office/powerpoint/2010/main" val="1532521513"/>
+        <p14:creationId xmlns:p14="http://schemas.microsoft.com/office/powerpoint/2010/main" val="2791788503"/>
       </p:ext>
     </p:extLst>
   </p:cSld>
@@ -1681,6 +3153,20 @@
           <a:bodyPr/>
           <a:lstStyle/>
           <a:p>
+            <a:r>
+              <a:rPr lang="zh-CN" altLang="en-US" dirty="0"/>
+              <a:t>研究思路</a:t>
+            </a:r>
+            <a:endParaRPr lang="en-US" altLang="zh-CN" dirty="0"/>
+          </a:p>
+          <a:p>
+            <a:r>
+              <a:rPr lang="zh-CN" altLang="en-US" dirty="0"/>
+              <a:t>三个工作的联系</a:t>
+            </a:r>
+            <a:endParaRPr lang="en-US" altLang="zh-CN" dirty="0"/>
+          </a:p>
+          <a:p>
             <a:endParaRPr lang="zh-CN" altLang="en-US" dirty="0"/>
           </a:p>
         </p:txBody>
@@ -1711,7 +3197,7 @@
     </p:spTree>
     <p:extLst>
       <p:ext uri="{BB962C8B-B14F-4D97-AF65-F5344CB8AC3E}">
-        <p14:creationId xmlns:p14="http://schemas.microsoft.com/office/powerpoint/2010/main" val="1409650095"/>
+        <p14:creationId xmlns:p14="http://schemas.microsoft.com/office/powerpoint/2010/main" val="2621536983"/>
       </p:ext>
     </p:extLst>
   </p:cSld>
@@ -1765,7 +3251,14 @@
           <a:bodyPr/>
           <a:lstStyle/>
           <a:p>
-            <a:endParaRPr lang="zh-CN" altLang="en-US" dirty="0"/>
+            <a:r>
+              <a:rPr lang="en-US" altLang="zh-CN" dirty="0" err="1"/>
+              <a:t>abi</a:t>
+            </a:r>
+            <a:r>
+              <a:rPr lang="zh-CN" altLang="en-US" dirty="0"/>
+              <a:t>的介绍，具体介绍种子变异和选取的策略，「只是算法，需要插桩支持」插桩</a:t>
+            </a:r>
           </a:p>
         </p:txBody>
       </p:sp>
@@ -1795,7 +3288,7 @@
     </p:spTree>
     <p:extLst>
       <p:ext uri="{BB962C8B-B14F-4D97-AF65-F5344CB8AC3E}">
-        <p14:creationId xmlns:p14="http://schemas.microsoft.com/office/powerpoint/2010/main" val="2010482765"/>
+        <p14:creationId xmlns:p14="http://schemas.microsoft.com/office/powerpoint/2010/main" val="4040688480"/>
       </p:ext>
     </p:extLst>
   </p:cSld>
@@ -1881,7 +3374,7 @@
           <a:p>
             <a:fld id="{2C26A3A7-A120-45DC-8A3C-48F67639DFDC}" type="datetime1">
               <a:rPr lang="zh-CN" altLang="en-US" smtClean="0"/>
-              <a:t>2020/12/14</a:t>
+              <a:t>2020/12/19</a:t>
             </a:fld>
             <a:endParaRPr lang="en-US" altLang="zh-CN"/>
           </a:p>
@@ -2321,7 +3814,7 @@
           <a:p>
             <a:fld id="{5A18A684-D0D9-4C16-87FA-ADEA0BF41756}" type="datetime1">
               <a:rPr lang="zh-CN" altLang="en-US" smtClean="0"/>
-              <a:t>2020/12/14</a:t>
+              <a:t>2020/12/19</a:t>
             </a:fld>
             <a:endParaRPr lang="en-US" altLang="zh-CN"/>
           </a:p>
@@ -2516,7 +4009,7 @@
           <a:p>
             <a:fld id="{3DDCCA6F-C026-4291-BD05-B9DBFEAD160E}" type="datetime1">
               <a:rPr lang="zh-CN" altLang="en-US" smtClean="0"/>
-              <a:t>2020/12/14</a:t>
+              <a:t>2020/12/19</a:t>
             </a:fld>
             <a:endParaRPr lang="en-US" altLang="zh-CN"/>
           </a:p>
@@ -2717,7 +4210,7 @@
           <a:p>
             <a:fld id="{A3B0C9B9-9A3A-4BED-B572-2C66C995540B}" type="datetime1">
               <a:rPr lang="zh-CN" altLang="en-US" smtClean="0"/>
-              <a:t>2020/12/14</a:t>
+              <a:t>2020/12/19</a:t>
             </a:fld>
             <a:endParaRPr lang="en-US" altLang="zh-CN"/>
           </a:p>
@@ -2925,7 +4418,7 @@
           <a:p>
             <a:fld id="{CE1337DB-B33B-4EA1-BFD1-41D00301BEB3}" type="datetime1">
               <a:rPr lang="zh-CN" altLang="en-US" smtClean="0"/>
-              <a:t>2020/12/14</a:t>
+              <a:t>2020/12/19</a:t>
             </a:fld>
             <a:endParaRPr lang="en-US" altLang="zh-CN"/>
           </a:p>
@@ -3227,7 +4720,7 @@
           <a:p>
             <a:fld id="{2CD07A63-0B45-4E48-9F07-F8FFD2700591}" type="datetime1">
               <a:rPr lang="zh-CN" altLang="en-US" smtClean="0"/>
-              <a:t>2020/12/14</a:t>
+              <a:t>2020/12/19</a:t>
             </a:fld>
             <a:endParaRPr lang="en-US" altLang="zh-CN"/>
           </a:p>
@@ -3668,7 +5161,7 @@
           <a:p>
             <a:fld id="{2B75C3B8-A7D2-4E0E-A565-DB9235F59A93}" type="datetime1">
               <a:rPr lang="zh-CN" altLang="en-US" smtClean="0"/>
-              <a:t>2020/12/14</a:t>
+              <a:t>2020/12/19</a:t>
             </a:fld>
             <a:endParaRPr lang="en-US" altLang="zh-CN"/>
           </a:p>
@@ -3802,7 +5295,7 @@
           <a:p>
             <a:fld id="{756AEB06-F8AC-45FF-9F78-C03E011C2CD6}" type="datetime1">
               <a:rPr lang="zh-CN" altLang="en-US" smtClean="0"/>
-              <a:t>2020/12/14</a:t>
+              <a:t>2020/12/19</a:t>
             </a:fld>
             <a:endParaRPr lang="en-US" altLang="zh-CN"/>
           </a:p>
@@ -3914,7 +5407,7 @@
           <a:p>
             <a:fld id="{BABEB59D-DA7D-4DF2-B6C1-54AF9696C085}" type="datetime1">
               <a:rPr lang="zh-CN" altLang="en-US" smtClean="0"/>
-              <a:t>2020/12/14</a:t>
+              <a:t>2020/12/19</a:t>
             </a:fld>
             <a:endParaRPr lang="en-US" altLang="zh-CN"/>
           </a:p>
@@ -4206,7 +5699,7 @@
           <a:p>
             <a:fld id="{849BD0B2-DE48-4D8C-9EB5-1A971C9805B8}" type="datetime1">
               <a:rPr lang="zh-CN" altLang="en-US" smtClean="0"/>
-              <a:t>2020/12/14</a:t>
+              <a:t>2020/12/19</a:t>
             </a:fld>
             <a:endParaRPr lang="en-US" altLang="zh-CN"/>
           </a:p>
@@ -4478,7 +5971,7 @@
           <a:p>
             <a:fld id="{91D32AAA-AA4A-4821-85AF-844614B8E32F}" type="datetime1">
               <a:rPr lang="zh-CN" altLang="en-US" smtClean="0"/>
-              <a:t>2020/12/14</a:t>
+              <a:t>2020/12/19</a:t>
             </a:fld>
             <a:endParaRPr lang="en-US" altLang="zh-CN"/>
           </a:p>
@@ -4838,7 +6331,7 @@
           <a:p>
             <a:fld id="{192EB481-266F-4FAA-B400-28200EE7F14C}" type="datetime1">
               <a:rPr lang="zh-CN" altLang="en-US" smtClean="0"/>
-              <a:t>2020/12/14</a:t>
+              <a:t>2020/12/19</a:t>
             </a:fld>
             <a:endParaRPr lang="en-US" altLang="zh-CN"/>
           </a:p>
@@ -5668,9 +7161,48 @@
           <a:p>
             <a:r>
               <a:rPr lang="zh-CN" altLang="en-US" dirty="0"/>
-              <a:t>以太坊虚拟机运行关键过程的插桩</a:t>
+              <a:t>基于合约</a:t>
+            </a:r>
+            <a:r>
+              <a:rPr lang="en-US" altLang="zh-CN" dirty="0"/>
+              <a:t>ABI</a:t>
+            </a:r>
+            <a:r>
+              <a:rPr lang="zh-CN" altLang="en-US" dirty="0"/>
+              <a:t>与运行结果生成模糊测试用例</a:t>
             </a:r>
             <a:endParaRPr lang="en-US" altLang="zh-CN" dirty="0"/>
+          </a:p>
+          <a:p>
+            <a:pPr lvl="1"/>
+            <a:r>
+              <a:rPr lang="zh-CN" altLang="en-US" dirty="0"/>
+              <a:t>用户提供智能合约的</a:t>
+            </a:r>
+            <a:r>
+              <a:rPr lang="en-US" altLang="zh-CN" dirty="0"/>
+              <a:t>ABI</a:t>
+            </a:r>
+            <a:r>
+              <a:rPr lang="zh-CN" altLang="en-US" dirty="0"/>
+              <a:t>，以确定合约函数输入的数据类型，为数字、字符串、合约地址等类型分别产生对应的模糊输入。</a:t>
+            </a:r>
+            <a:endParaRPr lang="en-US" altLang="zh-CN" dirty="0"/>
+          </a:p>
+          <a:p>
+            <a:pPr lvl="1"/>
+            <a:r>
+              <a:rPr lang="zh-CN" altLang="en-US" dirty="0"/>
+              <a:t>首先通过基础种子池生成模糊输入，然后根据策略保留提高了覆盖度的新输入作为下一次生成的种子。</a:t>
+            </a:r>
+            <a:endParaRPr lang="en-US" altLang="zh-CN" dirty="0"/>
+          </a:p>
+          <a:p>
+            <a:pPr lvl="1"/>
+            <a:r>
+              <a:rPr lang="zh-CN" altLang="en-US" dirty="0"/>
+              <a:t>基于这些运行记录，本项目提供了一个分析框架，并提供了一个基础的生成策略，此外用户可以为发生器定制变异算法。</a:t>
+            </a:r>
           </a:p>
         </p:txBody>
       </p:sp>
@@ -5704,40 +7236,583 @@
           </a:p>
         </p:txBody>
       </p:sp>
-      <p:pic>
-        <p:nvPicPr>
-          <p:cNvPr id="6" name="图片 5">
+      <p:sp>
+        <p:nvSpPr>
+          <p:cNvPr id="5" name="矩形 4">
             <a:extLst>
               <a:ext uri="{FF2B5EF4-FFF2-40B4-BE49-F238E27FC236}">
-                <a16:creationId xmlns:a16="http://schemas.microsoft.com/office/drawing/2014/main" id="{D7DC1B82-A863-4D08-8F45-087AF76AA37F}"/>
+                <a16:creationId xmlns:a16="http://schemas.microsoft.com/office/drawing/2014/main" id="{17A66256-E1D8-4199-8E43-6C8CD3AC7215}"/>
               </a:ext>
             </a:extLst>
           </p:cNvPr>
-          <p:cNvPicPr>
-            <a:picLocks noChangeAspect="1"/>
-          </p:cNvPicPr>
+          <p:cNvSpPr/>
           <p:nvPr/>
-        </p:nvPicPr>
-        <p:blipFill>
-          <a:blip r:embed="rId3"/>
-          <a:stretch>
-            <a:fillRect/>
-          </a:stretch>
-        </p:blipFill>
-        <p:spPr>
+        </p:nvSpPr>
+        <p:spPr bwMode="auto">
           <a:xfrm>
-            <a:off x="1162407" y="2243987"/>
-            <a:ext cx="6829068" cy="3323693"/>
+            <a:off x="1381760" y="4306887"/>
+            <a:ext cx="1056640" cy="711200"/>
           </a:xfrm>
           <a:prstGeom prst="rect">
             <a:avLst/>
           </a:prstGeom>
+          <a:solidFill>
+            <a:schemeClr val="bg1"/>
+          </a:solidFill>
+          <a:ln w="9525" cap="flat" cmpd="sng" algn="ctr">
+            <a:solidFill>
+              <a:srgbClr val="FF0000"/>
+            </a:solidFill>
+            <a:prstDash val="solid"/>
+            <a:round/>
+            <a:headEnd type="none" w="med" len="med"/>
+            <a:tailEnd type="none" w="med" len="med"/>
+          </a:ln>
+          <a:effectLst/>
         </p:spPr>
-      </p:pic>
+        <p:txBody>
+          <a:bodyPr vert="horz" wrap="none" lIns="91440" tIns="45720" rIns="91440" bIns="45720" numCol="1" rtlCol="0" anchor="ctr" anchorCtr="0" compatLnSpc="1">
+            <a:prstTxWarp prst="textNoShape">
+              <a:avLst/>
+            </a:prstTxWarp>
+          </a:bodyPr>
+          <a:lstStyle/>
+          <a:p>
+            <a:pPr marL="0" marR="0" indent="0" algn="ctr" defTabSz="914400" rtl="0" eaLnBrk="1" fontAlgn="base" latinLnBrk="0" hangingPunct="1">
+              <a:lnSpc>
+                <a:spcPct val="100000"/>
+              </a:lnSpc>
+              <a:spcBef>
+                <a:spcPct val="0"/>
+              </a:spcBef>
+              <a:spcAft>
+                <a:spcPct val="0"/>
+              </a:spcAft>
+              <a:buClrTx/>
+              <a:buSzTx/>
+              <a:buFontTx/>
+              <a:buNone/>
+              <a:tabLst/>
+            </a:pPr>
+            <a:r>
+              <a:rPr kumimoji="0" lang="zh-CN" altLang="en-US" sz="1800" b="0" i="0" u="none" strike="noStrike" cap="none" normalizeH="0" baseline="0" dirty="0">
+                <a:ln>
+                  <a:noFill/>
+                </a:ln>
+                <a:solidFill>
+                  <a:schemeClr val="tx1"/>
+                </a:solidFill>
+                <a:effectLst/>
+                <a:latin typeface="Times New Roman" pitchFamily="18" charset="0"/>
+                <a:ea typeface="宋体" charset="-122"/>
+              </a:rPr>
+              <a:t>生成输入</a:t>
+            </a:r>
+          </a:p>
+        </p:txBody>
+      </p:sp>
+      <p:sp>
+        <p:nvSpPr>
+          <p:cNvPr id="6" name="矩形 5">
+            <a:extLst>
+              <a:ext uri="{FF2B5EF4-FFF2-40B4-BE49-F238E27FC236}">
+                <a16:creationId xmlns:a16="http://schemas.microsoft.com/office/drawing/2014/main" id="{73CDF9FA-A445-4B34-812B-FE088C82BE85}"/>
+              </a:ext>
+            </a:extLst>
+          </p:cNvPr>
+          <p:cNvSpPr/>
+          <p:nvPr/>
+        </p:nvSpPr>
+        <p:spPr bwMode="auto">
+          <a:xfrm>
+            <a:off x="3012440" y="4306887"/>
+            <a:ext cx="1056640" cy="711200"/>
+          </a:xfrm>
+          <a:prstGeom prst="rect">
+            <a:avLst/>
+          </a:prstGeom>
+          <a:solidFill>
+            <a:schemeClr val="bg1"/>
+          </a:solidFill>
+          <a:ln w="9525" cap="flat" cmpd="sng" algn="ctr">
+            <a:solidFill>
+              <a:srgbClr val="FF0000"/>
+            </a:solidFill>
+            <a:prstDash val="solid"/>
+            <a:round/>
+            <a:headEnd type="none" w="med" len="med"/>
+            <a:tailEnd type="none" w="med" len="med"/>
+          </a:ln>
+          <a:effectLst/>
+        </p:spPr>
+        <p:txBody>
+          <a:bodyPr vert="horz" wrap="none" lIns="91440" tIns="45720" rIns="91440" bIns="45720" numCol="1" rtlCol="0" anchor="ctr" anchorCtr="0" compatLnSpc="1">
+            <a:prstTxWarp prst="textNoShape">
+              <a:avLst/>
+            </a:prstTxWarp>
+          </a:bodyPr>
+          <a:lstStyle/>
+          <a:p>
+            <a:pPr marL="0" marR="0" indent="0" algn="ctr" defTabSz="914400" rtl="0" eaLnBrk="1" fontAlgn="base" latinLnBrk="0" hangingPunct="1">
+              <a:lnSpc>
+                <a:spcPct val="100000"/>
+              </a:lnSpc>
+              <a:spcBef>
+                <a:spcPct val="0"/>
+              </a:spcBef>
+              <a:spcAft>
+                <a:spcPct val="0"/>
+              </a:spcAft>
+              <a:buClrTx/>
+              <a:buSzTx/>
+              <a:buFontTx/>
+              <a:buNone/>
+              <a:tabLst/>
+            </a:pPr>
+            <a:r>
+              <a:rPr kumimoji="0" lang="zh-CN" altLang="en-US" sz="1800" b="0" i="0" u="none" strike="noStrike" cap="none" normalizeH="0" baseline="0" dirty="0">
+                <a:ln>
+                  <a:noFill/>
+                </a:ln>
+                <a:solidFill>
+                  <a:schemeClr val="tx1"/>
+                </a:solidFill>
+                <a:effectLst/>
+                <a:latin typeface="Times New Roman" pitchFamily="18" charset="0"/>
+                <a:ea typeface="宋体" charset="-122"/>
+              </a:rPr>
+              <a:t>运行</a:t>
+            </a:r>
+          </a:p>
+        </p:txBody>
+      </p:sp>
+      <p:sp>
+        <p:nvSpPr>
+          <p:cNvPr id="7" name="矩形 6">
+            <a:extLst>
+              <a:ext uri="{FF2B5EF4-FFF2-40B4-BE49-F238E27FC236}">
+                <a16:creationId xmlns:a16="http://schemas.microsoft.com/office/drawing/2014/main" id="{D77BF7E7-7435-4A7C-93A5-6CCE7A5C61BD}"/>
+              </a:ext>
+            </a:extLst>
+          </p:cNvPr>
+          <p:cNvSpPr/>
+          <p:nvPr/>
+        </p:nvSpPr>
+        <p:spPr bwMode="auto">
+          <a:xfrm>
+            <a:off x="4673600" y="4306887"/>
+            <a:ext cx="1493520" cy="711200"/>
+          </a:xfrm>
+          <a:prstGeom prst="rect">
+            <a:avLst/>
+          </a:prstGeom>
+          <a:solidFill>
+            <a:schemeClr val="bg1"/>
+          </a:solidFill>
+          <a:ln w="9525" cap="flat" cmpd="sng" algn="ctr">
+            <a:solidFill>
+              <a:srgbClr val="FF0000"/>
+            </a:solidFill>
+            <a:prstDash val="solid"/>
+            <a:round/>
+            <a:headEnd type="none" w="med" len="med"/>
+            <a:tailEnd type="none" w="med" len="med"/>
+          </a:ln>
+          <a:effectLst/>
+        </p:spPr>
+        <p:txBody>
+          <a:bodyPr vert="horz" wrap="none" lIns="91440" tIns="45720" rIns="91440" bIns="45720" numCol="1" rtlCol="0" anchor="ctr" anchorCtr="0" compatLnSpc="1">
+            <a:prstTxWarp prst="textNoShape">
+              <a:avLst/>
+            </a:prstTxWarp>
+          </a:bodyPr>
+          <a:lstStyle/>
+          <a:p>
+            <a:pPr marL="0" marR="0" indent="0" algn="ctr" defTabSz="914400" rtl="0" eaLnBrk="1" fontAlgn="base" latinLnBrk="0" hangingPunct="1">
+              <a:lnSpc>
+                <a:spcPct val="100000"/>
+              </a:lnSpc>
+              <a:spcBef>
+                <a:spcPct val="0"/>
+              </a:spcBef>
+              <a:spcAft>
+                <a:spcPct val="0"/>
+              </a:spcAft>
+              <a:buClrTx/>
+              <a:buSzTx/>
+              <a:buFontTx/>
+              <a:buNone/>
+              <a:tabLst/>
+            </a:pPr>
+            <a:r>
+              <a:rPr lang="zh-CN" altLang="en-US" dirty="0"/>
+              <a:t>得到运行结果</a:t>
+            </a:r>
+            <a:endParaRPr kumimoji="0" lang="zh-CN" altLang="en-US" sz="1800" b="0" i="0" u="none" strike="noStrike" cap="none" normalizeH="0" baseline="0" dirty="0">
+              <a:ln>
+                <a:noFill/>
+              </a:ln>
+              <a:solidFill>
+                <a:schemeClr val="tx1"/>
+              </a:solidFill>
+              <a:effectLst/>
+              <a:latin typeface="Times New Roman" pitchFamily="18" charset="0"/>
+              <a:ea typeface="宋体" charset="-122"/>
+            </a:endParaRPr>
+          </a:p>
+        </p:txBody>
+      </p:sp>
+      <p:sp>
+        <p:nvSpPr>
+          <p:cNvPr id="8" name="矩形 7">
+            <a:extLst>
+              <a:ext uri="{FF2B5EF4-FFF2-40B4-BE49-F238E27FC236}">
+                <a16:creationId xmlns:a16="http://schemas.microsoft.com/office/drawing/2014/main" id="{B1291B32-6F85-4A7A-B68A-5677084B5C79}"/>
+              </a:ext>
+            </a:extLst>
+          </p:cNvPr>
+          <p:cNvSpPr/>
+          <p:nvPr/>
+        </p:nvSpPr>
+        <p:spPr bwMode="auto">
+          <a:xfrm>
+            <a:off x="6756400" y="4286567"/>
+            <a:ext cx="1330960" cy="711200"/>
+          </a:xfrm>
+          <a:prstGeom prst="rect">
+            <a:avLst/>
+          </a:prstGeom>
+          <a:solidFill>
+            <a:schemeClr val="bg1"/>
+          </a:solidFill>
+          <a:ln w="9525" cap="flat" cmpd="sng" algn="ctr">
+            <a:solidFill>
+              <a:srgbClr val="FF0000"/>
+            </a:solidFill>
+            <a:prstDash val="solid"/>
+            <a:round/>
+            <a:headEnd type="none" w="med" len="med"/>
+            <a:tailEnd type="none" w="med" len="med"/>
+          </a:ln>
+          <a:effectLst/>
+        </p:spPr>
+        <p:txBody>
+          <a:bodyPr vert="horz" wrap="none" lIns="91440" tIns="45720" rIns="91440" bIns="45720" numCol="1" rtlCol="0" anchor="ctr" anchorCtr="0" compatLnSpc="1">
+            <a:prstTxWarp prst="textNoShape">
+              <a:avLst/>
+            </a:prstTxWarp>
+          </a:bodyPr>
+          <a:lstStyle/>
+          <a:p>
+            <a:pPr marL="0" marR="0" indent="0" algn="ctr" defTabSz="914400" rtl="0" eaLnBrk="1" fontAlgn="base" latinLnBrk="0" hangingPunct="1">
+              <a:lnSpc>
+                <a:spcPct val="100000"/>
+              </a:lnSpc>
+              <a:spcBef>
+                <a:spcPct val="0"/>
+              </a:spcBef>
+              <a:spcAft>
+                <a:spcPct val="0"/>
+              </a:spcAft>
+              <a:buClrTx/>
+              <a:buSzTx/>
+              <a:buFontTx/>
+              <a:buNone/>
+              <a:tabLst/>
+            </a:pPr>
+            <a:r>
+              <a:rPr kumimoji="0" lang="zh-CN" altLang="en-US" sz="1800" b="0" i="0" u="none" strike="noStrike" cap="none" normalizeH="0" baseline="0" dirty="0">
+                <a:ln>
+                  <a:noFill/>
+                </a:ln>
+                <a:solidFill>
+                  <a:schemeClr val="tx1"/>
+                </a:solidFill>
+                <a:effectLst/>
+                <a:latin typeface="Times New Roman" pitchFamily="18" charset="0"/>
+                <a:ea typeface="宋体" charset="-122"/>
+              </a:rPr>
+              <a:t>下一步分析</a:t>
+            </a:r>
+          </a:p>
+        </p:txBody>
+      </p:sp>
+      <p:cxnSp>
+        <p:nvCxnSpPr>
+          <p:cNvPr id="10" name="连接符: 肘形 9">
+            <a:extLst>
+              <a:ext uri="{FF2B5EF4-FFF2-40B4-BE49-F238E27FC236}">
+                <a16:creationId xmlns:a16="http://schemas.microsoft.com/office/drawing/2014/main" id="{28900D28-048E-4F21-916A-3FB90C22A6D0}"/>
+              </a:ext>
+            </a:extLst>
+          </p:cNvPr>
+          <p:cNvCxnSpPr>
+            <a:stCxn id="5" idx="3"/>
+            <a:endCxn id="6" idx="1"/>
+          </p:cNvCxnSpPr>
+          <p:nvPr/>
+        </p:nvCxnSpPr>
+        <p:spPr bwMode="auto">
+          <a:xfrm>
+            <a:off x="2438400" y="4662487"/>
+            <a:ext cx="574040" cy="12700"/>
+          </a:xfrm>
+          <a:prstGeom prst="bentConnector3">
+            <a:avLst>
+              <a:gd name="adj1" fmla="val 108407"/>
+            </a:avLst>
+          </a:prstGeom>
+          <a:solidFill>
+            <a:schemeClr val="bg1"/>
+          </a:solidFill>
+          <a:ln w="9525" cap="flat" cmpd="sng" algn="ctr">
+            <a:solidFill>
+              <a:srgbClr val="FF0000"/>
+            </a:solidFill>
+            <a:prstDash val="solid"/>
+            <a:round/>
+            <a:headEnd type="none" w="med" len="med"/>
+            <a:tailEnd type="triangle"/>
+          </a:ln>
+          <a:effectLst/>
+        </p:spPr>
+      </p:cxnSp>
+      <p:cxnSp>
+        <p:nvCxnSpPr>
+          <p:cNvPr id="14" name="连接符: 肘形 13">
+            <a:extLst>
+              <a:ext uri="{FF2B5EF4-FFF2-40B4-BE49-F238E27FC236}">
+                <a16:creationId xmlns:a16="http://schemas.microsoft.com/office/drawing/2014/main" id="{F2764E29-0DBE-4C0A-9DD8-E0D28028DD14}"/>
+              </a:ext>
+            </a:extLst>
+          </p:cNvPr>
+          <p:cNvCxnSpPr>
+            <a:stCxn id="6" idx="3"/>
+            <a:endCxn id="7" idx="1"/>
+          </p:cNvCxnSpPr>
+          <p:nvPr/>
+        </p:nvCxnSpPr>
+        <p:spPr bwMode="auto">
+          <a:xfrm>
+            <a:off x="4069080" y="4662487"/>
+            <a:ext cx="604520" cy="12700"/>
+          </a:xfrm>
+          <a:prstGeom prst="bentConnector3">
+            <a:avLst>
+              <a:gd name="adj1" fmla="val 98739"/>
+            </a:avLst>
+          </a:prstGeom>
+          <a:solidFill>
+            <a:schemeClr val="bg1"/>
+          </a:solidFill>
+          <a:ln w="9525" cap="flat" cmpd="sng" algn="ctr">
+            <a:solidFill>
+              <a:srgbClr val="FF0000"/>
+            </a:solidFill>
+            <a:prstDash val="solid"/>
+            <a:round/>
+            <a:headEnd type="none" w="med" len="med"/>
+            <a:tailEnd type="triangle"/>
+          </a:ln>
+          <a:effectLst/>
+        </p:spPr>
+      </p:cxnSp>
+      <p:cxnSp>
+        <p:nvCxnSpPr>
+          <p:cNvPr id="17" name="连接符: 肘形 16">
+            <a:extLst>
+              <a:ext uri="{FF2B5EF4-FFF2-40B4-BE49-F238E27FC236}">
+                <a16:creationId xmlns:a16="http://schemas.microsoft.com/office/drawing/2014/main" id="{16F6E943-7C07-4C5B-B19E-3B10F593F1B9}"/>
+              </a:ext>
+            </a:extLst>
+          </p:cNvPr>
+          <p:cNvCxnSpPr>
+            <a:stCxn id="7" idx="3"/>
+            <a:endCxn id="8" idx="1"/>
+          </p:cNvCxnSpPr>
+          <p:nvPr/>
+        </p:nvCxnSpPr>
+        <p:spPr bwMode="auto">
+          <a:xfrm flipV="1">
+            <a:off x="6167120" y="4642167"/>
+            <a:ext cx="589280" cy="20320"/>
+          </a:xfrm>
+          <a:prstGeom prst="bentConnector3">
+            <a:avLst>
+              <a:gd name="adj1" fmla="val 100000"/>
+            </a:avLst>
+          </a:prstGeom>
+          <a:solidFill>
+            <a:schemeClr val="bg1"/>
+          </a:solidFill>
+          <a:ln w="9525" cap="flat" cmpd="sng" algn="ctr">
+            <a:solidFill>
+              <a:srgbClr val="FF0000"/>
+            </a:solidFill>
+            <a:prstDash val="solid"/>
+            <a:round/>
+            <a:headEnd type="none" w="med" len="med"/>
+            <a:tailEnd type="triangle"/>
+          </a:ln>
+          <a:effectLst/>
+        </p:spPr>
+      </p:cxnSp>
+      <p:sp>
+        <p:nvSpPr>
+          <p:cNvPr id="19" name="矩形 18">
+            <a:extLst>
+              <a:ext uri="{FF2B5EF4-FFF2-40B4-BE49-F238E27FC236}">
+                <a16:creationId xmlns:a16="http://schemas.microsoft.com/office/drawing/2014/main" id="{87511761-E0EC-436E-941E-31B607ED1B53}"/>
+              </a:ext>
+            </a:extLst>
+          </p:cNvPr>
+          <p:cNvSpPr/>
+          <p:nvPr/>
+        </p:nvSpPr>
+        <p:spPr bwMode="auto">
+          <a:xfrm>
+            <a:off x="2562860" y="5373687"/>
+            <a:ext cx="1955800" cy="711200"/>
+          </a:xfrm>
+          <a:prstGeom prst="rect">
+            <a:avLst/>
+          </a:prstGeom>
+          <a:solidFill>
+            <a:schemeClr val="bg1"/>
+          </a:solidFill>
+          <a:ln w="9525" cap="flat" cmpd="sng" algn="ctr">
+            <a:solidFill>
+              <a:srgbClr val="FF0000"/>
+            </a:solidFill>
+            <a:prstDash val="solid"/>
+            <a:round/>
+            <a:headEnd type="none" w="med" len="med"/>
+            <a:tailEnd type="none" w="med" len="med"/>
+          </a:ln>
+          <a:effectLst/>
+        </p:spPr>
+        <p:txBody>
+          <a:bodyPr vert="horz" wrap="none" lIns="91440" tIns="45720" rIns="91440" bIns="45720" numCol="1" rtlCol="0" anchor="ctr" anchorCtr="0" compatLnSpc="1">
+            <a:prstTxWarp prst="textNoShape">
+              <a:avLst/>
+            </a:prstTxWarp>
+          </a:bodyPr>
+          <a:lstStyle/>
+          <a:p>
+            <a:pPr marL="0" marR="0" indent="0" algn="ctr" defTabSz="914400" rtl="0" eaLnBrk="1" fontAlgn="base" latinLnBrk="0" hangingPunct="1">
+              <a:lnSpc>
+                <a:spcPct val="100000"/>
+              </a:lnSpc>
+              <a:spcBef>
+                <a:spcPct val="0"/>
+              </a:spcBef>
+              <a:spcAft>
+                <a:spcPct val="0"/>
+              </a:spcAft>
+              <a:buClrTx/>
+              <a:buSzTx/>
+              <a:buFontTx/>
+              <a:buNone/>
+              <a:tabLst/>
+            </a:pPr>
+            <a:r>
+              <a:rPr kumimoji="0" lang="zh-CN" altLang="en-US" sz="1800" b="0" i="0" u="none" strike="noStrike" cap="none" normalizeH="0" baseline="0" dirty="0">
+                <a:ln>
+                  <a:noFill/>
+                </a:ln>
+                <a:solidFill>
+                  <a:schemeClr val="tx1"/>
+                </a:solidFill>
+                <a:effectLst/>
+                <a:latin typeface="Times New Roman" pitchFamily="18" charset="0"/>
+                <a:ea typeface="宋体" charset="-122"/>
+              </a:rPr>
+              <a:t>生成器产生新输入</a:t>
+            </a:r>
+          </a:p>
+        </p:txBody>
+      </p:sp>
+      <p:cxnSp>
+        <p:nvCxnSpPr>
+          <p:cNvPr id="21" name="连接符: 肘形 20">
+            <a:extLst>
+              <a:ext uri="{FF2B5EF4-FFF2-40B4-BE49-F238E27FC236}">
+                <a16:creationId xmlns:a16="http://schemas.microsoft.com/office/drawing/2014/main" id="{C4E81FE1-801C-48F5-BF3D-35B737C7F6DF}"/>
+              </a:ext>
+            </a:extLst>
+          </p:cNvPr>
+          <p:cNvCxnSpPr>
+            <a:cxnSpLocks/>
+            <a:stCxn id="7" idx="2"/>
+            <a:endCxn id="19" idx="3"/>
+          </p:cNvCxnSpPr>
+          <p:nvPr/>
+        </p:nvCxnSpPr>
+        <p:spPr bwMode="auto">
+          <a:xfrm rot="5400000">
+            <a:off x="4613910" y="4922837"/>
+            <a:ext cx="711200" cy="901700"/>
+          </a:xfrm>
+          <a:prstGeom prst="bentConnector2">
+            <a:avLst/>
+          </a:prstGeom>
+          <a:solidFill>
+            <a:schemeClr val="bg1"/>
+          </a:solidFill>
+          <a:ln w="9525" cap="flat" cmpd="sng" algn="ctr">
+            <a:solidFill>
+              <a:srgbClr val="FF0000"/>
+            </a:solidFill>
+            <a:prstDash val="solid"/>
+            <a:round/>
+            <a:headEnd type="none" w="med" len="med"/>
+            <a:tailEnd type="triangle"/>
+          </a:ln>
+          <a:effectLst/>
+        </p:spPr>
+      </p:cxnSp>
+      <p:cxnSp>
+        <p:nvCxnSpPr>
+          <p:cNvPr id="25" name="连接符: 肘形 24">
+            <a:extLst>
+              <a:ext uri="{FF2B5EF4-FFF2-40B4-BE49-F238E27FC236}">
+                <a16:creationId xmlns:a16="http://schemas.microsoft.com/office/drawing/2014/main" id="{F561EE66-B3F4-4394-AE0B-4A975BA015CD}"/>
+              </a:ext>
+            </a:extLst>
+          </p:cNvPr>
+          <p:cNvCxnSpPr>
+            <a:stCxn id="19" idx="1"/>
+            <a:endCxn id="5" idx="2"/>
+          </p:cNvCxnSpPr>
+          <p:nvPr/>
+        </p:nvCxnSpPr>
+        <p:spPr bwMode="auto">
+          <a:xfrm rot="10800000">
+            <a:off x="1910080" y="5018087"/>
+            <a:ext cx="652780" cy="711200"/>
+          </a:xfrm>
+          <a:prstGeom prst="bentConnector2">
+            <a:avLst/>
+          </a:prstGeom>
+          <a:solidFill>
+            <a:schemeClr val="bg1"/>
+          </a:solidFill>
+          <a:ln w="9525" cap="flat" cmpd="sng" algn="ctr">
+            <a:solidFill>
+              <a:srgbClr val="FF0000"/>
+            </a:solidFill>
+            <a:prstDash val="solid"/>
+            <a:round/>
+            <a:headEnd type="none" w="med" len="med"/>
+            <a:tailEnd type="triangle"/>
+          </a:ln>
+          <a:effectLst/>
+        </p:spPr>
+      </p:cxnSp>
     </p:spTree>
     <p:extLst>
       <p:ext uri="{BB962C8B-B14F-4D97-AF65-F5344CB8AC3E}">
-        <p14:creationId xmlns:p14="http://schemas.microsoft.com/office/powerpoint/2010/main" val="3808270334"/>
+        <p14:creationId xmlns:p14="http://schemas.microsoft.com/office/powerpoint/2010/main" val="1947796479"/>
       </p:ext>
     </p:extLst>
   </p:cSld>
@@ -5816,7 +7891,7 @@
           <a:p>
             <a:r>
               <a:rPr lang="zh-CN" altLang="en-US" dirty="0"/>
-              <a:t>基于插桩结果的自动化分析</a:t>
+              <a:t>生成模糊测试用例：如何变异和保留</a:t>
             </a:r>
             <a:endParaRPr lang="en-US" altLang="zh-CN" dirty="0"/>
           </a:p>
@@ -5824,27 +7899,23 @@
             <a:pPr lvl="1"/>
             <a:r>
               <a:rPr lang="zh-CN" altLang="en-US" dirty="0"/>
-              <a:t>本项目的自动化分析工具是基于测试预言（</a:t>
+              <a:t>基于反馈驱动生成（</a:t>
             </a:r>
             <a:r>
               <a:rPr lang="en-US" altLang="zh-CN" dirty="0"/>
-              <a:t>Oracle</a:t>
-            </a:r>
-            <a:r>
-              <a:rPr lang="zh-CN" altLang="en-US" dirty="0"/>
-              <a:t>）的。</a:t>
+              <a:t>feedback-driven</a:t>
+            </a:r>
+            <a:r>
+              <a:rPr lang="zh-CN" altLang="en-US" dirty="0"/>
+              <a:t>）是模糊测试区别于随机输入的关键。</a:t>
             </a:r>
             <a:endParaRPr lang="en-US" altLang="zh-CN" dirty="0"/>
           </a:p>
           <a:p>
             <a:pPr lvl="1"/>
             <a:r>
-              <a:rPr lang="en-US" altLang="zh-CN" dirty="0"/>
-              <a:t>	</a:t>
-            </a:r>
-            <a:r>
-              <a:rPr lang="zh-CN" altLang="en-US" dirty="0"/>
-              <a:t>当调用树及其内部包含的运行结果符合预先设置的预言后，就认为存在漏洞。</a:t>
+              <a:rPr lang="zh-CN" altLang="en-US" dirty="0"/>
+              <a:t>项目提供一个基础种子池，测试框架先在这个种子池的基础上进行变异，获取一些变异输入。变异的方式包括随机增减、随机翻转比特、随机更换字符等。</a:t>
             </a:r>
             <a:endParaRPr lang="en-US" altLang="zh-CN" dirty="0"/>
           </a:p>
@@ -5852,12 +7923,9 @@
             <a:pPr lvl="1"/>
             <a:r>
               <a:rPr lang="zh-CN" altLang="en-US" dirty="0"/>
-              <a:t>当分析结束后，会生成漏洞报告，并提示用户解决的办法。</a:t>
+              <a:t>当运行发现产生新的覆盖，就保留输入到种子池中，参与之后的变异。</a:t>
             </a:r>
             <a:endParaRPr lang="en-US" altLang="zh-CN" dirty="0"/>
-          </a:p>
-          <a:p>
-            <a:endParaRPr lang="zh-CN" altLang="en-US" dirty="0"/>
           </a:p>
         </p:txBody>
       </p:sp>
@@ -5891,10 +7959,81 @@
           </a:p>
         </p:txBody>
       </p:sp>
+      <p:sp>
+        <p:nvSpPr>
+          <p:cNvPr id="20" name="矩形 19">
+            <a:extLst>
+              <a:ext uri="{FF2B5EF4-FFF2-40B4-BE49-F238E27FC236}">
+                <a16:creationId xmlns:a16="http://schemas.microsoft.com/office/drawing/2014/main" id="{2B2C6836-4F00-4632-B825-0DE1E9E3C9EF}"/>
+              </a:ext>
+            </a:extLst>
+          </p:cNvPr>
+          <p:cNvSpPr/>
+          <p:nvPr/>
+        </p:nvSpPr>
+        <p:spPr>
+          <a:xfrm>
+            <a:off x="4077517" y="6149330"/>
+            <a:ext cx="3570208" cy="461665"/>
+          </a:xfrm>
+          <a:prstGeom prst="rect">
+            <a:avLst/>
+          </a:prstGeom>
+          <a:noFill/>
+        </p:spPr>
+        <p:txBody>
+          <a:bodyPr wrap="none" lIns="91440" tIns="45720" rIns="91440" bIns="45720">
+            <a:spAutoFit/>
+          </a:bodyPr>
+          <a:lstStyle/>
+          <a:p>
+            <a:pPr algn="ctr"/>
+            <a:r>
+              <a:rPr lang="zh-CN" altLang="en-US" sz="2400" b="0" cap="none" spc="0" dirty="0">
+                <a:ln w="0"/>
+                <a:solidFill>
+                  <a:schemeClr val="tx1"/>
+                </a:solidFill>
+              </a:rPr>
+              <a:t>输入生成器框架的伪代码</a:t>
+            </a:r>
+          </a:p>
+        </p:txBody>
+      </p:sp>
+      <p:pic>
+        <p:nvPicPr>
+          <p:cNvPr id="23" name="图片 22">
+            <a:extLst>
+              <a:ext uri="{FF2B5EF4-FFF2-40B4-BE49-F238E27FC236}">
+                <a16:creationId xmlns:a16="http://schemas.microsoft.com/office/drawing/2014/main" id="{5CE91E82-47D8-4793-B921-9516CBDE358E}"/>
+              </a:ext>
+            </a:extLst>
+          </p:cNvPr>
+          <p:cNvPicPr>
+            <a:picLocks noChangeAspect="1"/>
+          </p:cNvPicPr>
+          <p:nvPr/>
+        </p:nvPicPr>
+        <p:blipFill>
+          <a:blip r:embed="rId3"/>
+          <a:stretch>
+            <a:fillRect/>
+          </a:stretch>
+        </p:blipFill>
+        <p:spPr>
+          <a:xfrm>
+            <a:off x="2717820" y="4009260"/>
+            <a:ext cx="6289602" cy="1933224"/>
+          </a:xfrm>
+          <a:prstGeom prst="rect">
+            <a:avLst/>
+          </a:prstGeom>
+        </p:spPr>
+      </p:pic>
     </p:spTree>
     <p:extLst>
       <p:ext uri="{BB962C8B-B14F-4D97-AF65-F5344CB8AC3E}">
-        <p14:creationId xmlns:p14="http://schemas.microsoft.com/office/powerpoint/2010/main" val="1412138567"/>
+        <p14:creationId xmlns:p14="http://schemas.microsoft.com/office/powerpoint/2010/main" val="2515325168"/>
       </p:ext>
     </p:extLst>
   </p:cSld>
@@ -5973,7 +8112,7 @@
           <a:p>
             <a:r>
               <a:rPr lang="zh-CN" altLang="en-US" dirty="0"/>
-              <a:t>基于插桩结果的自动化分析</a:t>
+              <a:t>基于测试预言，自动化分析合约调用信息与调用树</a:t>
             </a:r>
             <a:endParaRPr lang="en-US" altLang="zh-CN" dirty="0"/>
           </a:p>
@@ -5981,32 +8120,40 @@
             <a:pPr lvl="1"/>
             <a:r>
               <a:rPr lang="zh-CN" altLang="en-US" dirty="0"/>
-              <a:t>以重入漏洞为例：</a:t>
+              <a:t>本项目的自动化分析工具是基于测试预言（</a:t>
+            </a:r>
+            <a:r>
+              <a:rPr lang="en-US" altLang="zh-CN" dirty="0"/>
+              <a:t>Oracle</a:t>
+            </a:r>
+            <a:r>
+              <a:rPr lang="zh-CN" altLang="en-US" dirty="0"/>
+              <a:t>）的。</a:t>
             </a:r>
             <a:endParaRPr lang="en-US" altLang="zh-CN" dirty="0"/>
           </a:p>
           <a:p>
-            <a:pPr lvl="2"/>
-            <a:r>
-              <a:rPr lang="zh-CN" altLang="en-US" dirty="0"/>
-              <a:t>如果某个取款函数先转账再扣除余额，恶意合约就可以通过转账时的回调函数多次调用取款函数，使得余额在没有被扣除的情况下取光漏洞合约的余额。</a:t>
+            <a:pPr lvl="1"/>
+            <a:r>
+              <a:rPr lang="en-US" altLang="zh-CN" dirty="0"/>
+              <a:t>	</a:t>
+            </a:r>
+            <a:r>
+              <a:rPr lang="zh-CN" altLang="en-US" dirty="0"/>
+              <a:t>当调用树及其内部包含的运行信息符合预先设置的预言后，就认为存在漏洞。</a:t>
             </a:r>
             <a:endParaRPr lang="en-US" altLang="zh-CN" dirty="0"/>
           </a:p>
           <a:p>
-            <a:pPr lvl="2"/>
-            <a:r>
-              <a:rPr lang="zh-CN" altLang="en-US" dirty="0"/>
-              <a:t>当重入漏洞存在时，调用树中会呈现这样的特征：存在一个节点是另一个节点的后代，但是这两个节点的</a:t>
-            </a:r>
-            <a:r>
-              <a:rPr lang="en-US" altLang="zh-CN" dirty="0"/>
-              <a:t>CALL</a:t>
-            </a:r>
-            <a:r>
-              <a:rPr lang="zh-CN" altLang="en-US" dirty="0"/>
-              <a:t>特征完全相同。如果我们在调用树中发现了这样的特征，就认为存在重入漏洞。</a:t>
-            </a:r>
+            <a:pPr lvl="1"/>
+            <a:r>
+              <a:rPr lang="zh-CN" altLang="en-US" dirty="0"/>
+              <a:t>当分析结束后，会生成漏洞报告，并提示用户解决的办法。</a:t>
+            </a:r>
+            <a:endParaRPr lang="en-US" altLang="zh-CN" dirty="0"/>
+          </a:p>
+          <a:p>
+            <a:endParaRPr lang="zh-CN" altLang="en-US" dirty="0"/>
           </a:p>
         </p:txBody>
       </p:sp>
@@ -6043,7 +8190,7 @@
     </p:spTree>
     <p:extLst>
       <p:ext uri="{BB962C8B-B14F-4D97-AF65-F5344CB8AC3E}">
-        <p14:creationId xmlns:p14="http://schemas.microsoft.com/office/powerpoint/2010/main" val="2022033782"/>
+        <p14:creationId xmlns:p14="http://schemas.microsoft.com/office/powerpoint/2010/main" val="2904458493"/>
       </p:ext>
     </p:extLst>
   </p:cSld>
@@ -6122,7 +8269,7 @@
           <a:p>
             <a:r>
               <a:rPr lang="zh-CN" altLang="en-US" dirty="0"/>
-              <a:t>基于插桩结果的自动化分析</a:t>
+              <a:t>基于测试预言，自动化分析合约调用信息与调用树</a:t>
             </a:r>
             <a:endParaRPr lang="en-US" altLang="zh-CN" dirty="0"/>
           </a:p>
@@ -6131,6 +8278,14 @@
             <a:r>
               <a:rPr lang="zh-CN" altLang="en-US" dirty="0"/>
               <a:t>以重入漏洞为例：</a:t>
+            </a:r>
+            <a:endParaRPr lang="en-US" altLang="zh-CN" dirty="0"/>
+          </a:p>
+          <a:p>
+            <a:pPr lvl="2"/>
+            <a:r>
+              <a:rPr lang="zh-CN" altLang="en-US" dirty="0"/>
+              <a:t>如果某个取款函数先转账再扣除余额，恶意合约就可以通过回调函数多次调用取款函数，使得账面余额在没有被扣除的情况下，取光漏洞合约的所有余额储蓄。</a:t>
             </a:r>
             <a:endParaRPr lang="en-US" altLang="zh-CN" dirty="0"/>
           </a:p>
@@ -6166,38 +8321,348 @@
           </a:p>
         </p:txBody>
       </p:sp>
-      <p:pic>
-        <p:nvPicPr>
-          <p:cNvPr id="5" name="图片 4">
+      <p:sp>
+        <p:nvSpPr>
+          <p:cNvPr id="5" name="文本框 4">
             <a:extLst>
               <a:ext uri="{FF2B5EF4-FFF2-40B4-BE49-F238E27FC236}">
-                <a16:creationId xmlns:a16="http://schemas.microsoft.com/office/drawing/2014/main" id="{B62811C5-9958-4C87-9C9B-B33E093E8BEC}"/>
+                <a16:creationId xmlns:a16="http://schemas.microsoft.com/office/drawing/2014/main" id="{EFFCDA4D-A539-490F-9679-E5B43402ECBC}"/>
               </a:ext>
             </a:extLst>
           </p:cNvPr>
-          <p:cNvPicPr/>
+          <p:cNvSpPr txBox="1"/>
           <p:nvPr/>
-        </p:nvPicPr>
-        <p:blipFill>
-          <a:blip r:embed="rId3"/>
-          <a:stretch>
-            <a:fillRect/>
-          </a:stretch>
-        </p:blipFill>
+        </p:nvSpPr>
         <p:spPr>
           <a:xfrm>
-            <a:off x="4653280" y="1484312"/>
-            <a:ext cx="4551680" cy="5373687"/>
+            <a:off x="2393322" y="3413051"/>
+            <a:ext cx="5447451" cy="1754326"/>
           </a:xfrm>
           <a:prstGeom prst="rect">
             <a:avLst/>
           </a:prstGeom>
+          <a:noFill/>
         </p:spPr>
-      </p:pic>
+        <p:txBody>
+          <a:bodyPr wrap="square" rtlCol="0">
+            <a:spAutoFit/>
+          </a:bodyPr>
+          <a:lstStyle/>
+          <a:p>
+            <a:pPr algn="l"/>
+            <a:r>
+              <a:rPr lang="en-US" altLang="zh-CN" dirty="0">
+                <a:latin typeface="Cascadia Code" panose="020B0609020000020004" pitchFamily="49" charset="0"/>
+                <a:cs typeface="Cascadia Code" panose="020B0609020000020004" pitchFamily="49" charset="0"/>
+              </a:rPr>
+              <a:t>//buggy contract</a:t>
+            </a:r>
+          </a:p>
+          <a:p>
+            <a:pPr algn="l"/>
+            <a:r>
+              <a:rPr lang="en-US" altLang="zh-CN" dirty="0">
+                <a:latin typeface="Cascadia Code" panose="020B0609020000020004" pitchFamily="49" charset="0"/>
+                <a:cs typeface="Cascadia Code" panose="020B0609020000020004" pitchFamily="49" charset="0"/>
+              </a:rPr>
+              <a:t>function withdraw(uint32 amount){</a:t>
+            </a:r>
+          </a:p>
+          <a:p>
+            <a:pPr algn="l"/>
+            <a:r>
+              <a:rPr lang="en-US" altLang="zh-CN" dirty="0">
+                <a:latin typeface="Cascadia Code" panose="020B0609020000020004" pitchFamily="49" charset="0"/>
+                <a:cs typeface="Cascadia Code" panose="020B0609020000020004" pitchFamily="49" charset="0"/>
+              </a:rPr>
+              <a:t>    require(balance[caller] &gt;= amount)</a:t>
+            </a:r>
+          </a:p>
+          <a:p>
+            <a:pPr algn="l"/>
+            <a:r>
+              <a:rPr lang="en-US" altLang="zh-CN" dirty="0">
+                <a:latin typeface="Cascadia Code" panose="020B0609020000020004" pitchFamily="49" charset="0"/>
+                <a:cs typeface="Cascadia Code" panose="020B0609020000020004" pitchFamily="49" charset="0"/>
+              </a:rPr>
+              <a:t>    send(caller, amount)</a:t>
+            </a:r>
+          </a:p>
+          <a:p>
+            <a:pPr algn="l"/>
+            <a:r>
+              <a:rPr lang="en-US" altLang="zh-CN" dirty="0">
+                <a:latin typeface="Cascadia Code" panose="020B0609020000020004" pitchFamily="49" charset="0"/>
+                <a:cs typeface="Cascadia Code" panose="020B0609020000020004" pitchFamily="49" charset="0"/>
+              </a:rPr>
+              <a:t>    balance[caller] -= amount</a:t>
+            </a:r>
+          </a:p>
+          <a:p>
+            <a:pPr algn="l"/>
+            <a:r>
+              <a:rPr lang="en-US" altLang="zh-CN" dirty="0">
+                <a:latin typeface="Cascadia Code" panose="020B0609020000020004" pitchFamily="49" charset="0"/>
+                <a:cs typeface="Cascadia Code" panose="020B0609020000020004" pitchFamily="49" charset="0"/>
+              </a:rPr>
+              <a:t>}</a:t>
+            </a:r>
+            <a:endParaRPr lang="zh-CN" altLang="en-US" dirty="0">
+              <a:latin typeface="Cascadia Code" panose="020B0609020000020004" pitchFamily="49" charset="0"/>
+              <a:cs typeface="Cascadia Code" panose="020B0609020000020004" pitchFamily="49" charset="0"/>
+            </a:endParaRPr>
+          </a:p>
+        </p:txBody>
+      </p:sp>
+      <p:sp>
+        <p:nvSpPr>
+          <p:cNvPr id="6" name="文本框 5">
+            <a:extLst>
+              <a:ext uri="{FF2B5EF4-FFF2-40B4-BE49-F238E27FC236}">
+                <a16:creationId xmlns:a16="http://schemas.microsoft.com/office/drawing/2014/main" id="{23FE6588-6EA1-462C-AE3C-913856C5F992}"/>
+              </a:ext>
+            </a:extLst>
+          </p:cNvPr>
+          <p:cNvSpPr txBox="1"/>
+          <p:nvPr/>
+        </p:nvSpPr>
+        <p:spPr>
+          <a:xfrm>
+            <a:off x="2393322" y="5236909"/>
+            <a:ext cx="5447451" cy="1200329"/>
+          </a:xfrm>
+          <a:prstGeom prst="rect">
+            <a:avLst/>
+          </a:prstGeom>
+          <a:noFill/>
+        </p:spPr>
+        <p:txBody>
+          <a:bodyPr wrap="square" rtlCol="0">
+            <a:spAutoFit/>
+          </a:bodyPr>
+          <a:lstStyle/>
+          <a:p>
+            <a:pPr algn="l"/>
+            <a:r>
+              <a:rPr lang="en-US" altLang="zh-CN" dirty="0">
+                <a:latin typeface="Cascadia Code" panose="020B0609020000020004" pitchFamily="49" charset="0"/>
+                <a:cs typeface="Cascadia Code" panose="020B0609020000020004" pitchFamily="49" charset="0"/>
+              </a:rPr>
+              <a:t>//malicious contract</a:t>
+            </a:r>
+          </a:p>
+          <a:p>
+            <a:pPr algn="l"/>
+            <a:r>
+              <a:rPr lang="en-US" altLang="zh-CN" dirty="0">
+                <a:latin typeface="Cascadia Code" panose="020B0609020000020004" pitchFamily="49" charset="0"/>
+                <a:cs typeface="Cascadia Code" panose="020B0609020000020004" pitchFamily="49" charset="0"/>
+              </a:rPr>
+              <a:t>function callback(){</a:t>
+            </a:r>
+          </a:p>
+          <a:p>
+            <a:pPr algn="l"/>
+            <a:r>
+              <a:rPr lang="en-US" altLang="zh-CN" dirty="0">
+                <a:latin typeface="Cascadia Code" panose="020B0609020000020004" pitchFamily="49" charset="0"/>
+                <a:cs typeface="Cascadia Code" panose="020B0609020000020004" pitchFamily="49" charset="0"/>
+              </a:rPr>
+              <a:t>    withdraw(someAmount)</a:t>
+            </a:r>
+          </a:p>
+          <a:p>
+            <a:pPr algn="l"/>
+            <a:r>
+              <a:rPr lang="en-US" altLang="zh-CN" dirty="0">
+                <a:latin typeface="Cascadia Code" panose="020B0609020000020004" pitchFamily="49" charset="0"/>
+                <a:cs typeface="Cascadia Code" panose="020B0609020000020004" pitchFamily="49" charset="0"/>
+              </a:rPr>
+              <a:t>}</a:t>
+            </a:r>
+            <a:endParaRPr lang="zh-CN" altLang="en-US" dirty="0">
+              <a:latin typeface="Cascadia Code" panose="020B0609020000020004" pitchFamily="49" charset="0"/>
+              <a:cs typeface="Cascadia Code" panose="020B0609020000020004" pitchFamily="49" charset="0"/>
+            </a:endParaRPr>
+          </a:p>
+        </p:txBody>
+      </p:sp>
+      <p:sp>
+        <p:nvSpPr>
+          <p:cNvPr id="14" name="箭头: 右弧形 13">
+            <a:extLst>
+              <a:ext uri="{FF2B5EF4-FFF2-40B4-BE49-F238E27FC236}">
+                <a16:creationId xmlns:a16="http://schemas.microsoft.com/office/drawing/2014/main" id="{11DEA8D9-74B8-4ABE-AC16-604DC401F8F7}"/>
+              </a:ext>
+            </a:extLst>
+          </p:cNvPr>
+          <p:cNvSpPr/>
+          <p:nvPr/>
+        </p:nvSpPr>
+        <p:spPr bwMode="auto">
+          <a:xfrm>
+            <a:off x="6092455" y="4290214"/>
+            <a:ext cx="956930" cy="1640294"/>
+          </a:xfrm>
+          <a:prstGeom prst="curvedLeftArrow">
+            <a:avLst>
+              <a:gd name="adj1" fmla="val 25000"/>
+              <a:gd name="adj2" fmla="val 47760"/>
+              <a:gd name="adj3" fmla="val 25000"/>
+            </a:avLst>
+          </a:prstGeom>
+          <a:ln>
+            <a:headEnd type="none" w="med" len="med"/>
+            <a:tailEnd type="none" w="med" len="med"/>
+          </a:ln>
+        </p:spPr>
+        <p:style>
+          <a:lnRef idx="2">
+            <a:schemeClr val="accent1">
+              <a:shade val="50000"/>
+            </a:schemeClr>
+          </a:lnRef>
+          <a:fillRef idx="1">
+            <a:schemeClr val="accent1"/>
+          </a:fillRef>
+          <a:effectRef idx="0">
+            <a:schemeClr val="accent1"/>
+          </a:effectRef>
+          <a:fontRef idx="minor">
+            <a:schemeClr val="lt1"/>
+          </a:fontRef>
+        </p:style>
+        <p:txBody>
+          <a:bodyPr vert="horz" wrap="none" lIns="91440" tIns="45720" rIns="91440" bIns="45720" numCol="1" rtlCol="0" anchor="ctr" anchorCtr="0" compatLnSpc="1">
+            <a:prstTxWarp prst="textNoShape">
+              <a:avLst/>
+            </a:prstTxWarp>
+          </a:bodyPr>
+          <a:lstStyle/>
+          <a:p>
+            <a:pPr marL="0" marR="0" indent="0" algn="ctr" defTabSz="914400" rtl="0" eaLnBrk="1" fontAlgn="base" latinLnBrk="0" hangingPunct="1">
+              <a:lnSpc>
+                <a:spcPct val="100000"/>
+              </a:lnSpc>
+              <a:spcBef>
+                <a:spcPct val="0"/>
+              </a:spcBef>
+              <a:spcAft>
+                <a:spcPct val="0"/>
+              </a:spcAft>
+              <a:buClrTx/>
+              <a:buSzTx/>
+              <a:buFontTx/>
+              <a:buNone/>
+              <a:tabLst/>
+            </a:pPr>
+            <a:endParaRPr kumimoji="0" lang="zh-CN" altLang="en-US" sz="1800" b="0" i="0" u="none" strike="noStrike" cap="none" normalizeH="0" baseline="0">
+              <a:ln>
+                <a:noFill/>
+              </a:ln>
+              <a:solidFill>
+                <a:schemeClr val="tx1"/>
+              </a:solidFill>
+              <a:effectLst/>
+              <a:latin typeface="Times New Roman" pitchFamily="18" charset="0"/>
+              <a:ea typeface="宋体" charset="-122"/>
+            </a:endParaRPr>
+          </a:p>
+        </p:txBody>
+      </p:sp>
+      <p:sp>
+        <p:nvSpPr>
+          <p:cNvPr id="17" name="箭头: 右弧形 16">
+            <a:extLst>
+              <a:ext uri="{FF2B5EF4-FFF2-40B4-BE49-F238E27FC236}">
+                <a16:creationId xmlns:a16="http://schemas.microsoft.com/office/drawing/2014/main" id="{A753F819-B5E3-45B7-8739-ECCAEA9A0399}"/>
+              </a:ext>
+            </a:extLst>
+          </p:cNvPr>
+          <p:cNvSpPr/>
+          <p:nvPr/>
+        </p:nvSpPr>
+        <p:spPr bwMode="auto">
+          <a:xfrm rot="10800000">
+            <a:off x="1448022" y="3609753"/>
+            <a:ext cx="956930" cy="2469553"/>
+          </a:xfrm>
+          <a:prstGeom prst="curvedLeftArrow">
+            <a:avLst>
+              <a:gd name="adj1" fmla="val 15968"/>
+              <a:gd name="adj2" fmla="val 50000"/>
+              <a:gd name="adj3" fmla="val 25000"/>
+            </a:avLst>
+          </a:prstGeom>
+          <a:solidFill>
+            <a:srgbClr val="FF5050"/>
+          </a:solidFill>
+          <a:ln>
+            <a:solidFill>
+              <a:srgbClr val="FF0000"/>
+            </a:solidFill>
+            <a:headEnd type="none" w="med" len="med"/>
+            <a:tailEnd type="none" w="med" len="med"/>
+          </a:ln>
+        </p:spPr>
+        <p:style>
+          <a:lnRef idx="2">
+            <a:schemeClr val="accent1">
+              <a:shade val="50000"/>
+            </a:schemeClr>
+          </a:lnRef>
+          <a:fillRef idx="1">
+            <a:schemeClr val="accent1"/>
+          </a:fillRef>
+          <a:effectRef idx="0">
+            <a:schemeClr val="accent1"/>
+          </a:effectRef>
+          <a:fontRef idx="minor">
+            <a:schemeClr val="lt1"/>
+          </a:fontRef>
+        </p:style>
+        <p:txBody>
+          <a:bodyPr vert="horz" wrap="none" lIns="91440" tIns="45720" rIns="91440" bIns="45720" numCol="1" rtlCol="0" anchor="ctr" anchorCtr="0" compatLnSpc="1">
+            <a:prstTxWarp prst="textNoShape">
+              <a:avLst/>
+            </a:prstTxWarp>
+          </a:bodyPr>
+          <a:lstStyle/>
+          <a:p>
+            <a:pPr marL="0" marR="0" indent="0" algn="ctr" defTabSz="914400" rtl="0" eaLnBrk="1" fontAlgn="base" latinLnBrk="0" hangingPunct="1">
+              <a:lnSpc>
+                <a:spcPct val="100000"/>
+              </a:lnSpc>
+              <a:spcBef>
+                <a:spcPct val="0"/>
+              </a:spcBef>
+              <a:spcAft>
+                <a:spcPct val="0"/>
+              </a:spcAft>
+              <a:buClrTx/>
+              <a:buSzTx/>
+              <a:buFontTx/>
+              <a:buNone/>
+              <a:tabLst/>
+            </a:pPr>
+            <a:endParaRPr kumimoji="0" lang="zh-CN" altLang="en-US" sz="1800" b="0" i="0" u="none" strike="noStrike" cap="none" normalizeH="0" baseline="0">
+              <a:ln>
+                <a:noFill/>
+              </a:ln>
+              <a:solidFill>
+                <a:schemeClr val="tx1"/>
+              </a:solidFill>
+              <a:effectLst/>
+              <a:latin typeface="Times New Roman" pitchFamily="18" charset="0"/>
+              <a:ea typeface="宋体" charset="-122"/>
+            </a:endParaRPr>
+          </a:p>
+        </p:txBody>
+      </p:sp>
     </p:spTree>
     <p:extLst>
       <p:ext uri="{BB962C8B-B14F-4D97-AF65-F5344CB8AC3E}">
-        <p14:creationId xmlns:p14="http://schemas.microsoft.com/office/powerpoint/2010/main" val="1628577505"/>
+        <p14:creationId xmlns:p14="http://schemas.microsoft.com/office/powerpoint/2010/main" val="3141997250"/>
       </p:ext>
     </p:extLst>
   </p:cSld>
@@ -6269,140 +8734,38 @@
             <p:ph idx="1"/>
           </p:nvPr>
         </p:nvSpPr>
-        <p:spPr/>
-        <p:txBody>
-          <a:bodyPr/>
-          <a:lstStyle/>
-          <a:p>
-            <a:r>
-              <a:rPr lang="zh-CN" altLang="en-US" dirty="0"/>
-              <a:t>基于插桩结果的自动化分析</a:t>
+        <p:spPr>
+          <a:xfrm>
+            <a:off x="239714" y="1643339"/>
+            <a:ext cx="3848505" cy="4392612"/>
+          </a:xfrm>
+        </p:spPr>
+        <p:txBody>
+          <a:bodyPr/>
+          <a:lstStyle/>
+          <a:p>
+            <a:pPr lvl="1"/>
+            <a:r>
+              <a:rPr lang="zh-CN" altLang="en-US" dirty="0"/>
+              <a:t>当重入漏洞存在时，调用树中会呈现这样的特征：存在一个节点是另一个节点的后代，但是这两个节点的</a:t>
+            </a:r>
+            <a:r>
+              <a:rPr lang="en-US" altLang="zh-CN" dirty="0"/>
+              <a:t>CALL</a:t>
+            </a:r>
+            <a:r>
+              <a:rPr lang="zh-CN" altLang="en-US" dirty="0"/>
+              <a:t>特征完全相同。如果我们在调用树中发现了这样的特征，就认为存在重入漏洞。</a:t>
             </a:r>
             <a:endParaRPr lang="en-US" altLang="zh-CN" dirty="0"/>
           </a:p>
           <a:p>
             <a:pPr lvl="1"/>
             <a:r>
-              <a:rPr lang="en-US" altLang="zh-CN" dirty="0"/>
-              <a:t>Timestamp/</a:t>
-            </a:r>
-            <a:r>
-              <a:rPr lang="en-US" altLang="zh-CN" dirty="0" err="1"/>
-              <a:t>Blockstamp</a:t>
-            </a:r>
-            <a:r>
-              <a:rPr lang="en-US" altLang="zh-CN" dirty="0"/>
-              <a:t> </a:t>
-            </a:r>
-            <a:r>
-              <a:rPr lang="zh-CN" altLang="en-US" dirty="0"/>
-              <a:t>依赖：如果合约执行过程中有</a:t>
-            </a:r>
-            <a:r>
-              <a:rPr lang="en-US" altLang="zh-CN" dirty="0"/>
-              <a:t>timestamp/</a:t>
-            </a:r>
-            <a:r>
-              <a:rPr lang="en-US" altLang="zh-CN" dirty="0" err="1"/>
-              <a:t>blockstamp</a:t>
-            </a:r>
-            <a:r>
-              <a:rPr lang="zh-CN" altLang="en-US" dirty="0"/>
-              <a:t>语句，并且是</a:t>
-            </a:r>
-            <a:r>
-              <a:rPr lang="en-US" altLang="zh-CN" dirty="0"/>
-              <a:t>Send</a:t>
-            </a:r>
-            <a:r>
-              <a:rPr lang="zh-CN" altLang="en-US" dirty="0"/>
-              <a:t>函数（</a:t>
-            </a:r>
-            <a:r>
-              <a:rPr lang="en-US" altLang="zh-CN" dirty="0"/>
-              <a:t>gas</a:t>
-            </a:r>
-            <a:r>
-              <a:rPr lang="zh-CN" altLang="en-US" dirty="0"/>
-              <a:t>限制为</a:t>
-            </a:r>
-            <a:r>
-              <a:rPr lang="en-US" altLang="zh-CN" dirty="0"/>
-              <a:t>2300</a:t>
-            </a:r>
-            <a:r>
-              <a:rPr lang="zh-CN" altLang="en-US" dirty="0"/>
-              <a:t>），则存在</a:t>
-            </a:r>
-            <a:r>
-              <a:rPr lang="en-US" altLang="zh-CN" dirty="0"/>
-              <a:t>Timestamp/</a:t>
-            </a:r>
-            <a:r>
-              <a:rPr lang="en-US" altLang="zh-CN" dirty="0" err="1"/>
-              <a:t>Blockstamp</a:t>
-            </a:r>
-            <a:r>
-              <a:rPr lang="en-US" altLang="zh-CN" dirty="0"/>
-              <a:t> </a:t>
-            </a:r>
-            <a:r>
-              <a:rPr lang="zh-CN" altLang="en-US" dirty="0"/>
-              <a:t>依赖。这个依赖可能导致假随机并被恶意利用。</a:t>
-            </a:r>
-          </a:p>
-          <a:p>
-            <a:pPr lvl="1"/>
-            <a:r>
-              <a:rPr lang="zh-CN" altLang="en-US" dirty="0"/>
-              <a:t>重入漏洞：如果存在调用后代与自身完全相同，则存在重入漏洞。</a:t>
-            </a:r>
-          </a:p>
-          <a:p>
-            <a:pPr lvl="1"/>
-            <a:r>
-              <a:rPr lang="zh-CN" altLang="en-US" dirty="0"/>
-              <a:t>溢出漏洞：如果两个算术操作数进行运算会导致溢出，则存在溢出漏洞。</a:t>
+              <a:rPr lang="zh-CN" altLang="en-US" dirty="0"/>
+              <a:t>红色节点和其祖先节点所包含的信息是一致，因此认为存在重入漏洞。</a:t>
             </a:r>
             <a:endParaRPr lang="en-US" altLang="zh-CN" dirty="0"/>
-          </a:p>
-          <a:p>
-            <a:pPr lvl="1"/>
-            <a:r>
-              <a:rPr lang="en-US" altLang="zh-CN" dirty="0" err="1"/>
-              <a:t>GaslessSend</a:t>
-            </a:r>
-            <a:r>
-              <a:rPr lang="zh-CN" altLang="en-US" dirty="0"/>
-              <a:t>漏洞：若</a:t>
-            </a:r>
-            <a:r>
-              <a:rPr lang="en-US" altLang="zh-CN" dirty="0"/>
-              <a:t>Send</a:t>
-            </a:r>
-            <a:r>
-              <a:rPr lang="zh-CN" altLang="en-US" dirty="0"/>
-              <a:t>函数返回</a:t>
-            </a:r>
-            <a:r>
-              <a:rPr lang="en-US" altLang="zh-CN" dirty="0"/>
-              <a:t>out of gas</a:t>
-            </a:r>
-            <a:r>
-              <a:rPr lang="zh-CN" altLang="en-US" dirty="0"/>
-              <a:t>错误，则存在</a:t>
-            </a:r>
-            <a:r>
-              <a:rPr lang="en-US" altLang="zh-CN" dirty="0" err="1"/>
-              <a:t>GaslessSend</a:t>
-            </a:r>
-            <a:r>
-              <a:rPr lang="zh-CN" altLang="en-US" dirty="0"/>
-              <a:t>漏洞。这个漏洞可能导致在转账未成功的情况下完成了转账时才会发生的行为。</a:t>
-            </a:r>
-          </a:p>
-          <a:p>
-            <a:endParaRPr lang="zh-CN" altLang="en-US" dirty="0"/>
           </a:p>
         </p:txBody>
       </p:sp>
@@ -6436,10 +8799,38 @@
           </a:p>
         </p:txBody>
       </p:sp>
+      <p:pic>
+        <p:nvPicPr>
+          <p:cNvPr id="5" name="图片 4">
+            <a:extLst>
+              <a:ext uri="{FF2B5EF4-FFF2-40B4-BE49-F238E27FC236}">
+                <a16:creationId xmlns:a16="http://schemas.microsoft.com/office/drawing/2014/main" id="{B62811C5-9958-4C87-9C9B-B33E093E8BEC}"/>
+              </a:ext>
+            </a:extLst>
+          </p:cNvPr>
+          <p:cNvPicPr/>
+          <p:nvPr/>
+        </p:nvPicPr>
+        <p:blipFill>
+          <a:blip r:embed="rId3"/>
+          <a:stretch>
+            <a:fillRect/>
+          </a:stretch>
+        </p:blipFill>
+        <p:spPr>
+          <a:xfrm>
+            <a:off x="4483159" y="1368426"/>
+            <a:ext cx="4551680" cy="5373687"/>
+          </a:xfrm>
+          <a:prstGeom prst="rect">
+            <a:avLst/>
+          </a:prstGeom>
+        </p:spPr>
+      </p:pic>
     </p:spTree>
     <p:extLst>
       <p:ext uri="{BB962C8B-B14F-4D97-AF65-F5344CB8AC3E}">
-        <p14:creationId xmlns:p14="http://schemas.microsoft.com/office/powerpoint/2010/main" val="1008099783"/>
+        <p14:creationId xmlns:p14="http://schemas.microsoft.com/office/powerpoint/2010/main" val="1535817572"/>
       </p:ext>
     </p:extLst>
   </p:cSld>
@@ -6518,7 +8909,7 @@
           <a:p>
             <a:r>
               <a:rPr lang="zh-CN" altLang="en-US" dirty="0"/>
-              <a:t>基于插桩结果的自动化分析</a:t>
+              <a:t>以太坊虚拟机运行关键过程的插桩</a:t>
             </a:r>
             <a:endParaRPr lang="en-US" altLang="zh-CN" dirty="0"/>
           </a:p>
@@ -6526,67 +8917,53 @@
             <a:pPr lvl="1"/>
             <a:r>
               <a:rPr lang="zh-CN" altLang="en-US" dirty="0"/>
-              <a:t>调用链异常漏洞：以太坊的机制导致调用失败时会回退，但是低级的</a:t>
+              <a:t>本框架的插桩基于 </a:t>
+            </a:r>
+            <a:r>
+              <a:rPr lang="en-US" altLang="zh-CN" dirty="0" err="1"/>
+              <a:t>geth</a:t>
             </a:r>
             <a:r>
               <a:rPr lang="en-US" altLang="zh-CN" dirty="0"/>
-              <a:t>call</a:t>
-            </a:r>
-            <a:r>
-              <a:rPr lang="zh-CN" altLang="en-US" dirty="0"/>
-              <a:t>方法不会导致上级函数失效，而只是返回一个</a:t>
+              <a:t> </a:t>
+            </a:r>
+            <a:r>
+              <a:rPr lang="zh-CN" altLang="en-US" dirty="0"/>
+              <a:t>提供的</a:t>
             </a:r>
             <a:r>
               <a:rPr lang="en-US" altLang="zh-CN" dirty="0"/>
-              <a:t>False</a:t>
-            </a:r>
-            <a:r>
-              <a:rPr lang="zh-CN" altLang="en-US" dirty="0"/>
-              <a:t>，导致用户无法得知调用链出错。因此，当调用链出现错误，但是根调用没有报告异常，则认为出现调用链异常漏洞。</a:t>
-            </a:r>
+              <a:t>EVM</a:t>
+            </a:r>
+            <a:r>
+              <a:rPr lang="zh-CN" altLang="en-US" dirty="0"/>
+              <a:t>。</a:t>
+            </a:r>
+            <a:r>
+              <a:rPr lang="en-US" altLang="zh-CN" dirty="0" err="1"/>
+              <a:t>geth</a:t>
+            </a:r>
+            <a:r>
+              <a:rPr lang="zh-CN" altLang="en-US" dirty="0"/>
+              <a:t>是主流的以太坊钱包应用，开发语言为 </a:t>
+            </a:r>
+            <a:r>
+              <a:rPr lang="en-US" altLang="zh-CN" dirty="0"/>
+              <a:t>Golang</a:t>
+            </a:r>
+            <a:r>
+              <a:rPr lang="zh-CN" altLang="en-US" dirty="0"/>
+              <a:t>。</a:t>
+            </a:r>
+            <a:endParaRPr lang="en-US" altLang="zh-CN" dirty="0"/>
           </a:p>
           <a:p>
             <a:pPr lvl="1"/>
             <a:r>
               <a:rPr lang="zh-CN" altLang="en-US" dirty="0"/>
-              <a:t>危险的</a:t>
-            </a:r>
-            <a:r>
-              <a:rPr lang="en-US" altLang="zh-CN" dirty="0" err="1"/>
-              <a:t>DelegateCall</a:t>
-            </a:r>
-            <a:r>
-              <a:rPr lang="zh-CN" altLang="en-US" dirty="0"/>
-              <a:t>：</a:t>
-            </a:r>
-            <a:r>
-              <a:rPr lang="en-US" altLang="zh-CN" dirty="0" err="1"/>
-              <a:t>DelegateCall</a:t>
-            </a:r>
-            <a:r>
-              <a:rPr lang="zh-CN" altLang="en-US" dirty="0"/>
-              <a:t>可以让让其他合约在本合约上下文执行，但如果让用户自行指定输入，那么就可能可以使当前合约执行其他合约的任意功能。因此本测试预言检查</a:t>
-            </a:r>
-            <a:r>
-              <a:rPr lang="en-US" altLang="zh-CN" dirty="0"/>
-              <a:t>call</a:t>
-            </a:r>
-            <a:r>
-              <a:rPr lang="zh-CN" altLang="en-US" dirty="0"/>
-              <a:t>的类型是否为</a:t>
-            </a:r>
-            <a:r>
-              <a:rPr lang="en-US" altLang="zh-CN" dirty="0" err="1"/>
-              <a:t>DelegateCall</a:t>
-            </a:r>
-            <a:r>
-              <a:rPr lang="zh-CN" altLang="en-US" dirty="0"/>
-              <a:t>，并检查输入是否为用户自己指定的。</a:t>
-            </a:r>
-          </a:p>
-          <a:p>
-            <a:pPr lvl="1"/>
-            <a:endParaRPr lang="zh-CN" altLang="en-US" dirty="0"/>
+              <a:t>插桩功能分为两部分，针对种子保留偏好和调用信息分析，分别提供支持。</a:t>
+            </a:r>
+            <a:endParaRPr lang="en-US" altLang="zh-CN" dirty="0"/>
           </a:p>
           <a:p>
             <a:endParaRPr lang="zh-CN" altLang="en-US" dirty="0"/>
@@ -6626,7 +9003,7 @@
     </p:spTree>
     <p:extLst>
       <p:ext uri="{BB962C8B-B14F-4D97-AF65-F5344CB8AC3E}">
-        <p14:creationId xmlns:p14="http://schemas.microsoft.com/office/powerpoint/2010/main" val="2833625977"/>
+        <p14:creationId xmlns:p14="http://schemas.microsoft.com/office/powerpoint/2010/main" val="3274298341"/>
       </p:ext>
     </p:extLst>
   </p:cSld>
@@ -6658,7 +9035,7 @@
           <p:cNvPr id="2" name="标题 1">
             <a:extLst>
               <a:ext uri="{FF2B5EF4-FFF2-40B4-BE49-F238E27FC236}">
-                <a16:creationId xmlns:a16="http://schemas.microsoft.com/office/drawing/2014/main" id="{48704691-43A2-4C88-8C16-0B8DDF90C16D}"/>
+                <a16:creationId xmlns:a16="http://schemas.microsoft.com/office/drawing/2014/main" id="{D415C78D-1CCE-43B4-8FDC-03CDFA16F720}"/>
               </a:ext>
             </a:extLst>
           </p:cNvPr>
@@ -6677,7 +9054,7 @@
             <a:pPr algn="l"/>
             <a:r>
               <a:rPr lang="zh-CN" altLang="en-US" sz="3600" dirty="0"/>
-              <a:t>研究成果</a:t>
+              <a:t>研究目标</a:t>
             </a:r>
           </a:p>
         </p:txBody>
@@ -6687,7 +9064,7 @@
           <p:cNvPr id="3" name="内容占位符 2">
             <a:extLst>
               <a:ext uri="{FF2B5EF4-FFF2-40B4-BE49-F238E27FC236}">
-                <a16:creationId xmlns:a16="http://schemas.microsoft.com/office/drawing/2014/main" id="{5AE310BD-E041-48DA-B5F3-0EF63210BFB8}"/>
+                <a16:creationId xmlns:a16="http://schemas.microsoft.com/office/drawing/2014/main" id="{A84A276A-83A1-4CAC-9F37-3A39E5BFB889}"/>
               </a:ext>
             </a:extLst>
           </p:cNvPr>
@@ -6698,168 +9075,103 @@
             <p:ph idx="1"/>
           </p:nvPr>
         </p:nvSpPr>
-        <p:spPr>
-          <a:xfrm>
-            <a:off x="468313" y="1484313"/>
-            <a:ext cx="5491837" cy="4392612"/>
-          </a:xfrm>
-        </p:spPr>
-        <p:txBody>
-          <a:bodyPr/>
-          <a:lstStyle/>
-          <a:p>
-            <a:r>
-              <a:rPr lang="zh-CN" altLang="zh-CN" dirty="0"/>
-              <a:t>自动化测试调用器</a:t>
-            </a:r>
-          </a:p>
-          <a:p>
-            <a:pPr marL="0" indent="0">
-              <a:buNone/>
-            </a:pPr>
-            <a:r>
-              <a:rPr lang="zh-CN" altLang="zh-CN" sz="2000" kern="100" dirty="0">
-                <a:effectLst/>
-                <a:latin typeface="Calibri" panose="020F0502020204030204" pitchFamily="34" charset="0"/>
-                <a:ea typeface="宋体" panose="02010600030101010101" pitchFamily="2" charset="-122"/>
-                <a:cs typeface="Times New Roman" panose="02020603050405020304" pitchFamily="18" charset="0"/>
-              </a:rPr>
-              <a:t>使用者只需要调整参数使得调用器可以链接到部署着待测试合约的以太坊区块链上，再填写目标合约部署的地址，准备调用必须的</a:t>
-            </a:r>
-            <a:r>
-              <a:rPr lang="en-US" altLang="zh-CN" sz="2000" kern="100" dirty="0" err="1">
-                <a:effectLst/>
-                <a:latin typeface="Calibri" panose="020F0502020204030204" pitchFamily="34" charset="0"/>
-                <a:ea typeface="宋体" panose="02010600030101010101" pitchFamily="2" charset="-122"/>
-                <a:cs typeface="Times New Roman" panose="02020603050405020304" pitchFamily="18" charset="0"/>
-              </a:rPr>
-              <a:t>abi</a:t>
-            </a:r>
-            <a:r>
-              <a:rPr lang="zh-CN" altLang="zh-CN" sz="2000" kern="100" dirty="0">
-                <a:effectLst/>
-                <a:latin typeface="Calibri" panose="020F0502020204030204" pitchFamily="34" charset="0"/>
-                <a:ea typeface="宋体" panose="02010600030101010101" pitchFamily="2" charset="-122"/>
-                <a:cs typeface="Times New Roman" panose="02020603050405020304" pitchFamily="18" charset="0"/>
-              </a:rPr>
-              <a:t>文件，启动工具即可对该合约开始自动化的模糊测试。</a:t>
-            </a:r>
-          </a:p>
-          <a:p>
+        <p:spPr/>
+        <p:txBody>
+          <a:bodyPr/>
+          <a:lstStyle/>
+          <a:p>
+            <a:r>
+              <a:rPr lang="zh-CN" altLang="en-US" dirty="0"/>
+              <a:t>以太坊虚拟机运行关键过程的插桩</a:t>
+            </a:r>
             <a:endParaRPr lang="en-US" altLang="zh-CN" dirty="0"/>
           </a:p>
           <a:p>
-            <a:r>
-              <a:rPr lang="zh-CN" altLang="zh-CN" dirty="0"/>
-              <a:t>修改后的插桩测试</a:t>
+            <a:pPr lvl="1"/>
+            <a:r>
+              <a:rPr lang="zh-CN" altLang="en-US" dirty="0"/>
+              <a:t>为模糊测试用例生成提供的插桩功能</a:t>
+            </a:r>
+            <a:endParaRPr lang="en-US" altLang="zh-CN" dirty="0"/>
+          </a:p>
+          <a:p>
+            <a:pPr lvl="2"/>
+            <a:r>
+              <a:rPr lang="zh-CN" altLang="en-US" dirty="0"/>
+              <a:t>每一条指令都有专门的跳转入口，跳转入口处还会提供当前指令计数器（</a:t>
             </a:r>
             <a:r>
               <a:rPr lang="en-US" altLang="zh-CN" dirty="0"/>
-              <a:t>Geth</a:t>
-            </a:r>
-            <a:r>
-              <a:rPr lang="zh-CN" altLang="zh-CN" dirty="0"/>
-              <a:t>客户端</a:t>
+              <a:t>pc</a:t>
+            </a:r>
+            <a:r>
+              <a:rPr lang="zh-CN" altLang="en-US" dirty="0"/>
+              <a:t>）的值。在这里插桩，就可以提供最基础的程序覆盖结果。</a:t>
             </a:r>
             <a:endParaRPr lang="en-US" altLang="zh-CN" dirty="0"/>
           </a:p>
           <a:p>
-            <a:pPr marL="0" indent="0">
-              <a:buNone/>
-            </a:pPr>
-            <a:r>
-              <a:rPr lang="zh-CN" altLang="zh-CN" sz="2000" kern="100" dirty="0">
-                <a:effectLst/>
-                <a:latin typeface="Calibri" panose="020F0502020204030204" pitchFamily="34" charset="0"/>
-                <a:ea typeface="宋体" panose="02010600030101010101" pitchFamily="2" charset="-122"/>
-                <a:cs typeface="Times New Roman" panose="02020603050405020304" pitchFamily="18" charset="0"/>
-              </a:rPr>
-              <a:t>为获取插桩输出的数据，使用者应该使用该份基于以太坊官方</a:t>
-            </a:r>
-            <a:r>
-              <a:rPr lang="en-US" altLang="zh-CN" sz="2000" kern="100" dirty="0">
-                <a:effectLst/>
-                <a:latin typeface="Calibri" panose="020F0502020204030204" pitchFamily="34" charset="0"/>
-                <a:ea typeface="宋体" panose="02010600030101010101" pitchFamily="2" charset="-122"/>
-                <a:cs typeface="Times New Roman" panose="02020603050405020304" pitchFamily="18" charset="0"/>
-              </a:rPr>
-              <a:t>Go</a:t>
-            </a:r>
-            <a:r>
-              <a:rPr lang="zh-CN" altLang="zh-CN" sz="2000" kern="100" dirty="0">
-                <a:effectLst/>
-                <a:latin typeface="Calibri" panose="020F0502020204030204" pitchFamily="34" charset="0"/>
-                <a:ea typeface="宋体" panose="02010600030101010101" pitchFamily="2" charset="-122"/>
-                <a:cs typeface="Times New Roman" panose="02020603050405020304" pitchFamily="18" charset="0"/>
-              </a:rPr>
-              <a:t>语言客户端</a:t>
-            </a:r>
-            <a:r>
-              <a:rPr lang="en-US" altLang="zh-CN" sz="2000" kern="100" dirty="0">
-                <a:effectLst/>
-                <a:latin typeface="Calibri" panose="020F0502020204030204" pitchFamily="34" charset="0"/>
-                <a:ea typeface="宋体" panose="02010600030101010101" pitchFamily="2" charset="-122"/>
-                <a:cs typeface="Times New Roman" panose="02020603050405020304" pitchFamily="18" charset="0"/>
-              </a:rPr>
-              <a:t>Go-Ethereum</a:t>
-            </a:r>
-            <a:r>
-              <a:rPr lang="zh-CN" altLang="zh-CN" sz="2000" kern="100" dirty="0">
-                <a:effectLst/>
-                <a:latin typeface="Calibri" panose="020F0502020204030204" pitchFamily="34" charset="0"/>
-                <a:ea typeface="宋体" panose="02010600030101010101" pitchFamily="2" charset="-122"/>
-                <a:cs typeface="Times New Roman" panose="02020603050405020304" pitchFamily="18" charset="0"/>
-              </a:rPr>
-              <a:t>即</a:t>
-            </a:r>
-            <a:r>
-              <a:rPr lang="en-US" altLang="zh-CN" sz="2000" kern="100" dirty="0">
-                <a:effectLst/>
-                <a:latin typeface="Calibri" panose="020F0502020204030204" pitchFamily="34" charset="0"/>
-                <a:ea typeface="宋体" panose="02010600030101010101" pitchFamily="2" charset="-122"/>
-                <a:cs typeface="Times New Roman" panose="02020603050405020304" pitchFamily="18" charset="0"/>
-              </a:rPr>
-              <a:t>Geth</a:t>
-            </a:r>
-            <a:r>
-              <a:rPr lang="zh-CN" altLang="zh-CN" sz="2000" kern="100" dirty="0">
-                <a:effectLst/>
-                <a:latin typeface="Calibri" panose="020F0502020204030204" pitchFamily="34" charset="0"/>
-                <a:ea typeface="宋体" panose="02010600030101010101" pitchFamily="2" charset="-122"/>
-                <a:cs typeface="Times New Roman" panose="02020603050405020304" pitchFamily="18" charset="0"/>
-              </a:rPr>
-              <a:t>修改之后的客户端启动区块链节点，从而此后的每笔运算会经过修改过的</a:t>
-            </a:r>
-            <a:r>
-              <a:rPr lang="en-US" altLang="zh-CN" sz="2000" kern="100" dirty="0">
-                <a:effectLst/>
-                <a:latin typeface="Calibri" panose="020F0502020204030204" pitchFamily="34" charset="0"/>
-                <a:ea typeface="宋体" panose="02010600030101010101" pitchFamily="2" charset="-122"/>
-                <a:cs typeface="Times New Roman" panose="02020603050405020304" pitchFamily="18" charset="0"/>
-              </a:rPr>
+            <a:pPr lvl="2"/>
+            <a:r>
+              <a:rPr lang="zh-CN" altLang="en-US" dirty="0"/>
+              <a:t>除此之外，由于</a:t>
+            </a:r>
+            <a:r>
+              <a:rPr lang="en-US" altLang="zh-CN" dirty="0"/>
               <a:t>EVM</a:t>
             </a:r>
             <a:r>
-              <a:rPr lang="zh-CN" altLang="zh-CN" sz="2000" kern="100" dirty="0">
-                <a:effectLst/>
-                <a:latin typeface="Calibri" panose="020F0502020204030204" pitchFamily="34" charset="0"/>
-                <a:ea typeface="宋体" panose="02010600030101010101" pitchFamily="2" charset="-122"/>
-                <a:cs typeface="Times New Roman" panose="02020603050405020304" pitchFamily="18" charset="0"/>
-              </a:rPr>
-              <a:t>虚拟机，使得插桩代码工作并输出信息。在启动测试后，合约调用的交易信息会反映在控制台输出。</a:t>
-            </a:r>
-          </a:p>
-          <a:p>
-            <a:pPr marL="0" indent="0">
-              <a:buNone/>
-            </a:pPr>
-            <a:endParaRPr lang="zh-CN" altLang="zh-CN" dirty="0"/>
-          </a:p>
-          <a:p>
+              <a:rPr lang="zh-CN" altLang="en-US" dirty="0"/>
+              <a:t>中包含指令</a:t>
+            </a:r>
+            <a:r>
+              <a:rPr lang="en-US" altLang="zh-CN" dirty="0"/>
+              <a:t>JUMPDEST</a:t>
+            </a:r>
+            <a:r>
+              <a:rPr lang="zh-CN" altLang="en-US" dirty="0"/>
+              <a:t>指明跳转目标位置是否合法，因此我们可以结合</a:t>
+            </a:r>
+            <a:r>
+              <a:rPr lang="en-US" altLang="zh-CN" dirty="0"/>
+              <a:t>JUMP</a:t>
+            </a:r>
+            <a:r>
+              <a:rPr lang="zh-CN" altLang="en-US" dirty="0"/>
+              <a:t>类指令和</a:t>
+            </a:r>
+            <a:r>
+              <a:rPr lang="en-US" altLang="zh-CN" dirty="0"/>
+              <a:t>JUMPDEST</a:t>
+            </a:r>
+            <a:r>
+              <a:rPr lang="zh-CN" altLang="en-US" dirty="0"/>
+              <a:t>指令建立程序流图（</a:t>
+            </a:r>
+            <a:r>
+              <a:rPr lang="en-US" altLang="zh-CN" dirty="0"/>
+              <a:t>CFG</a:t>
+            </a:r>
+            <a:r>
+              <a:rPr lang="zh-CN" altLang="en-US" dirty="0"/>
+              <a:t>），得到基于路径的覆盖结果。</a:t>
+            </a:r>
             <a:endParaRPr lang="en-US" altLang="zh-CN" dirty="0"/>
           </a:p>
           <a:p>
-            <a:endParaRPr lang="zh-CN" altLang="en-US" dirty="0"/>
+            <a:pPr lvl="2"/>
+            <a:r>
+              <a:rPr lang="zh-CN" altLang="en-US" dirty="0"/>
+              <a:t>这两种方法在输入产生新路径时对种子池的影响是等价的，所以我们采取了最简单的基于</a:t>
+            </a:r>
+            <a:r>
+              <a:rPr lang="en-US" altLang="zh-CN" dirty="0"/>
+              <a:t>pc</a:t>
+            </a:r>
+            <a:r>
+              <a:rPr lang="zh-CN" altLang="en-US" dirty="0"/>
+              <a:t>的方法。</a:t>
+            </a:r>
           </a:p>
         </p:txBody>
       </p:sp>
@@ -6868,7 +9180,7 @@
           <p:cNvPr id="4" name="灯片编号占位符 3">
             <a:extLst>
               <a:ext uri="{FF2B5EF4-FFF2-40B4-BE49-F238E27FC236}">
-                <a16:creationId xmlns:a16="http://schemas.microsoft.com/office/drawing/2014/main" id="{517D72BF-1C73-40DA-8D88-AEA30DE27FC9}"/>
+                <a16:creationId xmlns:a16="http://schemas.microsoft.com/office/drawing/2014/main" id="{AEB1ADB9-17FB-413A-A7B8-619B53F3645E}"/>
               </a:ext>
             </a:extLst>
           </p:cNvPr>
@@ -6893,136 +9205,10 @@
           </a:p>
         </p:txBody>
       </p:sp>
-      <p:pic>
-        <p:nvPicPr>
-          <p:cNvPr id="5" name="图片 4">
-            <a:extLst>
-              <a:ext uri="{FF2B5EF4-FFF2-40B4-BE49-F238E27FC236}">
-                <a16:creationId xmlns:a16="http://schemas.microsoft.com/office/drawing/2014/main" id="{A7936708-4456-4070-979A-21C2094707A0}"/>
-              </a:ext>
-            </a:extLst>
-          </p:cNvPr>
-          <p:cNvPicPr/>
-          <p:nvPr/>
-        </p:nvPicPr>
-        <p:blipFill>
-          <a:blip r:embed="rId2"/>
-          <a:stretch>
-            <a:fillRect/>
-          </a:stretch>
-        </p:blipFill>
-        <p:spPr>
-          <a:xfrm>
-            <a:off x="6084104" y="1396165"/>
-            <a:ext cx="1591121" cy="2289652"/>
-          </a:xfrm>
-          <a:prstGeom prst="rect">
-            <a:avLst/>
-          </a:prstGeom>
-        </p:spPr>
-      </p:pic>
-      <p:sp>
-        <p:nvSpPr>
-          <p:cNvPr id="6" name="文本框 5">
-            <a:extLst>
-              <a:ext uri="{FF2B5EF4-FFF2-40B4-BE49-F238E27FC236}">
-                <a16:creationId xmlns:a16="http://schemas.microsoft.com/office/drawing/2014/main" id="{AFCDCFD7-1C0E-42C9-9ECA-57B532B1031E}"/>
-              </a:ext>
-            </a:extLst>
-          </p:cNvPr>
-          <p:cNvSpPr txBox="1"/>
-          <p:nvPr/>
-        </p:nvSpPr>
-        <p:spPr>
-          <a:xfrm>
-            <a:off x="5960150" y="3698757"/>
-            <a:ext cx="2031325" cy="369332"/>
-          </a:xfrm>
-          <a:prstGeom prst="rect">
-            <a:avLst/>
-          </a:prstGeom>
-          <a:noFill/>
-        </p:spPr>
-        <p:txBody>
-          <a:bodyPr wrap="none" rtlCol="0">
-            <a:spAutoFit/>
-          </a:bodyPr>
-          <a:lstStyle/>
-          <a:p>
-            <a:r>
-              <a:rPr lang="zh-CN" altLang="en-US" dirty="0"/>
-              <a:t>多轮逐个测试函数</a:t>
-            </a:r>
-          </a:p>
-        </p:txBody>
-      </p:sp>
-      <p:pic>
-        <p:nvPicPr>
-          <p:cNvPr id="8" name="图片 7">
-            <a:extLst>
-              <a:ext uri="{FF2B5EF4-FFF2-40B4-BE49-F238E27FC236}">
-                <a16:creationId xmlns:a16="http://schemas.microsoft.com/office/drawing/2014/main" id="{54A1CD82-C383-434E-A9D2-8BD74631905D}"/>
-              </a:ext>
-            </a:extLst>
-          </p:cNvPr>
-          <p:cNvPicPr/>
-          <p:nvPr/>
-        </p:nvPicPr>
-        <p:blipFill>
-          <a:blip r:embed="rId3"/>
-          <a:stretch>
-            <a:fillRect/>
-          </a:stretch>
-        </p:blipFill>
-        <p:spPr>
-          <a:xfrm>
-            <a:off x="5836236" y="4200922"/>
-            <a:ext cx="5274310" cy="1322705"/>
-          </a:xfrm>
-          <a:prstGeom prst="rect">
-            <a:avLst/>
-          </a:prstGeom>
-        </p:spPr>
-      </p:pic>
-      <p:sp>
-        <p:nvSpPr>
-          <p:cNvPr id="9" name="文本框 8">
-            <a:extLst>
-              <a:ext uri="{FF2B5EF4-FFF2-40B4-BE49-F238E27FC236}">
-                <a16:creationId xmlns:a16="http://schemas.microsoft.com/office/drawing/2014/main" id="{0D9F5B49-6E81-464F-BE99-639DB77A43DB}"/>
-              </a:ext>
-            </a:extLst>
-          </p:cNvPr>
-          <p:cNvSpPr txBox="1"/>
-          <p:nvPr/>
-        </p:nvSpPr>
-        <p:spPr>
-          <a:xfrm>
-            <a:off x="6075565" y="5534938"/>
-            <a:ext cx="1800493" cy="369332"/>
-          </a:xfrm>
-          <a:prstGeom prst="rect">
-            <a:avLst/>
-          </a:prstGeom>
-          <a:noFill/>
-        </p:spPr>
-        <p:txBody>
-          <a:bodyPr wrap="none" rtlCol="0">
-            <a:spAutoFit/>
-          </a:bodyPr>
-          <a:lstStyle/>
-          <a:p>
-            <a:r>
-              <a:rPr lang="zh-CN" altLang="en-US" dirty="0"/>
-              <a:t>成功的测试调用</a:t>
-            </a:r>
-          </a:p>
-        </p:txBody>
-      </p:sp>
     </p:spTree>
     <p:extLst>
       <p:ext uri="{BB962C8B-B14F-4D97-AF65-F5344CB8AC3E}">
-        <p14:creationId xmlns:p14="http://schemas.microsoft.com/office/powerpoint/2010/main" val="2357400858"/>
+        <p14:creationId xmlns:p14="http://schemas.microsoft.com/office/powerpoint/2010/main" val="1529971831"/>
       </p:ext>
     </p:extLst>
   </p:cSld>
@@ -7054,7 +9240,7 @@
           <p:cNvPr id="2" name="标题 1">
             <a:extLst>
               <a:ext uri="{FF2B5EF4-FFF2-40B4-BE49-F238E27FC236}">
-                <a16:creationId xmlns:a16="http://schemas.microsoft.com/office/drawing/2014/main" id="{48704691-43A2-4C88-8C16-0B8DDF90C16D}"/>
+                <a16:creationId xmlns:a16="http://schemas.microsoft.com/office/drawing/2014/main" id="{D415C78D-1CCE-43B4-8FDC-03CDFA16F720}"/>
               </a:ext>
             </a:extLst>
           </p:cNvPr>
@@ -7073,7 +9259,7 @@
             <a:pPr algn="l"/>
             <a:r>
               <a:rPr lang="zh-CN" altLang="en-US" sz="3600" dirty="0"/>
-              <a:t>研究成果</a:t>
+              <a:t>研究目标</a:t>
             </a:r>
           </a:p>
         </p:txBody>
@@ -7083,7 +9269,7 @@
           <p:cNvPr id="3" name="内容占位符 2">
             <a:extLst>
               <a:ext uri="{FF2B5EF4-FFF2-40B4-BE49-F238E27FC236}">
-                <a16:creationId xmlns:a16="http://schemas.microsoft.com/office/drawing/2014/main" id="{5AE310BD-E041-48DA-B5F3-0EF63210BFB8}"/>
+                <a16:creationId xmlns:a16="http://schemas.microsoft.com/office/drawing/2014/main" id="{A84A276A-83A1-4CAC-9F37-3A39E5BFB889}"/>
               </a:ext>
             </a:extLst>
           </p:cNvPr>
@@ -7094,86 +9280,92 @@
             <p:ph idx="1"/>
           </p:nvPr>
         </p:nvSpPr>
-        <p:spPr>
-          <a:xfrm>
-            <a:off x="468313" y="1484313"/>
-            <a:ext cx="6046787" cy="4392612"/>
-          </a:xfrm>
-        </p:spPr>
-        <p:txBody>
-          <a:bodyPr/>
-          <a:lstStyle/>
-          <a:p>
-            <a:r>
-              <a:rPr lang="zh-CN" altLang="en-US" dirty="0"/>
-              <a:t>测试分析与用例生成器</a:t>
+        <p:spPr/>
+        <p:txBody>
+          <a:bodyPr/>
+          <a:lstStyle/>
+          <a:p>
+            <a:r>
+              <a:rPr lang="zh-CN" altLang="en-US" dirty="0"/>
+              <a:t>以太坊虚拟机运行关键过程的插桩</a:t>
             </a:r>
             <a:endParaRPr lang="en-US" altLang="zh-CN" dirty="0"/>
           </a:p>
           <a:p>
-            <a:pPr marL="0" indent="0">
-              <a:buNone/>
-            </a:pPr>
-            <a:r>
-              <a:rPr lang="zh-CN" altLang="zh-CN" sz="2000" kern="100" dirty="0">
-                <a:solidFill>
-                  <a:srgbClr val="404040"/>
-                </a:solidFill>
-                <a:effectLst/>
-                <a:latin typeface="+mn-ea"/>
-                <a:cs typeface="Times New Roman" panose="02020603050405020304" pitchFamily="18" charset="0"/>
-              </a:rPr>
-              <a:t>该部分为了提高模糊测试的测试效率，避免测试沦为随机测试，可以基于</a:t>
-            </a:r>
-            <a:r>
-              <a:rPr lang="en-US" altLang="zh-CN" sz="2000" kern="100" dirty="0">
-                <a:solidFill>
-                  <a:srgbClr val="404040"/>
-                </a:solidFill>
-                <a:effectLst/>
-                <a:latin typeface="+mn-ea"/>
-                <a:cs typeface="Times New Roman" panose="02020603050405020304" pitchFamily="18" charset="0"/>
-              </a:rPr>
-              <a:t>EVM</a:t>
-            </a:r>
-            <a:r>
-              <a:rPr lang="zh-CN" altLang="zh-CN" sz="2000" kern="100" dirty="0">
-                <a:solidFill>
-                  <a:srgbClr val="404040"/>
-                </a:solidFill>
-                <a:effectLst/>
-                <a:latin typeface="+mn-ea"/>
-                <a:cs typeface="Times New Roman" panose="02020603050405020304" pitchFamily="18" charset="0"/>
-              </a:rPr>
-              <a:t>虚拟机内插桩获得的堆栈数据，将可能有用的数字和合约地址提取出来作为输入种子池，并基于种子池产生更多的模糊测试输入，以测试逻辑条件分支以及运算限制的边界状况各侧的智能合约运行情况。</a:t>
-            </a:r>
-            <a:endParaRPr lang="zh-CN" altLang="zh-CN" sz="2000" kern="100" dirty="0">
-              <a:effectLst/>
-              <a:latin typeface="+mn-ea"/>
-              <a:cs typeface="Times New Roman" panose="02020603050405020304" pitchFamily="18" charset="0"/>
-            </a:endParaRPr>
-          </a:p>
-          <a:p>
-            <a:pPr marL="0" indent="0">
-              <a:buNone/>
-            </a:pPr>
+            <a:pPr lvl="1"/>
+            <a:r>
+              <a:rPr lang="zh-CN" altLang="en-US" dirty="0"/>
+              <a:t>为调用信息自动化分析提供的插桩功能</a:t>
+            </a:r>
             <a:endParaRPr lang="en-US" altLang="zh-CN" dirty="0"/>
           </a:p>
           <a:p>
-            <a:r>
-              <a:rPr lang="zh-CN" altLang="en-US" dirty="0"/>
-              <a:t>报告分析与生成器</a:t>
+            <a:pPr lvl="2"/>
+            <a:r>
+              <a:rPr lang="en-US" altLang="zh-CN" dirty="0"/>
+              <a:t>CALL </a:t>
+            </a:r>
+            <a:r>
+              <a:rPr lang="zh-CN" altLang="en-US" dirty="0"/>
+              <a:t>指令是以太坊虚拟机的关键指令，每一个函数的调用都是通过 </a:t>
+            </a:r>
+            <a:r>
+              <a:rPr lang="en-US" altLang="zh-CN" dirty="0"/>
+              <a:t>CALL </a:t>
+            </a:r>
+            <a:r>
+              <a:rPr lang="zh-CN" altLang="en-US" dirty="0"/>
+              <a:t>指令实现的。</a:t>
             </a:r>
             <a:endParaRPr lang="en-US" altLang="zh-CN" dirty="0"/>
           </a:p>
           <a:p>
-            <a:pPr marL="0" indent="0">
-              <a:buNone/>
-            </a:pPr>
-            <a:r>
-              <a:rPr lang="zh-CN" altLang="en-US" sz="2000" dirty="0"/>
-              <a:t>在模糊测试已经基本完成，插桩信息已经成功输出的情况下，最终借助分析漏洞相关信息并总结测试覆盖率，生成针对目标智能合约的本次模糊测试的最终报告。</a:t>
-            </a:r>
+            <a:pPr lvl="2"/>
+            <a:r>
+              <a:rPr lang="zh-CN" altLang="en-US" dirty="0"/>
+              <a:t>除了记录</a:t>
+            </a:r>
+            <a:r>
+              <a:rPr lang="en-US" altLang="zh-CN" dirty="0"/>
+              <a:t>CALL</a:t>
+            </a:r>
+            <a:r>
+              <a:rPr lang="zh-CN" altLang="en-US" dirty="0"/>
+              <a:t>指令外，插桩过程还记录了</a:t>
+            </a:r>
+            <a:r>
+              <a:rPr lang="en-US" altLang="zh-CN" dirty="0"/>
+              <a:t>CALL</a:t>
+            </a:r>
+            <a:r>
+              <a:rPr lang="zh-CN" altLang="en-US" dirty="0"/>
+              <a:t>的层级，即可以通过插桩信息还原调用树。</a:t>
+            </a:r>
+            <a:endParaRPr lang="en-US" altLang="zh-CN" dirty="0"/>
+          </a:p>
+          <a:p>
+            <a:pPr lvl="2"/>
+            <a:r>
+              <a:rPr lang="zh-CN" altLang="en-US" dirty="0"/>
+              <a:t>除了</a:t>
+            </a:r>
+            <a:r>
+              <a:rPr lang="en-US" altLang="zh-CN" dirty="0"/>
+              <a:t>CALL</a:t>
+            </a:r>
+            <a:r>
+              <a:rPr lang="zh-CN" altLang="en-US" dirty="0"/>
+              <a:t>指令，我们还监测了一些关键的指令，例如时间戳获取指令</a:t>
+            </a:r>
+            <a:r>
+              <a:rPr lang="en-US" altLang="zh-CN" dirty="0"/>
+              <a:t>TIMESTAMP</a:t>
+            </a:r>
+            <a:r>
+              <a:rPr lang="zh-CN" altLang="en-US" dirty="0"/>
+              <a:t>，比较指令，算术相关指令等。只需要提供指令名称，用户就可以快速使框架对某一指令进行插桩。</a:t>
+            </a:r>
+            <a:endParaRPr lang="en-US" altLang="zh-CN" dirty="0"/>
           </a:p>
         </p:txBody>
       </p:sp>
@@ -7182,7 +9374,7 @@
           <p:cNvPr id="4" name="灯片编号占位符 3">
             <a:extLst>
               <a:ext uri="{FF2B5EF4-FFF2-40B4-BE49-F238E27FC236}">
-                <a16:creationId xmlns:a16="http://schemas.microsoft.com/office/drawing/2014/main" id="{517D72BF-1C73-40DA-8D88-AEA30DE27FC9}"/>
+                <a16:creationId xmlns:a16="http://schemas.microsoft.com/office/drawing/2014/main" id="{AEB1ADB9-17FB-413A-A7B8-619B53F3645E}"/>
               </a:ext>
             </a:extLst>
           </p:cNvPr>
@@ -7207,73 +9399,10 @@
           </a:p>
         </p:txBody>
       </p:sp>
-      <p:pic>
-        <p:nvPicPr>
-          <p:cNvPr id="10" name="图片 9">
-            <a:extLst>
-              <a:ext uri="{FF2B5EF4-FFF2-40B4-BE49-F238E27FC236}">
-                <a16:creationId xmlns:a16="http://schemas.microsoft.com/office/drawing/2014/main" id="{1D143D99-E44E-44E4-ADC7-99E91255273C}"/>
-              </a:ext>
-            </a:extLst>
-          </p:cNvPr>
-          <p:cNvPicPr/>
-          <p:nvPr/>
-        </p:nvPicPr>
-        <p:blipFill>
-          <a:blip r:embed="rId2"/>
-          <a:stretch>
-            <a:fillRect/>
-          </a:stretch>
-        </p:blipFill>
-        <p:spPr>
-          <a:xfrm>
-            <a:off x="6661786" y="1851660"/>
-            <a:ext cx="2276474" cy="2884487"/>
-          </a:xfrm>
-          <a:prstGeom prst="rect">
-            <a:avLst/>
-          </a:prstGeom>
-        </p:spPr>
-      </p:pic>
-      <p:sp>
-        <p:nvSpPr>
-          <p:cNvPr id="7" name="文本框 6">
-            <a:extLst>
-              <a:ext uri="{FF2B5EF4-FFF2-40B4-BE49-F238E27FC236}">
-                <a16:creationId xmlns:a16="http://schemas.microsoft.com/office/drawing/2014/main" id="{F99018F8-FBBB-4F69-9041-298768393EC9}"/>
-              </a:ext>
-            </a:extLst>
-          </p:cNvPr>
-          <p:cNvSpPr txBox="1"/>
-          <p:nvPr/>
-        </p:nvSpPr>
-        <p:spPr>
-          <a:xfrm>
-            <a:off x="7015193" y="5002252"/>
-            <a:ext cx="1569660" cy="369332"/>
-          </a:xfrm>
-          <a:prstGeom prst="rect">
-            <a:avLst/>
-          </a:prstGeom>
-          <a:noFill/>
-        </p:spPr>
-        <p:txBody>
-          <a:bodyPr wrap="none" rtlCol="0">
-            <a:spAutoFit/>
-          </a:bodyPr>
-          <a:lstStyle/>
-          <a:p>
-            <a:r>
-              <a:rPr lang="zh-CN" altLang="en-US" dirty="0"/>
-              <a:t>分析报告样例</a:t>
-            </a:r>
-          </a:p>
-        </p:txBody>
-      </p:sp>
     </p:spTree>
     <p:extLst>
       <p:ext uri="{BB962C8B-B14F-4D97-AF65-F5344CB8AC3E}">
-        <p14:creationId xmlns:p14="http://schemas.microsoft.com/office/powerpoint/2010/main" val="1883286882"/>
+        <p14:creationId xmlns:p14="http://schemas.microsoft.com/office/powerpoint/2010/main" val="2970098902"/>
       </p:ext>
     </p:extLst>
   </p:cSld>
@@ -7305,7 +9434,7 @@
           <p:cNvPr id="2" name="标题 1">
             <a:extLst>
               <a:ext uri="{FF2B5EF4-FFF2-40B4-BE49-F238E27FC236}">
-                <a16:creationId xmlns:a16="http://schemas.microsoft.com/office/drawing/2014/main" id="{065CCDF7-B880-4C81-9AB0-DD7F6762E6DF}"/>
+                <a16:creationId xmlns:a16="http://schemas.microsoft.com/office/drawing/2014/main" id="{D415C78D-1CCE-43B4-8FDC-03CDFA16F720}"/>
               </a:ext>
             </a:extLst>
           </p:cNvPr>
@@ -7323,8 +9452,8 @@
           <a:p>
             <a:pPr algn="l"/>
             <a:r>
-              <a:rPr lang="zh-CN" altLang="en-US" dirty="0"/>
-              <a:t>总结</a:t>
+              <a:rPr lang="zh-CN" altLang="en-US" sz="3600" dirty="0"/>
+              <a:t>研究目标</a:t>
             </a:r>
           </a:p>
         </p:txBody>
@@ -7334,7 +9463,7 @@
           <p:cNvPr id="3" name="内容占位符 2">
             <a:extLst>
               <a:ext uri="{FF2B5EF4-FFF2-40B4-BE49-F238E27FC236}">
-                <a16:creationId xmlns:a16="http://schemas.microsoft.com/office/drawing/2014/main" id="{E07842D9-9D7C-4814-932C-6662EAE59080}"/>
+                <a16:creationId xmlns:a16="http://schemas.microsoft.com/office/drawing/2014/main" id="{A84A276A-83A1-4CAC-9F37-3A39E5BFB889}"/>
               </a:ext>
             </a:extLst>
           </p:cNvPr>
@@ -7352,7 +9481,7 @@
           <a:p>
             <a:r>
               <a:rPr lang="zh-CN" altLang="en-US" dirty="0"/>
-              <a:t>基于模糊测试的智能合约漏洞检测工具</a:t>
+              <a:t>以太坊虚拟机运行关键过程的插桩</a:t>
             </a:r>
             <a:endParaRPr lang="en-US" altLang="zh-CN" dirty="0"/>
           </a:p>
@@ -7360,23 +9489,7 @@
             <a:pPr lvl="1"/>
             <a:r>
               <a:rPr lang="zh-CN" altLang="en-US" dirty="0"/>
-              <a:t>实现了基于</a:t>
-            </a:r>
-            <a:r>
-              <a:rPr lang="en-US" altLang="zh-CN" dirty="0"/>
-              <a:t>ABI</a:t>
-            </a:r>
-            <a:r>
-              <a:rPr lang="zh-CN" altLang="en-US" dirty="0"/>
-              <a:t>的模糊输入生成、运行时的关键信息与指令的插桩、基于测试预言的输出分析。</a:t>
-            </a:r>
-            <a:endParaRPr lang="en-US" altLang="zh-CN" dirty="0"/>
-          </a:p>
-          <a:p>
-            <a:pPr lvl="1"/>
-            <a:r>
-              <a:rPr lang="zh-CN" altLang="en-US" dirty="0"/>
-              <a:t>提供了变异算法、指令插桩、测试预言的定制接口，用户可根据需要自行扩展。</a:t>
+              <a:t>为调用信息自动化分析提供的插桩功能</a:t>
             </a:r>
             <a:endParaRPr lang="en-US" altLang="zh-CN" dirty="0"/>
           </a:p>
@@ -7387,7 +9500,7 @@
           <p:cNvPr id="4" name="灯片编号占位符 3">
             <a:extLst>
               <a:ext uri="{FF2B5EF4-FFF2-40B4-BE49-F238E27FC236}">
-                <a16:creationId xmlns:a16="http://schemas.microsoft.com/office/drawing/2014/main" id="{8E01067B-7E5D-494C-A1DD-CAF14DDA3DFC}"/>
+                <a16:creationId xmlns:a16="http://schemas.microsoft.com/office/drawing/2014/main" id="{AEB1ADB9-17FB-413A-A7B8-619B53F3645E}"/>
               </a:ext>
             </a:extLst>
           </p:cNvPr>
@@ -7412,10 +9525,40 @@
           </a:p>
         </p:txBody>
       </p:sp>
+      <p:pic>
+        <p:nvPicPr>
+          <p:cNvPr id="5" name="图片 4">
+            <a:extLst>
+              <a:ext uri="{FF2B5EF4-FFF2-40B4-BE49-F238E27FC236}">
+                <a16:creationId xmlns:a16="http://schemas.microsoft.com/office/drawing/2014/main" id="{FE1D9940-D707-407D-925D-11A3887F74D2}"/>
+              </a:ext>
+            </a:extLst>
+          </p:cNvPr>
+          <p:cNvPicPr>
+            <a:picLocks noChangeAspect="1"/>
+          </p:cNvPicPr>
+          <p:nvPr/>
+        </p:nvPicPr>
+        <p:blipFill>
+          <a:blip r:embed="rId3"/>
+          <a:stretch>
+            <a:fillRect/>
+          </a:stretch>
+        </p:blipFill>
+        <p:spPr>
+          <a:xfrm>
+            <a:off x="1162407" y="2392843"/>
+            <a:ext cx="6829068" cy="3323693"/>
+          </a:xfrm>
+          <a:prstGeom prst="rect">
+            <a:avLst/>
+          </a:prstGeom>
+        </p:spPr>
+      </p:pic>
     </p:spTree>
     <p:extLst>
       <p:ext uri="{BB962C8B-B14F-4D97-AF65-F5344CB8AC3E}">
-        <p14:creationId xmlns:p14="http://schemas.microsoft.com/office/powerpoint/2010/main" val="1272760094"/>
+        <p14:creationId xmlns:p14="http://schemas.microsoft.com/office/powerpoint/2010/main" val="3703833549"/>
       </p:ext>
     </p:extLst>
   </p:cSld>
@@ -7444,42 +9587,71 @@
       </p:grpSpPr>
       <p:sp>
         <p:nvSpPr>
-          <p:cNvPr id="6" name="文本占位符 5"/>
-          <p:cNvSpPr>
-            <a:spLocks noGrp="1"/>
-          </p:cNvSpPr>
-          <p:nvPr>
-            <p:ph type="body" idx="1"/>
-          </p:nvPr>
-        </p:nvSpPr>
-        <p:spPr>
-          <a:xfrm>
-            <a:off x="685800" y="2527890"/>
-            <a:ext cx="7772400" cy="1500187"/>
-          </a:xfrm>
-        </p:spPr>
-        <p:txBody>
-          <a:bodyPr/>
-          <a:lstStyle/>
-          <a:p>
-            <a:pPr algn="ctr"/>
-            <a:r>
-              <a:rPr kumimoji="1" lang="en-US" altLang="zh-CN" sz="3600" dirty="0">
-                <a:latin typeface="+mj-lt"/>
-                <a:ea typeface="宋体" panose="02010600030101010101" pitchFamily="2" charset="-122"/>
-              </a:rPr>
-              <a:t>Q &amp; A</a:t>
-            </a:r>
-            <a:endParaRPr kumimoji="1" lang="zh-CN" altLang="en-US" sz="3600" dirty="0">
-              <a:latin typeface="+mj-lt"/>
-              <a:ea typeface="宋体" panose="02010600030101010101" pitchFamily="2" charset="-122"/>
-            </a:endParaRPr>
-          </a:p>
-        </p:txBody>
-      </p:sp>
-      <p:sp>
-        <p:nvSpPr>
-          <p:cNvPr id="4" name="灯片编号占位符 3"/>
+          <p:cNvPr id="2" name="标题 1">
+            <a:extLst>
+              <a:ext uri="{FF2B5EF4-FFF2-40B4-BE49-F238E27FC236}">
+                <a16:creationId xmlns:a16="http://schemas.microsoft.com/office/drawing/2014/main" id="{D415C78D-1CCE-43B4-8FDC-03CDFA16F720}"/>
+              </a:ext>
+            </a:extLst>
+          </p:cNvPr>
+          <p:cNvSpPr>
+            <a:spLocks noGrp="1"/>
+          </p:cNvSpPr>
+          <p:nvPr>
+            <p:ph type="title"/>
+          </p:nvPr>
+        </p:nvSpPr>
+        <p:spPr/>
+        <p:txBody>
+          <a:bodyPr/>
+          <a:lstStyle/>
+          <a:p>
+            <a:pPr algn="l"/>
+            <a:r>
+              <a:rPr lang="zh-CN" altLang="en-US" sz="3600" dirty="0"/>
+              <a:t>研究目标</a:t>
+            </a:r>
+          </a:p>
+        </p:txBody>
+      </p:sp>
+      <p:sp>
+        <p:nvSpPr>
+          <p:cNvPr id="3" name="内容占位符 2">
+            <a:extLst>
+              <a:ext uri="{FF2B5EF4-FFF2-40B4-BE49-F238E27FC236}">
+                <a16:creationId xmlns:a16="http://schemas.microsoft.com/office/drawing/2014/main" id="{A84A276A-83A1-4CAC-9F37-3A39E5BFB889}"/>
+              </a:ext>
+            </a:extLst>
+          </p:cNvPr>
+          <p:cNvSpPr>
+            <a:spLocks noGrp="1"/>
+          </p:cNvSpPr>
+          <p:nvPr>
+            <p:ph idx="1"/>
+          </p:nvPr>
+        </p:nvSpPr>
+        <p:spPr/>
+        <p:txBody>
+          <a:bodyPr/>
+          <a:lstStyle/>
+          <a:p>
+            <a:r>
+              <a:rPr lang="zh-CN" altLang="en-US" dirty="0"/>
+              <a:t>以太坊虚拟机运行关键过程的插桩</a:t>
+            </a:r>
+            <a:endParaRPr lang="en-US" altLang="zh-CN" dirty="0"/>
+          </a:p>
+        </p:txBody>
+      </p:sp>
+      <p:sp>
+        <p:nvSpPr>
+          <p:cNvPr id="4" name="灯片编号占位符 3">
+            <a:extLst>
+              <a:ext uri="{FF2B5EF4-FFF2-40B4-BE49-F238E27FC236}">
+                <a16:creationId xmlns:a16="http://schemas.microsoft.com/office/drawing/2014/main" id="{AEB1ADB9-17FB-413A-A7B8-619B53F3645E}"/>
+              </a:ext>
+            </a:extLst>
+          </p:cNvPr>
           <p:cNvSpPr>
             <a:spLocks noGrp="1"/>
           </p:cNvSpPr>
@@ -7501,10 +9673,40 @@
           </a:p>
         </p:txBody>
       </p:sp>
+      <p:pic>
+        <p:nvPicPr>
+          <p:cNvPr id="6" name="图片 5">
+            <a:extLst>
+              <a:ext uri="{FF2B5EF4-FFF2-40B4-BE49-F238E27FC236}">
+                <a16:creationId xmlns:a16="http://schemas.microsoft.com/office/drawing/2014/main" id="{86E32295-775E-408E-B401-1ABBE0AC50BC}"/>
+              </a:ext>
+            </a:extLst>
+          </p:cNvPr>
+          <p:cNvPicPr>
+            <a:picLocks noChangeAspect="1"/>
+          </p:cNvPicPr>
+          <p:nvPr/>
+        </p:nvPicPr>
+        <p:blipFill>
+          <a:blip r:embed="rId3"/>
+          <a:stretch>
+            <a:fillRect/>
+          </a:stretch>
+        </p:blipFill>
+        <p:spPr>
+          <a:xfrm>
+            <a:off x="1099483" y="2200797"/>
+            <a:ext cx="6945033" cy="3529443"/>
+          </a:xfrm>
+          <a:prstGeom prst="rect">
+            <a:avLst/>
+          </a:prstGeom>
+        </p:spPr>
+      </p:pic>
     </p:spTree>
     <p:extLst>
       <p:ext uri="{BB962C8B-B14F-4D97-AF65-F5344CB8AC3E}">
-        <p14:creationId xmlns:p14="http://schemas.microsoft.com/office/powerpoint/2010/main" val="2232092311"/>
+        <p14:creationId xmlns:p14="http://schemas.microsoft.com/office/powerpoint/2010/main" val="3017112151"/>
       </p:ext>
     </p:extLst>
   </p:cSld>
@@ -7650,6 +9852,2049 @@
     <p:extLst>
       <p:ext uri="{BB962C8B-B14F-4D97-AF65-F5344CB8AC3E}">
         <p14:creationId xmlns:p14="http://schemas.microsoft.com/office/powerpoint/2010/main" val="3432139542"/>
+      </p:ext>
+    </p:extLst>
+  </p:cSld>
+  <p:clrMapOvr>
+    <a:masterClrMapping/>
+  </p:clrMapOvr>
+</p:sld>
+</file>
+
+<file path=ppt/slides/slide20.xml><?xml version="1.0" encoding="utf-8"?>
+<p:sld xmlns:a="http://schemas.openxmlformats.org/drawingml/2006/main" xmlns:r="http://schemas.openxmlformats.org/officeDocument/2006/relationships" xmlns:p="http://schemas.openxmlformats.org/presentationml/2006/main">
+  <p:cSld>
+    <p:spTree>
+      <p:nvGrpSpPr>
+        <p:cNvPr id="1" name=""/>
+        <p:cNvGrpSpPr/>
+        <p:nvPr/>
+      </p:nvGrpSpPr>
+      <p:grpSpPr>
+        <a:xfrm>
+          <a:off x="0" y="0"/>
+          <a:ext cx="0" cy="0"/>
+          <a:chOff x="0" y="0"/>
+          <a:chExt cx="0" cy="0"/>
+        </a:xfrm>
+      </p:grpSpPr>
+      <p:sp>
+        <p:nvSpPr>
+          <p:cNvPr id="2" name="标题 1">
+            <a:extLst>
+              <a:ext uri="{FF2B5EF4-FFF2-40B4-BE49-F238E27FC236}">
+                <a16:creationId xmlns:a16="http://schemas.microsoft.com/office/drawing/2014/main" id="{D415C78D-1CCE-43B4-8FDC-03CDFA16F720}"/>
+              </a:ext>
+            </a:extLst>
+          </p:cNvPr>
+          <p:cNvSpPr>
+            <a:spLocks noGrp="1"/>
+          </p:cNvSpPr>
+          <p:nvPr>
+            <p:ph type="title"/>
+          </p:nvPr>
+        </p:nvSpPr>
+        <p:spPr/>
+        <p:txBody>
+          <a:bodyPr/>
+          <a:lstStyle/>
+          <a:p>
+            <a:pPr algn="l"/>
+            <a:r>
+              <a:rPr lang="zh-CN" altLang="en-US" sz="3600" dirty="0"/>
+              <a:t>研究目标</a:t>
+            </a:r>
+          </a:p>
+        </p:txBody>
+      </p:sp>
+      <p:sp>
+        <p:nvSpPr>
+          <p:cNvPr id="3" name="内容占位符 2">
+            <a:extLst>
+              <a:ext uri="{FF2B5EF4-FFF2-40B4-BE49-F238E27FC236}">
+                <a16:creationId xmlns:a16="http://schemas.microsoft.com/office/drawing/2014/main" id="{A84A276A-83A1-4CAC-9F37-3A39E5BFB889}"/>
+              </a:ext>
+            </a:extLst>
+          </p:cNvPr>
+          <p:cNvSpPr>
+            <a:spLocks noGrp="1"/>
+          </p:cNvSpPr>
+          <p:nvPr>
+            <p:ph idx="1"/>
+          </p:nvPr>
+        </p:nvSpPr>
+        <p:spPr/>
+        <p:txBody>
+          <a:bodyPr/>
+          <a:lstStyle/>
+          <a:p>
+            <a:r>
+              <a:rPr lang="zh-CN" altLang="en-US" dirty="0"/>
+              <a:t>分析漏洞是否存在的测试预言</a:t>
+            </a:r>
+            <a:endParaRPr lang="en-US" altLang="zh-CN" dirty="0"/>
+          </a:p>
+          <a:p>
+            <a:pPr lvl="1"/>
+            <a:r>
+              <a:rPr lang="en-US" altLang="zh-CN" dirty="0"/>
+              <a:t>Timestamp/</a:t>
+            </a:r>
+            <a:r>
+              <a:rPr lang="en-US" altLang="zh-CN" dirty="0" err="1"/>
+              <a:t>Blockstamp</a:t>
+            </a:r>
+            <a:r>
+              <a:rPr lang="en-US" altLang="zh-CN" dirty="0"/>
+              <a:t> </a:t>
+            </a:r>
+            <a:r>
+              <a:rPr lang="zh-CN" altLang="en-US" dirty="0"/>
+              <a:t>依赖：如果合约执行过程中有</a:t>
+            </a:r>
+            <a:r>
+              <a:rPr lang="en-US" altLang="zh-CN" dirty="0"/>
+              <a:t>timestamp/</a:t>
+            </a:r>
+            <a:r>
+              <a:rPr lang="en-US" altLang="zh-CN" dirty="0" err="1"/>
+              <a:t>blockstamp</a:t>
+            </a:r>
+            <a:r>
+              <a:rPr lang="zh-CN" altLang="en-US" dirty="0"/>
+              <a:t>语句，并且是</a:t>
+            </a:r>
+            <a:r>
+              <a:rPr lang="en-US" altLang="zh-CN" dirty="0"/>
+              <a:t>Send</a:t>
+            </a:r>
+            <a:r>
+              <a:rPr lang="zh-CN" altLang="en-US" dirty="0"/>
+              <a:t>函数（</a:t>
+            </a:r>
+            <a:r>
+              <a:rPr lang="en-US" altLang="zh-CN" dirty="0"/>
+              <a:t>gas</a:t>
+            </a:r>
+            <a:r>
+              <a:rPr lang="zh-CN" altLang="en-US" dirty="0"/>
+              <a:t>限制为</a:t>
+            </a:r>
+            <a:r>
+              <a:rPr lang="en-US" altLang="zh-CN" dirty="0"/>
+              <a:t>2300</a:t>
+            </a:r>
+            <a:r>
+              <a:rPr lang="zh-CN" altLang="en-US" dirty="0"/>
+              <a:t>），则存在</a:t>
+            </a:r>
+            <a:r>
+              <a:rPr lang="en-US" altLang="zh-CN" dirty="0"/>
+              <a:t>Timestamp/</a:t>
+            </a:r>
+            <a:r>
+              <a:rPr lang="en-US" altLang="zh-CN" dirty="0" err="1"/>
+              <a:t>Blockstamp</a:t>
+            </a:r>
+            <a:r>
+              <a:rPr lang="en-US" altLang="zh-CN" dirty="0"/>
+              <a:t> </a:t>
+            </a:r>
+            <a:r>
+              <a:rPr lang="zh-CN" altLang="en-US" dirty="0"/>
+              <a:t>依赖。这个依赖可能导致假随机并被恶意利用。</a:t>
+            </a:r>
+          </a:p>
+          <a:p>
+            <a:pPr lvl="1"/>
+            <a:r>
+              <a:rPr lang="zh-CN" altLang="en-US" dirty="0"/>
+              <a:t>重入漏洞：如果存在调用后代与自身完全相同，则存在重入漏洞。</a:t>
+            </a:r>
+          </a:p>
+          <a:p>
+            <a:pPr lvl="1"/>
+            <a:r>
+              <a:rPr lang="zh-CN" altLang="en-US" dirty="0"/>
+              <a:t>溢出漏洞：如果两个算术操作数进行运算会导致溢出，则存在溢出漏洞。</a:t>
+            </a:r>
+            <a:endParaRPr lang="en-US" altLang="zh-CN" dirty="0"/>
+          </a:p>
+          <a:p>
+            <a:pPr lvl="1"/>
+            <a:r>
+              <a:rPr lang="en-US" altLang="zh-CN" dirty="0" err="1"/>
+              <a:t>GaslessSend</a:t>
+            </a:r>
+            <a:r>
+              <a:rPr lang="zh-CN" altLang="en-US" dirty="0"/>
+              <a:t>漏洞：若</a:t>
+            </a:r>
+            <a:r>
+              <a:rPr lang="en-US" altLang="zh-CN" dirty="0"/>
+              <a:t>Send</a:t>
+            </a:r>
+            <a:r>
+              <a:rPr lang="zh-CN" altLang="en-US" dirty="0"/>
+              <a:t>函数返回</a:t>
+            </a:r>
+            <a:r>
+              <a:rPr lang="en-US" altLang="zh-CN" dirty="0"/>
+              <a:t>out of gas</a:t>
+            </a:r>
+            <a:r>
+              <a:rPr lang="zh-CN" altLang="en-US" dirty="0"/>
+              <a:t>错误，则存在</a:t>
+            </a:r>
+            <a:r>
+              <a:rPr lang="en-US" altLang="zh-CN" dirty="0" err="1"/>
+              <a:t>GaslessSend</a:t>
+            </a:r>
+            <a:r>
+              <a:rPr lang="zh-CN" altLang="en-US" dirty="0"/>
+              <a:t>漏洞。这个漏洞可能导致在转账未成功的情况下完成了转账成功时才会发生的行为。</a:t>
+            </a:r>
+          </a:p>
+          <a:p>
+            <a:endParaRPr lang="zh-CN" altLang="en-US" dirty="0"/>
+          </a:p>
+        </p:txBody>
+      </p:sp>
+      <p:sp>
+        <p:nvSpPr>
+          <p:cNvPr id="4" name="灯片编号占位符 3">
+            <a:extLst>
+              <a:ext uri="{FF2B5EF4-FFF2-40B4-BE49-F238E27FC236}">
+                <a16:creationId xmlns:a16="http://schemas.microsoft.com/office/drawing/2014/main" id="{AEB1ADB9-17FB-413A-A7B8-619B53F3645E}"/>
+              </a:ext>
+            </a:extLst>
+          </p:cNvPr>
+          <p:cNvSpPr>
+            <a:spLocks noGrp="1"/>
+          </p:cNvSpPr>
+          <p:nvPr>
+            <p:ph type="sldNum" sz="quarter" idx="12"/>
+          </p:nvPr>
+        </p:nvSpPr>
+        <p:spPr/>
+        <p:txBody>
+          <a:bodyPr/>
+          <a:lstStyle/>
+          <a:p>
+            <a:fld id="{06128CA3-9668-437A-8B46-F616277CD5DC}" type="slidenum">
+              <a:rPr lang="en-US" altLang="zh-CN" smtClean="0"/>
+              <a:pPr/>
+              <a:t>20</a:t>
+            </a:fld>
+            <a:endParaRPr lang="en-US" altLang="zh-CN"/>
+          </a:p>
+        </p:txBody>
+      </p:sp>
+    </p:spTree>
+    <p:extLst>
+      <p:ext uri="{BB962C8B-B14F-4D97-AF65-F5344CB8AC3E}">
+        <p14:creationId xmlns:p14="http://schemas.microsoft.com/office/powerpoint/2010/main" val="1008099783"/>
+      </p:ext>
+    </p:extLst>
+  </p:cSld>
+  <p:clrMapOvr>
+    <a:masterClrMapping/>
+  </p:clrMapOvr>
+</p:sld>
+</file>
+
+<file path=ppt/slides/slide21.xml><?xml version="1.0" encoding="utf-8"?>
+<p:sld xmlns:a="http://schemas.openxmlformats.org/drawingml/2006/main" xmlns:r="http://schemas.openxmlformats.org/officeDocument/2006/relationships" xmlns:p="http://schemas.openxmlformats.org/presentationml/2006/main">
+  <p:cSld>
+    <p:spTree>
+      <p:nvGrpSpPr>
+        <p:cNvPr id="1" name=""/>
+        <p:cNvGrpSpPr/>
+        <p:nvPr/>
+      </p:nvGrpSpPr>
+      <p:grpSpPr>
+        <a:xfrm>
+          <a:off x="0" y="0"/>
+          <a:ext cx="0" cy="0"/>
+          <a:chOff x="0" y="0"/>
+          <a:chExt cx="0" cy="0"/>
+        </a:xfrm>
+      </p:grpSpPr>
+      <p:sp>
+        <p:nvSpPr>
+          <p:cNvPr id="2" name="标题 1">
+            <a:extLst>
+              <a:ext uri="{FF2B5EF4-FFF2-40B4-BE49-F238E27FC236}">
+                <a16:creationId xmlns:a16="http://schemas.microsoft.com/office/drawing/2014/main" id="{D415C78D-1CCE-43B4-8FDC-03CDFA16F720}"/>
+              </a:ext>
+            </a:extLst>
+          </p:cNvPr>
+          <p:cNvSpPr>
+            <a:spLocks noGrp="1"/>
+          </p:cNvSpPr>
+          <p:nvPr>
+            <p:ph type="title"/>
+          </p:nvPr>
+        </p:nvSpPr>
+        <p:spPr/>
+        <p:txBody>
+          <a:bodyPr/>
+          <a:lstStyle/>
+          <a:p>
+            <a:pPr algn="l"/>
+            <a:r>
+              <a:rPr lang="zh-CN" altLang="en-US" sz="3600" dirty="0"/>
+              <a:t>研究目标</a:t>
+            </a:r>
+          </a:p>
+        </p:txBody>
+      </p:sp>
+      <p:sp>
+        <p:nvSpPr>
+          <p:cNvPr id="3" name="内容占位符 2">
+            <a:extLst>
+              <a:ext uri="{FF2B5EF4-FFF2-40B4-BE49-F238E27FC236}">
+                <a16:creationId xmlns:a16="http://schemas.microsoft.com/office/drawing/2014/main" id="{A84A276A-83A1-4CAC-9F37-3A39E5BFB889}"/>
+              </a:ext>
+            </a:extLst>
+          </p:cNvPr>
+          <p:cNvSpPr>
+            <a:spLocks noGrp="1"/>
+          </p:cNvSpPr>
+          <p:nvPr>
+            <p:ph idx="1"/>
+          </p:nvPr>
+        </p:nvSpPr>
+        <p:spPr/>
+        <p:txBody>
+          <a:bodyPr/>
+          <a:lstStyle/>
+          <a:p>
+            <a:r>
+              <a:rPr lang="zh-CN" altLang="en-US" dirty="0"/>
+              <a:t>分析漏洞是否存在的测试预言</a:t>
+            </a:r>
+            <a:endParaRPr lang="en-US" altLang="zh-CN" dirty="0"/>
+          </a:p>
+          <a:p>
+            <a:pPr lvl="1"/>
+            <a:r>
+              <a:rPr lang="zh-CN" altLang="en-US" dirty="0"/>
+              <a:t>调用链异常漏洞：以太坊的机制导致调用失败时会回退，但是低级的</a:t>
+            </a:r>
+            <a:r>
+              <a:rPr lang="en-US" altLang="zh-CN" dirty="0"/>
+              <a:t>call</a:t>
+            </a:r>
+            <a:r>
+              <a:rPr lang="zh-CN" altLang="en-US" dirty="0"/>
+              <a:t>方法不会导致上级函数失效，而只是返回一个</a:t>
+            </a:r>
+            <a:r>
+              <a:rPr lang="en-US" altLang="zh-CN" dirty="0"/>
+              <a:t>False</a:t>
+            </a:r>
+            <a:r>
+              <a:rPr lang="zh-CN" altLang="en-US" dirty="0"/>
+              <a:t>，导致用户无法得知调用链出错。因此，当调用链出现错误，但是根调用没有报告异常，则认为出现调用链异常漏洞。</a:t>
+            </a:r>
+          </a:p>
+          <a:p>
+            <a:pPr lvl="1"/>
+            <a:r>
+              <a:rPr lang="zh-CN" altLang="en-US" dirty="0"/>
+              <a:t>危险的</a:t>
+            </a:r>
+            <a:r>
+              <a:rPr lang="en-US" altLang="zh-CN" dirty="0" err="1"/>
+              <a:t>DelegateCall</a:t>
+            </a:r>
+            <a:r>
+              <a:rPr lang="zh-CN" altLang="en-US" dirty="0"/>
+              <a:t>：</a:t>
+            </a:r>
+            <a:r>
+              <a:rPr lang="en-US" altLang="zh-CN" dirty="0" err="1"/>
+              <a:t>DelegateCall</a:t>
+            </a:r>
+            <a:r>
+              <a:rPr lang="zh-CN" altLang="en-US" dirty="0"/>
+              <a:t>可以让让其他合约在本合约上下文执行，但如果让用户自行指定输入，那么就可能可以使当前合约执行其他合约的任意功能。因此本测试预言检查</a:t>
+            </a:r>
+            <a:r>
+              <a:rPr lang="en-US" altLang="zh-CN" dirty="0"/>
+              <a:t>call</a:t>
+            </a:r>
+            <a:r>
+              <a:rPr lang="zh-CN" altLang="en-US" dirty="0"/>
+              <a:t>的类型是否为</a:t>
+            </a:r>
+            <a:r>
+              <a:rPr lang="en-US" altLang="zh-CN" dirty="0" err="1"/>
+              <a:t>DelegateCall</a:t>
+            </a:r>
+            <a:r>
+              <a:rPr lang="zh-CN" altLang="en-US" dirty="0"/>
+              <a:t>，并检查输入是否为用户自己指定的。</a:t>
+            </a:r>
+          </a:p>
+          <a:p>
+            <a:pPr lvl="1"/>
+            <a:endParaRPr lang="zh-CN" altLang="en-US" dirty="0"/>
+          </a:p>
+          <a:p>
+            <a:endParaRPr lang="zh-CN" altLang="en-US" dirty="0"/>
+          </a:p>
+        </p:txBody>
+      </p:sp>
+      <p:sp>
+        <p:nvSpPr>
+          <p:cNvPr id="4" name="灯片编号占位符 3">
+            <a:extLst>
+              <a:ext uri="{FF2B5EF4-FFF2-40B4-BE49-F238E27FC236}">
+                <a16:creationId xmlns:a16="http://schemas.microsoft.com/office/drawing/2014/main" id="{AEB1ADB9-17FB-413A-A7B8-619B53F3645E}"/>
+              </a:ext>
+            </a:extLst>
+          </p:cNvPr>
+          <p:cNvSpPr>
+            <a:spLocks noGrp="1"/>
+          </p:cNvSpPr>
+          <p:nvPr>
+            <p:ph type="sldNum" sz="quarter" idx="12"/>
+          </p:nvPr>
+        </p:nvSpPr>
+        <p:spPr/>
+        <p:txBody>
+          <a:bodyPr/>
+          <a:lstStyle/>
+          <a:p>
+            <a:fld id="{06128CA3-9668-437A-8B46-F616277CD5DC}" type="slidenum">
+              <a:rPr lang="en-US" altLang="zh-CN" smtClean="0"/>
+              <a:pPr/>
+              <a:t>21</a:t>
+            </a:fld>
+            <a:endParaRPr lang="en-US" altLang="zh-CN"/>
+          </a:p>
+        </p:txBody>
+      </p:sp>
+    </p:spTree>
+    <p:extLst>
+      <p:ext uri="{BB962C8B-B14F-4D97-AF65-F5344CB8AC3E}">
+        <p14:creationId xmlns:p14="http://schemas.microsoft.com/office/powerpoint/2010/main" val="2833625977"/>
+      </p:ext>
+    </p:extLst>
+  </p:cSld>
+  <p:clrMapOvr>
+    <a:masterClrMapping/>
+  </p:clrMapOvr>
+</p:sld>
+</file>
+
+<file path=ppt/slides/slide22.xml><?xml version="1.0" encoding="utf-8"?>
+<p:sld xmlns:a="http://schemas.openxmlformats.org/drawingml/2006/main" xmlns:r="http://schemas.openxmlformats.org/officeDocument/2006/relationships" xmlns:p="http://schemas.openxmlformats.org/presentationml/2006/main">
+  <p:cSld>
+    <p:spTree>
+      <p:nvGrpSpPr>
+        <p:cNvPr id="1" name=""/>
+        <p:cNvGrpSpPr/>
+        <p:nvPr/>
+      </p:nvGrpSpPr>
+      <p:grpSpPr>
+        <a:xfrm>
+          <a:off x="0" y="0"/>
+          <a:ext cx="0" cy="0"/>
+          <a:chOff x="0" y="0"/>
+          <a:chExt cx="0" cy="0"/>
+        </a:xfrm>
+      </p:grpSpPr>
+      <p:sp>
+        <p:nvSpPr>
+          <p:cNvPr id="2" name="标题 1">
+            <a:extLst>
+              <a:ext uri="{FF2B5EF4-FFF2-40B4-BE49-F238E27FC236}">
+                <a16:creationId xmlns:a16="http://schemas.microsoft.com/office/drawing/2014/main" id="{D415C78D-1CCE-43B4-8FDC-03CDFA16F720}"/>
+              </a:ext>
+            </a:extLst>
+          </p:cNvPr>
+          <p:cNvSpPr>
+            <a:spLocks noGrp="1"/>
+          </p:cNvSpPr>
+          <p:nvPr>
+            <p:ph type="title"/>
+          </p:nvPr>
+        </p:nvSpPr>
+        <p:spPr/>
+        <p:txBody>
+          <a:bodyPr/>
+          <a:lstStyle/>
+          <a:p>
+            <a:pPr algn="l"/>
+            <a:r>
+              <a:rPr lang="zh-CN" altLang="en-US" sz="3600" dirty="0"/>
+              <a:t>研究成果</a:t>
+            </a:r>
+          </a:p>
+        </p:txBody>
+      </p:sp>
+      <p:sp>
+        <p:nvSpPr>
+          <p:cNvPr id="3" name="内容占位符 2">
+            <a:extLst>
+              <a:ext uri="{FF2B5EF4-FFF2-40B4-BE49-F238E27FC236}">
+                <a16:creationId xmlns:a16="http://schemas.microsoft.com/office/drawing/2014/main" id="{A84A276A-83A1-4CAC-9F37-3A39E5BFB889}"/>
+              </a:ext>
+            </a:extLst>
+          </p:cNvPr>
+          <p:cNvSpPr>
+            <a:spLocks noGrp="1"/>
+          </p:cNvSpPr>
+          <p:nvPr>
+            <p:ph idx="1"/>
+          </p:nvPr>
+        </p:nvSpPr>
+        <p:spPr/>
+        <p:txBody>
+          <a:bodyPr/>
+          <a:lstStyle/>
+          <a:p>
+            <a:r>
+              <a:rPr lang="zh-CN" altLang="en-US" dirty="0"/>
+              <a:t>实现了插桩功能的</a:t>
+            </a:r>
+            <a:r>
+              <a:rPr lang="en-US" altLang="zh-CN" dirty="0" err="1"/>
+              <a:t>geth</a:t>
+            </a:r>
+            <a:r>
+              <a:rPr lang="zh-CN" altLang="en-US" dirty="0"/>
+              <a:t>客户端，以日志文件形式进行插桩信息的输出。</a:t>
+            </a:r>
+            <a:endParaRPr lang="en-US" altLang="zh-CN" dirty="0"/>
+          </a:p>
+          <a:p>
+            <a:r>
+              <a:rPr lang="zh-CN" altLang="en-US" dirty="0"/>
+              <a:t>可根据输出反馈生成模糊输入、调用合约各个函数进行测试的</a:t>
+            </a:r>
+            <a:r>
+              <a:rPr lang="en-US" altLang="zh-CN" dirty="0"/>
+              <a:t>Golang</a:t>
+            </a:r>
+            <a:r>
+              <a:rPr lang="zh-CN" altLang="en-US" dirty="0"/>
+              <a:t>工具。</a:t>
+            </a:r>
+            <a:endParaRPr lang="en-US" altLang="zh-CN" dirty="0"/>
+          </a:p>
+          <a:p>
+            <a:r>
+              <a:rPr lang="zh-CN" altLang="en-US" dirty="0"/>
+              <a:t>基于插桩输出进行分析，按测试预言给出漏洞检测报告的工具。</a:t>
+            </a:r>
+            <a:endParaRPr lang="en-US" altLang="zh-CN" dirty="0"/>
+          </a:p>
+          <a:p>
+            <a:endParaRPr lang="en-US" altLang="zh-CN" dirty="0"/>
+          </a:p>
+        </p:txBody>
+      </p:sp>
+      <p:sp>
+        <p:nvSpPr>
+          <p:cNvPr id="4" name="灯片编号占位符 3">
+            <a:extLst>
+              <a:ext uri="{FF2B5EF4-FFF2-40B4-BE49-F238E27FC236}">
+                <a16:creationId xmlns:a16="http://schemas.microsoft.com/office/drawing/2014/main" id="{AEB1ADB9-17FB-413A-A7B8-619B53F3645E}"/>
+              </a:ext>
+            </a:extLst>
+          </p:cNvPr>
+          <p:cNvSpPr>
+            <a:spLocks noGrp="1"/>
+          </p:cNvSpPr>
+          <p:nvPr>
+            <p:ph type="sldNum" sz="quarter" idx="12"/>
+          </p:nvPr>
+        </p:nvSpPr>
+        <p:spPr/>
+        <p:txBody>
+          <a:bodyPr/>
+          <a:lstStyle/>
+          <a:p>
+            <a:fld id="{06128CA3-9668-437A-8B46-F616277CD5DC}" type="slidenum">
+              <a:rPr lang="en-US" altLang="zh-CN" smtClean="0"/>
+              <a:pPr/>
+              <a:t>22</a:t>
+            </a:fld>
+            <a:endParaRPr lang="en-US" altLang="zh-CN"/>
+          </a:p>
+        </p:txBody>
+      </p:sp>
+    </p:spTree>
+    <p:extLst>
+      <p:ext uri="{BB962C8B-B14F-4D97-AF65-F5344CB8AC3E}">
+        <p14:creationId xmlns:p14="http://schemas.microsoft.com/office/powerpoint/2010/main" val="722823871"/>
+      </p:ext>
+    </p:extLst>
+  </p:cSld>
+  <p:clrMapOvr>
+    <a:masterClrMapping/>
+  </p:clrMapOvr>
+</p:sld>
+</file>
+
+<file path=ppt/slides/slide23.xml><?xml version="1.0" encoding="utf-8"?>
+<p:sld xmlns:a="http://schemas.openxmlformats.org/drawingml/2006/main" xmlns:r="http://schemas.openxmlformats.org/officeDocument/2006/relationships" xmlns:p="http://schemas.openxmlformats.org/presentationml/2006/main">
+  <p:cSld>
+    <p:spTree>
+      <p:nvGrpSpPr>
+        <p:cNvPr id="1" name=""/>
+        <p:cNvGrpSpPr/>
+        <p:nvPr/>
+      </p:nvGrpSpPr>
+      <p:grpSpPr>
+        <a:xfrm>
+          <a:off x="0" y="0"/>
+          <a:ext cx="0" cy="0"/>
+          <a:chOff x="0" y="0"/>
+          <a:chExt cx="0" cy="0"/>
+        </a:xfrm>
+      </p:grpSpPr>
+      <p:sp>
+        <p:nvSpPr>
+          <p:cNvPr id="2" name="标题 1">
+            <a:extLst>
+              <a:ext uri="{FF2B5EF4-FFF2-40B4-BE49-F238E27FC236}">
+                <a16:creationId xmlns:a16="http://schemas.microsoft.com/office/drawing/2014/main" id="{D415C78D-1CCE-43B4-8FDC-03CDFA16F720}"/>
+              </a:ext>
+            </a:extLst>
+          </p:cNvPr>
+          <p:cNvSpPr>
+            <a:spLocks noGrp="1"/>
+          </p:cNvSpPr>
+          <p:nvPr>
+            <p:ph type="title"/>
+          </p:nvPr>
+        </p:nvSpPr>
+        <p:spPr/>
+        <p:txBody>
+          <a:bodyPr/>
+          <a:lstStyle/>
+          <a:p>
+            <a:pPr algn="l"/>
+            <a:r>
+              <a:rPr lang="zh-CN" altLang="en-US" sz="3600" dirty="0"/>
+              <a:t>研究成果</a:t>
+            </a:r>
+          </a:p>
+        </p:txBody>
+      </p:sp>
+      <p:sp>
+        <p:nvSpPr>
+          <p:cNvPr id="3" name="内容占位符 2">
+            <a:extLst>
+              <a:ext uri="{FF2B5EF4-FFF2-40B4-BE49-F238E27FC236}">
+                <a16:creationId xmlns:a16="http://schemas.microsoft.com/office/drawing/2014/main" id="{A84A276A-83A1-4CAC-9F37-3A39E5BFB889}"/>
+              </a:ext>
+            </a:extLst>
+          </p:cNvPr>
+          <p:cNvSpPr>
+            <a:spLocks noGrp="1"/>
+          </p:cNvSpPr>
+          <p:nvPr>
+            <p:ph idx="1"/>
+          </p:nvPr>
+        </p:nvSpPr>
+        <p:spPr/>
+        <p:txBody>
+          <a:bodyPr/>
+          <a:lstStyle/>
+          <a:p>
+            <a:r>
+              <a:rPr lang="zh-CN" altLang="en-US" dirty="0"/>
+              <a:t>实现了插桩功能的</a:t>
+            </a:r>
+            <a:r>
+              <a:rPr lang="en-US" altLang="zh-CN" dirty="0" err="1"/>
+              <a:t>geth</a:t>
+            </a:r>
+            <a:r>
+              <a:rPr lang="zh-CN" altLang="en-US" dirty="0"/>
+              <a:t>客户端</a:t>
+            </a:r>
+            <a:endParaRPr lang="en-US" altLang="zh-CN" dirty="0"/>
+          </a:p>
+          <a:p>
+            <a:pPr lvl="1"/>
+            <a:r>
+              <a:rPr lang="zh-CN" altLang="en-US" dirty="0"/>
+              <a:t>输出两个文件，一个是包含</a:t>
+            </a:r>
+            <a:r>
+              <a:rPr lang="en-US" altLang="zh-CN" dirty="0"/>
+              <a:t>pc</a:t>
+            </a:r>
+            <a:r>
+              <a:rPr lang="zh-CN" altLang="en-US" dirty="0"/>
+              <a:t>的文件，一个是包含执行与调用信息的</a:t>
+            </a:r>
+            <a:r>
+              <a:rPr lang="en-US" altLang="zh-CN" dirty="0"/>
+              <a:t>xml</a:t>
+            </a:r>
+            <a:r>
+              <a:rPr lang="zh-CN" altLang="en-US" dirty="0"/>
+              <a:t>文件。</a:t>
+            </a:r>
+            <a:endParaRPr lang="en-US" altLang="zh-CN" dirty="0"/>
+          </a:p>
+          <a:p>
+            <a:pPr lvl="1"/>
+            <a:r>
+              <a:rPr lang="zh-CN" altLang="en-US" dirty="0"/>
+              <a:t>独立于模糊测试输入模块，可单独进行修改和调试。</a:t>
+            </a:r>
+            <a:endParaRPr lang="en-US" altLang="zh-CN" dirty="0"/>
+          </a:p>
+          <a:p>
+            <a:pPr lvl="1"/>
+            <a:r>
+              <a:rPr lang="zh-CN" altLang="en-US" dirty="0"/>
+              <a:t>主要涉及的文件：</a:t>
+            </a:r>
+            <a:endParaRPr lang="en-US" altLang="zh-CN" dirty="0"/>
+          </a:p>
+          <a:p>
+            <a:pPr lvl="2"/>
+            <a:r>
+              <a:rPr lang="en-US" altLang="zh-CN" dirty="0"/>
+              <a:t>/core/</a:t>
+            </a:r>
+            <a:r>
+              <a:rPr lang="en-US" altLang="zh-CN" dirty="0" err="1"/>
+              <a:t>vm</a:t>
+            </a:r>
+            <a:r>
+              <a:rPr lang="en-US" altLang="zh-CN" dirty="0"/>
+              <a:t>/</a:t>
+            </a:r>
+            <a:r>
+              <a:rPr lang="en-US" altLang="zh-CN" dirty="0" err="1"/>
+              <a:t>instruction.go</a:t>
+            </a:r>
+            <a:r>
+              <a:rPr lang="en-US" altLang="zh-CN" dirty="0"/>
+              <a:t> </a:t>
+            </a:r>
+            <a:r>
+              <a:rPr lang="zh-CN" altLang="en-US" dirty="0"/>
+              <a:t>关于具体指令的插桩</a:t>
+            </a:r>
+            <a:endParaRPr lang="en-US" altLang="zh-CN" dirty="0"/>
+          </a:p>
+          <a:p>
+            <a:pPr lvl="2"/>
+            <a:r>
+              <a:rPr lang="en-US" altLang="zh-CN" dirty="0"/>
+              <a:t>/core/</a:t>
+            </a:r>
+            <a:r>
+              <a:rPr lang="en-US" altLang="zh-CN" dirty="0" err="1"/>
+              <a:t>vm</a:t>
+            </a:r>
+            <a:r>
+              <a:rPr lang="en-US" altLang="zh-CN" dirty="0"/>
+              <a:t>/</a:t>
+            </a:r>
+            <a:r>
+              <a:rPr lang="en-US" altLang="zh-CN" dirty="0" err="1"/>
+              <a:t>interpreter.go</a:t>
+            </a:r>
+            <a:r>
+              <a:rPr lang="en-US" altLang="zh-CN" dirty="0"/>
+              <a:t> </a:t>
+            </a:r>
+            <a:r>
+              <a:rPr lang="zh-CN" altLang="en-US" dirty="0"/>
+              <a:t>在跳转入口处对指令的综合插桩</a:t>
+            </a:r>
+            <a:endParaRPr lang="en-US" altLang="zh-CN" dirty="0"/>
+          </a:p>
+          <a:p>
+            <a:pPr lvl="2"/>
+            <a:r>
+              <a:rPr lang="en-US" altLang="zh-CN" dirty="0"/>
+              <a:t>/core/</a:t>
+            </a:r>
+            <a:r>
+              <a:rPr lang="en-US" altLang="zh-CN" dirty="0" err="1"/>
+              <a:t>vm</a:t>
+            </a:r>
+            <a:r>
+              <a:rPr lang="en-US" altLang="zh-CN" dirty="0"/>
+              <a:t>/</a:t>
+            </a:r>
+            <a:r>
+              <a:rPr lang="en-US" altLang="zh-CN" dirty="0" err="1"/>
+              <a:t>evm.go</a:t>
+            </a:r>
+            <a:r>
+              <a:rPr lang="en-US" altLang="zh-CN" dirty="0"/>
+              <a:t> </a:t>
+            </a:r>
+            <a:r>
+              <a:rPr lang="zh-CN" altLang="en-US" dirty="0"/>
+              <a:t>针对</a:t>
+            </a:r>
+            <a:r>
+              <a:rPr lang="en-US" altLang="zh-CN" dirty="0"/>
+              <a:t> Call </a:t>
+            </a:r>
+            <a:r>
+              <a:rPr lang="zh-CN" altLang="en-US" dirty="0"/>
+              <a:t>方法的插桩</a:t>
+            </a:r>
+            <a:endParaRPr lang="en-US" altLang="zh-CN" dirty="0"/>
+          </a:p>
+        </p:txBody>
+      </p:sp>
+      <p:sp>
+        <p:nvSpPr>
+          <p:cNvPr id="4" name="灯片编号占位符 3">
+            <a:extLst>
+              <a:ext uri="{FF2B5EF4-FFF2-40B4-BE49-F238E27FC236}">
+                <a16:creationId xmlns:a16="http://schemas.microsoft.com/office/drawing/2014/main" id="{AEB1ADB9-17FB-413A-A7B8-619B53F3645E}"/>
+              </a:ext>
+            </a:extLst>
+          </p:cNvPr>
+          <p:cNvSpPr>
+            <a:spLocks noGrp="1"/>
+          </p:cNvSpPr>
+          <p:nvPr>
+            <p:ph type="sldNum" sz="quarter" idx="12"/>
+          </p:nvPr>
+        </p:nvSpPr>
+        <p:spPr/>
+        <p:txBody>
+          <a:bodyPr/>
+          <a:lstStyle/>
+          <a:p>
+            <a:fld id="{06128CA3-9668-437A-8B46-F616277CD5DC}" type="slidenum">
+              <a:rPr lang="en-US" altLang="zh-CN" smtClean="0"/>
+              <a:pPr/>
+              <a:t>23</a:t>
+            </a:fld>
+            <a:endParaRPr lang="en-US" altLang="zh-CN"/>
+          </a:p>
+        </p:txBody>
+      </p:sp>
+    </p:spTree>
+    <p:extLst>
+      <p:ext uri="{BB962C8B-B14F-4D97-AF65-F5344CB8AC3E}">
+        <p14:creationId xmlns:p14="http://schemas.microsoft.com/office/powerpoint/2010/main" val="1069719440"/>
+      </p:ext>
+    </p:extLst>
+  </p:cSld>
+  <p:clrMapOvr>
+    <a:masterClrMapping/>
+  </p:clrMapOvr>
+</p:sld>
+</file>
+
+<file path=ppt/slides/slide24.xml><?xml version="1.0" encoding="utf-8"?>
+<p:sld xmlns:a="http://schemas.openxmlformats.org/drawingml/2006/main" xmlns:r="http://schemas.openxmlformats.org/officeDocument/2006/relationships" xmlns:p="http://schemas.openxmlformats.org/presentationml/2006/main">
+  <p:cSld>
+    <p:spTree>
+      <p:nvGrpSpPr>
+        <p:cNvPr id="1" name=""/>
+        <p:cNvGrpSpPr/>
+        <p:nvPr/>
+      </p:nvGrpSpPr>
+      <p:grpSpPr>
+        <a:xfrm>
+          <a:off x="0" y="0"/>
+          <a:ext cx="0" cy="0"/>
+          <a:chOff x="0" y="0"/>
+          <a:chExt cx="0" cy="0"/>
+        </a:xfrm>
+      </p:grpSpPr>
+      <p:sp>
+        <p:nvSpPr>
+          <p:cNvPr id="2" name="标题 1">
+            <a:extLst>
+              <a:ext uri="{FF2B5EF4-FFF2-40B4-BE49-F238E27FC236}">
+                <a16:creationId xmlns:a16="http://schemas.microsoft.com/office/drawing/2014/main" id="{D415C78D-1CCE-43B4-8FDC-03CDFA16F720}"/>
+              </a:ext>
+            </a:extLst>
+          </p:cNvPr>
+          <p:cNvSpPr>
+            <a:spLocks noGrp="1"/>
+          </p:cNvSpPr>
+          <p:nvPr>
+            <p:ph type="title"/>
+          </p:nvPr>
+        </p:nvSpPr>
+        <p:spPr/>
+        <p:txBody>
+          <a:bodyPr/>
+          <a:lstStyle/>
+          <a:p>
+            <a:pPr algn="l"/>
+            <a:r>
+              <a:rPr lang="zh-CN" altLang="en-US" sz="3600" dirty="0"/>
+              <a:t>研究成果</a:t>
+            </a:r>
+          </a:p>
+        </p:txBody>
+      </p:sp>
+      <p:sp>
+        <p:nvSpPr>
+          <p:cNvPr id="3" name="内容占位符 2">
+            <a:extLst>
+              <a:ext uri="{FF2B5EF4-FFF2-40B4-BE49-F238E27FC236}">
+                <a16:creationId xmlns:a16="http://schemas.microsoft.com/office/drawing/2014/main" id="{A84A276A-83A1-4CAC-9F37-3A39E5BFB889}"/>
+              </a:ext>
+            </a:extLst>
+          </p:cNvPr>
+          <p:cNvSpPr>
+            <a:spLocks noGrp="1"/>
+          </p:cNvSpPr>
+          <p:nvPr>
+            <p:ph idx="1"/>
+          </p:nvPr>
+        </p:nvSpPr>
+        <p:spPr/>
+        <p:txBody>
+          <a:bodyPr/>
+          <a:lstStyle/>
+          <a:p>
+            <a:r>
+              <a:rPr lang="zh-CN" altLang="en-US" dirty="0"/>
+              <a:t>实现了插桩功能的</a:t>
+            </a:r>
+            <a:r>
+              <a:rPr lang="en-US" altLang="zh-CN" dirty="0" err="1"/>
+              <a:t>geth</a:t>
+            </a:r>
+            <a:r>
+              <a:rPr lang="zh-CN" altLang="en-US" dirty="0"/>
+              <a:t>客户端</a:t>
+            </a:r>
+            <a:endParaRPr lang="en-US" altLang="zh-CN" dirty="0"/>
+          </a:p>
+          <a:p>
+            <a:pPr lvl="1"/>
+            <a:r>
+              <a:rPr lang="zh-CN" altLang="en-US" dirty="0"/>
+              <a:t>针对指令的插桩利用了内置的映射表，用户可以根据需要修改要插桩输出信息的指令。</a:t>
+            </a:r>
+            <a:endParaRPr lang="en-US" altLang="zh-CN" dirty="0"/>
+          </a:p>
+        </p:txBody>
+      </p:sp>
+      <p:sp>
+        <p:nvSpPr>
+          <p:cNvPr id="4" name="灯片编号占位符 3">
+            <a:extLst>
+              <a:ext uri="{FF2B5EF4-FFF2-40B4-BE49-F238E27FC236}">
+                <a16:creationId xmlns:a16="http://schemas.microsoft.com/office/drawing/2014/main" id="{AEB1ADB9-17FB-413A-A7B8-619B53F3645E}"/>
+              </a:ext>
+            </a:extLst>
+          </p:cNvPr>
+          <p:cNvSpPr>
+            <a:spLocks noGrp="1"/>
+          </p:cNvSpPr>
+          <p:nvPr>
+            <p:ph type="sldNum" sz="quarter" idx="12"/>
+          </p:nvPr>
+        </p:nvSpPr>
+        <p:spPr/>
+        <p:txBody>
+          <a:bodyPr/>
+          <a:lstStyle/>
+          <a:p>
+            <a:fld id="{06128CA3-9668-437A-8B46-F616277CD5DC}" type="slidenum">
+              <a:rPr lang="en-US" altLang="zh-CN" smtClean="0"/>
+              <a:pPr/>
+              <a:t>24</a:t>
+            </a:fld>
+            <a:endParaRPr lang="en-US" altLang="zh-CN"/>
+          </a:p>
+        </p:txBody>
+      </p:sp>
+      <p:pic>
+        <p:nvPicPr>
+          <p:cNvPr id="10" name="图片 9">
+            <a:extLst>
+              <a:ext uri="{FF2B5EF4-FFF2-40B4-BE49-F238E27FC236}">
+                <a16:creationId xmlns:a16="http://schemas.microsoft.com/office/drawing/2014/main" id="{8F572020-9E12-4F60-AD81-E5154D7934C7}"/>
+              </a:ext>
+            </a:extLst>
+          </p:cNvPr>
+          <p:cNvPicPr>
+            <a:picLocks noChangeAspect="1"/>
+          </p:cNvPicPr>
+          <p:nvPr/>
+        </p:nvPicPr>
+        <p:blipFill>
+          <a:blip r:embed="rId3"/>
+          <a:stretch>
+            <a:fillRect/>
+          </a:stretch>
+        </p:blipFill>
+        <p:spPr>
+          <a:xfrm>
+            <a:off x="1803748" y="3041098"/>
+            <a:ext cx="5536503" cy="2196823"/>
+          </a:xfrm>
+          <a:prstGeom prst="rect">
+            <a:avLst/>
+          </a:prstGeom>
+        </p:spPr>
+      </p:pic>
+    </p:spTree>
+    <p:extLst>
+      <p:ext uri="{BB962C8B-B14F-4D97-AF65-F5344CB8AC3E}">
+        <p14:creationId xmlns:p14="http://schemas.microsoft.com/office/powerpoint/2010/main" val="1381113637"/>
+      </p:ext>
+    </p:extLst>
+  </p:cSld>
+  <p:clrMapOvr>
+    <a:masterClrMapping/>
+  </p:clrMapOvr>
+</p:sld>
+</file>
+
+<file path=ppt/slides/slide25.xml><?xml version="1.0" encoding="utf-8"?>
+<p:sld xmlns:a="http://schemas.openxmlformats.org/drawingml/2006/main" xmlns:r="http://schemas.openxmlformats.org/officeDocument/2006/relationships" xmlns:p="http://schemas.openxmlformats.org/presentationml/2006/main">
+  <p:cSld>
+    <p:spTree>
+      <p:nvGrpSpPr>
+        <p:cNvPr id="1" name=""/>
+        <p:cNvGrpSpPr/>
+        <p:nvPr/>
+      </p:nvGrpSpPr>
+      <p:grpSpPr>
+        <a:xfrm>
+          <a:off x="0" y="0"/>
+          <a:ext cx="0" cy="0"/>
+          <a:chOff x="0" y="0"/>
+          <a:chExt cx="0" cy="0"/>
+        </a:xfrm>
+      </p:grpSpPr>
+      <p:sp>
+        <p:nvSpPr>
+          <p:cNvPr id="2" name="标题 1">
+            <a:extLst>
+              <a:ext uri="{FF2B5EF4-FFF2-40B4-BE49-F238E27FC236}">
+                <a16:creationId xmlns:a16="http://schemas.microsoft.com/office/drawing/2014/main" id="{D415C78D-1CCE-43B4-8FDC-03CDFA16F720}"/>
+              </a:ext>
+            </a:extLst>
+          </p:cNvPr>
+          <p:cNvSpPr>
+            <a:spLocks noGrp="1"/>
+          </p:cNvSpPr>
+          <p:nvPr>
+            <p:ph type="title"/>
+          </p:nvPr>
+        </p:nvSpPr>
+        <p:spPr/>
+        <p:txBody>
+          <a:bodyPr/>
+          <a:lstStyle/>
+          <a:p>
+            <a:pPr algn="l"/>
+            <a:r>
+              <a:rPr lang="zh-CN" altLang="en-US" sz="3600" dirty="0"/>
+              <a:t>研究成果</a:t>
+            </a:r>
+          </a:p>
+        </p:txBody>
+      </p:sp>
+      <p:sp>
+        <p:nvSpPr>
+          <p:cNvPr id="3" name="内容占位符 2">
+            <a:extLst>
+              <a:ext uri="{FF2B5EF4-FFF2-40B4-BE49-F238E27FC236}">
+                <a16:creationId xmlns:a16="http://schemas.microsoft.com/office/drawing/2014/main" id="{A84A276A-83A1-4CAC-9F37-3A39E5BFB889}"/>
+              </a:ext>
+            </a:extLst>
+          </p:cNvPr>
+          <p:cNvSpPr>
+            <a:spLocks noGrp="1"/>
+          </p:cNvSpPr>
+          <p:nvPr>
+            <p:ph idx="1"/>
+          </p:nvPr>
+        </p:nvSpPr>
+        <p:spPr/>
+        <p:txBody>
+          <a:bodyPr/>
+          <a:lstStyle/>
+          <a:p>
+            <a:r>
+              <a:rPr lang="zh-CN" altLang="en-US" dirty="0"/>
+              <a:t>可根据输出反馈生成模糊输入、调用合约各个函数进行测试的</a:t>
+            </a:r>
+            <a:r>
+              <a:rPr lang="en-US" altLang="zh-CN" dirty="0"/>
+              <a:t>Golang</a:t>
+            </a:r>
+            <a:r>
+              <a:rPr lang="zh-CN" altLang="en-US" dirty="0"/>
+              <a:t>工具</a:t>
+            </a:r>
+            <a:endParaRPr lang="en-US" altLang="zh-CN" dirty="0"/>
+          </a:p>
+          <a:p>
+            <a:pPr lvl="1"/>
+            <a:r>
+              <a:rPr lang="zh-CN" altLang="en-US" dirty="0"/>
+              <a:t>通过</a:t>
+            </a:r>
+            <a:r>
+              <a:rPr lang="en-US" altLang="zh-CN" dirty="0"/>
+              <a:t>RPC</a:t>
+            </a:r>
+            <a:r>
+              <a:rPr lang="zh-CN" altLang="en-US" dirty="0"/>
+              <a:t>方式，在</a:t>
+            </a:r>
+            <a:r>
+              <a:rPr lang="en-US" altLang="zh-CN" dirty="0"/>
+              <a:t>go</a:t>
+            </a:r>
+            <a:r>
+              <a:rPr lang="zh-CN" altLang="en-US" dirty="0"/>
+              <a:t>程序上对</a:t>
+            </a:r>
+            <a:r>
+              <a:rPr lang="en-US" altLang="zh-CN" dirty="0" err="1"/>
+              <a:t>geth</a:t>
+            </a:r>
+            <a:r>
+              <a:rPr lang="zh-CN" altLang="en-US" dirty="0"/>
+              <a:t>客户端实现调用，而不需要经过</a:t>
+            </a:r>
+            <a:r>
+              <a:rPr lang="en-US" altLang="zh-CN" dirty="0" err="1"/>
+              <a:t>geth</a:t>
+            </a:r>
+            <a:r>
+              <a:rPr lang="zh-CN" altLang="en-US" dirty="0"/>
+              <a:t>的控制台。</a:t>
+            </a:r>
+            <a:endParaRPr lang="en-US" altLang="zh-CN" dirty="0"/>
+          </a:p>
+          <a:p>
+            <a:pPr lvl="1"/>
+            <a:endParaRPr lang="en-US" altLang="zh-CN" dirty="0"/>
+          </a:p>
+        </p:txBody>
+      </p:sp>
+      <p:sp>
+        <p:nvSpPr>
+          <p:cNvPr id="4" name="灯片编号占位符 3">
+            <a:extLst>
+              <a:ext uri="{FF2B5EF4-FFF2-40B4-BE49-F238E27FC236}">
+                <a16:creationId xmlns:a16="http://schemas.microsoft.com/office/drawing/2014/main" id="{AEB1ADB9-17FB-413A-A7B8-619B53F3645E}"/>
+              </a:ext>
+            </a:extLst>
+          </p:cNvPr>
+          <p:cNvSpPr>
+            <a:spLocks noGrp="1"/>
+          </p:cNvSpPr>
+          <p:nvPr>
+            <p:ph type="sldNum" sz="quarter" idx="12"/>
+          </p:nvPr>
+        </p:nvSpPr>
+        <p:spPr/>
+        <p:txBody>
+          <a:bodyPr/>
+          <a:lstStyle/>
+          <a:p>
+            <a:fld id="{06128CA3-9668-437A-8B46-F616277CD5DC}" type="slidenum">
+              <a:rPr lang="en-US" altLang="zh-CN" smtClean="0"/>
+              <a:pPr/>
+              <a:t>25</a:t>
+            </a:fld>
+            <a:endParaRPr lang="en-US" altLang="zh-CN"/>
+          </a:p>
+        </p:txBody>
+      </p:sp>
+      <p:pic>
+        <p:nvPicPr>
+          <p:cNvPr id="6" name="图片 5">
+            <a:extLst>
+              <a:ext uri="{FF2B5EF4-FFF2-40B4-BE49-F238E27FC236}">
+                <a16:creationId xmlns:a16="http://schemas.microsoft.com/office/drawing/2014/main" id="{52E69976-FE13-4814-BE6E-19553D321DE6}"/>
+              </a:ext>
+            </a:extLst>
+          </p:cNvPr>
+          <p:cNvPicPr>
+            <a:picLocks noChangeAspect="1"/>
+          </p:cNvPicPr>
+          <p:nvPr/>
+        </p:nvPicPr>
+        <p:blipFill>
+          <a:blip r:embed="rId3"/>
+          <a:stretch>
+            <a:fillRect/>
+          </a:stretch>
+        </p:blipFill>
+        <p:spPr>
+          <a:xfrm>
+            <a:off x="2203828" y="3247395"/>
+            <a:ext cx="5502006" cy="1592961"/>
+          </a:xfrm>
+          <a:prstGeom prst="rect">
+            <a:avLst/>
+          </a:prstGeom>
+        </p:spPr>
+      </p:pic>
+    </p:spTree>
+    <p:extLst>
+      <p:ext uri="{BB962C8B-B14F-4D97-AF65-F5344CB8AC3E}">
+        <p14:creationId xmlns:p14="http://schemas.microsoft.com/office/powerpoint/2010/main" val="2341834712"/>
+      </p:ext>
+    </p:extLst>
+  </p:cSld>
+  <p:clrMapOvr>
+    <a:masterClrMapping/>
+  </p:clrMapOvr>
+</p:sld>
+</file>
+
+<file path=ppt/slides/slide26.xml><?xml version="1.0" encoding="utf-8"?>
+<p:sld xmlns:a="http://schemas.openxmlformats.org/drawingml/2006/main" xmlns:r="http://schemas.openxmlformats.org/officeDocument/2006/relationships" xmlns:p="http://schemas.openxmlformats.org/presentationml/2006/main">
+  <p:cSld>
+    <p:spTree>
+      <p:nvGrpSpPr>
+        <p:cNvPr id="1" name=""/>
+        <p:cNvGrpSpPr/>
+        <p:nvPr/>
+      </p:nvGrpSpPr>
+      <p:grpSpPr>
+        <a:xfrm>
+          <a:off x="0" y="0"/>
+          <a:ext cx="0" cy="0"/>
+          <a:chOff x="0" y="0"/>
+          <a:chExt cx="0" cy="0"/>
+        </a:xfrm>
+      </p:grpSpPr>
+      <p:sp>
+        <p:nvSpPr>
+          <p:cNvPr id="2" name="标题 1">
+            <a:extLst>
+              <a:ext uri="{FF2B5EF4-FFF2-40B4-BE49-F238E27FC236}">
+                <a16:creationId xmlns:a16="http://schemas.microsoft.com/office/drawing/2014/main" id="{D415C78D-1CCE-43B4-8FDC-03CDFA16F720}"/>
+              </a:ext>
+            </a:extLst>
+          </p:cNvPr>
+          <p:cNvSpPr>
+            <a:spLocks noGrp="1"/>
+          </p:cNvSpPr>
+          <p:nvPr>
+            <p:ph type="title"/>
+          </p:nvPr>
+        </p:nvSpPr>
+        <p:spPr/>
+        <p:txBody>
+          <a:bodyPr/>
+          <a:lstStyle/>
+          <a:p>
+            <a:pPr algn="l"/>
+            <a:r>
+              <a:rPr lang="zh-CN" altLang="en-US" sz="3600" dirty="0"/>
+              <a:t>研究成果</a:t>
+            </a:r>
+          </a:p>
+        </p:txBody>
+      </p:sp>
+      <p:sp>
+        <p:nvSpPr>
+          <p:cNvPr id="3" name="内容占位符 2">
+            <a:extLst>
+              <a:ext uri="{FF2B5EF4-FFF2-40B4-BE49-F238E27FC236}">
+                <a16:creationId xmlns:a16="http://schemas.microsoft.com/office/drawing/2014/main" id="{A84A276A-83A1-4CAC-9F37-3A39E5BFB889}"/>
+              </a:ext>
+            </a:extLst>
+          </p:cNvPr>
+          <p:cNvSpPr>
+            <a:spLocks noGrp="1"/>
+          </p:cNvSpPr>
+          <p:nvPr>
+            <p:ph idx="1"/>
+          </p:nvPr>
+        </p:nvSpPr>
+        <p:spPr/>
+        <p:txBody>
+          <a:bodyPr/>
+          <a:lstStyle/>
+          <a:p>
+            <a:r>
+              <a:rPr lang="zh-CN" altLang="en-US" dirty="0"/>
+              <a:t>可根据输出反馈生成模糊输入、调用合约各个函数进行测试的</a:t>
+            </a:r>
+            <a:r>
+              <a:rPr lang="en-US" altLang="zh-CN" dirty="0"/>
+              <a:t>Golang</a:t>
+            </a:r>
+            <a:r>
+              <a:rPr lang="zh-CN" altLang="en-US" dirty="0"/>
+              <a:t>工具</a:t>
+            </a:r>
+            <a:endParaRPr lang="en-US" altLang="zh-CN" dirty="0"/>
+          </a:p>
+          <a:p>
+            <a:pPr lvl="1"/>
+            <a:r>
+              <a:rPr lang="zh-CN" altLang="en-US" dirty="0"/>
+              <a:t>根据指引，用户填写</a:t>
+            </a:r>
+            <a:r>
+              <a:rPr lang="en-US" altLang="zh-CN" dirty="0" err="1"/>
+              <a:t>abi</a:t>
+            </a:r>
+            <a:r>
+              <a:rPr lang="zh-CN" altLang="en-US" dirty="0"/>
+              <a:t>文件的路径和合约地址。</a:t>
+            </a:r>
+            <a:endParaRPr lang="en-US" altLang="zh-CN" dirty="0"/>
+          </a:p>
+        </p:txBody>
+      </p:sp>
+      <p:sp>
+        <p:nvSpPr>
+          <p:cNvPr id="4" name="灯片编号占位符 3">
+            <a:extLst>
+              <a:ext uri="{FF2B5EF4-FFF2-40B4-BE49-F238E27FC236}">
+                <a16:creationId xmlns:a16="http://schemas.microsoft.com/office/drawing/2014/main" id="{AEB1ADB9-17FB-413A-A7B8-619B53F3645E}"/>
+              </a:ext>
+            </a:extLst>
+          </p:cNvPr>
+          <p:cNvSpPr>
+            <a:spLocks noGrp="1"/>
+          </p:cNvSpPr>
+          <p:nvPr>
+            <p:ph type="sldNum" sz="quarter" idx="12"/>
+          </p:nvPr>
+        </p:nvSpPr>
+        <p:spPr/>
+        <p:txBody>
+          <a:bodyPr/>
+          <a:lstStyle/>
+          <a:p>
+            <a:fld id="{06128CA3-9668-437A-8B46-F616277CD5DC}" type="slidenum">
+              <a:rPr lang="en-US" altLang="zh-CN" smtClean="0"/>
+              <a:pPr/>
+              <a:t>26</a:t>
+            </a:fld>
+            <a:endParaRPr lang="en-US" altLang="zh-CN"/>
+          </a:p>
+        </p:txBody>
+      </p:sp>
+      <p:pic>
+        <p:nvPicPr>
+          <p:cNvPr id="7" name="图片 6">
+            <a:extLst>
+              <a:ext uri="{FF2B5EF4-FFF2-40B4-BE49-F238E27FC236}">
+                <a16:creationId xmlns:a16="http://schemas.microsoft.com/office/drawing/2014/main" id="{C9CCDDE9-181C-417A-8164-0D6481BD7A77}"/>
+              </a:ext>
+            </a:extLst>
+          </p:cNvPr>
+          <p:cNvPicPr>
+            <a:picLocks noChangeAspect="1"/>
+          </p:cNvPicPr>
+          <p:nvPr/>
+        </p:nvPicPr>
+        <p:blipFill>
+          <a:blip r:embed="rId3"/>
+          <a:stretch>
+            <a:fillRect/>
+          </a:stretch>
+        </p:blipFill>
+        <p:spPr>
+          <a:xfrm>
+            <a:off x="1737189" y="2843802"/>
+            <a:ext cx="5669622" cy="3155906"/>
+          </a:xfrm>
+          <a:prstGeom prst="rect">
+            <a:avLst/>
+          </a:prstGeom>
+        </p:spPr>
+      </p:pic>
+    </p:spTree>
+    <p:extLst>
+      <p:ext uri="{BB962C8B-B14F-4D97-AF65-F5344CB8AC3E}">
+        <p14:creationId xmlns:p14="http://schemas.microsoft.com/office/powerpoint/2010/main" val="2839529895"/>
+      </p:ext>
+    </p:extLst>
+  </p:cSld>
+  <p:clrMapOvr>
+    <a:masterClrMapping/>
+  </p:clrMapOvr>
+</p:sld>
+</file>
+
+<file path=ppt/slides/slide27.xml><?xml version="1.0" encoding="utf-8"?>
+<p:sld xmlns:a="http://schemas.openxmlformats.org/drawingml/2006/main" xmlns:r="http://schemas.openxmlformats.org/officeDocument/2006/relationships" xmlns:p="http://schemas.openxmlformats.org/presentationml/2006/main">
+  <p:cSld>
+    <p:spTree>
+      <p:nvGrpSpPr>
+        <p:cNvPr id="1" name=""/>
+        <p:cNvGrpSpPr/>
+        <p:nvPr/>
+      </p:nvGrpSpPr>
+      <p:grpSpPr>
+        <a:xfrm>
+          <a:off x="0" y="0"/>
+          <a:ext cx="0" cy="0"/>
+          <a:chOff x="0" y="0"/>
+          <a:chExt cx="0" cy="0"/>
+        </a:xfrm>
+      </p:grpSpPr>
+      <p:sp>
+        <p:nvSpPr>
+          <p:cNvPr id="2" name="标题 1">
+            <a:extLst>
+              <a:ext uri="{FF2B5EF4-FFF2-40B4-BE49-F238E27FC236}">
+                <a16:creationId xmlns:a16="http://schemas.microsoft.com/office/drawing/2014/main" id="{D415C78D-1CCE-43B4-8FDC-03CDFA16F720}"/>
+              </a:ext>
+            </a:extLst>
+          </p:cNvPr>
+          <p:cNvSpPr>
+            <a:spLocks noGrp="1"/>
+          </p:cNvSpPr>
+          <p:nvPr>
+            <p:ph type="title"/>
+          </p:nvPr>
+        </p:nvSpPr>
+        <p:spPr/>
+        <p:txBody>
+          <a:bodyPr/>
+          <a:lstStyle/>
+          <a:p>
+            <a:pPr algn="l"/>
+            <a:r>
+              <a:rPr lang="zh-CN" altLang="en-US" sz="3600" dirty="0"/>
+              <a:t>研究成果</a:t>
+            </a:r>
+          </a:p>
+        </p:txBody>
+      </p:sp>
+      <p:sp>
+        <p:nvSpPr>
+          <p:cNvPr id="3" name="内容占位符 2">
+            <a:extLst>
+              <a:ext uri="{FF2B5EF4-FFF2-40B4-BE49-F238E27FC236}">
+                <a16:creationId xmlns:a16="http://schemas.microsoft.com/office/drawing/2014/main" id="{A84A276A-83A1-4CAC-9F37-3A39E5BFB889}"/>
+              </a:ext>
+            </a:extLst>
+          </p:cNvPr>
+          <p:cNvSpPr>
+            <a:spLocks noGrp="1"/>
+          </p:cNvSpPr>
+          <p:nvPr>
+            <p:ph idx="1"/>
+          </p:nvPr>
+        </p:nvSpPr>
+        <p:spPr/>
+        <p:txBody>
+          <a:bodyPr/>
+          <a:lstStyle/>
+          <a:p>
+            <a:r>
+              <a:rPr lang="zh-CN" altLang="en-US" dirty="0"/>
+              <a:t>可根据输出反馈生成模糊输入、调用合约各个函数进行测试的</a:t>
+            </a:r>
+            <a:r>
+              <a:rPr lang="en-US" altLang="zh-CN" dirty="0"/>
+              <a:t>Golang</a:t>
+            </a:r>
+            <a:r>
+              <a:rPr lang="zh-CN" altLang="en-US" dirty="0"/>
+              <a:t>工具</a:t>
+            </a:r>
+            <a:endParaRPr lang="en-US" altLang="zh-CN" dirty="0"/>
+          </a:p>
+          <a:p>
+            <a:pPr lvl="1"/>
+            <a:r>
+              <a:rPr lang="zh-CN" altLang="en-US" dirty="0"/>
+              <a:t>启动程序，开始对合约的各个函数进行调用，交易信息展示在控制台上。</a:t>
+            </a:r>
+            <a:endParaRPr lang="en-US" altLang="zh-CN" dirty="0"/>
+          </a:p>
+        </p:txBody>
+      </p:sp>
+      <p:sp>
+        <p:nvSpPr>
+          <p:cNvPr id="4" name="灯片编号占位符 3">
+            <a:extLst>
+              <a:ext uri="{FF2B5EF4-FFF2-40B4-BE49-F238E27FC236}">
+                <a16:creationId xmlns:a16="http://schemas.microsoft.com/office/drawing/2014/main" id="{AEB1ADB9-17FB-413A-A7B8-619B53F3645E}"/>
+              </a:ext>
+            </a:extLst>
+          </p:cNvPr>
+          <p:cNvSpPr>
+            <a:spLocks noGrp="1"/>
+          </p:cNvSpPr>
+          <p:nvPr>
+            <p:ph type="sldNum" sz="quarter" idx="12"/>
+          </p:nvPr>
+        </p:nvSpPr>
+        <p:spPr/>
+        <p:txBody>
+          <a:bodyPr/>
+          <a:lstStyle/>
+          <a:p>
+            <a:fld id="{06128CA3-9668-437A-8B46-F616277CD5DC}" type="slidenum">
+              <a:rPr lang="en-US" altLang="zh-CN" smtClean="0"/>
+              <a:pPr/>
+              <a:t>27</a:t>
+            </a:fld>
+            <a:endParaRPr lang="en-US" altLang="zh-CN"/>
+          </a:p>
+        </p:txBody>
+      </p:sp>
+      <p:pic>
+        <p:nvPicPr>
+          <p:cNvPr id="6" name="图片 5">
+            <a:extLst>
+              <a:ext uri="{FF2B5EF4-FFF2-40B4-BE49-F238E27FC236}">
+                <a16:creationId xmlns:a16="http://schemas.microsoft.com/office/drawing/2014/main" id="{03144233-F347-46DB-8773-C86CF791D14D}"/>
+              </a:ext>
+            </a:extLst>
+          </p:cNvPr>
+          <p:cNvPicPr/>
+          <p:nvPr/>
+        </p:nvPicPr>
+        <p:blipFill>
+          <a:blip r:embed="rId3"/>
+          <a:stretch>
+            <a:fillRect/>
+          </a:stretch>
+        </p:blipFill>
+        <p:spPr>
+          <a:xfrm>
+            <a:off x="533400" y="3006303"/>
+            <a:ext cx="2796640" cy="3006871"/>
+          </a:xfrm>
+          <a:prstGeom prst="rect">
+            <a:avLst/>
+          </a:prstGeom>
+          <a:solidFill>
+            <a:srgbClr val="FFFFFF">
+              <a:shade val="85000"/>
+            </a:srgbClr>
+          </a:solidFill>
+          <a:ln w="88900" cap="sq">
+            <a:solidFill>
+              <a:srgbClr val="FFFFFF"/>
+            </a:solidFill>
+            <a:miter lim="800000"/>
+          </a:ln>
+          <a:effectLst>
+            <a:outerShdw blurRad="55000" dist="18000" dir="5400000" algn="tl" rotWithShape="0">
+              <a:srgbClr val="000000">
+                <a:alpha val="40000"/>
+              </a:srgbClr>
+            </a:outerShdw>
+          </a:effectLst>
+          <a:scene3d>
+            <a:camera prst="orthographicFront"/>
+            <a:lightRig rig="twoPt" dir="t">
+              <a:rot lat="0" lon="0" rev="7200000"/>
+            </a:lightRig>
+          </a:scene3d>
+          <a:sp3d>
+            <a:bevelT w="25400" h="19050"/>
+            <a:contourClr>
+              <a:srgbClr val="FFFFFF"/>
+            </a:contourClr>
+          </a:sp3d>
+        </p:spPr>
+      </p:pic>
+      <p:pic>
+        <p:nvPicPr>
+          <p:cNvPr id="9" name="图片 8">
+            <a:extLst>
+              <a:ext uri="{FF2B5EF4-FFF2-40B4-BE49-F238E27FC236}">
+                <a16:creationId xmlns:a16="http://schemas.microsoft.com/office/drawing/2014/main" id="{D4F3DBFB-8B34-40B8-B07E-F645046F713B}"/>
+              </a:ext>
+            </a:extLst>
+          </p:cNvPr>
+          <p:cNvPicPr>
+            <a:picLocks noChangeAspect="1"/>
+          </p:cNvPicPr>
+          <p:nvPr/>
+        </p:nvPicPr>
+        <p:blipFill>
+          <a:blip r:embed="rId4"/>
+          <a:stretch>
+            <a:fillRect/>
+          </a:stretch>
+        </p:blipFill>
+        <p:spPr>
+          <a:xfrm>
+            <a:off x="2773495" y="3278486"/>
+            <a:ext cx="6058387" cy="2462504"/>
+          </a:xfrm>
+          <a:prstGeom prst="rect">
+            <a:avLst/>
+          </a:prstGeom>
+          <a:solidFill>
+            <a:srgbClr val="FFFFFF">
+              <a:shade val="85000"/>
+            </a:srgbClr>
+          </a:solidFill>
+          <a:ln w="88900" cap="sq">
+            <a:solidFill>
+              <a:srgbClr val="FFFFFF"/>
+            </a:solidFill>
+            <a:miter lim="800000"/>
+          </a:ln>
+          <a:effectLst>
+            <a:outerShdw blurRad="55000" dist="18000" dir="5400000" algn="tl" rotWithShape="0">
+              <a:srgbClr val="000000">
+                <a:alpha val="40000"/>
+              </a:srgbClr>
+            </a:outerShdw>
+          </a:effectLst>
+          <a:scene3d>
+            <a:camera prst="orthographicFront"/>
+            <a:lightRig rig="twoPt" dir="t">
+              <a:rot lat="0" lon="0" rev="7200000"/>
+            </a:lightRig>
+          </a:scene3d>
+          <a:sp3d>
+            <a:bevelT w="25400" h="19050"/>
+            <a:contourClr>
+              <a:srgbClr val="FFFFFF"/>
+            </a:contourClr>
+          </a:sp3d>
+        </p:spPr>
+      </p:pic>
+    </p:spTree>
+    <p:extLst>
+      <p:ext uri="{BB962C8B-B14F-4D97-AF65-F5344CB8AC3E}">
+        <p14:creationId xmlns:p14="http://schemas.microsoft.com/office/powerpoint/2010/main" val="1601154053"/>
+      </p:ext>
+    </p:extLst>
+  </p:cSld>
+  <p:clrMapOvr>
+    <a:masterClrMapping/>
+  </p:clrMapOvr>
+</p:sld>
+</file>
+
+<file path=ppt/slides/slide28.xml><?xml version="1.0" encoding="utf-8"?>
+<p:sld xmlns:a="http://schemas.openxmlformats.org/drawingml/2006/main" xmlns:r="http://schemas.openxmlformats.org/officeDocument/2006/relationships" xmlns:p="http://schemas.openxmlformats.org/presentationml/2006/main">
+  <p:cSld>
+    <p:spTree>
+      <p:nvGrpSpPr>
+        <p:cNvPr id="1" name=""/>
+        <p:cNvGrpSpPr/>
+        <p:nvPr/>
+      </p:nvGrpSpPr>
+      <p:grpSpPr>
+        <a:xfrm>
+          <a:off x="0" y="0"/>
+          <a:ext cx="0" cy="0"/>
+          <a:chOff x="0" y="0"/>
+          <a:chExt cx="0" cy="0"/>
+        </a:xfrm>
+      </p:grpSpPr>
+      <p:sp>
+        <p:nvSpPr>
+          <p:cNvPr id="2" name="标题 1">
+            <a:extLst>
+              <a:ext uri="{FF2B5EF4-FFF2-40B4-BE49-F238E27FC236}">
+                <a16:creationId xmlns:a16="http://schemas.microsoft.com/office/drawing/2014/main" id="{D415C78D-1CCE-43B4-8FDC-03CDFA16F720}"/>
+              </a:ext>
+            </a:extLst>
+          </p:cNvPr>
+          <p:cNvSpPr>
+            <a:spLocks noGrp="1"/>
+          </p:cNvSpPr>
+          <p:nvPr>
+            <p:ph type="title"/>
+          </p:nvPr>
+        </p:nvSpPr>
+        <p:spPr/>
+        <p:txBody>
+          <a:bodyPr/>
+          <a:lstStyle/>
+          <a:p>
+            <a:pPr algn="l"/>
+            <a:r>
+              <a:rPr lang="zh-CN" altLang="en-US" sz="3600" dirty="0"/>
+              <a:t>研究成果</a:t>
+            </a:r>
+          </a:p>
+        </p:txBody>
+      </p:sp>
+      <p:sp>
+        <p:nvSpPr>
+          <p:cNvPr id="3" name="内容占位符 2">
+            <a:extLst>
+              <a:ext uri="{FF2B5EF4-FFF2-40B4-BE49-F238E27FC236}">
+                <a16:creationId xmlns:a16="http://schemas.microsoft.com/office/drawing/2014/main" id="{A84A276A-83A1-4CAC-9F37-3A39E5BFB889}"/>
+              </a:ext>
+            </a:extLst>
+          </p:cNvPr>
+          <p:cNvSpPr>
+            <a:spLocks noGrp="1"/>
+          </p:cNvSpPr>
+          <p:nvPr>
+            <p:ph idx="1"/>
+          </p:nvPr>
+        </p:nvSpPr>
+        <p:spPr/>
+        <p:txBody>
+          <a:bodyPr/>
+          <a:lstStyle/>
+          <a:p>
+            <a:r>
+              <a:rPr lang="zh-CN" altLang="en-US" dirty="0"/>
+              <a:t>可根据输出反馈生成模糊输入、调用合约各个函数进行测试的</a:t>
+            </a:r>
+            <a:r>
+              <a:rPr lang="en-US" altLang="zh-CN" dirty="0"/>
+              <a:t>Golang</a:t>
+            </a:r>
+            <a:r>
+              <a:rPr lang="zh-CN" altLang="en-US" dirty="0"/>
+              <a:t>工具</a:t>
+            </a:r>
+            <a:endParaRPr lang="en-US" altLang="zh-CN" dirty="0"/>
+          </a:p>
+          <a:p>
+            <a:pPr lvl="1"/>
+            <a:r>
+              <a:rPr lang="zh-CN" altLang="en-US" dirty="0"/>
+              <a:t>模糊输入的生成借助外部模块生成，用户可以定制变异方法。</a:t>
+            </a:r>
+            <a:endParaRPr lang="en-US" altLang="zh-CN" dirty="0"/>
+          </a:p>
+        </p:txBody>
+      </p:sp>
+      <p:sp>
+        <p:nvSpPr>
+          <p:cNvPr id="4" name="灯片编号占位符 3">
+            <a:extLst>
+              <a:ext uri="{FF2B5EF4-FFF2-40B4-BE49-F238E27FC236}">
+                <a16:creationId xmlns:a16="http://schemas.microsoft.com/office/drawing/2014/main" id="{AEB1ADB9-17FB-413A-A7B8-619B53F3645E}"/>
+              </a:ext>
+            </a:extLst>
+          </p:cNvPr>
+          <p:cNvSpPr>
+            <a:spLocks noGrp="1"/>
+          </p:cNvSpPr>
+          <p:nvPr>
+            <p:ph type="sldNum" sz="quarter" idx="12"/>
+          </p:nvPr>
+        </p:nvSpPr>
+        <p:spPr/>
+        <p:txBody>
+          <a:bodyPr/>
+          <a:lstStyle/>
+          <a:p>
+            <a:fld id="{06128CA3-9668-437A-8B46-F616277CD5DC}" type="slidenum">
+              <a:rPr lang="en-US" altLang="zh-CN" smtClean="0"/>
+              <a:pPr/>
+              <a:t>28</a:t>
+            </a:fld>
+            <a:endParaRPr lang="en-US" altLang="zh-CN"/>
+          </a:p>
+        </p:txBody>
+      </p:sp>
+      <p:pic>
+        <p:nvPicPr>
+          <p:cNvPr id="12" name="图片 11">
+            <a:extLst>
+              <a:ext uri="{FF2B5EF4-FFF2-40B4-BE49-F238E27FC236}">
+                <a16:creationId xmlns:a16="http://schemas.microsoft.com/office/drawing/2014/main" id="{E8AC6602-1C9D-4B5C-BE85-C9609550D8E8}"/>
+              </a:ext>
+            </a:extLst>
+          </p:cNvPr>
+          <p:cNvPicPr>
+            <a:picLocks noChangeAspect="1"/>
+          </p:cNvPicPr>
+          <p:nvPr/>
+        </p:nvPicPr>
+        <p:blipFill>
+          <a:blip r:embed="rId3"/>
+          <a:stretch>
+            <a:fillRect/>
+          </a:stretch>
+        </p:blipFill>
+        <p:spPr>
+          <a:xfrm>
+            <a:off x="893964" y="2805512"/>
+            <a:ext cx="3866880" cy="3479401"/>
+          </a:xfrm>
+          <a:prstGeom prst="rect">
+            <a:avLst/>
+          </a:prstGeom>
+          <a:solidFill>
+            <a:srgbClr val="FFFFFF">
+              <a:shade val="85000"/>
+            </a:srgbClr>
+          </a:solidFill>
+          <a:ln w="88900" cap="sq">
+            <a:solidFill>
+              <a:srgbClr val="FFFFFF"/>
+            </a:solidFill>
+            <a:miter lim="800000"/>
+          </a:ln>
+          <a:effectLst>
+            <a:outerShdw blurRad="55000" dist="18000" dir="5400000" algn="tl" rotWithShape="0">
+              <a:srgbClr val="000000">
+                <a:alpha val="40000"/>
+              </a:srgbClr>
+            </a:outerShdw>
+          </a:effectLst>
+          <a:scene3d>
+            <a:camera prst="orthographicFront"/>
+            <a:lightRig rig="twoPt" dir="t">
+              <a:rot lat="0" lon="0" rev="7200000"/>
+            </a:lightRig>
+          </a:scene3d>
+          <a:sp3d>
+            <a:bevelT w="25400" h="19050"/>
+            <a:contourClr>
+              <a:srgbClr val="FFFFFF"/>
+            </a:contourClr>
+          </a:sp3d>
+        </p:spPr>
+      </p:pic>
+      <p:pic>
+        <p:nvPicPr>
+          <p:cNvPr id="7" name="图片 6">
+            <a:extLst>
+              <a:ext uri="{FF2B5EF4-FFF2-40B4-BE49-F238E27FC236}">
+                <a16:creationId xmlns:a16="http://schemas.microsoft.com/office/drawing/2014/main" id="{79F01BE7-4D6C-4BED-A5BF-7D456D050157}"/>
+              </a:ext>
+            </a:extLst>
+          </p:cNvPr>
+          <p:cNvPicPr>
+            <a:picLocks noChangeAspect="1"/>
+          </p:cNvPicPr>
+          <p:nvPr/>
+        </p:nvPicPr>
+        <p:blipFill>
+          <a:blip r:embed="rId4"/>
+          <a:stretch>
+            <a:fillRect/>
+          </a:stretch>
+        </p:blipFill>
+        <p:spPr>
+          <a:xfrm>
+            <a:off x="4572000" y="3429000"/>
+            <a:ext cx="4302176" cy="2204353"/>
+          </a:xfrm>
+          <a:prstGeom prst="rect">
+            <a:avLst/>
+          </a:prstGeom>
+          <a:solidFill>
+            <a:srgbClr val="FFFFFF">
+              <a:shade val="85000"/>
+            </a:srgbClr>
+          </a:solidFill>
+          <a:ln w="88900" cap="sq">
+            <a:solidFill>
+              <a:srgbClr val="FFFFFF"/>
+            </a:solidFill>
+            <a:miter lim="800000"/>
+          </a:ln>
+          <a:effectLst>
+            <a:outerShdw blurRad="55000" dist="18000" dir="5400000" algn="tl" rotWithShape="0">
+              <a:srgbClr val="000000">
+                <a:alpha val="40000"/>
+              </a:srgbClr>
+            </a:outerShdw>
+          </a:effectLst>
+          <a:scene3d>
+            <a:camera prst="orthographicFront"/>
+            <a:lightRig rig="twoPt" dir="t">
+              <a:rot lat="0" lon="0" rev="7200000"/>
+            </a:lightRig>
+          </a:scene3d>
+          <a:sp3d>
+            <a:bevelT w="25400" h="19050"/>
+            <a:contourClr>
+              <a:srgbClr val="FFFFFF"/>
+            </a:contourClr>
+          </a:sp3d>
+        </p:spPr>
+      </p:pic>
+    </p:spTree>
+    <p:extLst>
+      <p:ext uri="{BB962C8B-B14F-4D97-AF65-F5344CB8AC3E}">
+        <p14:creationId xmlns:p14="http://schemas.microsoft.com/office/powerpoint/2010/main" val="1691968656"/>
+      </p:ext>
+    </p:extLst>
+  </p:cSld>
+  <p:clrMapOvr>
+    <a:masterClrMapping/>
+  </p:clrMapOvr>
+</p:sld>
+</file>
+
+<file path=ppt/slides/slide29.xml><?xml version="1.0" encoding="utf-8"?>
+<p:sld xmlns:a="http://schemas.openxmlformats.org/drawingml/2006/main" xmlns:r="http://schemas.openxmlformats.org/officeDocument/2006/relationships" xmlns:p="http://schemas.openxmlformats.org/presentationml/2006/main">
+  <p:cSld>
+    <p:spTree>
+      <p:nvGrpSpPr>
+        <p:cNvPr id="1" name=""/>
+        <p:cNvGrpSpPr/>
+        <p:nvPr/>
+      </p:nvGrpSpPr>
+      <p:grpSpPr>
+        <a:xfrm>
+          <a:off x="0" y="0"/>
+          <a:ext cx="0" cy="0"/>
+          <a:chOff x="0" y="0"/>
+          <a:chExt cx="0" cy="0"/>
+        </a:xfrm>
+      </p:grpSpPr>
+      <p:sp>
+        <p:nvSpPr>
+          <p:cNvPr id="2" name="标题 1">
+            <a:extLst>
+              <a:ext uri="{FF2B5EF4-FFF2-40B4-BE49-F238E27FC236}">
+                <a16:creationId xmlns:a16="http://schemas.microsoft.com/office/drawing/2014/main" id="{D415C78D-1CCE-43B4-8FDC-03CDFA16F720}"/>
+              </a:ext>
+            </a:extLst>
+          </p:cNvPr>
+          <p:cNvSpPr>
+            <a:spLocks noGrp="1"/>
+          </p:cNvSpPr>
+          <p:nvPr>
+            <p:ph type="title"/>
+          </p:nvPr>
+        </p:nvSpPr>
+        <p:spPr/>
+        <p:txBody>
+          <a:bodyPr/>
+          <a:lstStyle/>
+          <a:p>
+            <a:pPr algn="l"/>
+            <a:r>
+              <a:rPr lang="zh-CN" altLang="en-US" sz="3600" dirty="0"/>
+              <a:t>研究成果</a:t>
+            </a:r>
+          </a:p>
+        </p:txBody>
+      </p:sp>
+      <p:sp>
+        <p:nvSpPr>
+          <p:cNvPr id="3" name="内容占位符 2">
+            <a:extLst>
+              <a:ext uri="{FF2B5EF4-FFF2-40B4-BE49-F238E27FC236}">
+                <a16:creationId xmlns:a16="http://schemas.microsoft.com/office/drawing/2014/main" id="{A84A276A-83A1-4CAC-9F37-3A39E5BFB889}"/>
+              </a:ext>
+            </a:extLst>
+          </p:cNvPr>
+          <p:cNvSpPr>
+            <a:spLocks noGrp="1"/>
+          </p:cNvSpPr>
+          <p:nvPr>
+            <p:ph idx="1"/>
+          </p:nvPr>
+        </p:nvSpPr>
+        <p:spPr/>
+        <p:txBody>
+          <a:bodyPr/>
+          <a:lstStyle/>
+          <a:p>
+            <a:r>
+              <a:rPr lang="zh-CN" altLang="en-US" dirty="0"/>
+              <a:t>基于插桩输出进行分析，按测试预言给出漏洞检测报告</a:t>
+            </a:r>
+            <a:endParaRPr lang="en-US" altLang="zh-CN" dirty="0"/>
+          </a:p>
+          <a:p>
+            <a:pPr lvl="1"/>
+            <a:r>
+              <a:rPr lang="zh-CN" altLang="en-US" dirty="0"/>
+              <a:t>定义了一个</a:t>
+            </a:r>
+            <a:r>
+              <a:rPr lang="en-US" altLang="zh-CN" dirty="0"/>
+              <a:t>Oracle</a:t>
+            </a:r>
+            <a:r>
+              <a:rPr lang="zh-CN" altLang="en-US" dirty="0"/>
+              <a:t>类，只需要实现这两个方法即可产生新的测试预言。</a:t>
+            </a:r>
+          </a:p>
+        </p:txBody>
+      </p:sp>
+      <p:sp>
+        <p:nvSpPr>
+          <p:cNvPr id="4" name="灯片编号占位符 3">
+            <a:extLst>
+              <a:ext uri="{FF2B5EF4-FFF2-40B4-BE49-F238E27FC236}">
+                <a16:creationId xmlns:a16="http://schemas.microsoft.com/office/drawing/2014/main" id="{AEB1ADB9-17FB-413A-A7B8-619B53F3645E}"/>
+              </a:ext>
+            </a:extLst>
+          </p:cNvPr>
+          <p:cNvSpPr>
+            <a:spLocks noGrp="1"/>
+          </p:cNvSpPr>
+          <p:nvPr>
+            <p:ph type="sldNum" sz="quarter" idx="12"/>
+          </p:nvPr>
+        </p:nvSpPr>
+        <p:spPr/>
+        <p:txBody>
+          <a:bodyPr/>
+          <a:lstStyle/>
+          <a:p>
+            <a:fld id="{06128CA3-9668-437A-8B46-F616277CD5DC}" type="slidenum">
+              <a:rPr lang="en-US" altLang="zh-CN" smtClean="0"/>
+              <a:pPr/>
+              <a:t>29</a:t>
+            </a:fld>
+            <a:endParaRPr lang="en-US" altLang="zh-CN"/>
+          </a:p>
+        </p:txBody>
+      </p:sp>
+      <p:pic>
+        <p:nvPicPr>
+          <p:cNvPr id="6" name="图片 5">
+            <a:extLst>
+              <a:ext uri="{FF2B5EF4-FFF2-40B4-BE49-F238E27FC236}">
+                <a16:creationId xmlns:a16="http://schemas.microsoft.com/office/drawing/2014/main" id="{67ADFF50-FDBB-421D-96A9-7E1E1CE24B55}"/>
+              </a:ext>
+            </a:extLst>
+          </p:cNvPr>
+          <p:cNvPicPr>
+            <a:picLocks noChangeAspect="1"/>
+          </p:cNvPicPr>
+          <p:nvPr/>
+        </p:nvPicPr>
+        <p:blipFill>
+          <a:blip r:embed="rId3"/>
+          <a:stretch>
+            <a:fillRect/>
+          </a:stretch>
+        </p:blipFill>
+        <p:spPr>
+          <a:xfrm>
+            <a:off x="2347006" y="2799677"/>
+            <a:ext cx="4449988" cy="2187495"/>
+          </a:xfrm>
+          <a:prstGeom prst="rect">
+            <a:avLst/>
+          </a:prstGeom>
+        </p:spPr>
+      </p:pic>
+    </p:spTree>
+    <p:extLst>
+      <p:ext uri="{BB962C8B-B14F-4D97-AF65-F5344CB8AC3E}">
+        <p14:creationId xmlns:p14="http://schemas.microsoft.com/office/powerpoint/2010/main" val="3597381837"/>
       </p:ext>
     </p:extLst>
   </p:cSld>
@@ -7906,6 +12151,718 @@
 </p:sld>
 </file>
 
+<file path=ppt/slides/slide30.xml><?xml version="1.0" encoding="utf-8"?>
+<p:sld xmlns:a="http://schemas.openxmlformats.org/drawingml/2006/main" xmlns:r="http://schemas.openxmlformats.org/officeDocument/2006/relationships" xmlns:p="http://schemas.openxmlformats.org/presentationml/2006/main">
+  <p:cSld>
+    <p:spTree>
+      <p:nvGrpSpPr>
+        <p:cNvPr id="1" name=""/>
+        <p:cNvGrpSpPr/>
+        <p:nvPr/>
+      </p:nvGrpSpPr>
+      <p:grpSpPr>
+        <a:xfrm>
+          <a:off x="0" y="0"/>
+          <a:ext cx="0" cy="0"/>
+          <a:chOff x="0" y="0"/>
+          <a:chExt cx="0" cy="0"/>
+        </a:xfrm>
+      </p:grpSpPr>
+      <p:sp>
+        <p:nvSpPr>
+          <p:cNvPr id="2" name="标题 1">
+            <a:extLst>
+              <a:ext uri="{FF2B5EF4-FFF2-40B4-BE49-F238E27FC236}">
+                <a16:creationId xmlns:a16="http://schemas.microsoft.com/office/drawing/2014/main" id="{D415C78D-1CCE-43B4-8FDC-03CDFA16F720}"/>
+              </a:ext>
+            </a:extLst>
+          </p:cNvPr>
+          <p:cNvSpPr>
+            <a:spLocks noGrp="1"/>
+          </p:cNvSpPr>
+          <p:nvPr>
+            <p:ph type="title"/>
+          </p:nvPr>
+        </p:nvSpPr>
+        <p:spPr/>
+        <p:txBody>
+          <a:bodyPr/>
+          <a:lstStyle/>
+          <a:p>
+            <a:pPr algn="l"/>
+            <a:r>
+              <a:rPr lang="zh-CN" altLang="en-US" sz="3600" dirty="0"/>
+              <a:t>研究成果</a:t>
+            </a:r>
+          </a:p>
+        </p:txBody>
+      </p:sp>
+      <p:sp>
+        <p:nvSpPr>
+          <p:cNvPr id="3" name="内容占位符 2">
+            <a:extLst>
+              <a:ext uri="{FF2B5EF4-FFF2-40B4-BE49-F238E27FC236}">
+                <a16:creationId xmlns:a16="http://schemas.microsoft.com/office/drawing/2014/main" id="{A84A276A-83A1-4CAC-9F37-3A39E5BFB889}"/>
+              </a:ext>
+            </a:extLst>
+          </p:cNvPr>
+          <p:cNvSpPr>
+            <a:spLocks noGrp="1"/>
+          </p:cNvSpPr>
+          <p:nvPr>
+            <p:ph idx="1"/>
+          </p:nvPr>
+        </p:nvSpPr>
+        <p:spPr/>
+        <p:txBody>
+          <a:bodyPr/>
+          <a:lstStyle/>
+          <a:p>
+            <a:r>
+              <a:rPr lang="zh-CN" altLang="en-US" dirty="0"/>
+              <a:t>基于插桩输出进行分析，按测试预言给出漏洞检测报告</a:t>
+            </a:r>
+            <a:endParaRPr lang="en-US" altLang="zh-CN" dirty="0"/>
+          </a:p>
+          <a:p>
+            <a:pPr lvl="1"/>
+            <a:r>
+              <a:rPr lang="zh-CN" altLang="en-US" dirty="0"/>
+              <a:t>以重入漏洞为例</a:t>
+            </a:r>
+          </a:p>
+        </p:txBody>
+      </p:sp>
+      <p:sp>
+        <p:nvSpPr>
+          <p:cNvPr id="4" name="灯片编号占位符 3">
+            <a:extLst>
+              <a:ext uri="{FF2B5EF4-FFF2-40B4-BE49-F238E27FC236}">
+                <a16:creationId xmlns:a16="http://schemas.microsoft.com/office/drawing/2014/main" id="{AEB1ADB9-17FB-413A-A7B8-619B53F3645E}"/>
+              </a:ext>
+            </a:extLst>
+          </p:cNvPr>
+          <p:cNvSpPr>
+            <a:spLocks noGrp="1"/>
+          </p:cNvSpPr>
+          <p:nvPr>
+            <p:ph type="sldNum" sz="quarter" idx="12"/>
+          </p:nvPr>
+        </p:nvSpPr>
+        <p:spPr/>
+        <p:txBody>
+          <a:bodyPr/>
+          <a:lstStyle/>
+          <a:p>
+            <a:fld id="{06128CA3-9668-437A-8B46-F616277CD5DC}" type="slidenum">
+              <a:rPr lang="en-US" altLang="zh-CN" smtClean="0"/>
+              <a:pPr/>
+              <a:t>30</a:t>
+            </a:fld>
+            <a:endParaRPr lang="en-US" altLang="zh-CN"/>
+          </a:p>
+        </p:txBody>
+      </p:sp>
+      <p:pic>
+        <p:nvPicPr>
+          <p:cNvPr id="7" name="图片 6">
+            <a:extLst>
+              <a:ext uri="{FF2B5EF4-FFF2-40B4-BE49-F238E27FC236}">
+                <a16:creationId xmlns:a16="http://schemas.microsoft.com/office/drawing/2014/main" id="{5AD77BFA-EA37-4E89-87F2-D284EFC2C426}"/>
+              </a:ext>
+            </a:extLst>
+          </p:cNvPr>
+          <p:cNvPicPr>
+            <a:picLocks noChangeAspect="1"/>
+          </p:cNvPicPr>
+          <p:nvPr/>
+        </p:nvPicPr>
+        <p:blipFill>
+          <a:blip r:embed="rId3"/>
+          <a:stretch>
+            <a:fillRect/>
+          </a:stretch>
+        </p:blipFill>
+        <p:spPr>
+          <a:xfrm>
+            <a:off x="4205105" y="2004421"/>
+            <a:ext cx="3786370" cy="3670824"/>
+          </a:xfrm>
+          <a:prstGeom prst="rect">
+            <a:avLst/>
+          </a:prstGeom>
+        </p:spPr>
+      </p:pic>
+    </p:spTree>
+    <p:extLst>
+      <p:ext uri="{BB962C8B-B14F-4D97-AF65-F5344CB8AC3E}">
+        <p14:creationId xmlns:p14="http://schemas.microsoft.com/office/powerpoint/2010/main" val="1257114270"/>
+      </p:ext>
+    </p:extLst>
+  </p:cSld>
+  <p:clrMapOvr>
+    <a:masterClrMapping/>
+  </p:clrMapOvr>
+</p:sld>
+</file>
+
+<file path=ppt/slides/slide31.xml><?xml version="1.0" encoding="utf-8"?>
+<p:sld xmlns:a="http://schemas.openxmlformats.org/drawingml/2006/main" xmlns:r="http://schemas.openxmlformats.org/officeDocument/2006/relationships" xmlns:p="http://schemas.openxmlformats.org/presentationml/2006/main">
+  <p:cSld>
+    <p:spTree>
+      <p:nvGrpSpPr>
+        <p:cNvPr id="1" name=""/>
+        <p:cNvGrpSpPr/>
+        <p:nvPr/>
+      </p:nvGrpSpPr>
+      <p:grpSpPr>
+        <a:xfrm>
+          <a:off x="0" y="0"/>
+          <a:ext cx="0" cy="0"/>
+          <a:chOff x="0" y="0"/>
+          <a:chExt cx="0" cy="0"/>
+        </a:xfrm>
+      </p:grpSpPr>
+      <p:sp>
+        <p:nvSpPr>
+          <p:cNvPr id="2" name="标题 1">
+            <a:extLst>
+              <a:ext uri="{FF2B5EF4-FFF2-40B4-BE49-F238E27FC236}">
+                <a16:creationId xmlns:a16="http://schemas.microsoft.com/office/drawing/2014/main" id="{D415C78D-1CCE-43B4-8FDC-03CDFA16F720}"/>
+              </a:ext>
+            </a:extLst>
+          </p:cNvPr>
+          <p:cNvSpPr>
+            <a:spLocks noGrp="1"/>
+          </p:cNvSpPr>
+          <p:nvPr>
+            <p:ph type="title"/>
+          </p:nvPr>
+        </p:nvSpPr>
+        <p:spPr/>
+        <p:txBody>
+          <a:bodyPr/>
+          <a:lstStyle/>
+          <a:p>
+            <a:pPr algn="l"/>
+            <a:r>
+              <a:rPr lang="zh-CN" altLang="en-US" sz="3600" dirty="0"/>
+              <a:t>研究成果</a:t>
+            </a:r>
+          </a:p>
+        </p:txBody>
+      </p:sp>
+      <p:sp>
+        <p:nvSpPr>
+          <p:cNvPr id="3" name="内容占位符 2">
+            <a:extLst>
+              <a:ext uri="{FF2B5EF4-FFF2-40B4-BE49-F238E27FC236}">
+                <a16:creationId xmlns:a16="http://schemas.microsoft.com/office/drawing/2014/main" id="{A84A276A-83A1-4CAC-9F37-3A39E5BFB889}"/>
+              </a:ext>
+            </a:extLst>
+          </p:cNvPr>
+          <p:cNvSpPr>
+            <a:spLocks noGrp="1"/>
+          </p:cNvSpPr>
+          <p:nvPr>
+            <p:ph idx="1"/>
+          </p:nvPr>
+        </p:nvSpPr>
+        <p:spPr/>
+        <p:txBody>
+          <a:bodyPr/>
+          <a:lstStyle/>
+          <a:p>
+            <a:r>
+              <a:rPr lang="zh-CN" altLang="en-US" dirty="0"/>
+              <a:t>基于插桩输出进行分析，按测试预言给出漏洞检测报告</a:t>
+            </a:r>
+            <a:endParaRPr lang="en-US" altLang="zh-CN" dirty="0"/>
+          </a:p>
+          <a:p>
+            <a:pPr lvl="1"/>
+            <a:r>
+              <a:rPr lang="zh-CN" altLang="en-US" dirty="0"/>
+              <a:t>以</a:t>
+            </a:r>
+            <a:r>
+              <a:rPr lang="en-US" altLang="zh-CN" dirty="0" err="1"/>
+              <a:t>GaslessSend</a:t>
+            </a:r>
+            <a:r>
+              <a:rPr lang="zh-CN" altLang="en-US" dirty="0"/>
+              <a:t>为例</a:t>
+            </a:r>
+          </a:p>
+        </p:txBody>
+      </p:sp>
+      <p:sp>
+        <p:nvSpPr>
+          <p:cNvPr id="4" name="灯片编号占位符 3">
+            <a:extLst>
+              <a:ext uri="{FF2B5EF4-FFF2-40B4-BE49-F238E27FC236}">
+                <a16:creationId xmlns:a16="http://schemas.microsoft.com/office/drawing/2014/main" id="{AEB1ADB9-17FB-413A-A7B8-619B53F3645E}"/>
+              </a:ext>
+            </a:extLst>
+          </p:cNvPr>
+          <p:cNvSpPr>
+            <a:spLocks noGrp="1"/>
+          </p:cNvSpPr>
+          <p:nvPr>
+            <p:ph type="sldNum" sz="quarter" idx="12"/>
+          </p:nvPr>
+        </p:nvSpPr>
+        <p:spPr/>
+        <p:txBody>
+          <a:bodyPr/>
+          <a:lstStyle/>
+          <a:p>
+            <a:fld id="{06128CA3-9668-437A-8B46-F616277CD5DC}" type="slidenum">
+              <a:rPr lang="en-US" altLang="zh-CN" smtClean="0"/>
+              <a:pPr/>
+              <a:t>31</a:t>
+            </a:fld>
+            <a:endParaRPr lang="en-US" altLang="zh-CN"/>
+          </a:p>
+        </p:txBody>
+      </p:sp>
+      <p:pic>
+        <p:nvPicPr>
+          <p:cNvPr id="6" name="图片 5">
+            <a:extLst>
+              <a:ext uri="{FF2B5EF4-FFF2-40B4-BE49-F238E27FC236}">
+                <a16:creationId xmlns:a16="http://schemas.microsoft.com/office/drawing/2014/main" id="{C3587441-F18C-4513-9732-D399527DC950}"/>
+              </a:ext>
+            </a:extLst>
+          </p:cNvPr>
+          <p:cNvPicPr>
+            <a:picLocks noChangeAspect="1"/>
+          </p:cNvPicPr>
+          <p:nvPr/>
+        </p:nvPicPr>
+        <p:blipFill>
+          <a:blip r:embed="rId3"/>
+          <a:stretch>
+            <a:fillRect/>
+          </a:stretch>
+        </p:blipFill>
+        <p:spPr>
+          <a:xfrm>
+            <a:off x="4101900" y="2182679"/>
+            <a:ext cx="4356300" cy="3582287"/>
+          </a:xfrm>
+          <a:prstGeom prst="rect">
+            <a:avLst/>
+          </a:prstGeom>
+        </p:spPr>
+      </p:pic>
+    </p:spTree>
+    <p:extLst>
+      <p:ext uri="{BB962C8B-B14F-4D97-AF65-F5344CB8AC3E}">
+        <p14:creationId xmlns:p14="http://schemas.microsoft.com/office/powerpoint/2010/main" val="2034221900"/>
+      </p:ext>
+    </p:extLst>
+  </p:cSld>
+  <p:clrMapOvr>
+    <a:masterClrMapping/>
+  </p:clrMapOvr>
+</p:sld>
+</file>
+
+<file path=ppt/slides/slide32.xml><?xml version="1.0" encoding="utf-8"?>
+<p:sld xmlns:a="http://schemas.openxmlformats.org/drawingml/2006/main" xmlns:r="http://schemas.openxmlformats.org/officeDocument/2006/relationships" xmlns:p="http://schemas.openxmlformats.org/presentationml/2006/main">
+  <p:cSld>
+    <p:spTree>
+      <p:nvGrpSpPr>
+        <p:cNvPr id="1" name=""/>
+        <p:cNvGrpSpPr/>
+        <p:nvPr/>
+      </p:nvGrpSpPr>
+      <p:grpSpPr>
+        <a:xfrm>
+          <a:off x="0" y="0"/>
+          <a:ext cx="0" cy="0"/>
+          <a:chOff x="0" y="0"/>
+          <a:chExt cx="0" cy="0"/>
+        </a:xfrm>
+      </p:grpSpPr>
+      <p:sp>
+        <p:nvSpPr>
+          <p:cNvPr id="2" name="标题 1">
+            <a:extLst>
+              <a:ext uri="{FF2B5EF4-FFF2-40B4-BE49-F238E27FC236}">
+                <a16:creationId xmlns:a16="http://schemas.microsoft.com/office/drawing/2014/main" id="{D415C78D-1CCE-43B4-8FDC-03CDFA16F720}"/>
+              </a:ext>
+            </a:extLst>
+          </p:cNvPr>
+          <p:cNvSpPr>
+            <a:spLocks noGrp="1"/>
+          </p:cNvSpPr>
+          <p:nvPr>
+            <p:ph type="title"/>
+          </p:nvPr>
+        </p:nvSpPr>
+        <p:spPr/>
+        <p:txBody>
+          <a:bodyPr/>
+          <a:lstStyle/>
+          <a:p>
+            <a:pPr algn="l"/>
+            <a:r>
+              <a:rPr lang="zh-CN" altLang="en-US" sz="3600" dirty="0"/>
+              <a:t>研究成果</a:t>
+            </a:r>
+          </a:p>
+        </p:txBody>
+      </p:sp>
+      <p:sp>
+        <p:nvSpPr>
+          <p:cNvPr id="3" name="内容占位符 2">
+            <a:extLst>
+              <a:ext uri="{FF2B5EF4-FFF2-40B4-BE49-F238E27FC236}">
+                <a16:creationId xmlns:a16="http://schemas.microsoft.com/office/drawing/2014/main" id="{A84A276A-83A1-4CAC-9F37-3A39E5BFB889}"/>
+              </a:ext>
+            </a:extLst>
+          </p:cNvPr>
+          <p:cNvSpPr>
+            <a:spLocks noGrp="1"/>
+          </p:cNvSpPr>
+          <p:nvPr>
+            <p:ph idx="1"/>
+          </p:nvPr>
+        </p:nvSpPr>
+        <p:spPr/>
+        <p:txBody>
+          <a:bodyPr/>
+          <a:lstStyle/>
+          <a:p>
+            <a:r>
+              <a:rPr lang="zh-CN" altLang="en-US" dirty="0"/>
+              <a:t>基于插桩输出进行分析，按测试预言给出漏洞检测报告</a:t>
+            </a:r>
+            <a:endParaRPr lang="en-US" altLang="zh-CN" dirty="0"/>
+          </a:p>
+          <a:p>
+            <a:pPr lvl="1"/>
+            <a:r>
+              <a:rPr lang="zh-CN" altLang="en-US" dirty="0"/>
+              <a:t>输出一个</a:t>
+            </a:r>
+            <a:r>
+              <a:rPr lang="en-US" altLang="zh-CN" dirty="0"/>
+              <a:t>Markdown</a:t>
+            </a:r>
+            <a:r>
+              <a:rPr lang="zh-CN" altLang="en-US" dirty="0"/>
+              <a:t>文件作为测试报告，包含本次测试的覆盖率和发现的漏洞。</a:t>
+            </a:r>
+          </a:p>
+        </p:txBody>
+      </p:sp>
+      <p:sp>
+        <p:nvSpPr>
+          <p:cNvPr id="4" name="灯片编号占位符 3">
+            <a:extLst>
+              <a:ext uri="{FF2B5EF4-FFF2-40B4-BE49-F238E27FC236}">
+                <a16:creationId xmlns:a16="http://schemas.microsoft.com/office/drawing/2014/main" id="{AEB1ADB9-17FB-413A-A7B8-619B53F3645E}"/>
+              </a:ext>
+            </a:extLst>
+          </p:cNvPr>
+          <p:cNvSpPr>
+            <a:spLocks noGrp="1"/>
+          </p:cNvSpPr>
+          <p:nvPr>
+            <p:ph type="sldNum" sz="quarter" idx="12"/>
+          </p:nvPr>
+        </p:nvSpPr>
+        <p:spPr/>
+        <p:txBody>
+          <a:bodyPr/>
+          <a:lstStyle/>
+          <a:p>
+            <a:fld id="{06128CA3-9668-437A-8B46-F616277CD5DC}" type="slidenum">
+              <a:rPr lang="en-US" altLang="zh-CN" smtClean="0"/>
+              <a:pPr/>
+              <a:t>32</a:t>
+            </a:fld>
+            <a:endParaRPr lang="en-US" altLang="zh-CN"/>
+          </a:p>
+        </p:txBody>
+      </p:sp>
+      <p:pic>
+        <p:nvPicPr>
+          <p:cNvPr id="7" name="图片 6">
+            <a:extLst>
+              <a:ext uri="{FF2B5EF4-FFF2-40B4-BE49-F238E27FC236}">
+                <a16:creationId xmlns:a16="http://schemas.microsoft.com/office/drawing/2014/main" id="{AF23C03B-5CB6-4F86-9E9A-557DF9EAE0B1}"/>
+              </a:ext>
+            </a:extLst>
+          </p:cNvPr>
+          <p:cNvPicPr>
+            <a:picLocks noChangeAspect="1"/>
+          </p:cNvPicPr>
+          <p:nvPr/>
+        </p:nvPicPr>
+        <p:blipFill>
+          <a:blip r:embed="rId3"/>
+          <a:stretch>
+            <a:fillRect/>
+          </a:stretch>
+        </p:blipFill>
+        <p:spPr>
+          <a:xfrm>
+            <a:off x="2370679" y="2747791"/>
+            <a:ext cx="4576773" cy="3871880"/>
+          </a:xfrm>
+          <a:prstGeom prst="rect">
+            <a:avLst/>
+          </a:prstGeom>
+        </p:spPr>
+      </p:pic>
+    </p:spTree>
+    <p:extLst>
+      <p:ext uri="{BB962C8B-B14F-4D97-AF65-F5344CB8AC3E}">
+        <p14:creationId xmlns:p14="http://schemas.microsoft.com/office/powerpoint/2010/main" val="3210267600"/>
+      </p:ext>
+    </p:extLst>
+  </p:cSld>
+  <p:clrMapOvr>
+    <a:masterClrMapping/>
+  </p:clrMapOvr>
+</p:sld>
+</file>
+
+<file path=ppt/slides/slide33.xml><?xml version="1.0" encoding="utf-8"?>
+<p:sld xmlns:a="http://schemas.openxmlformats.org/drawingml/2006/main" xmlns:r="http://schemas.openxmlformats.org/officeDocument/2006/relationships" xmlns:p="http://schemas.openxmlformats.org/presentationml/2006/main">
+  <p:cSld>
+    <p:spTree>
+      <p:nvGrpSpPr>
+        <p:cNvPr id="1" name=""/>
+        <p:cNvGrpSpPr/>
+        <p:nvPr/>
+      </p:nvGrpSpPr>
+      <p:grpSpPr>
+        <a:xfrm>
+          <a:off x="0" y="0"/>
+          <a:ext cx="0" cy="0"/>
+          <a:chOff x="0" y="0"/>
+          <a:chExt cx="0" cy="0"/>
+        </a:xfrm>
+      </p:grpSpPr>
+      <p:sp>
+        <p:nvSpPr>
+          <p:cNvPr id="2" name="标题 1">
+            <a:extLst>
+              <a:ext uri="{FF2B5EF4-FFF2-40B4-BE49-F238E27FC236}">
+                <a16:creationId xmlns:a16="http://schemas.microsoft.com/office/drawing/2014/main" id="{065CCDF7-B880-4C81-9AB0-DD7F6762E6DF}"/>
+              </a:ext>
+            </a:extLst>
+          </p:cNvPr>
+          <p:cNvSpPr>
+            <a:spLocks noGrp="1"/>
+          </p:cNvSpPr>
+          <p:nvPr>
+            <p:ph type="title"/>
+          </p:nvPr>
+        </p:nvSpPr>
+        <p:spPr/>
+        <p:txBody>
+          <a:bodyPr/>
+          <a:lstStyle/>
+          <a:p>
+            <a:pPr algn="l"/>
+            <a:r>
+              <a:rPr lang="zh-CN" altLang="en-US" dirty="0"/>
+              <a:t>总结</a:t>
+            </a:r>
+          </a:p>
+        </p:txBody>
+      </p:sp>
+      <p:sp>
+        <p:nvSpPr>
+          <p:cNvPr id="3" name="内容占位符 2">
+            <a:extLst>
+              <a:ext uri="{FF2B5EF4-FFF2-40B4-BE49-F238E27FC236}">
+                <a16:creationId xmlns:a16="http://schemas.microsoft.com/office/drawing/2014/main" id="{E07842D9-9D7C-4814-932C-6662EAE59080}"/>
+              </a:ext>
+            </a:extLst>
+          </p:cNvPr>
+          <p:cNvSpPr>
+            <a:spLocks noGrp="1"/>
+          </p:cNvSpPr>
+          <p:nvPr>
+            <p:ph idx="1"/>
+          </p:nvPr>
+        </p:nvSpPr>
+        <p:spPr/>
+        <p:txBody>
+          <a:bodyPr/>
+          <a:lstStyle/>
+          <a:p>
+            <a:r>
+              <a:rPr lang="zh-CN" altLang="en-US" dirty="0"/>
+              <a:t>基于模糊测试的智能合约漏洞检测工具</a:t>
+            </a:r>
+            <a:endParaRPr lang="en-US" altLang="zh-CN" dirty="0"/>
+          </a:p>
+          <a:p>
+            <a:pPr lvl="1"/>
+            <a:r>
+              <a:rPr lang="zh-CN" altLang="en-US" dirty="0"/>
+              <a:t>实现了基于</a:t>
+            </a:r>
+            <a:r>
+              <a:rPr lang="en-US" altLang="zh-CN" dirty="0"/>
+              <a:t>ABI</a:t>
+            </a:r>
+            <a:r>
+              <a:rPr lang="zh-CN" altLang="en-US" dirty="0"/>
+              <a:t>的模糊输入生成、运行时的关键信息与指令的插桩、基于测试预言的输出分析。</a:t>
+            </a:r>
+            <a:endParaRPr lang="en-US" altLang="zh-CN" dirty="0"/>
+          </a:p>
+          <a:p>
+            <a:pPr lvl="1"/>
+            <a:r>
+              <a:rPr lang="zh-CN" altLang="en-US" dirty="0"/>
+              <a:t>提供了一整套变异算法、指令插桩、测试预言等模糊测试工具的定制接口，用户可根据需要自行扩展。</a:t>
+            </a:r>
+            <a:endParaRPr lang="en-US" altLang="zh-CN" dirty="0"/>
+          </a:p>
+        </p:txBody>
+      </p:sp>
+      <p:sp>
+        <p:nvSpPr>
+          <p:cNvPr id="4" name="灯片编号占位符 3">
+            <a:extLst>
+              <a:ext uri="{FF2B5EF4-FFF2-40B4-BE49-F238E27FC236}">
+                <a16:creationId xmlns:a16="http://schemas.microsoft.com/office/drawing/2014/main" id="{8E01067B-7E5D-494C-A1DD-CAF14DDA3DFC}"/>
+              </a:ext>
+            </a:extLst>
+          </p:cNvPr>
+          <p:cNvSpPr>
+            <a:spLocks noGrp="1"/>
+          </p:cNvSpPr>
+          <p:nvPr>
+            <p:ph type="sldNum" sz="quarter" idx="12"/>
+          </p:nvPr>
+        </p:nvSpPr>
+        <p:spPr/>
+        <p:txBody>
+          <a:bodyPr/>
+          <a:lstStyle/>
+          <a:p>
+            <a:fld id="{06128CA3-9668-437A-8B46-F616277CD5DC}" type="slidenum">
+              <a:rPr lang="en-US" altLang="zh-CN" smtClean="0"/>
+              <a:pPr/>
+              <a:t>33</a:t>
+            </a:fld>
+            <a:endParaRPr lang="en-US" altLang="zh-CN"/>
+          </a:p>
+        </p:txBody>
+      </p:sp>
+    </p:spTree>
+    <p:extLst>
+      <p:ext uri="{BB962C8B-B14F-4D97-AF65-F5344CB8AC3E}">
+        <p14:creationId xmlns:p14="http://schemas.microsoft.com/office/powerpoint/2010/main" val="1272760094"/>
+      </p:ext>
+    </p:extLst>
+  </p:cSld>
+  <p:clrMapOvr>
+    <a:masterClrMapping/>
+  </p:clrMapOvr>
+</p:sld>
+</file>
+
+<file path=ppt/slides/slide34.xml><?xml version="1.0" encoding="utf-8"?>
+<p:sld xmlns:a="http://schemas.openxmlformats.org/drawingml/2006/main" xmlns:r="http://schemas.openxmlformats.org/officeDocument/2006/relationships" xmlns:p="http://schemas.openxmlformats.org/presentationml/2006/main">
+  <p:cSld>
+    <p:spTree>
+      <p:nvGrpSpPr>
+        <p:cNvPr id="1" name=""/>
+        <p:cNvGrpSpPr/>
+        <p:nvPr/>
+      </p:nvGrpSpPr>
+      <p:grpSpPr>
+        <a:xfrm>
+          <a:off x="0" y="0"/>
+          <a:ext cx="0" cy="0"/>
+          <a:chOff x="0" y="0"/>
+          <a:chExt cx="0" cy="0"/>
+        </a:xfrm>
+      </p:grpSpPr>
+      <p:sp>
+        <p:nvSpPr>
+          <p:cNvPr id="6" name="文本占位符 5"/>
+          <p:cNvSpPr>
+            <a:spLocks noGrp="1"/>
+          </p:cNvSpPr>
+          <p:nvPr>
+            <p:ph type="body" idx="1"/>
+          </p:nvPr>
+        </p:nvSpPr>
+        <p:spPr>
+          <a:xfrm>
+            <a:off x="685800" y="2527890"/>
+            <a:ext cx="7772400" cy="1500187"/>
+          </a:xfrm>
+        </p:spPr>
+        <p:txBody>
+          <a:bodyPr/>
+          <a:lstStyle/>
+          <a:p>
+            <a:pPr algn="ctr"/>
+            <a:r>
+              <a:rPr kumimoji="1" lang="en-US" altLang="zh-CN" sz="3600" dirty="0">
+                <a:latin typeface="+mj-lt"/>
+                <a:ea typeface="宋体" panose="02010600030101010101" pitchFamily="2" charset="-122"/>
+              </a:rPr>
+              <a:t>Q &amp; A</a:t>
+            </a:r>
+            <a:endParaRPr kumimoji="1" lang="zh-CN" altLang="en-US" sz="3600" dirty="0">
+              <a:latin typeface="+mj-lt"/>
+              <a:ea typeface="宋体" panose="02010600030101010101" pitchFamily="2" charset="-122"/>
+            </a:endParaRPr>
+          </a:p>
+        </p:txBody>
+      </p:sp>
+      <p:sp>
+        <p:nvSpPr>
+          <p:cNvPr id="4" name="灯片编号占位符 3"/>
+          <p:cNvSpPr>
+            <a:spLocks noGrp="1"/>
+          </p:cNvSpPr>
+          <p:nvPr>
+            <p:ph type="sldNum" sz="quarter" idx="12"/>
+          </p:nvPr>
+        </p:nvSpPr>
+        <p:spPr/>
+        <p:txBody>
+          <a:bodyPr/>
+          <a:lstStyle/>
+          <a:p>
+            <a:fld id="{06128CA3-9668-437A-8B46-F616277CD5DC}" type="slidenum">
+              <a:rPr lang="en-US" altLang="zh-CN" smtClean="0"/>
+              <a:pPr/>
+              <a:t>34</a:t>
+            </a:fld>
+            <a:endParaRPr lang="en-US" altLang="zh-CN"/>
+          </a:p>
+        </p:txBody>
+      </p:sp>
+    </p:spTree>
+    <p:extLst>
+      <p:ext uri="{BB962C8B-B14F-4D97-AF65-F5344CB8AC3E}">
+        <p14:creationId xmlns:p14="http://schemas.microsoft.com/office/powerpoint/2010/main" val="2232092311"/>
+      </p:ext>
+    </p:extLst>
+  </p:cSld>
+  <p:clrMapOvr>
+    <a:masterClrMapping/>
+  </p:clrMapOvr>
+</p:sld>
+</file>
+
 <file path=ppt/slides/slide4.xml><?xml version="1.0" encoding="utf-8"?>
 <p:sld xmlns:a="http://schemas.openxmlformats.org/drawingml/2006/main" xmlns:r="http://schemas.openxmlformats.org/officeDocument/2006/relationships" xmlns:p="http://schemas.openxmlformats.org/presentationml/2006/main">
   <p:cSld>
@@ -7983,15 +12940,7 @@
             <a:pPr lvl="1"/>
             <a:r>
               <a:rPr lang="zh-CN" altLang="en-US" dirty="0"/>
-              <a:t>以太坊区块链基于图灵完备的虚拟机（</a:t>
-            </a:r>
-            <a:r>
-              <a:rPr lang="en-US" altLang="zh-CN" dirty="0"/>
-              <a:t>Ethereum Virtual Machine, EVM</a:t>
-            </a:r>
-            <a:r>
-              <a:rPr lang="zh-CN" altLang="en-US" dirty="0"/>
-              <a:t>），可以编写完整的程序。</a:t>
+              <a:t>以太坊区块链基于图灵完备的虚拟机，可以编写完整的程序。</a:t>
             </a:r>
             <a:endParaRPr lang="en-US" altLang="zh-CN" dirty="0"/>
           </a:p>
@@ -8213,7 +13162,7 @@
           <a:p>
             <a:r>
               <a:rPr lang="zh-CN" altLang="en-US" dirty="0"/>
-              <a:t>以往测试工具的问题</a:t>
+              <a:t>以往测试方法的问题</a:t>
             </a:r>
             <a:endParaRPr lang="en-US" altLang="zh-CN" dirty="0"/>
           </a:p>
@@ -8244,7 +13193,7 @@
             <a:pPr lvl="1"/>
             <a:r>
               <a:rPr lang="zh-CN" altLang="en-US" dirty="0"/>
-              <a:t>通过变异原始得到新的输入</a:t>
+              <a:t>通过变异原始得到新的输入，并根据策略保留部分输入作为变异种子</a:t>
             </a:r>
             <a:endParaRPr lang="en-US" altLang="zh-CN" dirty="0"/>
           </a:p>
@@ -8252,7 +13201,7 @@
             <a:pPr lvl="1"/>
             <a:r>
               <a:rPr lang="zh-CN" altLang="en-US" dirty="0"/>
-              <a:t>可以在小开销下得到比较好的覆盖效果</a:t>
+              <a:t>可以在不求解路径的情况下，轻松地得到比较好的覆盖效果</a:t>
             </a:r>
             <a:endParaRPr lang="en-US" altLang="zh-CN" dirty="0"/>
           </a:p>
@@ -8389,7 +13338,7 @@
             <a:pPr algn="l"/>
             <a:r>
               <a:rPr lang="zh-CN" altLang="en-US" sz="3600" dirty="0"/>
-              <a:t>研究目标</a:t>
+              <a:t>研究思路</a:t>
             </a:r>
           </a:p>
         </p:txBody>
@@ -8417,7 +13366,85 @@
           <a:p>
             <a:r>
               <a:rPr lang="zh-CN" altLang="en-US" dirty="0"/>
-              <a:t>基于合约</a:t>
+              <a:t>将模糊测试引入智能合约</a:t>
+            </a:r>
+            <a:endParaRPr lang="en-US" altLang="zh-CN" dirty="0"/>
+          </a:p>
+          <a:p>
+            <a:pPr lvl="1"/>
+            <a:r>
+              <a:rPr lang="zh-CN" altLang="en-US" dirty="0"/>
+              <a:t>智能合约的运行是基于</a:t>
+            </a:r>
+            <a:r>
+              <a:rPr lang="zh-CN" altLang="en-US" b="1" dirty="0"/>
+              <a:t>以太坊虚拟机</a:t>
+            </a:r>
+            <a:r>
+              <a:rPr lang="zh-CN" altLang="en-US" dirty="0"/>
+              <a:t>（</a:t>
+            </a:r>
+            <a:r>
+              <a:rPr lang="en-US" altLang="zh-CN" dirty="0"/>
+              <a:t>Ethereum Virtual Machine</a:t>
+            </a:r>
+            <a:r>
+              <a:rPr lang="zh-CN" altLang="en-US" dirty="0"/>
+              <a:t>，</a:t>
+            </a:r>
+            <a:r>
+              <a:rPr lang="en-US" altLang="zh-CN" dirty="0"/>
+              <a:t>EVM</a:t>
+            </a:r>
+            <a:r>
+              <a:rPr lang="zh-CN" altLang="en-US" dirty="0"/>
+              <a:t>）的，用高级语言（如</a:t>
+            </a:r>
+            <a:r>
+              <a:rPr lang="en-US" altLang="zh-CN" dirty="0"/>
+              <a:t>Solidity</a:t>
+            </a:r>
+            <a:r>
+              <a:rPr lang="zh-CN" altLang="en-US" dirty="0"/>
+              <a:t>）编写的智能合约被编译为字节码后运行在</a:t>
+            </a:r>
+            <a:r>
+              <a:rPr lang="en-US" altLang="zh-CN" dirty="0"/>
+              <a:t>EVM</a:t>
+            </a:r>
+            <a:r>
+              <a:rPr lang="zh-CN" altLang="en-US" dirty="0"/>
+              <a:t>上。这为运行时插桩提供了可能。</a:t>
+            </a:r>
+            <a:endParaRPr lang="en-US" altLang="zh-CN" dirty="0"/>
+          </a:p>
+          <a:p>
+            <a:pPr lvl="1"/>
+            <a:r>
+              <a:rPr lang="zh-CN" altLang="en-US" dirty="0"/>
+              <a:t>智能合约的调用依赖于「</a:t>
+            </a:r>
+            <a:r>
+              <a:rPr lang="zh-CN" altLang="en-US" b="0" i="0" dirty="0">
+                <a:solidFill>
+                  <a:srgbClr val="34495E"/>
+                </a:solidFill>
+                <a:effectLst/>
+                <a:latin typeface="Source Sans Pro" panose="020B0604020202020204" pitchFamily="34" charset="0"/>
+              </a:rPr>
+              <a:t>应用程序二进制接口</a:t>
+            </a:r>
+            <a:r>
+              <a:rPr lang="zh-CN" altLang="en-US" dirty="0"/>
+              <a:t>」（</a:t>
+            </a:r>
+            <a:r>
+              <a:rPr lang="en-US" altLang="zh-CN" dirty="0"/>
+              <a:t>Application Binary Interface</a:t>
+            </a:r>
+            <a:r>
+              <a:rPr lang="zh-CN" altLang="en-US" dirty="0"/>
+              <a:t>，</a:t>
             </a:r>
             <a:r>
               <a:rPr lang="en-US" altLang="zh-CN" dirty="0"/>
@@ -8425,26 +13452,33 @@
             </a:r>
             <a:r>
               <a:rPr lang="zh-CN" altLang="en-US" dirty="0"/>
-              <a:t>与运行结果生成模糊测试用例</a:t>
+              <a:t>），</a:t>
+            </a:r>
+            <a:r>
+              <a:rPr lang="en-US" altLang="zh-CN" dirty="0"/>
+              <a:t>ABI</a:t>
+            </a:r>
+            <a:r>
+              <a:rPr lang="zh-CN" altLang="en-US" dirty="0"/>
+              <a:t>中包含了函数输入所需要的参数及其类型。这为模糊测试的自动化输入提供了很大的便捷。</a:t>
             </a:r>
             <a:endParaRPr lang="en-US" altLang="zh-CN" dirty="0"/>
           </a:p>
           <a:p>
-            <a:r>
-              <a:rPr lang="zh-CN" altLang="en-US" dirty="0"/>
-              <a:t>以太坊虚拟机运行关键过程的插桩</a:t>
+            <a:pPr lvl="1"/>
+            <a:r>
+              <a:rPr lang="zh-CN" altLang="en-US" dirty="0"/>
+              <a:t>模糊测试的重点在于能否接受大量的输入，以及能否根据运行结果调整输入的变异。而程序具体如何运行，模糊测试是不关心的。</a:t>
             </a:r>
             <a:endParaRPr lang="en-US" altLang="zh-CN" dirty="0"/>
           </a:p>
           <a:p>
-            <a:r>
-              <a:rPr lang="zh-CN" altLang="en-US" dirty="0"/>
-              <a:t>基于插桩结果的自动化分析</a:t>
-            </a:r>
-            <a:r>
-              <a:rPr lang="en-US" altLang="zh-CN" dirty="0"/>
-              <a:t>	</a:t>
-            </a:r>
+            <a:pPr lvl="1"/>
+            <a:r>
+              <a:rPr lang="zh-CN" altLang="en-US" dirty="0"/>
+              <a:t>因此，模糊测试的框架是可以应用到智能合约领域的。</a:t>
+            </a:r>
+            <a:endParaRPr lang="en-US" altLang="zh-CN" dirty="0"/>
           </a:p>
           <a:p>
             <a:endParaRPr lang="zh-CN" altLang="en-US" dirty="0"/>
@@ -8484,7 +13518,7 @@
     </p:spTree>
     <p:extLst>
       <p:ext uri="{BB962C8B-B14F-4D97-AF65-F5344CB8AC3E}">
-        <p14:creationId xmlns:p14="http://schemas.microsoft.com/office/powerpoint/2010/main" val="2297927943"/>
+        <p14:creationId xmlns:p14="http://schemas.microsoft.com/office/powerpoint/2010/main" val="698021742"/>
       </p:ext>
     </p:extLst>
   </p:cSld>
@@ -8535,7 +13569,7 @@
             <a:pPr algn="l"/>
             <a:r>
               <a:rPr lang="zh-CN" altLang="en-US" sz="3600" dirty="0"/>
-              <a:t>研究目标</a:t>
+              <a:t>研究思路</a:t>
             </a:r>
           </a:p>
         </p:txBody>
@@ -8556,47 +13590,33 @@
             <p:ph idx="1"/>
           </p:nvPr>
         </p:nvSpPr>
-        <p:spPr/>
-        <p:txBody>
-          <a:bodyPr/>
-          <a:lstStyle/>
-          <a:p>
-            <a:r>
-              <a:rPr lang="zh-CN" altLang="en-US" dirty="0"/>
-              <a:t>基于合约</a:t>
-            </a:r>
+        <p:spPr>
+          <a:xfrm>
+            <a:off x="468313" y="1484313"/>
+            <a:ext cx="4614049" cy="4392612"/>
+          </a:xfrm>
+        </p:spPr>
+        <p:txBody>
+          <a:bodyPr/>
+          <a:lstStyle/>
+          <a:p>
+            <a:r>
+              <a:rPr lang="zh-CN" altLang="en-US" dirty="0"/>
+              <a:t>将模糊测试引入智能合约</a:t>
+            </a:r>
+            <a:endParaRPr lang="en-US" altLang="zh-CN" dirty="0"/>
+          </a:p>
+          <a:p>
+            <a:pPr lvl="1" algn="just"/>
             <a:r>
               <a:rPr lang="en-US" altLang="zh-CN" dirty="0"/>
               <a:t>ABI</a:t>
             </a:r>
             <a:r>
               <a:rPr lang="zh-CN" altLang="en-US" dirty="0"/>
-              <a:t>与运行结果生成模糊测试用例</a:t>
+              <a:t>实例，包含了接口是否为函数，函数的名称，输入参数的参数名和类型，返回值的类型等信息。</a:t>
             </a:r>
             <a:endParaRPr lang="en-US" altLang="zh-CN" dirty="0"/>
-          </a:p>
-          <a:p>
-            <a:pPr lvl="1"/>
-            <a:r>
-              <a:rPr lang="zh-CN" altLang="en-US" dirty="0"/>
-              <a:t>用户提供智能合约的</a:t>
-            </a:r>
-            <a:r>
-              <a:rPr lang="en-US" altLang="zh-CN" dirty="0"/>
-              <a:t>ABI</a:t>
-            </a:r>
-            <a:r>
-              <a:rPr lang="zh-CN" altLang="en-US" dirty="0"/>
-              <a:t>，以快速地确定合约函数输入的数据类型，精准地产生模糊输入。</a:t>
-            </a:r>
-            <a:endParaRPr lang="en-US" altLang="zh-CN" dirty="0"/>
-          </a:p>
-          <a:p>
-            <a:pPr lvl="1"/>
-            <a:r>
-              <a:rPr lang="zh-CN" altLang="en-US" dirty="0"/>
-              <a:t>基于这些运行记录，本项目提供了一个分析框架，并提供了一个基础的模糊测试输入发生器，用户可以为发生器定制变异算法。</a:t>
-            </a:r>
           </a:p>
         </p:txBody>
       </p:sp>
@@ -8630,583 +13650,40 @@
           </a:p>
         </p:txBody>
       </p:sp>
-      <p:sp>
-        <p:nvSpPr>
-          <p:cNvPr id="5" name="矩形 4">
+      <p:pic>
+        <p:nvPicPr>
+          <p:cNvPr id="6" name="图片 5">
             <a:extLst>
               <a:ext uri="{FF2B5EF4-FFF2-40B4-BE49-F238E27FC236}">
-                <a16:creationId xmlns:a16="http://schemas.microsoft.com/office/drawing/2014/main" id="{17A66256-E1D8-4199-8E43-6C8CD3AC7215}"/>
+                <a16:creationId xmlns:a16="http://schemas.microsoft.com/office/drawing/2014/main" id="{2CB3F404-DB71-4D52-90C8-1D18E7C5FBE0}"/>
               </a:ext>
             </a:extLst>
           </p:cNvPr>
-          <p:cNvSpPr/>
+          <p:cNvPicPr>
+            <a:picLocks noChangeAspect="1"/>
+          </p:cNvPicPr>
           <p:nvPr/>
-        </p:nvSpPr>
-        <p:spPr bwMode="auto">
+        </p:nvPicPr>
+        <p:blipFill>
+          <a:blip r:embed="rId3"/>
+          <a:stretch>
+            <a:fillRect/>
+          </a:stretch>
+        </p:blipFill>
+        <p:spPr>
           <a:xfrm>
-            <a:off x="1381760" y="3972560"/>
-            <a:ext cx="1056640" cy="711200"/>
+            <a:off x="5307443" y="1484313"/>
+            <a:ext cx="3368244" cy="4375838"/>
           </a:xfrm>
           <a:prstGeom prst="rect">
             <a:avLst/>
           </a:prstGeom>
-          <a:solidFill>
-            <a:schemeClr val="bg1"/>
-          </a:solidFill>
-          <a:ln w="9525" cap="flat" cmpd="sng" algn="ctr">
-            <a:solidFill>
-              <a:srgbClr val="FF0000"/>
-            </a:solidFill>
-            <a:prstDash val="solid"/>
-            <a:round/>
-            <a:headEnd type="none" w="med" len="med"/>
-            <a:tailEnd type="none" w="med" len="med"/>
-          </a:ln>
-          <a:effectLst/>
         </p:spPr>
-        <p:txBody>
-          <a:bodyPr vert="horz" wrap="none" lIns="91440" tIns="45720" rIns="91440" bIns="45720" numCol="1" rtlCol="0" anchor="ctr" anchorCtr="0" compatLnSpc="1">
-            <a:prstTxWarp prst="textNoShape">
-              <a:avLst/>
-            </a:prstTxWarp>
-          </a:bodyPr>
-          <a:lstStyle/>
-          <a:p>
-            <a:pPr marL="0" marR="0" indent="0" algn="ctr" defTabSz="914400" rtl="0" eaLnBrk="1" fontAlgn="base" latinLnBrk="0" hangingPunct="1">
-              <a:lnSpc>
-                <a:spcPct val="100000"/>
-              </a:lnSpc>
-              <a:spcBef>
-                <a:spcPct val="0"/>
-              </a:spcBef>
-              <a:spcAft>
-                <a:spcPct val="0"/>
-              </a:spcAft>
-              <a:buClrTx/>
-              <a:buSzTx/>
-              <a:buFontTx/>
-              <a:buNone/>
-              <a:tabLst/>
-            </a:pPr>
-            <a:r>
-              <a:rPr kumimoji="0" lang="zh-CN" altLang="en-US" sz="1800" b="0" i="0" u="none" strike="noStrike" cap="none" normalizeH="0" baseline="0" dirty="0">
-                <a:ln>
-                  <a:noFill/>
-                </a:ln>
-                <a:solidFill>
-                  <a:schemeClr val="tx1"/>
-                </a:solidFill>
-                <a:effectLst/>
-                <a:latin typeface="Times New Roman" pitchFamily="18" charset="0"/>
-                <a:ea typeface="宋体" charset="-122"/>
-              </a:rPr>
-              <a:t>生成输入</a:t>
-            </a:r>
-          </a:p>
-        </p:txBody>
-      </p:sp>
-      <p:sp>
-        <p:nvSpPr>
-          <p:cNvPr id="6" name="矩形 5">
-            <a:extLst>
-              <a:ext uri="{FF2B5EF4-FFF2-40B4-BE49-F238E27FC236}">
-                <a16:creationId xmlns:a16="http://schemas.microsoft.com/office/drawing/2014/main" id="{73CDF9FA-A445-4B34-812B-FE088C82BE85}"/>
-              </a:ext>
-            </a:extLst>
-          </p:cNvPr>
-          <p:cNvSpPr/>
-          <p:nvPr/>
-        </p:nvSpPr>
-        <p:spPr bwMode="auto">
-          <a:xfrm>
-            <a:off x="3012440" y="3972560"/>
-            <a:ext cx="1056640" cy="711200"/>
-          </a:xfrm>
-          <a:prstGeom prst="rect">
-            <a:avLst/>
-          </a:prstGeom>
-          <a:solidFill>
-            <a:schemeClr val="bg1"/>
-          </a:solidFill>
-          <a:ln w="9525" cap="flat" cmpd="sng" algn="ctr">
-            <a:solidFill>
-              <a:srgbClr val="FF0000"/>
-            </a:solidFill>
-            <a:prstDash val="solid"/>
-            <a:round/>
-            <a:headEnd type="none" w="med" len="med"/>
-            <a:tailEnd type="none" w="med" len="med"/>
-          </a:ln>
-          <a:effectLst/>
-        </p:spPr>
-        <p:txBody>
-          <a:bodyPr vert="horz" wrap="none" lIns="91440" tIns="45720" rIns="91440" bIns="45720" numCol="1" rtlCol="0" anchor="ctr" anchorCtr="0" compatLnSpc="1">
-            <a:prstTxWarp prst="textNoShape">
-              <a:avLst/>
-            </a:prstTxWarp>
-          </a:bodyPr>
-          <a:lstStyle/>
-          <a:p>
-            <a:pPr marL="0" marR="0" indent="0" algn="ctr" defTabSz="914400" rtl="0" eaLnBrk="1" fontAlgn="base" latinLnBrk="0" hangingPunct="1">
-              <a:lnSpc>
-                <a:spcPct val="100000"/>
-              </a:lnSpc>
-              <a:spcBef>
-                <a:spcPct val="0"/>
-              </a:spcBef>
-              <a:spcAft>
-                <a:spcPct val="0"/>
-              </a:spcAft>
-              <a:buClrTx/>
-              <a:buSzTx/>
-              <a:buFontTx/>
-              <a:buNone/>
-              <a:tabLst/>
-            </a:pPr>
-            <a:r>
-              <a:rPr kumimoji="0" lang="zh-CN" altLang="en-US" sz="1800" b="0" i="0" u="none" strike="noStrike" cap="none" normalizeH="0" baseline="0" dirty="0">
-                <a:ln>
-                  <a:noFill/>
-                </a:ln>
-                <a:solidFill>
-                  <a:schemeClr val="tx1"/>
-                </a:solidFill>
-                <a:effectLst/>
-                <a:latin typeface="Times New Roman" pitchFamily="18" charset="0"/>
-                <a:ea typeface="宋体" charset="-122"/>
-              </a:rPr>
-              <a:t>运行</a:t>
-            </a:r>
-          </a:p>
-        </p:txBody>
-      </p:sp>
-      <p:sp>
-        <p:nvSpPr>
-          <p:cNvPr id="7" name="矩形 6">
-            <a:extLst>
-              <a:ext uri="{FF2B5EF4-FFF2-40B4-BE49-F238E27FC236}">
-                <a16:creationId xmlns:a16="http://schemas.microsoft.com/office/drawing/2014/main" id="{D77BF7E7-7435-4A7C-93A5-6CCE7A5C61BD}"/>
-              </a:ext>
-            </a:extLst>
-          </p:cNvPr>
-          <p:cNvSpPr/>
-          <p:nvPr/>
-        </p:nvSpPr>
-        <p:spPr bwMode="auto">
-          <a:xfrm>
-            <a:off x="4673600" y="3972560"/>
-            <a:ext cx="1493520" cy="711200"/>
-          </a:xfrm>
-          <a:prstGeom prst="rect">
-            <a:avLst/>
-          </a:prstGeom>
-          <a:solidFill>
-            <a:schemeClr val="bg1"/>
-          </a:solidFill>
-          <a:ln w="9525" cap="flat" cmpd="sng" algn="ctr">
-            <a:solidFill>
-              <a:srgbClr val="FF0000"/>
-            </a:solidFill>
-            <a:prstDash val="solid"/>
-            <a:round/>
-            <a:headEnd type="none" w="med" len="med"/>
-            <a:tailEnd type="none" w="med" len="med"/>
-          </a:ln>
-          <a:effectLst/>
-        </p:spPr>
-        <p:txBody>
-          <a:bodyPr vert="horz" wrap="none" lIns="91440" tIns="45720" rIns="91440" bIns="45720" numCol="1" rtlCol="0" anchor="ctr" anchorCtr="0" compatLnSpc="1">
-            <a:prstTxWarp prst="textNoShape">
-              <a:avLst/>
-            </a:prstTxWarp>
-          </a:bodyPr>
-          <a:lstStyle/>
-          <a:p>
-            <a:pPr marL="0" marR="0" indent="0" algn="ctr" defTabSz="914400" rtl="0" eaLnBrk="1" fontAlgn="base" latinLnBrk="0" hangingPunct="1">
-              <a:lnSpc>
-                <a:spcPct val="100000"/>
-              </a:lnSpc>
-              <a:spcBef>
-                <a:spcPct val="0"/>
-              </a:spcBef>
-              <a:spcAft>
-                <a:spcPct val="0"/>
-              </a:spcAft>
-              <a:buClrTx/>
-              <a:buSzTx/>
-              <a:buFontTx/>
-              <a:buNone/>
-              <a:tabLst/>
-            </a:pPr>
-            <a:r>
-              <a:rPr lang="zh-CN" altLang="en-US" dirty="0"/>
-              <a:t>得到运行结果</a:t>
-            </a:r>
-            <a:endParaRPr kumimoji="0" lang="zh-CN" altLang="en-US" sz="1800" b="0" i="0" u="none" strike="noStrike" cap="none" normalizeH="0" baseline="0" dirty="0">
-              <a:ln>
-                <a:noFill/>
-              </a:ln>
-              <a:solidFill>
-                <a:schemeClr val="tx1"/>
-              </a:solidFill>
-              <a:effectLst/>
-              <a:latin typeface="Times New Roman" pitchFamily="18" charset="0"/>
-              <a:ea typeface="宋体" charset="-122"/>
-            </a:endParaRPr>
-          </a:p>
-        </p:txBody>
-      </p:sp>
-      <p:sp>
-        <p:nvSpPr>
-          <p:cNvPr id="8" name="矩形 7">
-            <a:extLst>
-              <a:ext uri="{FF2B5EF4-FFF2-40B4-BE49-F238E27FC236}">
-                <a16:creationId xmlns:a16="http://schemas.microsoft.com/office/drawing/2014/main" id="{B1291B32-6F85-4A7A-B68A-5677084B5C79}"/>
-              </a:ext>
-            </a:extLst>
-          </p:cNvPr>
-          <p:cNvSpPr/>
-          <p:nvPr/>
-        </p:nvSpPr>
-        <p:spPr bwMode="auto">
-          <a:xfrm>
-            <a:off x="6756400" y="3952240"/>
-            <a:ext cx="1330960" cy="711200"/>
-          </a:xfrm>
-          <a:prstGeom prst="rect">
-            <a:avLst/>
-          </a:prstGeom>
-          <a:solidFill>
-            <a:schemeClr val="bg1"/>
-          </a:solidFill>
-          <a:ln w="9525" cap="flat" cmpd="sng" algn="ctr">
-            <a:solidFill>
-              <a:srgbClr val="FF0000"/>
-            </a:solidFill>
-            <a:prstDash val="solid"/>
-            <a:round/>
-            <a:headEnd type="none" w="med" len="med"/>
-            <a:tailEnd type="none" w="med" len="med"/>
-          </a:ln>
-          <a:effectLst/>
-        </p:spPr>
-        <p:txBody>
-          <a:bodyPr vert="horz" wrap="none" lIns="91440" tIns="45720" rIns="91440" bIns="45720" numCol="1" rtlCol="0" anchor="ctr" anchorCtr="0" compatLnSpc="1">
-            <a:prstTxWarp prst="textNoShape">
-              <a:avLst/>
-            </a:prstTxWarp>
-          </a:bodyPr>
-          <a:lstStyle/>
-          <a:p>
-            <a:pPr marL="0" marR="0" indent="0" algn="ctr" defTabSz="914400" rtl="0" eaLnBrk="1" fontAlgn="base" latinLnBrk="0" hangingPunct="1">
-              <a:lnSpc>
-                <a:spcPct val="100000"/>
-              </a:lnSpc>
-              <a:spcBef>
-                <a:spcPct val="0"/>
-              </a:spcBef>
-              <a:spcAft>
-                <a:spcPct val="0"/>
-              </a:spcAft>
-              <a:buClrTx/>
-              <a:buSzTx/>
-              <a:buFontTx/>
-              <a:buNone/>
-              <a:tabLst/>
-            </a:pPr>
-            <a:r>
-              <a:rPr kumimoji="0" lang="zh-CN" altLang="en-US" sz="1800" b="0" i="0" u="none" strike="noStrike" cap="none" normalizeH="0" baseline="0" dirty="0">
-                <a:ln>
-                  <a:noFill/>
-                </a:ln>
-                <a:solidFill>
-                  <a:schemeClr val="tx1"/>
-                </a:solidFill>
-                <a:effectLst/>
-                <a:latin typeface="Times New Roman" pitchFamily="18" charset="0"/>
-                <a:ea typeface="宋体" charset="-122"/>
-              </a:rPr>
-              <a:t>下一步分析</a:t>
-            </a:r>
-          </a:p>
-        </p:txBody>
-      </p:sp>
-      <p:cxnSp>
-        <p:nvCxnSpPr>
-          <p:cNvPr id="10" name="连接符: 肘形 9">
-            <a:extLst>
-              <a:ext uri="{FF2B5EF4-FFF2-40B4-BE49-F238E27FC236}">
-                <a16:creationId xmlns:a16="http://schemas.microsoft.com/office/drawing/2014/main" id="{28900D28-048E-4F21-916A-3FB90C22A6D0}"/>
-              </a:ext>
-            </a:extLst>
-          </p:cNvPr>
-          <p:cNvCxnSpPr>
-            <a:stCxn id="5" idx="3"/>
-            <a:endCxn id="6" idx="1"/>
-          </p:cNvCxnSpPr>
-          <p:nvPr/>
-        </p:nvCxnSpPr>
-        <p:spPr bwMode="auto">
-          <a:xfrm>
-            <a:off x="2438400" y="4328160"/>
-            <a:ext cx="574040" cy="12700"/>
-          </a:xfrm>
-          <a:prstGeom prst="bentConnector3">
-            <a:avLst>
-              <a:gd name="adj1" fmla="val 108407"/>
-            </a:avLst>
-          </a:prstGeom>
-          <a:solidFill>
-            <a:schemeClr val="bg1"/>
-          </a:solidFill>
-          <a:ln w="9525" cap="flat" cmpd="sng" algn="ctr">
-            <a:solidFill>
-              <a:srgbClr val="FF0000"/>
-            </a:solidFill>
-            <a:prstDash val="solid"/>
-            <a:round/>
-            <a:headEnd type="none" w="med" len="med"/>
-            <a:tailEnd type="triangle"/>
-          </a:ln>
-          <a:effectLst/>
-        </p:spPr>
-      </p:cxnSp>
-      <p:cxnSp>
-        <p:nvCxnSpPr>
-          <p:cNvPr id="14" name="连接符: 肘形 13">
-            <a:extLst>
-              <a:ext uri="{FF2B5EF4-FFF2-40B4-BE49-F238E27FC236}">
-                <a16:creationId xmlns:a16="http://schemas.microsoft.com/office/drawing/2014/main" id="{F2764E29-0DBE-4C0A-9DD8-E0D28028DD14}"/>
-              </a:ext>
-            </a:extLst>
-          </p:cNvPr>
-          <p:cNvCxnSpPr>
-            <a:stCxn id="6" idx="3"/>
-            <a:endCxn id="7" idx="1"/>
-          </p:cNvCxnSpPr>
-          <p:nvPr/>
-        </p:nvCxnSpPr>
-        <p:spPr bwMode="auto">
-          <a:xfrm>
-            <a:off x="4069080" y="4328160"/>
-            <a:ext cx="604520" cy="12700"/>
-          </a:xfrm>
-          <a:prstGeom prst="bentConnector3">
-            <a:avLst>
-              <a:gd name="adj1" fmla="val 98739"/>
-            </a:avLst>
-          </a:prstGeom>
-          <a:solidFill>
-            <a:schemeClr val="bg1"/>
-          </a:solidFill>
-          <a:ln w="9525" cap="flat" cmpd="sng" algn="ctr">
-            <a:solidFill>
-              <a:srgbClr val="FF0000"/>
-            </a:solidFill>
-            <a:prstDash val="solid"/>
-            <a:round/>
-            <a:headEnd type="none" w="med" len="med"/>
-            <a:tailEnd type="triangle"/>
-          </a:ln>
-          <a:effectLst/>
-        </p:spPr>
-      </p:cxnSp>
-      <p:cxnSp>
-        <p:nvCxnSpPr>
-          <p:cNvPr id="17" name="连接符: 肘形 16">
-            <a:extLst>
-              <a:ext uri="{FF2B5EF4-FFF2-40B4-BE49-F238E27FC236}">
-                <a16:creationId xmlns:a16="http://schemas.microsoft.com/office/drawing/2014/main" id="{16F6E943-7C07-4C5B-B19E-3B10F593F1B9}"/>
-              </a:ext>
-            </a:extLst>
-          </p:cNvPr>
-          <p:cNvCxnSpPr>
-            <a:stCxn id="7" idx="3"/>
-            <a:endCxn id="8" idx="1"/>
-          </p:cNvCxnSpPr>
-          <p:nvPr/>
-        </p:nvCxnSpPr>
-        <p:spPr bwMode="auto">
-          <a:xfrm flipV="1">
-            <a:off x="6167120" y="4307840"/>
-            <a:ext cx="589280" cy="20320"/>
-          </a:xfrm>
-          <a:prstGeom prst="bentConnector3">
-            <a:avLst>
-              <a:gd name="adj1" fmla="val 100000"/>
-            </a:avLst>
-          </a:prstGeom>
-          <a:solidFill>
-            <a:schemeClr val="bg1"/>
-          </a:solidFill>
-          <a:ln w="9525" cap="flat" cmpd="sng" algn="ctr">
-            <a:solidFill>
-              <a:srgbClr val="FF0000"/>
-            </a:solidFill>
-            <a:prstDash val="solid"/>
-            <a:round/>
-            <a:headEnd type="none" w="med" len="med"/>
-            <a:tailEnd type="triangle"/>
-          </a:ln>
-          <a:effectLst/>
-        </p:spPr>
-      </p:cxnSp>
-      <p:sp>
-        <p:nvSpPr>
-          <p:cNvPr id="19" name="矩形 18">
-            <a:extLst>
-              <a:ext uri="{FF2B5EF4-FFF2-40B4-BE49-F238E27FC236}">
-                <a16:creationId xmlns:a16="http://schemas.microsoft.com/office/drawing/2014/main" id="{87511761-E0EC-436E-941E-31B607ED1B53}"/>
-              </a:ext>
-            </a:extLst>
-          </p:cNvPr>
-          <p:cNvSpPr/>
-          <p:nvPr/>
-        </p:nvSpPr>
-        <p:spPr bwMode="auto">
-          <a:xfrm>
-            <a:off x="2562860" y="5039360"/>
-            <a:ext cx="1955800" cy="711200"/>
-          </a:xfrm>
-          <a:prstGeom prst="rect">
-            <a:avLst/>
-          </a:prstGeom>
-          <a:solidFill>
-            <a:schemeClr val="bg1"/>
-          </a:solidFill>
-          <a:ln w="9525" cap="flat" cmpd="sng" algn="ctr">
-            <a:solidFill>
-              <a:srgbClr val="FF0000"/>
-            </a:solidFill>
-            <a:prstDash val="solid"/>
-            <a:round/>
-            <a:headEnd type="none" w="med" len="med"/>
-            <a:tailEnd type="none" w="med" len="med"/>
-          </a:ln>
-          <a:effectLst/>
-        </p:spPr>
-        <p:txBody>
-          <a:bodyPr vert="horz" wrap="none" lIns="91440" tIns="45720" rIns="91440" bIns="45720" numCol="1" rtlCol="0" anchor="ctr" anchorCtr="0" compatLnSpc="1">
-            <a:prstTxWarp prst="textNoShape">
-              <a:avLst/>
-            </a:prstTxWarp>
-          </a:bodyPr>
-          <a:lstStyle/>
-          <a:p>
-            <a:pPr marL="0" marR="0" indent="0" algn="ctr" defTabSz="914400" rtl="0" eaLnBrk="1" fontAlgn="base" latinLnBrk="0" hangingPunct="1">
-              <a:lnSpc>
-                <a:spcPct val="100000"/>
-              </a:lnSpc>
-              <a:spcBef>
-                <a:spcPct val="0"/>
-              </a:spcBef>
-              <a:spcAft>
-                <a:spcPct val="0"/>
-              </a:spcAft>
-              <a:buClrTx/>
-              <a:buSzTx/>
-              <a:buFontTx/>
-              <a:buNone/>
-              <a:tabLst/>
-            </a:pPr>
-            <a:r>
-              <a:rPr kumimoji="0" lang="zh-CN" altLang="en-US" sz="1800" b="0" i="0" u="none" strike="noStrike" cap="none" normalizeH="0" baseline="0" dirty="0">
-                <a:ln>
-                  <a:noFill/>
-                </a:ln>
-                <a:solidFill>
-                  <a:schemeClr val="tx1"/>
-                </a:solidFill>
-                <a:effectLst/>
-                <a:latin typeface="Times New Roman" pitchFamily="18" charset="0"/>
-                <a:ea typeface="宋体" charset="-122"/>
-              </a:rPr>
-              <a:t>生成器产生新输入</a:t>
-            </a:r>
-          </a:p>
-        </p:txBody>
-      </p:sp>
-      <p:cxnSp>
-        <p:nvCxnSpPr>
-          <p:cNvPr id="21" name="连接符: 肘形 20">
-            <a:extLst>
-              <a:ext uri="{FF2B5EF4-FFF2-40B4-BE49-F238E27FC236}">
-                <a16:creationId xmlns:a16="http://schemas.microsoft.com/office/drawing/2014/main" id="{C4E81FE1-801C-48F5-BF3D-35B737C7F6DF}"/>
-              </a:ext>
-            </a:extLst>
-          </p:cNvPr>
-          <p:cNvCxnSpPr>
-            <a:cxnSpLocks/>
-            <a:stCxn id="7" idx="2"/>
-            <a:endCxn id="19" idx="3"/>
-          </p:cNvCxnSpPr>
-          <p:nvPr/>
-        </p:nvCxnSpPr>
-        <p:spPr bwMode="auto">
-          <a:xfrm rot="5400000">
-            <a:off x="4613910" y="4588510"/>
-            <a:ext cx="711200" cy="901700"/>
-          </a:xfrm>
-          <a:prstGeom prst="bentConnector2">
-            <a:avLst/>
-          </a:prstGeom>
-          <a:solidFill>
-            <a:schemeClr val="bg1"/>
-          </a:solidFill>
-          <a:ln w="9525" cap="flat" cmpd="sng" algn="ctr">
-            <a:solidFill>
-              <a:srgbClr val="FF0000"/>
-            </a:solidFill>
-            <a:prstDash val="solid"/>
-            <a:round/>
-            <a:headEnd type="none" w="med" len="med"/>
-            <a:tailEnd type="triangle"/>
-          </a:ln>
-          <a:effectLst/>
-        </p:spPr>
-      </p:cxnSp>
-      <p:cxnSp>
-        <p:nvCxnSpPr>
-          <p:cNvPr id="25" name="连接符: 肘形 24">
-            <a:extLst>
-              <a:ext uri="{FF2B5EF4-FFF2-40B4-BE49-F238E27FC236}">
-                <a16:creationId xmlns:a16="http://schemas.microsoft.com/office/drawing/2014/main" id="{F561EE66-B3F4-4394-AE0B-4A975BA015CD}"/>
-              </a:ext>
-            </a:extLst>
-          </p:cNvPr>
-          <p:cNvCxnSpPr>
-            <a:stCxn id="19" idx="1"/>
-            <a:endCxn id="5" idx="2"/>
-          </p:cNvCxnSpPr>
-          <p:nvPr/>
-        </p:nvCxnSpPr>
-        <p:spPr bwMode="auto">
-          <a:xfrm rot="10800000">
-            <a:off x="1910080" y="4683760"/>
-            <a:ext cx="652780" cy="711200"/>
-          </a:xfrm>
-          <a:prstGeom prst="bentConnector2">
-            <a:avLst/>
-          </a:prstGeom>
-          <a:solidFill>
-            <a:schemeClr val="bg1"/>
-          </a:solidFill>
-          <a:ln w="9525" cap="flat" cmpd="sng" algn="ctr">
-            <a:solidFill>
-              <a:srgbClr val="FF0000"/>
-            </a:solidFill>
-            <a:prstDash val="solid"/>
-            <a:round/>
-            <a:headEnd type="none" w="med" len="med"/>
-            <a:tailEnd type="triangle"/>
-          </a:ln>
-          <a:effectLst/>
-        </p:spPr>
-      </p:cxnSp>
+      </p:pic>
     </p:spTree>
     <p:extLst>
       <p:ext uri="{BB962C8B-B14F-4D97-AF65-F5344CB8AC3E}">
-        <p14:creationId xmlns:p14="http://schemas.microsoft.com/office/powerpoint/2010/main" val="1947796479"/>
+        <p14:creationId xmlns:p14="http://schemas.microsoft.com/office/powerpoint/2010/main" val="2992609677"/>
       </p:ext>
     </p:extLst>
   </p:cSld>
@@ -9257,7 +13734,7 @@
             <a:pPr algn="l"/>
             <a:r>
               <a:rPr lang="zh-CN" altLang="en-US" sz="3600" dirty="0"/>
-              <a:t>研究目标</a:t>
+              <a:t>研究思路</a:t>
             </a:r>
           </a:p>
         </p:txBody>
@@ -9285,83 +13762,27 @@
           <a:p>
             <a:r>
               <a:rPr lang="zh-CN" altLang="en-US" dirty="0"/>
-              <a:t>以太坊虚拟机运行关键过程的插桩</a:t>
+              <a:t>保证测试工具的可扩展性</a:t>
             </a:r>
             <a:endParaRPr lang="en-US" altLang="zh-CN" dirty="0"/>
           </a:p>
           <a:p>
             <a:pPr lvl="1"/>
             <a:r>
+              <a:rPr lang="zh-CN" altLang="en-US" dirty="0"/>
+              <a:t>当前已有的工作很少有开源的，或者虽然是开源的，但是与其研究目标耦合度高，不利于用户的定制。</a:t>
+            </a:r>
+            <a:endParaRPr lang="en-US" altLang="zh-CN" dirty="0"/>
+          </a:p>
+          <a:p>
+            <a:pPr lvl="1"/>
+            <a:r>
               <a:rPr lang="en-US" altLang="zh-CN" dirty="0"/>
-              <a:t>CALL </a:t>
-            </a:r>
-            <a:r>
-              <a:rPr lang="zh-CN" altLang="en-US" dirty="0"/>
-              <a:t>指令是以太坊虚拟机的关键指令，每一个函数的调用都是通过 </a:t>
-            </a:r>
-            <a:r>
-              <a:rPr lang="en-US" altLang="zh-CN" dirty="0"/>
-              <a:t>CALL </a:t>
-            </a:r>
-            <a:r>
-              <a:rPr lang="zh-CN" altLang="en-US" dirty="0"/>
-              <a:t>指令实现的。</a:t>
-            </a:r>
-            <a:endParaRPr lang="en-US" altLang="zh-CN" dirty="0"/>
-          </a:p>
-          <a:p>
-            <a:pPr lvl="1"/>
-            <a:r>
-              <a:rPr lang="zh-CN" altLang="en-US" dirty="0"/>
-              <a:t>除了记录</a:t>
-            </a:r>
-            <a:r>
-              <a:rPr lang="en-US" altLang="zh-CN" dirty="0"/>
-              <a:t>CALL</a:t>
-            </a:r>
-            <a:r>
-              <a:rPr lang="zh-CN" altLang="en-US" dirty="0"/>
-              <a:t>指令外，插桩过程还记录了</a:t>
-            </a:r>
-            <a:r>
-              <a:rPr lang="en-US" altLang="zh-CN" dirty="0"/>
-              <a:t>CALL</a:t>
-            </a:r>
-            <a:r>
-              <a:rPr lang="zh-CN" altLang="en-US" dirty="0"/>
-              <a:t>的层级，即可以通过插桩信息还原调用树。</a:t>
-            </a:r>
-            <a:endParaRPr lang="en-US" altLang="zh-CN" dirty="0"/>
-          </a:p>
-          <a:p>
-            <a:pPr lvl="1"/>
-            <a:r>
-              <a:rPr lang="zh-CN" altLang="en-US" dirty="0"/>
-              <a:t>除了</a:t>
-            </a:r>
-            <a:r>
-              <a:rPr lang="en-US" altLang="zh-CN" dirty="0"/>
-              <a:t>CALL</a:t>
-            </a:r>
-            <a:r>
-              <a:rPr lang="zh-CN" altLang="en-US" dirty="0"/>
-              <a:t>指令，我们还监测了一些关键的指令，例如时间戳获取指令</a:t>
-            </a:r>
-            <a:r>
-              <a:rPr lang="en-US" altLang="zh-CN" dirty="0"/>
-              <a:t>TIMESTAMP</a:t>
-            </a:r>
-            <a:r>
-              <a:rPr lang="zh-CN" altLang="en-US" dirty="0"/>
-              <a:t>，比较指令，算术相关指令等。</a:t>
-            </a:r>
-            <a:endParaRPr lang="en-US" altLang="zh-CN" dirty="0"/>
-          </a:p>
-          <a:p>
-            <a:pPr lvl="1"/>
-            <a:r>
-              <a:rPr lang="zh-CN" altLang="en-US" dirty="0"/>
-              <a:t>只需要提供指令名称，用户就可以快速使框架对某一指令进行插桩。</a:t>
+              <a:t>	</a:t>
+            </a:r>
+            <a:r>
+              <a:rPr lang="zh-CN" altLang="en-US" dirty="0"/>
+              <a:t>本项目追求在实现模糊测试框架的同时，尽量让用户在使用时不需要对运行框架有过深的了解，只需要依靠工具所提供的测试接口，就可以定制模糊输入变异策略或者测试预言。</a:t>
             </a:r>
             <a:endParaRPr lang="en-US" altLang="zh-CN" dirty="0"/>
           </a:p>
@@ -9403,7 +13824,7 @@
     </p:spTree>
     <p:extLst>
       <p:ext uri="{BB962C8B-B14F-4D97-AF65-F5344CB8AC3E}">
-        <p14:creationId xmlns:p14="http://schemas.microsoft.com/office/powerpoint/2010/main" val="3274298341"/>
+        <p14:creationId xmlns:p14="http://schemas.microsoft.com/office/powerpoint/2010/main" val="1635388348"/>
       </p:ext>
     </p:extLst>
   </p:cSld>
@@ -9482,9 +13903,80 @@
           <a:p>
             <a:r>
               <a:rPr lang="zh-CN" altLang="en-US" dirty="0"/>
+              <a:t>总体框架</a:t>
+            </a:r>
+            <a:endParaRPr lang="en-US" altLang="zh-CN" dirty="0"/>
+          </a:p>
+          <a:p>
+            <a:pPr lvl="1"/>
+            <a:r>
+              <a:rPr lang="zh-CN" altLang="en-US" dirty="0"/>
+              <a:t>理论方面的讨论</a:t>
+            </a:r>
+            <a:endParaRPr lang="en-US" altLang="zh-CN" dirty="0"/>
+          </a:p>
+          <a:p>
+            <a:pPr lvl="2"/>
+            <a:r>
+              <a:rPr lang="zh-CN" altLang="en-US" dirty="0"/>
+              <a:t>基于合约</a:t>
+            </a:r>
+            <a:r>
+              <a:rPr lang="en-US" altLang="zh-CN" dirty="0"/>
+              <a:t>ABI</a:t>
+            </a:r>
+            <a:r>
+              <a:rPr lang="zh-CN" altLang="en-US" dirty="0"/>
+              <a:t>与运行结果，生成模糊测试用例</a:t>
+            </a:r>
+            <a:endParaRPr lang="en-US" altLang="zh-CN" dirty="0"/>
+          </a:p>
+          <a:p>
+            <a:pPr lvl="2"/>
+            <a:r>
+              <a:rPr lang="zh-CN" altLang="en-US" dirty="0"/>
+              <a:t>基于测试预言，自动化分析合约调用信息与调用树</a:t>
+            </a:r>
+            <a:endParaRPr lang="en-US" altLang="zh-CN" dirty="0"/>
+          </a:p>
+          <a:p>
+            <a:pPr lvl="1"/>
+            <a:r>
+              <a:rPr lang="zh-CN" altLang="en-US" dirty="0"/>
+              <a:t>实现方面的讨论</a:t>
+            </a:r>
+            <a:endParaRPr lang="en-US" altLang="zh-CN" dirty="0"/>
+          </a:p>
+          <a:p>
+            <a:pPr lvl="2"/>
+            <a:r>
+              <a:rPr lang="zh-CN" altLang="en-US" dirty="0"/>
               <a:t>以太坊虚拟机运行关键过程的插桩</a:t>
             </a:r>
             <a:endParaRPr lang="en-US" altLang="zh-CN" dirty="0"/>
+          </a:p>
+          <a:p>
+            <a:pPr lvl="2"/>
+            <a:r>
+              <a:rPr lang="zh-CN" altLang="en-US" dirty="0"/>
+              <a:t>分析漏洞是否存在的测试预言</a:t>
+            </a:r>
+            <a:endParaRPr lang="en-US" altLang="zh-CN" dirty="0"/>
+          </a:p>
+          <a:p>
+            <a:pPr lvl="1"/>
+            <a:endParaRPr lang="en-US" altLang="zh-CN" dirty="0"/>
+          </a:p>
+          <a:p>
+            <a:pPr lvl="1"/>
+            <a:endParaRPr lang="en-US" altLang="zh-CN" dirty="0"/>
+          </a:p>
+          <a:p>
+            <a:pPr lvl="1"/>
+            <a:endParaRPr lang="en-US" altLang="zh-CN" dirty="0"/>
+          </a:p>
+          <a:p>
+            <a:endParaRPr lang="zh-CN" altLang="en-US" dirty="0"/>
           </a:p>
         </p:txBody>
       </p:sp>
@@ -9518,40 +14010,637 @@
           </a:p>
         </p:txBody>
       </p:sp>
-      <p:pic>
-        <p:nvPicPr>
-          <p:cNvPr id="6" name="图片 5">
+      <p:sp>
+        <p:nvSpPr>
+          <p:cNvPr id="5" name="矩形: 圆角 4">
             <a:extLst>
               <a:ext uri="{FF2B5EF4-FFF2-40B4-BE49-F238E27FC236}">
-                <a16:creationId xmlns:a16="http://schemas.microsoft.com/office/drawing/2014/main" id="{86E32295-775E-408E-B401-1ABBE0AC50BC}"/>
+                <a16:creationId xmlns:a16="http://schemas.microsoft.com/office/drawing/2014/main" id="{86689F48-C8F8-4EE8-AD97-6076E372DD97}"/>
               </a:ext>
             </a:extLst>
           </p:cNvPr>
-          <p:cNvPicPr>
-            <a:picLocks noChangeAspect="1"/>
-          </p:cNvPicPr>
+          <p:cNvSpPr/>
           <p:nvPr/>
-        </p:nvPicPr>
-        <p:blipFill>
-          <a:blip r:embed="rId3"/>
-          <a:stretch>
-            <a:fillRect/>
-          </a:stretch>
-        </p:blipFill>
-        <p:spPr>
+        </p:nvSpPr>
+        <p:spPr bwMode="auto">
           <a:xfrm>
-            <a:off x="1099483" y="2200797"/>
-            <a:ext cx="6945033" cy="3529443"/>
+            <a:off x="691116" y="4205097"/>
+            <a:ext cx="1562986" cy="882502"/>
           </a:xfrm>
-          <a:prstGeom prst="rect">
+          <a:prstGeom prst="roundRect">
             <a:avLst/>
           </a:prstGeom>
+          <a:ln>
+            <a:headEnd type="none" w="med" len="med"/>
+            <a:tailEnd type="none" w="med" len="med"/>
+          </a:ln>
         </p:spPr>
-      </p:pic>
+        <p:style>
+          <a:lnRef idx="1">
+            <a:schemeClr val="accent2"/>
+          </a:lnRef>
+          <a:fillRef idx="2">
+            <a:schemeClr val="accent2"/>
+          </a:fillRef>
+          <a:effectRef idx="1">
+            <a:schemeClr val="accent2"/>
+          </a:effectRef>
+          <a:fontRef idx="minor">
+            <a:schemeClr val="dk1"/>
+          </a:fontRef>
+        </p:style>
+        <p:txBody>
+          <a:bodyPr vert="horz" wrap="none" lIns="91440" tIns="45720" rIns="91440" bIns="45720" numCol="1" rtlCol="0" anchor="ctr" anchorCtr="0" compatLnSpc="1">
+            <a:prstTxWarp prst="textNoShape">
+              <a:avLst/>
+            </a:prstTxWarp>
+          </a:bodyPr>
+          <a:lstStyle/>
+          <a:p>
+            <a:pPr marL="0" marR="0" indent="0" algn="ctr" defTabSz="914400" rtl="0" eaLnBrk="1" fontAlgn="base" latinLnBrk="0" hangingPunct="1">
+              <a:lnSpc>
+                <a:spcPct val="100000"/>
+              </a:lnSpc>
+              <a:spcBef>
+                <a:spcPct val="0"/>
+              </a:spcBef>
+              <a:spcAft>
+                <a:spcPct val="0"/>
+              </a:spcAft>
+              <a:buClrTx/>
+              <a:buSzTx/>
+              <a:buFontTx/>
+              <a:buNone/>
+              <a:tabLst/>
+            </a:pPr>
+            <a:r>
+              <a:rPr kumimoji="0" lang="zh-CN" altLang="en-US" sz="1800" b="0" i="0" u="none" strike="noStrike" cap="none" normalizeH="0" baseline="0" dirty="0">
+                <a:ln>
+                  <a:noFill/>
+                </a:ln>
+                <a:solidFill>
+                  <a:schemeClr val="tx1"/>
+                </a:solidFill>
+                <a:effectLst/>
+                <a:latin typeface="Times New Roman" pitchFamily="18" charset="0"/>
+                <a:ea typeface="宋体" charset="-122"/>
+              </a:rPr>
+              <a:t>产生模糊输入</a:t>
+            </a:r>
+          </a:p>
+        </p:txBody>
+      </p:sp>
+      <p:sp>
+        <p:nvSpPr>
+          <p:cNvPr id="6" name="矩形: 圆角 5">
+            <a:extLst>
+              <a:ext uri="{FF2B5EF4-FFF2-40B4-BE49-F238E27FC236}">
+                <a16:creationId xmlns:a16="http://schemas.microsoft.com/office/drawing/2014/main" id="{B8C77AEB-9641-4D39-A57C-4827AF6A818F}"/>
+              </a:ext>
+            </a:extLst>
+          </p:cNvPr>
+          <p:cNvSpPr/>
+          <p:nvPr/>
+        </p:nvSpPr>
+        <p:spPr bwMode="auto">
+          <a:xfrm>
+            <a:off x="2810539" y="4205097"/>
+            <a:ext cx="1562986" cy="882502"/>
+          </a:xfrm>
+          <a:prstGeom prst="roundRect">
+            <a:avLst/>
+          </a:prstGeom>
+          <a:ln>
+            <a:headEnd type="none" w="med" len="med"/>
+            <a:tailEnd type="none" w="med" len="med"/>
+          </a:ln>
+        </p:spPr>
+        <p:style>
+          <a:lnRef idx="1">
+            <a:schemeClr val="accent2"/>
+          </a:lnRef>
+          <a:fillRef idx="2">
+            <a:schemeClr val="accent2"/>
+          </a:fillRef>
+          <a:effectRef idx="1">
+            <a:schemeClr val="accent2"/>
+          </a:effectRef>
+          <a:fontRef idx="minor">
+            <a:schemeClr val="dk1"/>
+          </a:fontRef>
+        </p:style>
+        <p:txBody>
+          <a:bodyPr vert="horz" wrap="none" lIns="91440" tIns="45720" rIns="91440" bIns="45720" numCol="1" rtlCol="0" anchor="ctr" anchorCtr="0" compatLnSpc="1">
+            <a:prstTxWarp prst="textNoShape">
+              <a:avLst/>
+            </a:prstTxWarp>
+          </a:bodyPr>
+          <a:lstStyle/>
+          <a:p>
+            <a:pPr marL="0" marR="0" indent="0" algn="ctr" defTabSz="914400" rtl="0" eaLnBrk="1" fontAlgn="base" latinLnBrk="0" hangingPunct="1">
+              <a:lnSpc>
+                <a:spcPct val="100000"/>
+              </a:lnSpc>
+              <a:spcBef>
+                <a:spcPct val="0"/>
+              </a:spcBef>
+              <a:spcAft>
+                <a:spcPct val="0"/>
+              </a:spcAft>
+              <a:buClrTx/>
+              <a:buSzTx/>
+              <a:buFontTx/>
+              <a:buNone/>
+              <a:tabLst/>
+            </a:pPr>
+            <a:r>
+              <a:rPr kumimoji="0" lang="zh-CN" altLang="en-US" sz="1800" b="0" i="0" u="none" strike="noStrike" cap="none" normalizeH="0" baseline="0" dirty="0">
+                <a:ln>
+                  <a:noFill/>
+                </a:ln>
+                <a:solidFill>
+                  <a:schemeClr val="tx1"/>
+                </a:solidFill>
+                <a:effectLst/>
+                <a:latin typeface="Times New Roman" pitchFamily="18" charset="0"/>
+                <a:ea typeface="宋体" charset="-122"/>
+              </a:rPr>
+              <a:t>插桩的</a:t>
+            </a:r>
+            <a:r>
+              <a:rPr kumimoji="0" lang="en-US" altLang="zh-CN" sz="1800" b="0" i="0" u="none" strike="noStrike" cap="none" normalizeH="0" baseline="0" dirty="0">
+                <a:ln>
+                  <a:noFill/>
+                </a:ln>
+                <a:solidFill>
+                  <a:schemeClr val="tx1"/>
+                </a:solidFill>
+                <a:effectLst/>
+                <a:latin typeface="Times New Roman" pitchFamily="18" charset="0"/>
+                <a:ea typeface="宋体" charset="-122"/>
+              </a:rPr>
+              <a:t>EVM</a:t>
+            </a:r>
+            <a:endParaRPr kumimoji="0" lang="zh-CN" altLang="en-US" sz="1800" b="0" i="0" u="none" strike="noStrike" cap="none" normalizeH="0" baseline="0" dirty="0">
+              <a:ln>
+                <a:noFill/>
+              </a:ln>
+              <a:solidFill>
+                <a:schemeClr val="tx1"/>
+              </a:solidFill>
+              <a:effectLst/>
+              <a:latin typeface="Times New Roman" pitchFamily="18" charset="0"/>
+              <a:ea typeface="宋体" charset="-122"/>
+            </a:endParaRPr>
+          </a:p>
+        </p:txBody>
+      </p:sp>
+      <p:sp>
+        <p:nvSpPr>
+          <p:cNvPr id="7" name="矩形: 圆角 6">
+            <a:extLst>
+              <a:ext uri="{FF2B5EF4-FFF2-40B4-BE49-F238E27FC236}">
+                <a16:creationId xmlns:a16="http://schemas.microsoft.com/office/drawing/2014/main" id="{AE4F3E10-6790-4AB1-B1DD-FC8A45F5C6F5}"/>
+              </a:ext>
+            </a:extLst>
+          </p:cNvPr>
+          <p:cNvSpPr/>
+          <p:nvPr/>
+        </p:nvSpPr>
+        <p:spPr bwMode="auto">
+          <a:xfrm>
+            <a:off x="2810539" y="5590837"/>
+            <a:ext cx="1562986" cy="882502"/>
+          </a:xfrm>
+          <a:prstGeom prst="roundRect">
+            <a:avLst/>
+          </a:prstGeom>
+          <a:ln>
+            <a:headEnd type="none" w="med" len="med"/>
+            <a:tailEnd type="none" w="med" len="med"/>
+          </a:ln>
+        </p:spPr>
+        <p:style>
+          <a:lnRef idx="1">
+            <a:schemeClr val="accent2"/>
+          </a:lnRef>
+          <a:fillRef idx="2">
+            <a:schemeClr val="accent2"/>
+          </a:fillRef>
+          <a:effectRef idx="1">
+            <a:schemeClr val="accent2"/>
+          </a:effectRef>
+          <a:fontRef idx="minor">
+            <a:schemeClr val="dk1"/>
+          </a:fontRef>
+        </p:style>
+        <p:txBody>
+          <a:bodyPr vert="horz" wrap="none" lIns="91440" tIns="45720" rIns="91440" bIns="45720" numCol="1" rtlCol="0" anchor="ctr" anchorCtr="0" compatLnSpc="1">
+            <a:prstTxWarp prst="textNoShape">
+              <a:avLst/>
+            </a:prstTxWarp>
+          </a:bodyPr>
+          <a:lstStyle/>
+          <a:p>
+            <a:pPr marL="0" marR="0" indent="0" algn="ctr" defTabSz="914400" rtl="0" eaLnBrk="1" fontAlgn="base" latinLnBrk="0" hangingPunct="1">
+              <a:lnSpc>
+                <a:spcPct val="100000"/>
+              </a:lnSpc>
+              <a:spcBef>
+                <a:spcPct val="0"/>
+              </a:spcBef>
+              <a:spcAft>
+                <a:spcPct val="0"/>
+              </a:spcAft>
+              <a:buClrTx/>
+              <a:buSzTx/>
+              <a:buFontTx/>
+              <a:buNone/>
+              <a:tabLst/>
+            </a:pPr>
+            <a:r>
+              <a:rPr lang="zh-CN" altLang="en-US" dirty="0">
+                <a:solidFill>
+                  <a:schemeClr val="tx1"/>
+                </a:solidFill>
+                <a:latin typeface="Times New Roman" pitchFamily="18" charset="0"/>
+                <a:ea typeface="宋体" charset="-122"/>
+              </a:rPr>
+              <a:t>生成覆盖信息</a:t>
+            </a:r>
+            <a:endParaRPr kumimoji="0" lang="zh-CN" altLang="en-US" sz="1800" b="0" i="0" u="none" strike="noStrike" cap="none" normalizeH="0" baseline="0" dirty="0">
+              <a:ln>
+                <a:noFill/>
+              </a:ln>
+              <a:solidFill>
+                <a:schemeClr val="tx1"/>
+              </a:solidFill>
+              <a:effectLst/>
+              <a:latin typeface="Times New Roman" pitchFamily="18" charset="0"/>
+              <a:ea typeface="宋体" charset="-122"/>
+            </a:endParaRPr>
+          </a:p>
+        </p:txBody>
+      </p:sp>
+      <p:sp>
+        <p:nvSpPr>
+          <p:cNvPr id="8" name="矩形: 圆角 7">
+            <a:extLst>
+              <a:ext uri="{FF2B5EF4-FFF2-40B4-BE49-F238E27FC236}">
+                <a16:creationId xmlns:a16="http://schemas.microsoft.com/office/drawing/2014/main" id="{35F842A6-287C-4A18-A07F-728FB5685B3B}"/>
+              </a:ext>
+            </a:extLst>
+          </p:cNvPr>
+          <p:cNvSpPr/>
+          <p:nvPr/>
+        </p:nvSpPr>
+        <p:spPr bwMode="auto">
+          <a:xfrm>
+            <a:off x="4929962" y="4205097"/>
+            <a:ext cx="1562986" cy="882502"/>
+          </a:xfrm>
+          <a:prstGeom prst="roundRect">
+            <a:avLst/>
+          </a:prstGeom>
+          <a:ln>
+            <a:headEnd type="none" w="med" len="med"/>
+            <a:tailEnd type="none" w="med" len="med"/>
+          </a:ln>
+        </p:spPr>
+        <p:style>
+          <a:lnRef idx="1">
+            <a:schemeClr val="accent2"/>
+          </a:lnRef>
+          <a:fillRef idx="2">
+            <a:schemeClr val="accent2"/>
+          </a:fillRef>
+          <a:effectRef idx="1">
+            <a:schemeClr val="accent2"/>
+          </a:effectRef>
+          <a:fontRef idx="minor">
+            <a:schemeClr val="dk1"/>
+          </a:fontRef>
+        </p:style>
+        <p:txBody>
+          <a:bodyPr vert="horz" wrap="none" lIns="91440" tIns="45720" rIns="91440" bIns="45720" numCol="1" rtlCol="0" anchor="ctr" anchorCtr="0" compatLnSpc="1">
+            <a:prstTxWarp prst="textNoShape">
+              <a:avLst/>
+            </a:prstTxWarp>
+          </a:bodyPr>
+          <a:lstStyle/>
+          <a:p>
+            <a:pPr marL="0" marR="0" indent="0" algn="ctr" defTabSz="914400" rtl="0" eaLnBrk="1" fontAlgn="base" latinLnBrk="0" hangingPunct="1">
+              <a:lnSpc>
+                <a:spcPct val="100000"/>
+              </a:lnSpc>
+              <a:spcBef>
+                <a:spcPct val="0"/>
+              </a:spcBef>
+              <a:spcAft>
+                <a:spcPct val="0"/>
+              </a:spcAft>
+              <a:buClrTx/>
+              <a:buSzTx/>
+              <a:buFontTx/>
+              <a:buNone/>
+              <a:tabLst/>
+            </a:pPr>
+            <a:r>
+              <a:rPr kumimoji="0" lang="zh-CN" altLang="en-US" sz="1800" b="0" i="0" u="none" strike="noStrike" cap="none" normalizeH="0" baseline="0" dirty="0">
+                <a:ln>
+                  <a:noFill/>
+                </a:ln>
+                <a:solidFill>
+                  <a:schemeClr val="tx1"/>
+                </a:solidFill>
+                <a:effectLst/>
+                <a:latin typeface="Times New Roman" pitchFamily="18" charset="0"/>
+                <a:ea typeface="宋体" charset="-122"/>
+              </a:rPr>
+              <a:t>生成运行信息</a:t>
+            </a:r>
+          </a:p>
+        </p:txBody>
+      </p:sp>
+      <p:sp>
+        <p:nvSpPr>
+          <p:cNvPr id="9" name="矩形: 圆角 8">
+            <a:extLst>
+              <a:ext uri="{FF2B5EF4-FFF2-40B4-BE49-F238E27FC236}">
+                <a16:creationId xmlns:a16="http://schemas.microsoft.com/office/drawing/2014/main" id="{9F82A61E-18A8-4E4C-A729-36F59D97E6CB}"/>
+              </a:ext>
+            </a:extLst>
+          </p:cNvPr>
+          <p:cNvSpPr/>
+          <p:nvPr/>
+        </p:nvSpPr>
+        <p:spPr bwMode="auto">
+          <a:xfrm>
+            <a:off x="7047614" y="4205097"/>
+            <a:ext cx="1562986" cy="882502"/>
+          </a:xfrm>
+          <a:prstGeom prst="roundRect">
+            <a:avLst/>
+          </a:prstGeom>
+          <a:ln>
+            <a:headEnd type="none" w="med" len="med"/>
+            <a:tailEnd type="none" w="med" len="med"/>
+          </a:ln>
+        </p:spPr>
+        <p:style>
+          <a:lnRef idx="1">
+            <a:schemeClr val="accent2"/>
+          </a:lnRef>
+          <a:fillRef idx="2">
+            <a:schemeClr val="accent2"/>
+          </a:fillRef>
+          <a:effectRef idx="1">
+            <a:schemeClr val="accent2"/>
+          </a:effectRef>
+          <a:fontRef idx="minor">
+            <a:schemeClr val="dk1"/>
+          </a:fontRef>
+        </p:style>
+        <p:txBody>
+          <a:bodyPr vert="horz" wrap="none" lIns="91440" tIns="45720" rIns="91440" bIns="45720" numCol="1" rtlCol="0" anchor="ctr" anchorCtr="0" compatLnSpc="1">
+            <a:prstTxWarp prst="textNoShape">
+              <a:avLst/>
+            </a:prstTxWarp>
+          </a:bodyPr>
+          <a:lstStyle/>
+          <a:p>
+            <a:pPr marL="0" marR="0" indent="0" algn="ctr" defTabSz="914400" rtl="0" eaLnBrk="1" fontAlgn="base" latinLnBrk="0" hangingPunct="1">
+              <a:lnSpc>
+                <a:spcPct val="100000"/>
+              </a:lnSpc>
+              <a:spcBef>
+                <a:spcPct val="0"/>
+              </a:spcBef>
+              <a:spcAft>
+                <a:spcPct val="0"/>
+              </a:spcAft>
+              <a:buClrTx/>
+              <a:buSzTx/>
+              <a:buFontTx/>
+              <a:buNone/>
+              <a:tabLst/>
+            </a:pPr>
+            <a:r>
+              <a:rPr kumimoji="0" lang="zh-CN" altLang="en-US" sz="1800" b="0" i="0" u="none" strike="noStrike" cap="none" normalizeH="0" baseline="0" dirty="0">
+                <a:ln>
+                  <a:noFill/>
+                </a:ln>
+                <a:solidFill>
+                  <a:schemeClr val="tx1"/>
+                </a:solidFill>
+                <a:effectLst/>
+                <a:latin typeface="Times New Roman" pitchFamily="18" charset="0"/>
+                <a:ea typeface="宋体" charset="-122"/>
+              </a:rPr>
+              <a:t>分析工具</a:t>
+            </a:r>
+          </a:p>
+        </p:txBody>
+      </p:sp>
+      <p:cxnSp>
+        <p:nvCxnSpPr>
+          <p:cNvPr id="11" name="直接箭头连接符 10">
+            <a:extLst>
+              <a:ext uri="{FF2B5EF4-FFF2-40B4-BE49-F238E27FC236}">
+                <a16:creationId xmlns:a16="http://schemas.microsoft.com/office/drawing/2014/main" id="{41FCFCBD-784E-4E90-B2A1-5A87E5C79663}"/>
+              </a:ext>
+            </a:extLst>
+          </p:cNvPr>
+          <p:cNvCxnSpPr>
+            <a:cxnSpLocks/>
+            <a:stCxn id="5" idx="3"/>
+            <a:endCxn id="6" idx="1"/>
+          </p:cNvCxnSpPr>
+          <p:nvPr/>
+        </p:nvCxnSpPr>
+        <p:spPr bwMode="auto">
+          <a:xfrm>
+            <a:off x="2254102" y="4646348"/>
+            <a:ext cx="556437" cy="0"/>
+          </a:xfrm>
+          <a:prstGeom prst="straightConnector1">
+            <a:avLst/>
+          </a:prstGeom>
+          <a:solidFill>
+            <a:schemeClr val="bg1"/>
+          </a:solidFill>
+          <a:ln w="9525" cap="flat" cmpd="sng" algn="ctr">
+            <a:solidFill>
+              <a:srgbClr val="FF0000"/>
+            </a:solidFill>
+            <a:prstDash val="solid"/>
+            <a:round/>
+            <a:headEnd type="none" w="med" len="med"/>
+            <a:tailEnd type="triangle"/>
+          </a:ln>
+          <a:effectLst/>
+        </p:spPr>
+      </p:cxnSp>
+      <p:cxnSp>
+        <p:nvCxnSpPr>
+          <p:cNvPr id="13" name="直接箭头连接符 12">
+            <a:extLst>
+              <a:ext uri="{FF2B5EF4-FFF2-40B4-BE49-F238E27FC236}">
+                <a16:creationId xmlns:a16="http://schemas.microsoft.com/office/drawing/2014/main" id="{CCDDE31F-4FF7-4FF9-918B-80BA01662801}"/>
+              </a:ext>
+            </a:extLst>
+          </p:cNvPr>
+          <p:cNvCxnSpPr>
+            <a:cxnSpLocks/>
+            <a:stCxn id="6" idx="3"/>
+            <a:endCxn id="8" idx="1"/>
+          </p:cNvCxnSpPr>
+          <p:nvPr/>
+        </p:nvCxnSpPr>
+        <p:spPr bwMode="auto">
+          <a:xfrm>
+            <a:off x="4373525" y="4646348"/>
+            <a:ext cx="556437" cy="0"/>
+          </a:xfrm>
+          <a:prstGeom prst="straightConnector1">
+            <a:avLst/>
+          </a:prstGeom>
+          <a:solidFill>
+            <a:schemeClr val="bg1"/>
+          </a:solidFill>
+          <a:ln w="9525" cap="flat" cmpd="sng" algn="ctr">
+            <a:solidFill>
+              <a:srgbClr val="FF0000"/>
+            </a:solidFill>
+            <a:prstDash val="solid"/>
+            <a:round/>
+            <a:headEnd type="none" w="med" len="med"/>
+            <a:tailEnd type="triangle"/>
+          </a:ln>
+          <a:effectLst/>
+        </p:spPr>
+      </p:cxnSp>
+      <p:cxnSp>
+        <p:nvCxnSpPr>
+          <p:cNvPr id="15" name="直接箭头连接符 14">
+            <a:extLst>
+              <a:ext uri="{FF2B5EF4-FFF2-40B4-BE49-F238E27FC236}">
+                <a16:creationId xmlns:a16="http://schemas.microsoft.com/office/drawing/2014/main" id="{12B92014-97F6-4104-890C-DAD2B12ED178}"/>
+              </a:ext>
+            </a:extLst>
+          </p:cNvPr>
+          <p:cNvCxnSpPr>
+            <a:cxnSpLocks/>
+            <a:stCxn id="8" idx="3"/>
+            <a:endCxn id="9" idx="1"/>
+          </p:cNvCxnSpPr>
+          <p:nvPr/>
+        </p:nvCxnSpPr>
+        <p:spPr bwMode="auto">
+          <a:xfrm>
+            <a:off x="6492948" y="4646348"/>
+            <a:ext cx="554666" cy="0"/>
+          </a:xfrm>
+          <a:prstGeom prst="straightConnector1">
+            <a:avLst/>
+          </a:prstGeom>
+          <a:solidFill>
+            <a:schemeClr val="bg1"/>
+          </a:solidFill>
+          <a:ln w="9525" cap="flat" cmpd="sng" algn="ctr">
+            <a:solidFill>
+              <a:srgbClr val="FF0000"/>
+            </a:solidFill>
+            <a:prstDash val="solid"/>
+            <a:round/>
+            <a:headEnd type="none" w="med" len="med"/>
+            <a:tailEnd type="triangle"/>
+          </a:ln>
+          <a:effectLst/>
+        </p:spPr>
+      </p:cxnSp>
+      <p:cxnSp>
+        <p:nvCxnSpPr>
+          <p:cNvPr id="18" name="直接箭头连接符 17">
+            <a:extLst>
+              <a:ext uri="{FF2B5EF4-FFF2-40B4-BE49-F238E27FC236}">
+                <a16:creationId xmlns:a16="http://schemas.microsoft.com/office/drawing/2014/main" id="{74768535-DC6C-407A-838A-3CC22097E74B}"/>
+              </a:ext>
+            </a:extLst>
+          </p:cNvPr>
+          <p:cNvCxnSpPr>
+            <a:cxnSpLocks/>
+            <a:stCxn id="6" idx="2"/>
+            <a:endCxn id="7" idx="0"/>
+          </p:cNvCxnSpPr>
+          <p:nvPr/>
+        </p:nvCxnSpPr>
+        <p:spPr bwMode="auto">
+          <a:xfrm>
+            <a:off x="3592032" y="5087599"/>
+            <a:ext cx="0" cy="503238"/>
+          </a:xfrm>
+          <a:prstGeom prst="straightConnector1">
+            <a:avLst/>
+          </a:prstGeom>
+          <a:solidFill>
+            <a:schemeClr val="bg1"/>
+          </a:solidFill>
+          <a:ln w="9525" cap="flat" cmpd="sng" algn="ctr">
+            <a:solidFill>
+              <a:srgbClr val="FF0000"/>
+            </a:solidFill>
+            <a:prstDash val="solid"/>
+            <a:round/>
+            <a:headEnd type="none" w="med" len="med"/>
+            <a:tailEnd type="triangle"/>
+          </a:ln>
+          <a:effectLst/>
+        </p:spPr>
+      </p:cxnSp>
+      <p:cxnSp>
+        <p:nvCxnSpPr>
+          <p:cNvPr id="20" name="连接符: 肘形 19">
+            <a:extLst>
+              <a:ext uri="{FF2B5EF4-FFF2-40B4-BE49-F238E27FC236}">
+                <a16:creationId xmlns:a16="http://schemas.microsoft.com/office/drawing/2014/main" id="{A5F75804-BA59-47CF-858C-8B6E1BBA0271}"/>
+              </a:ext>
+            </a:extLst>
+          </p:cNvPr>
+          <p:cNvCxnSpPr>
+            <a:cxnSpLocks/>
+            <a:stCxn id="7" idx="1"/>
+            <a:endCxn id="5" idx="2"/>
+          </p:cNvCxnSpPr>
+          <p:nvPr/>
+        </p:nvCxnSpPr>
+        <p:spPr bwMode="auto">
+          <a:xfrm rot="10800000">
+            <a:off x="1472609" y="5087600"/>
+            <a:ext cx="1337930" cy="944489"/>
+          </a:xfrm>
+          <a:prstGeom prst="bentConnector2">
+            <a:avLst/>
+          </a:prstGeom>
+          <a:solidFill>
+            <a:schemeClr val="bg1"/>
+          </a:solidFill>
+          <a:ln w="9525" cap="flat" cmpd="sng" algn="ctr">
+            <a:solidFill>
+              <a:srgbClr val="FF0000"/>
+            </a:solidFill>
+            <a:prstDash val="solid"/>
+            <a:round/>
+            <a:headEnd type="none" w="med" len="med"/>
+            <a:tailEnd type="triangle"/>
+          </a:ln>
+          <a:effectLst/>
+        </p:spPr>
+      </p:cxnSp>
     </p:spTree>
     <p:extLst>
       <p:ext uri="{BB962C8B-B14F-4D97-AF65-F5344CB8AC3E}">
-        <p14:creationId xmlns:p14="http://schemas.microsoft.com/office/powerpoint/2010/main" val="3017112151"/>
+        <p14:creationId xmlns:p14="http://schemas.microsoft.com/office/powerpoint/2010/main" val="2297927943"/>
       </p:ext>
     </p:extLst>
   </p:cSld>

--- a/pre.pptx
+++ b/pre.pptx
@@ -283,7 +283,7 @@
           <a:p>
             <a:fld id="{7151C8AC-558D-4E5A-B5BE-E9138EEC6E89}" type="datetimeFigureOut">
               <a:rPr lang="zh-CN" altLang="en-US" smtClean="0"/>
-              <a:t>2020/12/19</a:t>
+              <a:t>2020/12/22</a:t>
             </a:fld>
             <a:endParaRPr lang="zh-CN" altLang="en-US"/>
           </a:p>
@@ -1629,20 +1629,6 @@
             </a:r>
             <a:endParaRPr lang="en-US" altLang="zh-CN" dirty="0"/>
           </a:p>
-          <a:p>
-            <a:endParaRPr lang="en-US" altLang="zh-CN" dirty="0"/>
-          </a:p>
-          <a:p>
-            <a:r>
-              <a:rPr lang="zh-CN" altLang="en-US" dirty="0"/>
-              <a:t>需要强调我们的研究工作是针对以太坊上的编程语言</a:t>
-            </a:r>
-            <a:r>
-              <a:rPr lang="en-US" altLang="zh-CN" dirty="0"/>
-              <a:t>solidity</a:t>
-            </a:r>
-            <a:endParaRPr lang="zh-CN" altLang="en-US" dirty="0"/>
-          </a:p>
         </p:txBody>
       </p:sp>
       <p:sp>
@@ -3374,7 +3360,7 @@
           <a:p>
             <a:fld id="{2C26A3A7-A120-45DC-8A3C-48F67639DFDC}" type="datetime1">
               <a:rPr lang="zh-CN" altLang="en-US" smtClean="0"/>
-              <a:t>2020/12/19</a:t>
+              <a:t>2020/12/22</a:t>
             </a:fld>
             <a:endParaRPr lang="en-US" altLang="zh-CN"/>
           </a:p>
@@ -3814,7 +3800,7 @@
           <a:p>
             <a:fld id="{5A18A684-D0D9-4C16-87FA-ADEA0BF41756}" type="datetime1">
               <a:rPr lang="zh-CN" altLang="en-US" smtClean="0"/>
-              <a:t>2020/12/19</a:t>
+              <a:t>2020/12/22</a:t>
             </a:fld>
             <a:endParaRPr lang="en-US" altLang="zh-CN"/>
           </a:p>
@@ -4009,7 +3995,7 @@
           <a:p>
             <a:fld id="{3DDCCA6F-C026-4291-BD05-B9DBFEAD160E}" type="datetime1">
               <a:rPr lang="zh-CN" altLang="en-US" smtClean="0"/>
-              <a:t>2020/12/19</a:t>
+              <a:t>2020/12/22</a:t>
             </a:fld>
             <a:endParaRPr lang="en-US" altLang="zh-CN"/>
           </a:p>
@@ -4210,7 +4196,7 @@
           <a:p>
             <a:fld id="{A3B0C9B9-9A3A-4BED-B572-2C66C995540B}" type="datetime1">
               <a:rPr lang="zh-CN" altLang="en-US" smtClean="0"/>
-              <a:t>2020/12/19</a:t>
+              <a:t>2020/12/22</a:t>
             </a:fld>
             <a:endParaRPr lang="en-US" altLang="zh-CN"/>
           </a:p>
@@ -4418,7 +4404,7 @@
           <a:p>
             <a:fld id="{CE1337DB-B33B-4EA1-BFD1-41D00301BEB3}" type="datetime1">
               <a:rPr lang="zh-CN" altLang="en-US" smtClean="0"/>
-              <a:t>2020/12/19</a:t>
+              <a:t>2020/12/22</a:t>
             </a:fld>
             <a:endParaRPr lang="en-US" altLang="zh-CN"/>
           </a:p>
@@ -4720,7 +4706,7 @@
           <a:p>
             <a:fld id="{2CD07A63-0B45-4E48-9F07-F8FFD2700591}" type="datetime1">
               <a:rPr lang="zh-CN" altLang="en-US" smtClean="0"/>
-              <a:t>2020/12/19</a:t>
+              <a:t>2020/12/22</a:t>
             </a:fld>
             <a:endParaRPr lang="en-US" altLang="zh-CN"/>
           </a:p>
@@ -5161,7 +5147,7 @@
           <a:p>
             <a:fld id="{2B75C3B8-A7D2-4E0E-A565-DB9235F59A93}" type="datetime1">
               <a:rPr lang="zh-CN" altLang="en-US" smtClean="0"/>
-              <a:t>2020/12/19</a:t>
+              <a:t>2020/12/22</a:t>
             </a:fld>
             <a:endParaRPr lang="en-US" altLang="zh-CN"/>
           </a:p>
@@ -5295,7 +5281,7 @@
           <a:p>
             <a:fld id="{756AEB06-F8AC-45FF-9F78-C03E011C2CD6}" type="datetime1">
               <a:rPr lang="zh-CN" altLang="en-US" smtClean="0"/>
-              <a:t>2020/12/19</a:t>
+              <a:t>2020/12/22</a:t>
             </a:fld>
             <a:endParaRPr lang="en-US" altLang="zh-CN"/>
           </a:p>
@@ -5407,7 +5393,7 @@
           <a:p>
             <a:fld id="{BABEB59D-DA7D-4DF2-B6C1-54AF9696C085}" type="datetime1">
               <a:rPr lang="zh-CN" altLang="en-US" smtClean="0"/>
-              <a:t>2020/12/19</a:t>
+              <a:t>2020/12/22</a:t>
             </a:fld>
             <a:endParaRPr lang="en-US" altLang="zh-CN"/>
           </a:p>
@@ -5699,7 +5685,7 @@
           <a:p>
             <a:fld id="{849BD0B2-DE48-4D8C-9EB5-1A971C9805B8}" type="datetime1">
               <a:rPr lang="zh-CN" altLang="en-US" smtClean="0"/>
-              <a:t>2020/12/19</a:t>
+              <a:t>2020/12/22</a:t>
             </a:fld>
             <a:endParaRPr lang="en-US" altLang="zh-CN"/>
           </a:p>
@@ -5971,7 +5957,7 @@
           <a:p>
             <a:fld id="{91D32AAA-AA4A-4821-85AF-844614B8E32F}" type="datetime1">
               <a:rPr lang="zh-CN" altLang="en-US" smtClean="0"/>
-              <a:t>2020/12/19</a:t>
+              <a:t>2020/12/22</a:t>
             </a:fld>
             <a:endParaRPr lang="en-US" altLang="zh-CN"/>
           </a:p>
@@ -6331,7 +6317,7 @@
           <a:p>
             <a:fld id="{192EB481-266F-4FAA-B400-28200EE7F14C}" type="datetime1">
               <a:rPr lang="zh-CN" altLang="en-US" smtClean="0"/>
-              <a:t>2020/12/19</a:t>
+              <a:t>2020/12/22</a:t>
             </a:fld>
             <a:endParaRPr lang="en-US" altLang="zh-CN"/>
           </a:p>
@@ -7915,7 +7901,7 @@
             <a:pPr lvl="1"/>
             <a:r>
               <a:rPr lang="zh-CN" altLang="en-US" dirty="0"/>
-              <a:t>项目提供一个基础种子池，测试框架先在这个种子池的基础上进行变异，获取一些变异输入。变异的方式包括随机增减、随机翻转比特、随机更换字符等。</a:t>
+              <a:t>项目通过提取运行时的堆栈数据，输入到种子池作为基础，测试框架在这个种子池的基础上进行变异，获取一些变异输入。变异的方式包括随机增减、翻转比特、随机更换字符等。</a:t>
             </a:r>
             <a:endParaRPr lang="en-US" altLang="zh-CN" dirty="0"/>
           </a:p>
